--- a/Resources/NBA Project PPT.pptx
+++ b/Resources/NBA Project PPT.pptx
@@ -2,31 +2,23 @@
 <file path=ppt/presentation.xml><?xml version="1.0" encoding="utf-8"?>
 <p:presentation xmlns:a="http://schemas.openxmlformats.org/drawingml/2006/main" xmlns:r="http://schemas.openxmlformats.org/officeDocument/2006/relationships" xmlns:p="http://schemas.openxmlformats.org/presentationml/2006/main" saveSubsetFonts="1" autoCompressPictures="0">
   <p:sldMasterIdLst>
-    <p:sldMasterId id="2147483648" r:id="rId1"/>
+    <p:sldMasterId id="2147483684" r:id="rId1"/>
   </p:sldMasterIdLst>
   <p:notesMasterIdLst>
-    <p:notesMasterId r:id="rId21"/>
+    <p:notesMasterId r:id="rId13"/>
   </p:notesMasterIdLst>
   <p:sldIdLst>
     <p:sldId id="256" r:id="rId2"/>
-    <p:sldId id="260" r:id="rId3"/>
-    <p:sldId id="261" r:id="rId4"/>
+    <p:sldId id="275" r:id="rId3"/>
+    <p:sldId id="276" r:id="rId4"/>
     <p:sldId id="257" r:id="rId5"/>
     <p:sldId id="259" r:id="rId6"/>
-    <p:sldId id="264" r:id="rId7"/>
-    <p:sldId id="263" r:id="rId8"/>
-    <p:sldId id="262" r:id="rId9"/>
-    <p:sldId id="265" r:id="rId10"/>
-    <p:sldId id="266" r:id="rId11"/>
-    <p:sldId id="267" r:id="rId12"/>
-    <p:sldId id="268" r:id="rId13"/>
-    <p:sldId id="269" r:id="rId14"/>
-    <p:sldId id="270" r:id="rId15"/>
-    <p:sldId id="274" r:id="rId16"/>
-    <p:sldId id="275" r:id="rId17"/>
-    <p:sldId id="272" r:id="rId18"/>
-    <p:sldId id="273" r:id="rId19"/>
-    <p:sldId id="271" r:id="rId20"/>
+    <p:sldId id="270" r:id="rId7"/>
+    <p:sldId id="289" r:id="rId8"/>
+    <p:sldId id="290" r:id="rId9"/>
+    <p:sldId id="291" r:id="rId10"/>
+    <p:sldId id="292" r:id="rId11"/>
+    <p:sldId id="288" r:id="rId12"/>
   </p:sldIdLst>
   <p:sldSz cx="12192000" cy="6858000"/>
   <p:notesSz cx="6858000" cy="9144000"/>
@@ -34,7 +26,7 @@
     <a:defPPr>
       <a:defRPr lang="en-US"/>
     </a:defPPr>
-    <a:lvl1pPr marL="0" algn="l" defTabSz="914400" rtl="0" eaLnBrk="1" latinLnBrk="0" hangingPunct="1">
+    <a:lvl1pPr marL="0" algn="l" defTabSz="457200" rtl="0" eaLnBrk="1" latinLnBrk="0" hangingPunct="1">
       <a:defRPr sz="1800" kern="1200">
         <a:solidFill>
           <a:schemeClr val="tx1"/>
@@ -44,7 +36,7 @@
         <a:cs typeface="+mn-cs"/>
       </a:defRPr>
     </a:lvl1pPr>
-    <a:lvl2pPr marL="457200" algn="l" defTabSz="914400" rtl="0" eaLnBrk="1" latinLnBrk="0" hangingPunct="1">
+    <a:lvl2pPr marL="457200" algn="l" defTabSz="457200" rtl="0" eaLnBrk="1" latinLnBrk="0" hangingPunct="1">
       <a:defRPr sz="1800" kern="1200">
         <a:solidFill>
           <a:schemeClr val="tx1"/>
@@ -54,7 +46,7 @@
         <a:cs typeface="+mn-cs"/>
       </a:defRPr>
     </a:lvl2pPr>
-    <a:lvl3pPr marL="914400" algn="l" defTabSz="914400" rtl="0" eaLnBrk="1" latinLnBrk="0" hangingPunct="1">
+    <a:lvl3pPr marL="914400" algn="l" defTabSz="457200" rtl="0" eaLnBrk="1" latinLnBrk="0" hangingPunct="1">
       <a:defRPr sz="1800" kern="1200">
         <a:solidFill>
           <a:schemeClr val="tx1"/>
@@ -64,7 +56,7 @@
         <a:cs typeface="+mn-cs"/>
       </a:defRPr>
     </a:lvl3pPr>
-    <a:lvl4pPr marL="1371600" algn="l" defTabSz="914400" rtl="0" eaLnBrk="1" latinLnBrk="0" hangingPunct="1">
+    <a:lvl4pPr marL="1371600" algn="l" defTabSz="457200" rtl="0" eaLnBrk="1" latinLnBrk="0" hangingPunct="1">
       <a:defRPr sz="1800" kern="1200">
         <a:solidFill>
           <a:schemeClr val="tx1"/>
@@ -74,7 +66,7 @@
         <a:cs typeface="+mn-cs"/>
       </a:defRPr>
     </a:lvl4pPr>
-    <a:lvl5pPr marL="1828800" algn="l" defTabSz="914400" rtl="0" eaLnBrk="1" latinLnBrk="0" hangingPunct="1">
+    <a:lvl5pPr marL="1828800" algn="l" defTabSz="457200" rtl="0" eaLnBrk="1" latinLnBrk="0" hangingPunct="1">
       <a:defRPr sz="1800" kern="1200">
         <a:solidFill>
           <a:schemeClr val="tx1"/>
@@ -84,7 +76,7 @@
         <a:cs typeface="+mn-cs"/>
       </a:defRPr>
     </a:lvl5pPr>
-    <a:lvl6pPr marL="2286000" algn="l" defTabSz="914400" rtl="0" eaLnBrk="1" latinLnBrk="0" hangingPunct="1">
+    <a:lvl6pPr marL="2286000" algn="l" defTabSz="457200" rtl="0" eaLnBrk="1" latinLnBrk="0" hangingPunct="1">
       <a:defRPr sz="1800" kern="1200">
         <a:solidFill>
           <a:schemeClr val="tx1"/>
@@ -94,7 +86,7 @@
         <a:cs typeface="+mn-cs"/>
       </a:defRPr>
     </a:lvl6pPr>
-    <a:lvl7pPr marL="2743200" algn="l" defTabSz="914400" rtl="0" eaLnBrk="1" latinLnBrk="0" hangingPunct="1">
+    <a:lvl7pPr marL="2743200" algn="l" defTabSz="457200" rtl="0" eaLnBrk="1" latinLnBrk="0" hangingPunct="1">
       <a:defRPr sz="1800" kern="1200">
         <a:solidFill>
           <a:schemeClr val="tx1"/>
@@ -104,7 +96,7 @@
         <a:cs typeface="+mn-cs"/>
       </a:defRPr>
     </a:lvl7pPr>
-    <a:lvl8pPr marL="3200400" algn="l" defTabSz="914400" rtl="0" eaLnBrk="1" latinLnBrk="0" hangingPunct="1">
+    <a:lvl8pPr marL="3200400" algn="l" defTabSz="457200" rtl="0" eaLnBrk="1" latinLnBrk="0" hangingPunct="1">
       <a:defRPr sz="1800" kern="1200">
         <a:solidFill>
           <a:schemeClr val="tx1"/>
@@ -114,7 +106,7 @@
         <a:cs typeface="+mn-cs"/>
       </a:defRPr>
     </a:lvl8pPr>
-    <a:lvl9pPr marL="3657600" algn="l" defTabSz="914400" rtl="0" eaLnBrk="1" latinLnBrk="0" hangingPunct="1">
+    <a:lvl9pPr marL="3657600" algn="l" defTabSz="457200" rtl="0" eaLnBrk="1" latinLnBrk="0" hangingPunct="1">
       <a:defRPr sz="1800" kern="1200">
         <a:solidFill>
           <a:schemeClr val="tx1"/>
@@ -131,97 +123,6 @@
     </p:ext>
   </p:extLst>
 </p:presentation>
-</file>
-
-<file path=ppt/changesInfos/changesInfo1.xml><?xml version="1.0" encoding="utf-8"?>
-<pc:chgInfo xmlns:a="http://schemas.openxmlformats.org/drawingml/2006/main" xmlns:r="http://schemas.openxmlformats.org/officeDocument/2006/relationships" xmlns:ac="http://schemas.microsoft.com/office/drawing/2013/main/command" xmlns:pc="http://schemas.microsoft.com/office/powerpoint/2013/main/command">
-  <pc:docChgLst>
-    <pc:chgData name="Sri Hari Priya Maringanti" userId="ecba00ba1504044b" providerId="LiveId" clId="{6904643D-C312-4FD0-A194-7AD86DB35526}"/>
-    <pc:docChg chg="custSel addSld modSld">
-      <pc:chgData name="Sri Hari Priya Maringanti" userId="ecba00ba1504044b" providerId="LiveId" clId="{6904643D-C312-4FD0-A194-7AD86DB35526}" dt="2023-06-13T17:01:37.993" v="33" actId="20577"/>
-      <pc:docMkLst>
-        <pc:docMk/>
-      </pc:docMkLst>
-      <pc:sldChg chg="addSp delSp mod">
-        <pc:chgData name="Sri Hari Priya Maringanti" userId="ecba00ba1504044b" providerId="LiveId" clId="{6904643D-C312-4FD0-A194-7AD86DB35526}" dt="2023-06-13T17:00:02.791" v="4" actId="22"/>
-        <pc:sldMkLst>
-          <pc:docMk/>
-          <pc:sldMk cId="849832236" sldId="270"/>
-        </pc:sldMkLst>
-        <pc:picChg chg="add">
-          <ac:chgData name="Sri Hari Priya Maringanti" userId="ecba00ba1504044b" providerId="LiveId" clId="{6904643D-C312-4FD0-A194-7AD86DB35526}" dt="2023-06-13T17:00:02.791" v="4" actId="22"/>
-          <ac:picMkLst>
-            <pc:docMk/>
-            <pc:sldMk cId="849832236" sldId="270"/>
-            <ac:picMk id="5" creationId="{232685E6-A9AC-3F92-70D4-EA0195F3EE3E}"/>
-          </ac:picMkLst>
-        </pc:picChg>
-        <pc:picChg chg="del">
-          <ac:chgData name="Sri Hari Priya Maringanti" userId="ecba00ba1504044b" providerId="LiveId" clId="{6904643D-C312-4FD0-A194-7AD86DB35526}" dt="2023-06-13T16:58:41.650" v="0" actId="478"/>
-          <ac:picMkLst>
-            <pc:docMk/>
-            <pc:sldMk cId="849832236" sldId="270"/>
-            <ac:picMk id="6" creationId="{EEAA6E70-1D92-36AE-9BAA-BB5580A197BF}"/>
-          </ac:picMkLst>
-        </pc:picChg>
-      </pc:sldChg>
-      <pc:sldChg chg="addSp delSp mod">
-        <pc:chgData name="Sri Hari Priya Maringanti" userId="ecba00ba1504044b" providerId="LiveId" clId="{6904643D-C312-4FD0-A194-7AD86DB35526}" dt="2023-06-13T17:00:37.444" v="5" actId="22"/>
-        <pc:sldMkLst>
-          <pc:docMk/>
-          <pc:sldMk cId="3916664619" sldId="274"/>
-        </pc:sldMkLst>
-        <pc:picChg chg="add">
-          <ac:chgData name="Sri Hari Priya Maringanti" userId="ecba00ba1504044b" providerId="LiveId" clId="{6904643D-C312-4FD0-A194-7AD86DB35526}" dt="2023-06-13T17:00:37.444" v="5" actId="22"/>
-          <ac:picMkLst>
-            <pc:docMk/>
-            <pc:sldMk cId="3916664619" sldId="274"/>
-            <ac:picMk id="5" creationId="{27956B32-8098-1A84-5E43-C5CFCD3C8F6B}"/>
-          </ac:picMkLst>
-        </pc:picChg>
-        <pc:picChg chg="del">
-          <ac:chgData name="Sri Hari Priya Maringanti" userId="ecba00ba1504044b" providerId="LiveId" clId="{6904643D-C312-4FD0-A194-7AD86DB35526}" dt="2023-06-13T16:58:52.275" v="2" actId="478"/>
-          <ac:picMkLst>
-            <pc:docMk/>
-            <pc:sldMk cId="3916664619" sldId="274"/>
-            <ac:picMk id="6" creationId="{EEAA6E70-1D92-36AE-9BAA-BB5580A197BF}"/>
-          </ac:picMkLst>
-        </pc:picChg>
-      </pc:sldChg>
-      <pc:sldChg chg="addSp delSp modSp add mod">
-        <pc:chgData name="Sri Hari Priya Maringanti" userId="ecba00ba1504044b" providerId="LiveId" clId="{6904643D-C312-4FD0-A194-7AD86DB35526}" dt="2023-06-13T17:01:37.993" v="33" actId="20577"/>
-        <pc:sldMkLst>
-          <pc:docMk/>
-          <pc:sldMk cId="2356194855" sldId="275"/>
-        </pc:sldMkLst>
-        <pc:spChg chg="mod">
-          <ac:chgData name="Sri Hari Priya Maringanti" userId="ecba00ba1504044b" providerId="LiveId" clId="{6904643D-C312-4FD0-A194-7AD86DB35526}" dt="2023-06-13T17:01:37.993" v="33" actId="20577"/>
-          <ac:spMkLst>
-            <pc:docMk/>
-            <pc:sldMk cId="2356194855" sldId="275"/>
-            <ac:spMk id="2" creationId="{DC32C837-27EB-8654-3685-5DF85A1D0AF6}"/>
-          </ac:spMkLst>
-        </pc:spChg>
-        <pc:picChg chg="add">
-          <ac:chgData name="Sri Hari Priya Maringanti" userId="ecba00ba1504044b" providerId="LiveId" clId="{6904643D-C312-4FD0-A194-7AD86DB35526}" dt="2023-06-13T17:01:24.410" v="6" actId="22"/>
-          <ac:picMkLst>
-            <pc:docMk/>
-            <pc:sldMk cId="2356194855" sldId="275"/>
-            <ac:picMk id="5" creationId="{C02216F5-DE72-ACF7-9DD3-0923450AC648}"/>
-          </ac:picMkLst>
-        </pc:picChg>
-        <pc:picChg chg="del">
-          <ac:chgData name="Sri Hari Priya Maringanti" userId="ecba00ba1504044b" providerId="LiveId" clId="{6904643D-C312-4FD0-A194-7AD86DB35526}" dt="2023-06-13T16:58:55.553" v="3" actId="478"/>
-          <ac:picMkLst>
-            <pc:docMk/>
-            <pc:sldMk cId="2356194855" sldId="275"/>
-            <ac:picMk id="6" creationId="{EEAA6E70-1D92-36AE-9BAA-BB5580A197BF}"/>
-          </ac:picMkLst>
-        </pc:picChg>
-      </pc:sldChg>
-    </pc:docChg>
-  </pc:docChgLst>
-</pc:chgInfo>
 </file>
 
 <file path=ppt/notesMasters/notesMaster1.xml><?xml version="1.0" encoding="utf-8"?>
@@ -658,342 +559,6 @@
 </p:notes>
 </file>
 
-<file path=ppt/notesSlides/notesSlide2.xml><?xml version="1.0" encoding="utf-8"?>
-<p:notes xmlns:a="http://schemas.openxmlformats.org/drawingml/2006/main" xmlns:r="http://schemas.openxmlformats.org/officeDocument/2006/relationships" xmlns:p="http://schemas.openxmlformats.org/presentationml/2006/main">
-  <p:cSld>
-    <p:spTree>
-      <p:nvGrpSpPr>
-        <p:cNvPr id="1" name=""/>
-        <p:cNvGrpSpPr/>
-        <p:nvPr/>
-      </p:nvGrpSpPr>
-      <p:grpSpPr>
-        <a:xfrm>
-          <a:off x="0" y="0"/>
-          <a:ext cx="0" cy="0"/>
-          <a:chOff x="0" y="0"/>
-          <a:chExt cx="0" cy="0"/>
-        </a:xfrm>
-      </p:grpSpPr>
-      <p:sp>
-        <p:nvSpPr>
-          <p:cNvPr id="2" name="Slide Image Placeholder 1"/>
-          <p:cNvSpPr>
-            <a:spLocks noGrp="1" noRot="1" noChangeAspect="1"/>
-          </p:cNvSpPr>
-          <p:nvPr>
-            <p:ph type="sldImg"/>
-          </p:nvPr>
-        </p:nvSpPr>
-        <p:spPr/>
-      </p:sp>
-      <p:sp>
-        <p:nvSpPr>
-          <p:cNvPr id="3" name="Notes Placeholder 2"/>
-          <p:cNvSpPr>
-            <a:spLocks noGrp="1"/>
-          </p:cNvSpPr>
-          <p:nvPr>
-            <p:ph type="body" idx="1"/>
-          </p:nvPr>
-        </p:nvSpPr>
-        <p:spPr/>
-        <p:txBody>
-          <a:bodyPr/>
-          <a:lstStyle/>
-          <a:p>
-            <a:endParaRPr lang="en-US" dirty="0"/>
-          </a:p>
-        </p:txBody>
-      </p:sp>
-      <p:sp>
-        <p:nvSpPr>
-          <p:cNvPr id="4" name="Slide Number Placeholder 3"/>
-          <p:cNvSpPr>
-            <a:spLocks noGrp="1"/>
-          </p:cNvSpPr>
-          <p:nvPr>
-            <p:ph type="sldNum" sz="quarter" idx="5"/>
-          </p:nvPr>
-        </p:nvSpPr>
-        <p:spPr/>
-        <p:txBody>
-          <a:bodyPr/>
-          <a:lstStyle/>
-          <a:p>
-            <a:fld id="{B0C370CA-A689-E843-AD52-5ABA0D524309}" type="slidenum">
-              <a:rPr lang="en-US" smtClean="0"/>
-              <a:t>2</a:t>
-            </a:fld>
-            <a:endParaRPr lang="en-US"/>
-          </a:p>
-        </p:txBody>
-      </p:sp>
-    </p:spTree>
-    <p:extLst>
-      <p:ext uri="{BB962C8B-B14F-4D97-AF65-F5344CB8AC3E}">
-        <p14:creationId xmlns:p14="http://schemas.microsoft.com/office/powerpoint/2010/main" val="2670521510"/>
-      </p:ext>
-    </p:extLst>
-  </p:cSld>
-  <p:clrMapOvr>
-    <a:masterClrMapping/>
-  </p:clrMapOvr>
-</p:notes>
-</file>
-
-<file path=ppt/notesSlides/notesSlide3.xml><?xml version="1.0" encoding="utf-8"?>
-<p:notes xmlns:a="http://schemas.openxmlformats.org/drawingml/2006/main" xmlns:r="http://schemas.openxmlformats.org/officeDocument/2006/relationships" xmlns:p="http://schemas.openxmlformats.org/presentationml/2006/main">
-  <p:cSld>
-    <p:spTree>
-      <p:nvGrpSpPr>
-        <p:cNvPr id="1" name=""/>
-        <p:cNvGrpSpPr/>
-        <p:nvPr/>
-      </p:nvGrpSpPr>
-      <p:grpSpPr>
-        <a:xfrm>
-          <a:off x="0" y="0"/>
-          <a:ext cx="0" cy="0"/>
-          <a:chOff x="0" y="0"/>
-          <a:chExt cx="0" cy="0"/>
-        </a:xfrm>
-      </p:grpSpPr>
-      <p:sp>
-        <p:nvSpPr>
-          <p:cNvPr id="2" name="Slide Image Placeholder 1"/>
-          <p:cNvSpPr>
-            <a:spLocks noGrp="1" noRot="1" noChangeAspect="1"/>
-          </p:cNvSpPr>
-          <p:nvPr>
-            <p:ph type="sldImg"/>
-          </p:nvPr>
-        </p:nvSpPr>
-        <p:spPr/>
-      </p:sp>
-      <p:sp>
-        <p:nvSpPr>
-          <p:cNvPr id="3" name="Notes Placeholder 2"/>
-          <p:cNvSpPr>
-            <a:spLocks noGrp="1"/>
-          </p:cNvSpPr>
-          <p:nvPr>
-            <p:ph type="body" idx="1"/>
-          </p:nvPr>
-        </p:nvSpPr>
-        <p:spPr/>
-        <p:txBody>
-          <a:bodyPr/>
-          <a:lstStyle/>
-          <a:p>
-            <a:endParaRPr lang="en-US" dirty="0"/>
-          </a:p>
-        </p:txBody>
-      </p:sp>
-      <p:sp>
-        <p:nvSpPr>
-          <p:cNvPr id="4" name="Slide Number Placeholder 3"/>
-          <p:cNvSpPr>
-            <a:spLocks noGrp="1"/>
-          </p:cNvSpPr>
-          <p:nvPr>
-            <p:ph type="sldNum" sz="quarter" idx="5"/>
-          </p:nvPr>
-        </p:nvSpPr>
-        <p:spPr/>
-        <p:txBody>
-          <a:bodyPr/>
-          <a:lstStyle/>
-          <a:p>
-            <a:fld id="{B0C370CA-A689-E843-AD52-5ABA0D524309}" type="slidenum">
-              <a:rPr lang="en-US" smtClean="0"/>
-              <a:t>8</a:t>
-            </a:fld>
-            <a:endParaRPr lang="en-US"/>
-          </a:p>
-        </p:txBody>
-      </p:sp>
-    </p:spTree>
-    <p:extLst>
-      <p:ext uri="{BB962C8B-B14F-4D97-AF65-F5344CB8AC3E}">
-        <p14:creationId xmlns:p14="http://schemas.microsoft.com/office/powerpoint/2010/main" val="3340634345"/>
-      </p:ext>
-    </p:extLst>
-  </p:cSld>
-  <p:clrMapOvr>
-    <a:masterClrMapping/>
-  </p:clrMapOvr>
-</p:notes>
-</file>
-
-<file path=ppt/notesSlides/notesSlide4.xml><?xml version="1.0" encoding="utf-8"?>
-<p:notes xmlns:a="http://schemas.openxmlformats.org/drawingml/2006/main" xmlns:r="http://schemas.openxmlformats.org/officeDocument/2006/relationships" xmlns:p="http://schemas.openxmlformats.org/presentationml/2006/main">
-  <p:cSld>
-    <p:spTree>
-      <p:nvGrpSpPr>
-        <p:cNvPr id="1" name=""/>
-        <p:cNvGrpSpPr/>
-        <p:nvPr/>
-      </p:nvGrpSpPr>
-      <p:grpSpPr>
-        <a:xfrm>
-          <a:off x="0" y="0"/>
-          <a:ext cx="0" cy="0"/>
-          <a:chOff x="0" y="0"/>
-          <a:chExt cx="0" cy="0"/>
-        </a:xfrm>
-      </p:grpSpPr>
-      <p:sp>
-        <p:nvSpPr>
-          <p:cNvPr id="2" name="Slide Image Placeholder 1"/>
-          <p:cNvSpPr>
-            <a:spLocks noGrp="1" noRot="1" noChangeAspect="1"/>
-          </p:cNvSpPr>
-          <p:nvPr>
-            <p:ph type="sldImg"/>
-          </p:nvPr>
-        </p:nvSpPr>
-        <p:spPr/>
-      </p:sp>
-      <p:sp>
-        <p:nvSpPr>
-          <p:cNvPr id="3" name="Notes Placeholder 2"/>
-          <p:cNvSpPr>
-            <a:spLocks noGrp="1"/>
-          </p:cNvSpPr>
-          <p:nvPr>
-            <p:ph type="body" idx="1"/>
-          </p:nvPr>
-        </p:nvSpPr>
-        <p:spPr/>
-        <p:txBody>
-          <a:bodyPr/>
-          <a:lstStyle/>
-          <a:p>
-            <a:endParaRPr lang="en-US" dirty="0"/>
-          </a:p>
-        </p:txBody>
-      </p:sp>
-      <p:sp>
-        <p:nvSpPr>
-          <p:cNvPr id="4" name="Slide Number Placeholder 3"/>
-          <p:cNvSpPr>
-            <a:spLocks noGrp="1"/>
-          </p:cNvSpPr>
-          <p:nvPr>
-            <p:ph type="sldNum" sz="quarter" idx="5"/>
-          </p:nvPr>
-        </p:nvSpPr>
-        <p:spPr/>
-        <p:txBody>
-          <a:bodyPr/>
-          <a:lstStyle/>
-          <a:p>
-            <a:fld id="{B0C370CA-A689-E843-AD52-5ABA0D524309}" type="slidenum">
-              <a:rPr lang="en-US" smtClean="0"/>
-              <a:t>15</a:t>
-            </a:fld>
-            <a:endParaRPr lang="en-US"/>
-          </a:p>
-        </p:txBody>
-      </p:sp>
-    </p:spTree>
-    <p:extLst>
-      <p:ext uri="{BB962C8B-B14F-4D97-AF65-F5344CB8AC3E}">
-        <p14:creationId xmlns:p14="http://schemas.microsoft.com/office/powerpoint/2010/main" val="1509220482"/>
-      </p:ext>
-    </p:extLst>
-  </p:cSld>
-  <p:clrMapOvr>
-    <a:masterClrMapping/>
-  </p:clrMapOvr>
-</p:notes>
-</file>
-
-<file path=ppt/notesSlides/notesSlide5.xml><?xml version="1.0" encoding="utf-8"?>
-<p:notes xmlns:a="http://schemas.openxmlformats.org/drawingml/2006/main" xmlns:r="http://schemas.openxmlformats.org/officeDocument/2006/relationships" xmlns:p="http://schemas.openxmlformats.org/presentationml/2006/main">
-  <p:cSld>
-    <p:spTree>
-      <p:nvGrpSpPr>
-        <p:cNvPr id="1" name=""/>
-        <p:cNvGrpSpPr/>
-        <p:nvPr/>
-      </p:nvGrpSpPr>
-      <p:grpSpPr>
-        <a:xfrm>
-          <a:off x="0" y="0"/>
-          <a:ext cx="0" cy="0"/>
-          <a:chOff x="0" y="0"/>
-          <a:chExt cx="0" cy="0"/>
-        </a:xfrm>
-      </p:grpSpPr>
-      <p:sp>
-        <p:nvSpPr>
-          <p:cNvPr id="2" name="Slide Image Placeholder 1"/>
-          <p:cNvSpPr>
-            <a:spLocks noGrp="1" noRot="1" noChangeAspect="1"/>
-          </p:cNvSpPr>
-          <p:nvPr>
-            <p:ph type="sldImg"/>
-          </p:nvPr>
-        </p:nvSpPr>
-        <p:spPr/>
-      </p:sp>
-      <p:sp>
-        <p:nvSpPr>
-          <p:cNvPr id="3" name="Notes Placeholder 2"/>
-          <p:cNvSpPr>
-            <a:spLocks noGrp="1"/>
-          </p:cNvSpPr>
-          <p:nvPr>
-            <p:ph type="body" idx="1"/>
-          </p:nvPr>
-        </p:nvSpPr>
-        <p:spPr/>
-        <p:txBody>
-          <a:bodyPr/>
-          <a:lstStyle/>
-          <a:p>
-            <a:endParaRPr lang="en-US" dirty="0"/>
-          </a:p>
-        </p:txBody>
-      </p:sp>
-      <p:sp>
-        <p:nvSpPr>
-          <p:cNvPr id="4" name="Slide Number Placeholder 3"/>
-          <p:cNvSpPr>
-            <a:spLocks noGrp="1"/>
-          </p:cNvSpPr>
-          <p:nvPr>
-            <p:ph type="sldNum" sz="quarter" idx="5"/>
-          </p:nvPr>
-        </p:nvSpPr>
-        <p:spPr/>
-        <p:txBody>
-          <a:bodyPr/>
-          <a:lstStyle/>
-          <a:p>
-            <a:fld id="{B0C370CA-A689-E843-AD52-5ABA0D524309}" type="slidenum">
-              <a:rPr lang="en-US" smtClean="0"/>
-              <a:t>16</a:t>
-            </a:fld>
-            <a:endParaRPr lang="en-US"/>
-          </a:p>
-        </p:txBody>
-      </p:sp>
-    </p:spTree>
-    <p:extLst>
-      <p:ext uri="{BB962C8B-B14F-4D97-AF65-F5344CB8AC3E}">
-        <p14:creationId xmlns:p14="http://schemas.microsoft.com/office/powerpoint/2010/main" val="3016595981"/>
-      </p:ext>
-    </p:extLst>
-  </p:cSld>
-  <p:clrMapOvr>
-    <a:masterClrMapping/>
-  </p:clrMapOvr>
-</p:notes>
-</file>
-
 <file path=ppt/slideLayouts/slideLayout1.xml><?xml version="1.0" encoding="utf-8"?>
 <p:sldLayout xmlns:a="http://schemas.openxmlformats.org/drawingml/2006/main" xmlns:r="http://schemas.openxmlformats.org/officeDocument/2006/relationships" xmlns:p="http://schemas.openxmlformats.org/presentationml/2006/main" type="title" preserve="1">
   <p:cSld name="Title Slide">
@@ -1013,13 +578,7 @@
       </p:grpSpPr>
       <p:sp>
         <p:nvSpPr>
-          <p:cNvPr id="2" name="Title 1">
-            <a:extLst>
-              <a:ext uri="{FF2B5EF4-FFF2-40B4-BE49-F238E27FC236}">
-                <a16:creationId xmlns:a16="http://schemas.microsoft.com/office/drawing/2014/main" id="{CA640B6F-A40E-45CF-6FD6-EE5C260D82D4}"/>
-              </a:ext>
-            </a:extLst>
-          </p:cNvPr>
+          <p:cNvPr id="2" name="Title 1"/>
           <p:cNvSpPr>
             <a:spLocks noGrp="1"/>
           </p:cNvSpPr>
@@ -1042,22 +601,16 @@
           </a:lstStyle>
           <a:p>
             <a:r>
-              <a:rPr lang="en-GB"/>
+              <a:rPr lang="en-US"/>
               <a:t>Click to edit Master title style</a:t>
             </a:r>
-            <a:endParaRPr lang="en-US"/>
-          </a:p>
-        </p:txBody>
-      </p:sp>
-      <p:sp>
-        <p:nvSpPr>
-          <p:cNvPr id="3" name="Subtitle 2">
-            <a:extLst>
-              <a:ext uri="{FF2B5EF4-FFF2-40B4-BE49-F238E27FC236}">
-                <a16:creationId xmlns:a16="http://schemas.microsoft.com/office/drawing/2014/main" id="{1D320D05-18CF-9075-FD41-137500EFA1FF}"/>
-              </a:ext>
-            </a:extLst>
-          </p:cNvPr>
+            <a:endParaRPr lang="en-US" dirty="0"/>
+          </a:p>
+        </p:txBody>
+      </p:sp>
+      <p:sp>
+        <p:nvSpPr>
+          <p:cNvPr id="3" name="Subtitle 2"/>
           <p:cNvSpPr>
             <a:spLocks noGrp="1"/>
           </p:cNvSpPr>
@@ -1113,22 +666,16 @@
           </a:lstStyle>
           <a:p>
             <a:r>
-              <a:rPr lang="en-GB"/>
+              <a:rPr lang="en-US"/>
               <a:t>Click to edit Master subtitle style</a:t>
             </a:r>
-            <a:endParaRPr lang="en-US"/>
-          </a:p>
-        </p:txBody>
-      </p:sp>
-      <p:sp>
-        <p:nvSpPr>
-          <p:cNvPr id="4" name="Date Placeholder 3">
-            <a:extLst>
-              <a:ext uri="{FF2B5EF4-FFF2-40B4-BE49-F238E27FC236}">
-                <a16:creationId xmlns:a16="http://schemas.microsoft.com/office/drawing/2014/main" id="{21C2EAD4-D075-E4DB-299F-CB1B87CD4DAB}"/>
-              </a:ext>
-            </a:extLst>
-          </p:cNvPr>
+            <a:endParaRPr lang="en-US" dirty="0"/>
+          </a:p>
+        </p:txBody>
+      </p:sp>
+      <p:sp>
+        <p:nvSpPr>
+          <p:cNvPr id="4" name="Date Placeholder 3"/>
           <p:cNvSpPr>
             <a:spLocks noGrp="1"/>
           </p:cNvSpPr>
@@ -1151,13 +698,7 @@
       </p:sp>
       <p:sp>
         <p:nvSpPr>
-          <p:cNvPr id="5" name="Footer Placeholder 4">
-            <a:extLst>
-              <a:ext uri="{FF2B5EF4-FFF2-40B4-BE49-F238E27FC236}">
-                <a16:creationId xmlns:a16="http://schemas.microsoft.com/office/drawing/2014/main" id="{6E8F6A3A-7E74-AD77-ADCA-6A2D6DBCD6A6}"/>
-              </a:ext>
-            </a:extLst>
-          </p:cNvPr>
+          <p:cNvPr id="5" name="Footer Placeholder 4"/>
           <p:cNvSpPr>
             <a:spLocks noGrp="1"/>
           </p:cNvSpPr>
@@ -1176,13 +717,7 @@
       </p:sp>
       <p:sp>
         <p:nvSpPr>
-          <p:cNvPr id="6" name="Slide Number Placeholder 5">
-            <a:extLst>
-              <a:ext uri="{FF2B5EF4-FFF2-40B4-BE49-F238E27FC236}">
-                <a16:creationId xmlns:a16="http://schemas.microsoft.com/office/drawing/2014/main" id="{266ABEB0-BF74-02CD-9106-06DDE9BFA8F5}"/>
-              </a:ext>
-            </a:extLst>
-          </p:cNvPr>
+          <p:cNvPr id="6" name="Slide Number Placeholder 5"/>
           <p:cNvSpPr>
             <a:spLocks noGrp="1"/>
           </p:cNvSpPr>
@@ -1206,7 +741,7 @@
     </p:spTree>
     <p:extLst>
       <p:ext uri="{BB962C8B-B14F-4D97-AF65-F5344CB8AC3E}">
-        <p14:creationId xmlns:p14="http://schemas.microsoft.com/office/powerpoint/2010/main" val="1390389371"/>
+        <p14:creationId xmlns:p14="http://schemas.microsoft.com/office/powerpoint/2010/main" val="2057420398"/>
       </p:ext>
     </p:extLst>
   </p:cSld>
@@ -1235,13 +770,7 @@
       </p:grpSpPr>
       <p:sp>
         <p:nvSpPr>
-          <p:cNvPr id="2" name="Title 1">
-            <a:extLst>
-              <a:ext uri="{FF2B5EF4-FFF2-40B4-BE49-F238E27FC236}">
-                <a16:creationId xmlns:a16="http://schemas.microsoft.com/office/drawing/2014/main" id="{9B95B31F-BDD4-62B3-61BF-0C49589BD47E}"/>
-              </a:ext>
-            </a:extLst>
-          </p:cNvPr>
+          <p:cNvPr id="2" name="Title 1"/>
           <p:cNvSpPr>
             <a:spLocks noGrp="1"/>
           </p:cNvSpPr>
@@ -1255,22 +784,16 @@
           <a:lstStyle/>
           <a:p>
             <a:r>
-              <a:rPr lang="en-GB"/>
+              <a:rPr lang="en-US"/>
               <a:t>Click to edit Master title style</a:t>
             </a:r>
-            <a:endParaRPr lang="en-US"/>
-          </a:p>
-        </p:txBody>
-      </p:sp>
-      <p:sp>
-        <p:nvSpPr>
-          <p:cNvPr id="3" name="Vertical Text Placeholder 2">
-            <a:extLst>
-              <a:ext uri="{FF2B5EF4-FFF2-40B4-BE49-F238E27FC236}">
-                <a16:creationId xmlns:a16="http://schemas.microsoft.com/office/drawing/2014/main" id="{5E6E745F-9795-BAD4-CEBC-E46026CAACC5}"/>
-              </a:ext>
-            </a:extLst>
-          </p:cNvPr>
+            <a:endParaRPr lang="en-US" dirty="0"/>
+          </a:p>
+        </p:txBody>
+      </p:sp>
+      <p:sp>
+        <p:nvSpPr>
+          <p:cNvPr id="3" name="Vertical Text Placeholder 2"/>
           <p:cNvSpPr>
             <a:spLocks noGrp="1"/>
           </p:cNvSpPr>
@@ -1285,50 +808,44 @@
           <a:p>
             <a:pPr lvl="0"/>
             <a:r>
-              <a:rPr lang="en-GB"/>
+              <a:rPr lang="en-US"/>
               <a:t>Click to edit Master text styles</a:t>
             </a:r>
           </a:p>
           <a:p>
             <a:pPr lvl="1"/>
             <a:r>
-              <a:rPr lang="en-GB"/>
+              <a:rPr lang="en-US"/>
               <a:t>Second level</a:t>
             </a:r>
           </a:p>
           <a:p>
             <a:pPr lvl="2"/>
             <a:r>
-              <a:rPr lang="en-GB"/>
+              <a:rPr lang="en-US"/>
               <a:t>Third level</a:t>
             </a:r>
           </a:p>
           <a:p>
             <a:pPr lvl="3"/>
             <a:r>
-              <a:rPr lang="en-GB"/>
+              <a:rPr lang="en-US"/>
               <a:t>Fourth level</a:t>
             </a:r>
           </a:p>
           <a:p>
             <a:pPr lvl="4"/>
             <a:r>
-              <a:rPr lang="en-GB"/>
+              <a:rPr lang="en-US"/>
               <a:t>Fifth level</a:t>
             </a:r>
-            <a:endParaRPr lang="en-US"/>
-          </a:p>
-        </p:txBody>
-      </p:sp>
-      <p:sp>
-        <p:nvSpPr>
-          <p:cNvPr id="4" name="Date Placeholder 3">
-            <a:extLst>
-              <a:ext uri="{FF2B5EF4-FFF2-40B4-BE49-F238E27FC236}">
-                <a16:creationId xmlns:a16="http://schemas.microsoft.com/office/drawing/2014/main" id="{457359CE-1FAE-E918-12B9-553AC1992BCE}"/>
-              </a:ext>
-            </a:extLst>
-          </p:cNvPr>
+            <a:endParaRPr lang="en-US" dirty="0"/>
+          </a:p>
+        </p:txBody>
+      </p:sp>
+      <p:sp>
+        <p:nvSpPr>
+          <p:cNvPr id="4" name="Date Placeholder 3"/>
           <p:cNvSpPr>
             <a:spLocks noGrp="1"/>
           </p:cNvSpPr>
@@ -1351,13 +868,7 @@
       </p:sp>
       <p:sp>
         <p:nvSpPr>
-          <p:cNvPr id="5" name="Footer Placeholder 4">
-            <a:extLst>
-              <a:ext uri="{FF2B5EF4-FFF2-40B4-BE49-F238E27FC236}">
-                <a16:creationId xmlns:a16="http://schemas.microsoft.com/office/drawing/2014/main" id="{8F6E3CB9-161C-C30C-9A02-9EB95F7AEF11}"/>
-              </a:ext>
-            </a:extLst>
-          </p:cNvPr>
+          <p:cNvPr id="5" name="Footer Placeholder 4"/>
           <p:cNvSpPr>
             <a:spLocks noGrp="1"/>
           </p:cNvSpPr>
@@ -1376,13 +887,7 @@
       </p:sp>
       <p:sp>
         <p:nvSpPr>
-          <p:cNvPr id="6" name="Slide Number Placeholder 5">
-            <a:extLst>
-              <a:ext uri="{FF2B5EF4-FFF2-40B4-BE49-F238E27FC236}">
-                <a16:creationId xmlns:a16="http://schemas.microsoft.com/office/drawing/2014/main" id="{25561403-EDA3-DC75-ADC4-F4D7AC360F7B}"/>
-              </a:ext>
-            </a:extLst>
-          </p:cNvPr>
+          <p:cNvPr id="6" name="Slide Number Placeholder 5"/>
           <p:cNvSpPr>
             <a:spLocks noGrp="1"/>
           </p:cNvSpPr>
@@ -1406,7 +911,7 @@
     </p:spTree>
     <p:extLst>
       <p:ext uri="{BB962C8B-B14F-4D97-AF65-F5344CB8AC3E}">
-        <p14:creationId xmlns:p14="http://schemas.microsoft.com/office/powerpoint/2010/main" val="3990202859"/>
+        <p14:creationId xmlns:p14="http://schemas.microsoft.com/office/powerpoint/2010/main" val="1291608042"/>
       </p:ext>
     </p:extLst>
   </p:cSld>
@@ -1435,13 +940,7 @@
       </p:grpSpPr>
       <p:sp>
         <p:nvSpPr>
-          <p:cNvPr id="2" name="Vertical Title 1">
-            <a:extLst>
-              <a:ext uri="{FF2B5EF4-FFF2-40B4-BE49-F238E27FC236}">
-                <a16:creationId xmlns:a16="http://schemas.microsoft.com/office/drawing/2014/main" id="{6BC9A336-5E8C-D76A-F0AB-7FD24CE3B3BF}"/>
-              </a:ext>
-            </a:extLst>
-          </p:cNvPr>
+          <p:cNvPr id="2" name="Vertical Title 1"/>
           <p:cNvSpPr>
             <a:spLocks noGrp="1"/>
           </p:cNvSpPr>
@@ -1460,22 +959,16 @@
           <a:lstStyle/>
           <a:p>
             <a:r>
-              <a:rPr lang="en-GB"/>
+              <a:rPr lang="en-US"/>
               <a:t>Click to edit Master title style</a:t>
             </a:r>
-            <a:endParaRPr lang="en-US"/>
-          </a:p>
-        </p:txBody>
-      </p:sp>
-      <p:sp>
-        <p:nvSpPr>
-          <p:cNvPr id="3" name="Vertical Text Placeholder 2">
-            <a:extLst>
-              <a:ext uri="{FF2B5EF4-FFF2-40B4-BE49-F238E27FC236}">
-                <a16:creationId xmlns:a16="http://schemas.microsoft.com/office/drawing/2014/main" id="{18286ACB-6C00-5CEC-D336-039452A62749}"/>
-              </a:ext>
-            </a:extLst>
-          </p:cNvPr>
+            <a:endParaRPr lang="en-US" dirty="0"/>
+          </a:p>
+        </p:txBody>
+      </p:sp>
+      <p:sp>
+        <p:nvSpPr>
+          <p:cNvPr id="3" name="Vertical Text Placeholder 2"/>
           <p:cNvSpPr>
             <a:spLocks noGrp="1"/>
           </p:cNvSpPr>
@@ -1495,50 +988,44 @@
           <a:p>
             <a:pPr lvl="0"/>
             <a:r>
-              <a:rPr lang="en-GB"/>
+              <a:rPr lang="en-US"/>
               <a:t>Click to edit Master text styles</a:t>
             </a:r>
           </a:p>
           <a:p>
             <a:pPr lvl="1"/>
             <a:r>
-              <a:rPr lang="en-GB"/>
+              <a:rPr lang="en-US"/>
               <a:t>Second level</a:t>
             </a:r>
           </a:p>
           <a:p>
             <a:pPr lvl="2"/>
             <a:r>
-              <a:rPr lang="en-GB"/>
+              <a:rPr lang="en-US"/>
               <a:t>Third level</a:t>
             </a:r>
           </a:p>
           <a:p>
             <a:pPr lvl="3"/>
             <a:r>
-              <a:rPr lang="en-GB"/>
+              <a:rPr lang="en-US"/>
               <a:t>Fourth level</a:t>
             </a:r>
           </a:p>
           <a:p>
             <a:pPr lvl="4"/>
             <a:r>
-              <a:rPr lang="en-GB"/>
+              <a:rPr lang="en-US"/>
               <a:t>Fifth level</a:t>
             </a:r>
-            <a:endParaRPr lang="en-US"/>
-          </a:p>
-        </p:txBody>
-      </p:sp>
-      <p:sp>
-        <p:nvSpPr>
-          <p:cNvPr id="4" name="Date Placeholder 3">
-            <a:extLst>
-              <a:ext uri="{FF2B5EF4-FFF2-40B4-BE49-F238E27FC236}">
-                <a16:creationId xmlns:a16="http://schemas.microsoft.com/office/drawing/2014/main" id="{7BC8703B-F1F7-EA4B-3867-287D03CECF89}"/>
-              </a:ext>
-            </a:extLst>
-          </p:cNvPr>
+            <a:endParaRPr lang="en-US" dirty="0"/>
+          </a:p>
+        </p:txBody>
+      </p:sp>
+      <p:sp>
+        <p:nvSpPr>
+          <p:cNvPr id="4" name="Date Placeholder 3"/>
           <p:cNvSpPr>
             <a:spLocks noGrp="1"/>
           </p:cNvSpPr>
@@ -1561,13 +1048,7 @@
       </p:sp>
       <p:sp>
         <p:nvSpPr>
-          <p:cNvPr id="5" name="Footer Placeholder 4">
-            <a:extLst>
-              <a:ext uri="{FF2B5EF4-FFF2-40B4-BE49-F238E27FC236}">
-                <a16:creationId xmlns:a16="http://schemas.microsoft.com/office/drawing/2014/main" id="{D78FF801-1926-2C90-9CE5-925C539CD86B}"/>
-              </a:ext>
-            </a:extLst>
-          </p:cNvPr>
+          <p:cNvPr id="5" name="Footer Placeholder 4"/>
           <p:cNvSpPr>
             <a:spLocks noGrp="1"/>
           </p:cNvSpPr>
@@ -1586,13 +1067,7 @@
       </p:sp>
       <p:sp>
         <p:nvSpPr>
-          <p:cNvPr id="6" name="Slide Number Placeholder 5">
-            <a:extLst>
-              <a:ext uri="{FF2B5EF4-FFF2-40B4-BE49-F238E27FC236}">
-                <a16:creationId xmlns:a16="http://schemas.microsoft.com/office/drawing/2014/main" id="{8857F1A4-8FEF-D245-BE0D-117043E8B8B6}"/>
-              </a:ext>
-            </a:extLst>
-          </p:cNvPr>
+          <p:cNvPr id="6" name="Slide Number Placeholder 5"/>
           <p:cNvSpPr>
             <a:spLocks noGrp="1"/>
           </p:cNvSpPr>
@@ -1616,7 +1091,7 @@
     </p:spTree>
     <p:extLst>
       <p:ext uri="{BB962C8B-B14F-4D97-AF65-F5344CB8AC3E}">
-        <p14:creationId xmlns:p14="http://schemas.microsoft.com/office/powerpoint/2010/main" val="1071162319"/>
+        <p14:creationId xmlns:p14="http://schemas.microsoft.com/office/powerpoint/2010/main" val="2613354214"/>
       </p:ext>
     </p:extLst>
   </p:cSld>
@@ -1645,13 +1120,7 @@
       </p:grpSpPr>
       <p:sp>
         <p:nvSpPr>
-          <p:cNvPr id="2" name="Title 1">
-            <a:extLst>
-              <a:ext uri="{FF2B5EF4-FFF2-40B4-BE49-F238E27FC236}">
-                <a16:creationId xmlns:a16="http://schemas.microsoft.com/office/drawing/2014/main" id="{911C85AC-2231-0330-F9B6-F69CBC93357D}"/>
-              </a:ext>
-            </a:extLst>
-          </p:cNvPr>
+          <p:cNvPr id="2" name="Title 1"/>
           <p:cNvSpPr>
             <a:spLocks noGrp="1"/>
           </p:cNvSpPr>
@@ -1665,22 +1134,16 @@
           <a:lstStyle/>
           <a:p>
             <a:r>
-              <a:rPr lang="en-GB"/>
+              <a:rPr lang="en-US"/>
               <a:t>Click to edit Master title style</a:t>
             </a:r>
-            <a:endParaRPr lang="en-US"/>
-          </a:p>
-        </p:txBody>
-      </p:sp>
-      <p:sp>
-        <p:nvSpPr>
-          <p:cNvPr id="3" name="Content Placeholder 2">
-            <a:extLst>
-              <a:ext uri="{FF2B5EF4-FFF2-40B4-BE49-F238E27FC236}">
-                <a16:creationId xmlns:a16="http://schemas.microsoft.com/office/drawing/2014/main" id="{632C7D21-35DA-08D1-A40A-AF72F4E296DE}"/>
-              </a:ext>
-            </a:extLst>
-          </p:cNvPr>
+            <a:endParaRPr lang="en-US" dirty="0"/>
+          </a:p>
+        </p:txBody>
+      </p:sp>
+      <p:sp>
+        <p:nvSpPr>
+          <p:cNvPr id="3" name="Content Placeholder 2"/>
           <p:cNvSpPr>
             <a:spLocks noGrp="1"/>
           </p:cNvSpPr>
@@ -1695,50 +1158,44 @@
           <a:p>
             <a:pPr lvl="0"/>
             <a:r>
-              <a:rPr lang="en-GB"/>
+              <a:rPr lang="en-US"/>
               <a:t>Click to edit Master text styles</a:t>
             </a:r>
           </a:p>
           <a:p>
             <a:pPr lvl="1"/>
             <a:r>
-              <a:rPr lang="en-GB"/>
+              <a:rPr lang="en-US"/>
               <a:t>Second level</a:t>
             </a:r>
           </a:p>
           <a:p>
             <a:pPr lvl="2"/>
             <a:r>
-              <a:rPr lang="en-GB"/>
+              <a:rPr lang="en-US"/>
               <a:t>Third level</a:t>
             </a:r>
           </a:p>
           <a:p>
             <a:pPr lvl="3"/>
             <a:r>
-              <a:rPr lang="en-GB"/>
+              <a:rPr lang="en-US"/>
               <a:t>Fourth level</a:t>
             </a:r>
           </a:p>
           <a:p>
             <a:pPr lvl="4"/>
             <a:r>
-              <a:rPr lang="en-GB"/>
+              <a:rPr lang="en-US"/>
               <a:t>Fifth level</a:t>
             </a:r>
-            <a:endParaRPr lang="en-US"/>
-          </a:p>
-        </p:txBody>
-      </p:sp>
-      <p:sp>
-        <p:nvSpPr>
-          <p:cNvPr id="4" name="Date Placeholder 3">
-            <a:extLst>
-              <a:ext uri="{FF2B5EF4-FFF2-40B4-BE49-F238E27FC236}">
-                <a16:creationId xmlns:a16="http://schemas.microsoft.com/office/drawing/2014/main" id="{C1AE9C6E-A39C-8262-27E8-BC9DBE30791C}"/>
-              </a:ext>
-            </a:extLst>
-          </p:cNvPr>
+            <a:endParaRPr lang="en-US" dirty="0"/>
+          </a:p>
+        </p:txBody>
+      </p:sp>
+      <p:sp>
+        <p:nvSpPr>
+          <p:cNvPr id="4" name="Date Placeholder 3"/>
           <p:cNvSpPr>
             <a:spLocks noGrp="1"/>
           </p:cNvSpPr>
@@ -1761,13 +1218,7 @@
       </p:sp>
       <p:sp>
         <p:nvSpPr>
-          <p:cNvPr id="5" name="Footer Placeholder 4">
-            <a:extLst>
-              <a:ext uri="{FF2B5EF4-FFF2-40B4-BE49-F238E27FC236}">
-                <a16:creationId xmlns:a16="http://schemas.microsoft.com/office/drawing/2014/main" id="{893A86F7-BFF7-C561-4FAC-323E3B130E95}"/>
-              </a:ext>
-            </a:extLst>
-          </p:cNvPr>
+          <p:cNvPr id="5" name="Footer Placeholder 4"/>
           <p:cNvSpPr>
             <a:spLocks noGrp="1"/>
           </p:cNvSpPr>
@@ -1786,13 +1237,7 @@
       </p:sp>
       <p:sp>
         <p:nvSpPr>
-          <p:cNvPr id="6" name="Slide Number Placeholder 5">
-            <a:extLst>
-              <a:ext uri="{FF2B5EF4-FFF2-40B4-BE49-F238E27FC236}">
-                <a16:creationId xmlns:a16="http://schemas.microsoft.com/office/drawing/2014/main" id="{11D61F08-FF62-3CAF-09A8-9F0B65B0F0DB}"/>
-              </a:ext>
-            </a:extLst>
-          </p:cNvPr>
+          <p:cNvPr id="6" name="Slide Number Placeholder 5"/>
           <p:cNvSpPr>
             <a:spLocks noGrp="1"/>
           </p:cNvSpPr>
@@ -1816,7 +1261,7 @@
     </p:spTree>
     <p:extLst>
       <p:ext uri="{BB962C8B-B14F-4D97-AF65-F5344CB8AC3E}">
-        <p14:creationId xmlns:p14="http://schemas.microsoft.com/office/powerpoint/2010/main" val="797839551"/>
+        <p14:creationId xmlns:p14="http://schemas.microsoft.com/office/powerpoint/2010/main" val="2689433233"/>
       </p:ext>
     </p:extLst>
   </p:cSld>
@@ -1845,13 +1290,7 @@
       </p:grpSpPr>
       <p:sp>
         <p:nvSpPr>
-          <p:cNvPr id="2" name="Title 1">
-            <a:extLst>
-              <a:ext uri="{FF2B5EF4-FFF2-40B4-BE49-F238E27FC236}">
-                <a16:creationId xmlns:a16="http://schemas.microsoft.com/office/drawing/2014/main" id="{4536D024-9719-7C2B-FA15-0915DB347A97}"/>
-              </a:ext>
-            </a:extLst>
-          </p:cNvPr>
+          <p:cNvPr id="2" name="Title 1"/>
           <p:cNvSpPr>
             <a:spLocks noGrp="1"/>
           </p:cNvSpPr>
@@ -1874,22 +1313,16 @@
           </a:lstStyle>
           <a:p>
             <a:r>
-              <a:rPr lang="en-GB"/>
+              <a:rPr lang="en-US"/>
               <a:t>Click to edit Master title style</a:t>
             </a:r>
-            <a:endParaRPr lang="en-US"/>
-          </a:p>
-        </p:txBody>
-      </p:sp>
-      <p:sp>
-        <p:nvSpPr>
-          <p:cNvPr id="3" name="Text Placeholder 2">
-            <a:extLst>
-              <a:ext uri="{FF2B5EF4-FFF2-40B4-BE49-F238E27FC236}">
-                <a16:creationId xmlns:a16="http://schemas.microsoft.com/office/drawing/2014/main" id="{A5655E7D-8BA1-D94C-CD9E-912AB273504A}"/>
-              </a:ext>
-            </a:extLst>
-          </p:cNvPr>
+            <a:endParaRPr lang="en-US" dirty="0"/>
+          </a:p>
+        </p:txBody>
+      </p:sp>
+      <p:sp>
+        <p:nvSpPr>
+          <p:cNvPr id="3" name="Text Placeholder 2"/>
           <p:cNvSpPr>
             <a:spLocks noGrp="1"/>
           </p:cNvSpPr>
@@ -2000,7 +1433,7 @@
           <a:p>
             <a:pPr lvl="0"/>
             <a:r>
-              <a:rPr lang="en-GB"/>
+              <a:rPr lang="en-US"/>
               <a:t>Click to edit Master text styles</a:t>
             </a:r>
           </a:p>
@@ -2008,13 +1441,7 @@
       </p:sp>
       <p:sp>
         <p:nvSpPr>
-          <p:cNvPr id="4" name="Date Placeholder 3">
-            <a:extLst>
-              <a:ext uri="{FF2B5EF4-FFF2-40B4-BE49-F238E27FC236}">
-                <a16:creationId xmlns:a16="http://schemas.microsoft.com/office/drawing/2014/main" id="{DA038C64-CCF3-1C8C-C4A9-892A37C25E25}"/>
-              </a:ext>
-            </a:extLst>
-          </p:cNvPr>
+          <p:cNvPr id="4" name="Date Placeholder 3"/>
           <p:cNvSpPr>
             <a:spLocks noGrp="1"/>
           </p:cNvSpPr>
@@ -2037,13 +1464,7 @@
       </p:sp>
       <p:sp>
         <p:nvSpPr>
-          <p:cNvPr id="5" name="Footer Placeholder 4">
-            <a:extLst>
-              <a:ext uri="{FF2B5EF4-FFF2-40B4-BE49-F238E27FC236}">
-                <a16:creationId xmlns:a16="http://schemas.microsoft.com/office/drawing/2014/main" id="{DEB83769-61E0-9EB2-0F68-F40845149DD0}"/>
-              </a:ext>
-            </a:extLst>
-          </p:cNvPr>
+          <p:cNvPr id="5" name="Footer Placeholder 4"/>
           <p:cNvSpPr>
             <a:spLocks noGrp="1"/>
           </p:cNvSpPr>
@@ -2062,13 +1483,7 @@
       </p:sp>
       <p:sp>
         <p:nvSpPr>
-          <p:cNvPr id="6" name="Slide Number Placeholder 5">
-            <a:extLst>
-              <a:ext uri="{FF2B5EF4-FFF2-40B4-BE49-F238E27FC236}">
-                <a16:creationId xmlns:a16="http://schemas.microsoft.com/office/drawing/2014/main" id="{3C74895F-84BA-6105-7A6F-B112999A046D}"/>
-              </a:ext>
-            </a:extLst>
-          </p:cNvPr>
+          <p:cNvPr id="6" name="Slide Number Placeholder 5"/>
           <p:cNvSpPr>
             <a:spLocks noGrp="1"/>
           </p:cNvSpPr>
@@ -2092,7 +1507,7 @@
     </p:spTree>
     <p:extLst>
       <p:ext uri="{BB962C8B-B14F-4D97-AF65-F5344CB8AC3E}">
-        <p14:creationId xmlns:p14="http://schemas.microsoft.com/office/powerpoint/2010/main" val="947819220"/>
+        <p14:creationId xmlns:p14="http://schemas.microsoft.com/office/powerpoint/2010/main" val="1820127925"/>
       </p:ext>
     </p:extLst>
   </p:cSld>
@@ -2121,13 +1536,7 @@
       </p:grpSpPr>
       <p:sp>
         <p:nvSpPr>
-          <p:cNvPr id="2" name="Title 1">
-            <a:extLst>
-              <a:ext uri="{FF2B5EF4-FFF2-40B4-BE49-F238E27FC236}">
-                <a16:creationId xmlns:a16="http://schemas.microsoft.com/office/drawing/2014/main" id="{B1EB188C-7C67-6E7B-83D3-2FF0A3D9F912}"/>
-              </a:ext>
-            </a:extLst>
-          </p:cNvPr>
+          <p:cNvPr id="2" name="Title 1"/>
           <p:cNvSpPr>
             <a:spLocks noGrp="1"/>
           </p:cNvSpPr>
@@ -2141,22 +1550,16 @@
           <a:lstStyle/>
           <a:p>
             <a:r>
-              <a:rPr lang="en-GB"/>
+              <a:rPr lang="en-US"/>
               <a:t>Click to edit Master title style</a:t>
             </a:r>
-            <a:endParaRPr lang="en-US"/>
-          </a:p>
-        </p:txBody>
-      </p:sp>
-      <p:sp>
-        <p:nvSpPr>
-          <p:cNvPr id="3" name="Content Placeholder 2">
-            <a:extLst>
-              <a:ext uri="{FF2B5EF4-FFF2-40B4-BE49-F238E27FC236}">
-                <a16:creationId xmlns:a16="http://schemas.microsoft.com/office/drawing/2014/main" id="{38B67D57-5970-9C94-5E95-D53358C94A68}"/>
-              </a:ext>
-            </a:extLst>
-          </p:cNvPr>
+            <a:endParaRPr lang="en-US" dirty="0"/>
+          </a:p>
+        </p:txBody>
+      </p:sp>
+      <p:sp>
+        <p:nvSpPr>
+          <p:cNvPr id="3" name="Content Placeholder 2"/>
           <p:cNvSpPr>
             <a:spLocks noGrp="1"/>
           </p:cNvSpPr>
@@ -2176,50 +1579,44 @@
           <a:p>
             <a:pPr lvl="0"/>
             <a:r>
-              <a:rPr lang="en-GB"/>
+              <a:rPr lang="en-US"/>
               <a:t>Click to edit Master text styles</a:t>
             </a:r>
           </a:p>
           <a:p>
             <a:pPr lvl="1"/>
             <a:r>
-              <a:rPr lang="en-GB"/>
+              <a:rPr lang="en-US"/>
               <a:t>Second level</a:t>
             </a:r>
           </a:p>
           <a:p>
             <a:pPr lvl="2"/>
             <a:r>
-              <a:rPr lang="en-GB"/>
+              <a:rPr lang="en-US"/>
               <a:t>Third level</a:t>
             </a:r>
           </a:p>
           <a:p>
             <a:pPr lvl="3"/>
             <a:r>
-              <a:rPr lang="en-GB"/>
+              <a:rPr lang="en-US"/>
               <a:t>Fourth level</a:t>
             </a:r>
           </a:p>
           <a:p>
             <a:pPr lvl="4"/>
             <a:r>
-              <a:rPr lang="en-GB"/>
+              <a:rPr lang="en-US"/>
               <a:t>Fifth level</a:t>
             </a:r>
-            <a:endParaRPr lang="en-US"/>
-          </a:p>
-        </p:txBody>
-      </p:sp>
-      <p:sp>
-        <p:nvSpPr>
-          <p:cNvPr id="4" name="Content Placeholder 3">
-            <a:extLst>
-              <a:ext uri="{FF2B5EF4-FFF2-40B4-BE49-F238E27FC236}">
-                <a16:creationId xmlns:a16="http://schemas.microsoft.com/office/drawing/2014/main" id="{605008C0-7F89-1356-F57A-BFADB3F8AD7B}"/>
-              </a:ext>
-            </a:extLst>
-          </p:cNvPr>
+            <a:endParaRPr lang="en-US" dirty="0"/>
+          </a:p>
+        </p:txBody>
+      </p:sp>
+      <p:sp>
+        <p:nvSpPr>
+          <p:cNvPr id="4" name="Content Placeholder 3"/>
           <p:cNvSpPr>
             <a:spLocks noGrp="1"/>
           </p:cNvSpPr>
@@ -2239,50 +1636,44 @@
           <a:p>
             <a:pPr lvl="0"/>
             <a:r>
-              <a:rPr lang="en-GB"/>
+              <a:rPr lang="en-US"/>
               <a:t>Click to edit Master text styles</a:t>
             </a:r>
           </a:p>
           <a:p>
             <a:pPr lvl="1"/>
             <a:r>
-              <a:rPr lang="en-GB"/>
+              <a:rPr lang="en-US"/>
               <a:t>Second level</a:t>
             </a:r>
           </a:p>
           <a:p>
             <a:pPr lvl="2"/>
             <a:r>
-              <a:rPr lang="en-GB"/>
+              <a:rPr lang="en-US"/>
               <a:t>Third level</a:t>
             </a:r>
           </a:p>
           <a:p>
             <a:pPr lvl="3"/>
             <a:r>
-              <a:rPr lang="en-GB"/>
+              <a:rPr lang="en-US"/>
               <a:t>Fourth level</a:t>
             </a:r>
           </a:p>
           <a:p>
             <a:pPr lvl="4"/>
             <a:r>
-              <a:rPr lang="en-GB"/>
+              <a:rPr lang="en-US"/>
               <a:t>Fifth level</a:t>
             </a:r>
-            <a:endParaRPr lang="en-US"/>
-          </a:p>
-        </p:txBody>
-      </p:sp>
-      <p:sp>
-        <p:nvSpPr>
-          <p:cNvPr id="5" name="Date Placeholder 4">
-            <a:extLst>
-              <a:ext uri="{FF2B5EF4-FFF2-40B4-BE49-F238E27FC236}">
-                <a16:creationId xmlns:a16="http://schemas.microsoft.com/office/drawing/2014/main" id="{E75E264C-4523-38C2-347A-5D35BFA6E01D}"/>
-              </a:ext>
-            </a:extLst>
-          </p:cNvPr>
+            <a:endParaRPr lang="en-US" dirty="0"/>
+          </a:p>
+        </p:txBody>
+      </p:sp>
+      <p:sp>
+        <p:nvSpPr>
+          <p:cNvPr id="5" name="Date Placeholder 4"/>
           <p:cNvSpPr>
             <a:spLocks noGrp="1"/>
           </p:cNvSpPr>
@@ -2305,13 +1696,7 @@
       </p:sp>
       <p:sp>
         <p:nvSpPr>
-          <p:cNvPr id="6" name="Footer Placeholder 5">
-            <a:extLst>
-              <a:ext uri="{FF2B5EF4-FFF2-40B4-BE49-F238E27FC236}">
-                <a16:creationId xmlns:a16="http://schemas.microsoft.com/office/drawing/2014/main" id="{316328BC-ECC2-E7E0-3A8C-19BF4E434400}"/>
-              </a:ext>
-            </a:extLst>
-          </p:cNvPr>
+          <p:cNvPr id="6" name="Footer Placeholder 5"/>
           <p:cNvSpPr>
             <a:spLocks noGrp="1"/>
           </p:cNvSpPr>
@@ -2330,13 +1715,7 @@
       </p:sp>
       <p:sp>
         <p:nvSpPr>
-          <p:cNvPr id="7" name="Slide Number Placeholder 6">
-            <a:extLst>
-              <a:ext uri="{FF2B5EF4-FFF2-40B4-BE49-F238E27FC236}">
-                <a16:creationId xmlns:a16="http://schemas.microsoft.com/office/drawing/2014/main" id="{497E683F-58F3-656A-0B5B-B65A84FFA21C}"/>
-              </a:ext>
-            </a:extLst>
-          </p:cNvPr>
+          <p:cNvPr id="7" name="Slide Number Placeholder 6"/>
           <p:cNvSpPr>
             <a:spLocks noGrp="1"/>
           </p:cNvSpPr>
@@ -2360,7 +1739,7 @@
     </p:spTree>
     <p:extLst>
       <p:ext uri="{BB962C8B-B14F-4D97-AF65-F5344CB8AC3E}">
-        <p14:creationId xmlns:p14="http://schemas.microsoft.com/office/powerpoint/2010/main" val="4208426365"/>
+        <p14:creationId xmlns:p14="http://schemas.microsoft.com/office/powerpoint/2010/main" val="894431770"/>
       </p:ext>
     </p:extLst>
   </p:cSld>
@@ -2389,13 +1768,7 @@
       </p:grpSpPr>
       <p:sp>
         <p:nvSpPr>
-          <p:cNvPr id="2" name="Title 1">
-            <a:extLst>
-              <a:ext uri="{FF2B5EF4-FFF2-40B4-BE49-F238E27FC236}">
-                <a16:creationId xmlns:a16="http://schemas.microsoft.com/office/drawing/2014/main" id="{778C4F59-1EC7-C8BF-BCD4-BC0CD66E82C1}"/>
-              </a:ext>
-            </a:extLst>
-          </p:cNvPr>
+          <p:cNvPr id="2" name="Title 1"/>
           <p:cNvSpPr>
             <a:spLocks noGrp="1"/>
           </p:cNvSpPr>
@@ -2414,22 +1787,16 @@
           <a:lstStyle/>
           <a:p>
             <a:r>
-              <a:rPr lang="en-GB"/>
+              <a:rPr lang="en-US"/>
               <a:t>Click to edit Master title style</a:t>
             </a:r>
-            <a:endParaRPr lang="en-US"/>
-          </a:p>
-        </p:txBody>
-      </p:sp>
-      <p:sp>
-        <p:nvSpPr>
-          <p:cNvPr id="3" name="Text Placeholder 2">
-            <a:extLst>
-              <a:ext uri="{FF2B5EF4-FFF2-40B4-BE49-F238E27FC236}">
-                <a16:creationId xmlns:a16="http://schemas.microsoft.com/office/drawing/2014/main" id="{BCB1C0EA-5C02-C50A-E4A6-250AA27E903F}"/>
-              </a:ext>
-            </a:extLst>
-          </p:cNvPr>
+            <a:endParaRPr lang="en-US" dirty="0"/>
+          </a:p>
+        </p:txBody>
+      </p:sp>
+      <p:sp>
+        <p:nvSpPr>
+          <p:cNvPr id="3" name="Text Placeholder 2"/>
           <p:cNvSpPr>
             <a:spLocks noGrp="1"/>
           </p:cNvSpPr>
@@ -2486,7 +1853,7 @@
           <a:p>
             <a:pPr lvl="0"/>
             <a:r>
-              <a:rPr lang="en-GB"/>
+              <a:rPr lang="en-US"/>
               <a:t>Click to edit Master text styles</a:t>
             </a:r>
           </a:p>
@@ -2494,13 +1861,7 @@
       </p:sp>
       <p:sp>
         <p:nvSpPr>
-          <p:cNvPr id="4" name="Content Placeholder 3">
-            <a:extLst>
-              <a:ext uri="{FF2B5EF4-FFF2-40B4-BE49-F238E27FC236}">
-                <a16:creationId xmlns:a16="http://schemas.microsoft.com/office/drawing/2014/main" id="{045D69E3-95A8-14AB-D3E0-56C00BAC83F3}"/>
-              </a:ext>
-            </a:extLst>
-          </p:cNvPr>
+          <p:cNvPr id="4" name="Content Placeholder 3"/>
           <p:cNvSpPr>
             <a:spLocks noGrp="1"/>
           </p:cNvSpPr>
@@ -2520,50 +1881,44 @@
           <a:p>
             <a:pPr lvl="0"/>
             <a:r>
-              <a:rPr lang="en-GB"/>
+              <a:rPr lang="en-US"/>
               <a:t>Click to edit Master text styles</a:t>
             </a:r>
           </a:p>
           <a:p>
             <a:pPr lvl="1"/>
             <a:r>
-              <a:rPr lang="en-GB"/>
+              <a:rPr lang="en-US"/>
               <a:t>Second level</a:t>
             </a:r>
           </a:p>
           <a:p>
             <a:pPr lvl="2"/>
             <a:r>
-              <a:rPr lang="en-GB"/>
+              <a:rPr lang="en-US"/>
               <a:t>Third level</a:t>
             </a:r>
           </a:p>
           <a:p>
             <a:pPr lvl="3"/>
             <a:r>
-              <a:rPr lang="en-GB"/>
+              <a:rPr lang="en-US"/>
               <a:t>Fourth level</a:t>
             </a:r>
           </a:p>
           <a:p>
             <a:pPr lvl="4"/>
             <a:r>
-              <a:rPr lang="en-GB"/>
+              <a:rPr lang="en-US"/>
               <a:t>Fifth level</a:t>
             </a:r>
-            <a:endParaRPr lang="en-US"/>
-          </a:p>
-        </p:txBody>
-      </p:sp>
-      <p:sp>
-        <p:nvSpPr>
-          <p:cNvPr id="5" name="Text Placeholder 4">
-            <a:extLst>
-              <a:ext uri="{FF2B5EF4-FFF2-40B4-BE49-F238E27FC236}">
-                <a16:creationId xmlns:a16="http://schemas.microsoft.com/office/drawing/2014/main" id="{F7921E2C-FE7F-8667-3F00-1277908C548D}"/>
-              </a:ext>
-            </a:extLst>
-          </p:cNvPr>
+            <a:endParaRPr lang="en-US" dirty="0"/>
+          </a:p>
+        </p:txBody>
+      </p:sp>
+      <p:sp>
+        <p:nvSpPr>
+          <p:cNvPr id="5" name="Text Placeholder 4"/>
           <p:cNvSpPr>
             <a:spLocks noGrp="1"/>
           </p:cNvSpPr>
@@ -2620,7 +1975,7 @@
           <a:p>
             <a:pPr lvl="0"/>
             <a:r>
-              <a:rPr lang="en-GB"/>
+              <a:rPr lang="en-US"/>
               <a:t>Click to edit Master text styles</a:t>
             </a:r>
           </a:p>
@@ -2628,13 +1983,7 @@
       </p:sp>
       <p:sp>
         <p:nvSpPr>
-          <p:cNvPr id="6" name="Content Placeholder 5">
-            <a:extLst>
-              <a:ext uri="{FF2B5EF4-FFF2-40B4-BE49-F238E27FC236}">
-                <a16:creationId xmlns:a16="http://schemas.microsoft.com/office/drawing/2014/main" id="{0F41D66A-FB18-5B39-7C66-59B8706643CF}"/>
-              </a:ext>
-            </a:extLst>
-          </p:cNvPr>
+          <p:cNvPr id="6" name="Content Placeholder 5"/>
           <p:cNvSpPr>
             <a:spLocks noGrp="1"/>
           </p:cNvSpPr>
@@ -2654,50 +2003,44 @@
           <a:p>
             <a:pPr lvl="0"/>
             <a:r>
-              <a:rPr lang="en-GB"/>
+              <a:rPr lang="en-US"/>
               <a:t>Click to edit Master text styles</a:t>
             </a:r>
           </a:p>
           <a:p>
             <a:pPr lvl="1"/>
             <a:r>
-              <a:rPr lang="en-GB"/>
+              <a:rPr lang="en-US"/>
               <a:t>Second level</a:t>
             </a:r>
           </a:p>
           <a:p>
             <a:pPr lvl="2"/>
             <a:r>
-              <a:rPr lang="en-GB"/>
+              <a:rPr lang="en-US"/>
               <a:t>Third level</a:t>
             </a:r>
           </a:p>
           <a:p>
             <a:pPr lvl="3"/>
             <a:r>
-              <a:rPr lang="en-GB"/>
+              <a:rPr lang="en-US"/>
               <a:t>Fourth level</a:t>
             </a:r>
           </a:p>
           <a:p>
             <a:pPr lvl="4"/>
             <a:r>
-              <a:rPr lang="en-GB"/>
+              <a:rPr lang="en-US"/>
               <a:t>Fifth level</a:t>
             </a:r>
-            <a:endParaRPr lang="en-US"/>
-          </a:p>
-        </p:txBody>
-      </p:sp>
-      <p:sp>
-        <p:nvSpPr>
-          <p:cNvPr id="7" name="Date Placeholder 6">
-            <a:extLst>
-              <a:ext uri="{FF2B5EF4-FFF2-40B4-BE49-F238E27FC236}">
-                <a16:creationId xmlns:a16="http://schemas.microsoft.com/office/drawing/2014/main" id="{FA22125A-159F-3A8D-ECA6-7B78E3D64A5B}"/>
-              </a:ext>
-            </a:extLst>
-          </p:cNvPr>
+            <a:endParaRPr lang="en-US" dirty="0"/>
+          </a:p>
+        </p:txBody>
+      </p:sp>
+      <p:sp>
+        <p:nvSpPr>
+          <p:cNvPr id="7" name="Date Placeholder 6"/>
           <p:cNvSpPr>
             <a:spLocks noGrp="1"/>
           </p:cNvSpPr>
@@ -2720,13 +2063,7 @@
       </p:sp>
       <p:sp>
         <p:nvSpPr>
-          <p:cNvPr id="8" name="Footer Placeholder 7">
-            <a:extLst>
-              <a:ext uri="{FF2B5EF4-FFF2-40B4-BE49-F238E27FC236}">
-                <a16:creationId xmlns:a16="http://schemas.microsoft.com/office/drawing/2014/main" id="{066CC35C-11D4-0EF6-278C-5554FD6AA91B}"/>
-              </a:ext>
-            </a:extLst>
-          </p:cNvPr>
+          <p:cNvPr id="8" name="Footer Placeholder 7"/>
           <p:cNvSpPr>
             <a:spLocks noGrp="1"/>
           </p:cNvSpPr>
@@ -2745,13 +2082,7 @@
       </p:sp>
       <p:sp>
         <p:nvSpPr>
-          <p:cNvPr id="9" name="Slide Number Placeholder 8">
-            <a:extLst>
-              <a:ext uri="{FF2B5EF4-FFF2-40B4-BE49-F238E27FC236}">
-                <a16:creationId xmlns:a16="http://schemas.microsoft.com/office/drawing/2014/main" id="{942A2DFB-6939-899B-5571-9BD2E354469B}"/>
-              </a:ext>
-            </a:extLst>
-          </p:cNvPr>
+          <p:cNvPr id="9" name="Slide Number Placeholder 8"/>
           <p:cNvSpPr>
             <a:spLocks noGrp="1"/>
           </p:cNvSpPr>
@@ -2775,7 +2106,7 @@
     </p:spTree>
     <p:extLst>
       <p:ext uri="{BB962C8B-B14F-4D97-AF65-F5344CB8AC3E}">
-        <p14:creationId xmlns:p14="http://schemas.microsoft.com/office/powerpoint/2010/main" val="1765007688"/>
+        <p14:creationId xmlns:p14="http://schemas.microsoft.com/office/powerpoint/2010/main" val="2536357415"/>
       </p:ext>
     </p:extLst>
   </p:cSld>
@@ -2804,13 +2135,7 @@
       </p:grpSpPr>
       <p:sp>
         <p:nvSpPr>
-          <p:cNvPr id="2" name="Title 1">
-            <a:extLst>
-              <a:ext uri="{FF2B5EF4-FFF2-40B4-BE49-F238E27FC236}">
-                <a16:creationId xmlns:a16="http://schemas.microsoft.com/office/drawing/2014/main" id="{B724F0EF-4DB7-7417-3E5E-52600803C99D}"/>
-              </a:ext>
-            </a:extLst>
-          </p:cNvPr>
+          <p:cNvPr id="2" name="Title 1"/>
           <p:cNvSpPr>
             <a:spLocks noGrp="1"/>
           </p:cNvSpPr>
@@ -2824,22 +2149,16 @@
           <a:lstStyle/>
           <a:p>
             <a:r>
-              <a:rPr lang="en-GB"/>
+              <a:rPr lang="en-US"/>
               <a:t>Click to edit Master title style</a:t>
             </a:r>
-            <a:endParaRPr lang="en-US"/>
-          </a:p>
-        </p:txBody>
-      </p:sp>
-      <p:sp>
-        <p:nvSpPr>
-          <p:cNvPr id="3" name="Date Placeholder 2">
-            <a:extLst>
-              <a:ext uri="{FF2B5EF4-FFF2-40B4-BE49-F238E27FC236}">
-                <a16:creationId xmlns:a16="http://schemas.microsoft.com/office/drawing/2014/main" id="{06D50BE5-CC36-8A8A-81BC-EF4C2D4F78C6}"/>
-              </a:ext>
-            </a:extLst>
-          </p:cNvPr>
+            <a:endParaRPr lang="en-US" dirty="0"/>
+          </a:p>
+        </p:txBody>
+      </p:sp>
+      <p:sp>
+        <p:nvSpPr>
+          <p:cNvPr id="3" name="Date Placeholder 2"/>
           <p:cNvSpPr>
             <a:spLocks noGrp="1"/>
           </p:cNvSpPr>
@@ -2862,13 +2181,7 @@
       </p:sp>
       <p:sp>
         <p:nvSpPr>
-          <p:cNvPr id="4" name="Footer Placeholder 3">
-            <a:extLst>
-              <a:ext uri="{FF2B5EF4-FFF2-40B4-BE49-F238E27FC236}">
-                <a16:creationId xmlns:a16="http://schemas.microsoft.com/office/drawing/2014/main" id="{B4E20388-E5D5-F95C-3989-1A328BB9765F}"/>
-              </a:ext>
-            </a:extLst>
-          </p:cNvPr>
+          <p:cNvPr id="4" name="Footer Placeholder 3"/>
           <p:cNvSpPr>
             <a:spLocks noGrp="1"/>
           </p:cNvSpPr>
@@ -2887,13 +2200,7 @@
       </p:sp>
       <p:sp>
         <p:nvSpPr>
-          <p:cNvPr id="5" name="Slide Number Placeholder 4">
-            <a:extLst>
-              <a:ext uri="{FF2B5EF4-FFF2-40B4-BE49-F238E27FC236}">
-                <a16:creationId xmlns:a16="http://schemas.microsoft.com/office/drawing/2014/main" id="{2D7139B1-F53E-50AE-FA6E-79A705BD6E3F}"/>
-              </a:ext>
-            </a:extLst>
-          </p:cNvPr>
+          <p:cNvPr id="5" name="Slide Number Placeholder 4"/>
           <p:cNvSpPr>
             <a:spLocks noGrp="1"/>
           </p:cNvSpPr>
@@ -2917,7 +2224,7 @@
     </p:spTree>
     <p:extLst>
       <p:ext uri="{BB962C8B-B14F-4D97-AF65-F5344CB8AC3E}">
-        <p14:creationId xmlns:p14="http://schemas.microsoft.com/office/powerpoint/2010/main" val="241924924"/>
+        <p14:creationId xmlns:p14="http://schemas.microsoft.com/office/powerpoint/2010/main" val="1083525738"/>
       </p:ext>
     </p:extLst>
   </p:cSld>
@@ -2946,13 +2253,7 @@
       </p:grpSpPr>
       <p:sp>
         <p:nvSpPr>
-          <p:cNvPr id="2" name="Date Placeholder 1">
-            <a:extLst>
-              <a:ext uri="{FF2B5EF4-FFF2-40B4-BE49-F238E27FC236}">
-                <a16:creationId xmlns:a16="http://schemas.microsoft.com/office/drawing/2014/main" id="{A9ADBDDC-3A8F-8892-E421-C8F9EC3C1B99}"/>
-              </a:ext>
-            </a:extLst>
-          </p:cNvPr>
+          <p:cNvPr id="2" name="Date Placeholder 1"/>
           <p:cNvSpPr>
             <a:spLocks noGrp="1"/>
           </p:cNvSpPr>
@@ -2975,13 +2276,7 @@
       </p:sp>
       <p:sp>
         <p:nvSpPr>
-          <p:cNvPr id="3" name="Footer Placeholder 2">
-            <a:extLst>
-              <a:ext uri="{FF2B5EF4-FFF2-40B4-BE49-F238E27FC236}">
-                <a16:creationId xmlns:a16="http://schemas.microsoft.com/office/drawing/2014/main" id="{2E41CC0E-92BD-80F8-5C3E-FAD7AA4332AF}"/>
-              </a:ext>
-            </a:extLst>
-          </p:cNvPr>
+          <p:cNvPr id="3" name="Footer Placeholder 2"/>
           <p:cNvSpPr>
             <a:spLocks noGrp="1"/>
           </p:cNvSpPr>
@@ -3000,13 +2295,7 @@
       </p:sp>
       <p:sp>
         <p:nvSpPr>
-          <p:cNvPr id="4" name="Slide Number Placeholder 3">
-            <a:extLst>
-              <a:ext uri="{FF2B5EF4-FFF2-40B4-BE49-F238E27FC236}">
-                <a16:creationId xmlns:a16="http://schemas.microsoft.com/office/drawing/2014/main" id="{91544C51-8C93-AD05-385B-F747A6232516}"/>
-              </a:ext>
-            </a:extLst>
-          </p:cNvPr>
+          <p:cNvPr id="4" name="Slide Number Placeholder 3"/>
           <p:cNvSpPr>
             <a:spLocks noGrp="1"/>
           </p:cNvSpPr>
@@ -3030,7 +2319,7 @@
     </p:spTree>
     <p:extLst>
       <p:ext uri="{BB962C8B-B14F-4D97-AF65-F5344CB8AC3E}">
-        <p14:creationId xmlns:p14="http://schemas.microsoft.com/office/powerpoint/2010/main" val="4048306574"/>
+        <p14:creationId xmlns:p14="http://schemas.microsoft.com/office/powerpoint/2010/main" val="2422367354"/>
       </p:ext>
     </p:extLst>
   </p:cSld>
@@ -3059,13 +2348,7 @@
       </p:grpSpPr>
       <p:sp>
         <p:nvSpPr>
-          <p:cNvPr id="2" name="Title 1">
-            <a:extLst>
-              <a:ext uri="{FF2B5EF4-FFF2-40B4-BE49-F238E27FC236}">
-                <a16:creationId xmlns:a16="http://schemas.microsoft.com/office/drawing/2014/main" id="{7C808246-101D-C792-0CD9-6DCDE0EE3AC2}"/>
-              </a:ext>
-            </a:extLst>
-          </p:cNvPr>
+          <p:cNvPr id="2" name="Title 1"/>
           <p:cNvSpPr>
             <a:spLocks noGrp="1"/>
           </p:cNvSpPr>
@@ -3088,22 +2371,16 @@
           </a:lstStyle>
           <a:p>
             <a:r>
-              <a:rPr lang="en-GB"/>
+              <a:rPr lang="en-US"/>
               <a:t>Click to edit Master title style</a:t>
             </a:r>
-            <a:endParaRPr lang="en-US"/>
-          </a:p>
-        </p:txBody>
-      </p:sp>
-      <p:sp>
-        <p:nvSpPr>
-          <p:cNvPr id="3" name="Content Placeholder 2">
-            <a:extLst>
-              <a:ext uri="{FF2B5EF4-FFF2-40B4-BE49-F238E27FC236}">
-                <a16:creationId xmlns:a16="http://schemas.microsoft.com/office/drawing/2014/main" id="{5BCDABB1-36ED-D31C-BE31-FAA58CF19783}"/>
-              </a:ext>
-            </a:extLst>
-          </p:cNvPr>
+            <a:endParaRPr lang="en-US" dirty="0"/>
+          </a:p>
+        </p:txBody>
+      </p:sp>
+      <p:sp>
+        <p:nvSpPr>
+          <p:cNvPr id="3" name="Content Placeholder 2"/>
           <p:cNvSpPr>
             <a:spLocks noGrp="1"/>
           </p:cNvSpPr>
@@ -3151,50 +2428,44 @@
           <a:p>
             <a:pPr lvl="0"/>
             <a:r>
-              <a:rPr lang="en-GB"/>
+              <a:rPr lang="en-US"/>
               <a:t>Click to edit Master text styles</a:t>
             </a:r>
           </a:p>
           <a:p>
             <a:pPr lvl="1"/>
             <a:r>
-              <a:rPr lang="en-GB"/>
+              <a:rPr lang="en-US"/>
               <a:t>Second level</a:t>
             </a:r>
           </a:p>
           <a:p>
             <a:pPr lvl="2"/>
             <a:r>
-              <a:rPr lang="en-GB"/>
+              <a:rPr lang="en-US"/>
               <a:t>Third level</a:t>
             </a:r>
           </a:p>
           <a:p>
             <a:pPr lvl="3"/>
             <a:r>
-              <a:rPr lang="en-GB"/>
+              <a:rPr lang="en-US"/>
               <a:t>Fourth level</a:t>
             </a:r>
           </a:p>
           <a:p>
             <a:pPr lvl="4"/>
             <a:r>
-              <a:rPr lang="en-GB"/>
+              <a:rPr lang="en-US"/>
               <a:t>Fifth level</a:t>
             </a:r>
-            <a:endParaRPr lang="en-US"/>
-          </a:p>
-        </p:txBody>
-      </p:sp>
-      <p:sp>
-        <p:nvSpPr>
-          <p:cNvPr id="4" name="Text Placeholder 3">
-            <a:extLst>
-              <a:ext uri="{FF2B5EF4-FFF2-40B4-BE49-F238E27FC236}">
-                <a16:creationId xmlns:a16="http://schemas.microsoft.com/office/drawing/2014/main" id="{F5C60ADA-DD3B-E291-FF53-D26DBD8CC413}"/>
-              </a:ext>
-            </a:extLst>
-          </p:cNvPr>
+            <a:endParaRPr lang="en-US" dirty="0"/>
+          </a:p>
+        </p:txBody>
+      </p:sp>
+      <p:sp>
+        <p:nvSpPr>
+          <p:cNvPr id="4" name="Text Placeholder 3"/>
           <p:cNvSpPr>
             <a:spLocks noGrp="1"/>
           </p:cNvSpPr>
@@ -3251,7 +2522,7 @@
           <a:p>
             <a:pPr lvl="0"/>
             <a:r>
-              <a:rPr lang="en-GB"/>
+              <a:rPr lang="en-US"/>
               <a:t>Click to edit Master text styles</a:t>
             </a:r>
           </a:p>
@@ -3259,13 +2530,7 @@
       </p:sp>
       <p:sp>
         <p:nvSpPr>
-          <p:cNvPr id="5" name="Date Placeholder 4">
-            <a:extLst>
-              <a:ext uri="{FF2B5EF4-FFF2-40B4-BE49-F238E27FC236}">
-                <a16:creationId xmlns:a16="http://schemas.microsoft.com/office/drawing/2014/main" id="{935EC162-3789-88EA-1235-17264AC9C092}"/>
-              </a:ext>
-            </a:extLst>
-          </p:cNvPr>
+          <p:cNvPr id="5" name="Date Placeholder 4"/>
           <p:cNvSpPr>
             <a:spLocks noGrp="1"/>
           </p:cNvSpPr>
@@ -3288,13 +2553,7 @@
       </p:sp>
       <p:sp>
         <p:nvSpPr>
-          <p:cNvPr id="6" name="Footer Placeholder 5">
-            <a:extLst>
-              <a:ext uri="{FF2B5EF4-FFF2-40B4-BE49-F238E27FC236}">
-                <a16:creationId xmlns:a16="http://schemas.microsoft.com/office/drawing/2014/main" id="{31DBAE4A-A9CD-CEC7-ED0D-65B3F247C48F}"/>
-              </a:ext>
-            </a:extLst>
-          </p:cNvPr>
+          <p:cNvPr id="6" name="Footer Placeholder 5"/>
           <p:cNvSpPr>
             <a:spLocks noGrp="1"/>
           </p:cNvSpPr>
@@ -3313,13 +2572,7 @@
       </p:sp>
       <p:sp>
         <p:nvSpPr>
-          <p:cNvPr id="7" name="Slide Number Placeholder 6">
-            <a:extLst>
-              <a:ext uri="{FF2B5EF4-FFF2-40B4-BE49-F238E27FC236}">
-                <a16:creationId xmlns:a16="http://schemas.microsoft.com/office/drawing/2014/main" id="{3F2A5210-E84D-D346-6E9C-1C1957ED3CF6}"/>
-              </a:ext>
-            </a:extLst>
-          </p:cNvPr>
+          <p:cNvPr id="7" name="Slide Number Placeholder 6"/>
           <p:cNvSpPr>
             <a:spLocks noGrp="1"/>
           </p:cNvSpPr>
@@ -3343,7 +2596,7 @@
     </p:spTree>
     <p:extLst>
       <p:ext uri="{BB962C8B-B14F-4D97-AF65-F5344CB8AC3E}">
-        <p14:creationId xmlns:p14="http://schemas.microsoft.com/office/powerpoint/2010/main" val="3662268984"/>
+        <p14:creationId xmlns:p14="http://schemas.microsoft.com/office/powerpoint/2010/main" val="1728435693"/>
       </p:ext>
     </p:extLst>
   </p:cSld>
@@ -3372,13 +2625,7 @@
       </p:grpSpPr>
       <p:sp>
         <p:nvSpPr>
-          <p:cNvPr id="2" name="Title 1">
-            <a:extLst>
-              <a:ext uri="{FF2B5EF4-FFF2-40B4-BE49-F238E27FC236}">
-                <a16:creationId xmlns:a16="http://schemas.microsoft.com/office/drawing/2014/main" id="{91EE4820-BF38-7E9B-82B6-881075A60316}"/>
-              </a:ext>
-            </a:extLst>
-          </p:cNvPr>
+          <p:cNvPr id="2" name="Title 1"/>
           <p:cNvSpPr>
             <a:spLocks noGrp="1"/>
           </p:cNvSpPr>
@@ -3401,24 +2648,18 @@
           </a:lstStyle>
           <a:p>
             <a:r>
-              <a:rPr lang="en-GB"/>
+              <a:rPr lang="en-US"/>
               <a:t>Click to edit Master title style</a:t>
             </a:r>
-            <a:endParaRPr lang="en-US"/>
-          </a:p>
-        </p:txBody>
-      </p:sp>
-      <p:sp>
-        <p:nvSpPr>
-          <p:cNvPr id="3" name="Picture Placeholder 2">
-            <a:extLst>
-              <a:ext uri="{FF2B5EF4-FFF2-40B4-BE49-F238E27FC236}">
-                <a16:creationId xmlns:a16="http://schemas.microsoft.com/office/drawing/2014/main" id="{6381DA88-7629-9A5B-DF73-8C39B85156F4}"/>
-              </a:ext>
-            </a:extLst>
-          </p:cNvPr>
-          <p:cNvSpPr>
-            <a:spLocks noGrp="1"/>
+            <a:endParaRPr lang="en-US" dirty="0"/>
+          </a:p>
+        </p:txBody>
+      </p:sp>
+      <p:sp>
+        <p:nvSpPr>
+          <p:cNvPr id="3" name="Picture Placeholder 2"/>
+          <p:cNvSpPr>
+            <a:spLocks noGrp="1" noChangeAspect="1"/>
           </p:cNvSpPr>
           <p:nvPr>
             <p:ph type="pic" idx="1"/>
@@ -3431,7 +2672,7 @@
           </a:xfrm>
         </p:spPr>
         <p:txBody>
-          <a:bodyPr/>
+          <a:bodyPr anchor="t"/>
           <a:lstStyle>
             <a:lvl1pPr marL="0" indent="0">
               <a:buNone/>
@@ -3471,19 +2712,17 @@
             </a:lvl9pPr>
           </a:lstStyle>
           <a:p>
-            <a:endParaRPr lang="en-US"/>
-          </a:p>
-        </p:txBody>
-      </p:sp>
-      <p:sp>
-        <p:nvSpPr>
-          <p:cNvPr id="4" name="Text Placeholder 3">
-            <a:extLst>
-              <a:ext uri="{FF2B5EF4-FFF2-40B4-BE49-F238E27FC236}">
-                <a16:creationId xmlns:a16="http://schemas.microsoft.com/office/drawing/2014/main" id="{8CB11770-1C4B-D2C7-5710-67E88CE87FB0}"/>
-              </a:ext>
-            </a:extLst>
-          </p:cNvPr>
+            <a:r>
+              <a:rPr lang="en-US"/>
+              <a:t>Click icon to add picture</a:t>
+            </a:r>
+            <a:endParaRPr lang="en-US" dirty="0"/>
+          </a:p>
+        </p:txBody>
+      </p:sp>
+      <p:sp>
+        <p:nvSpPr>
+          <p:cNvPr id="4" name="Text Placeholder 3"/>
           <p:cNvSpPr>
             <a:spLocks noGrp="1"/>
           </p:cNvSpPr>
@@ -3540,7 +2779,7 @@
           <a:p>
             <a:pPr lvl="0"/>
             <a:r>
-              <a:rPr lang="en-GB"/>
+              <a:rPr lang="en-US"/>
               <a:t>Click to edit Master text styles</a:t>
             </a:r>
           </a:p>
@@ -3548,13 +2787,7 @@
       </p:sp>
       <p:sp>
         <p:nvSpPr>
-          <p:cNvPr id="5" name="Date Placeholder 4">
-            <a:extLst>
-              <a:ext uri="{FF2B5EF4-FFF2-40B4-BE49-F238E27FC236}">
-                <a16:creationId xmlns:a16="http://schemas.microsoft.com/office/drawing/2014/main" id="{34B8CA2A-EAB6-9720-616E-1F38249638E6}"/>
-              </a:ext>
-            </a:extLst>
-          </p:cNvPr>
+          <p:cNvPr id="5" name="Date Placeholder 4"/>
           <p:cNvSpPr>
             <a:spLocks noGrp="1"/>
           </p:cNvSpPr>
@@ -3577,13 +2810,7 @@
       </p:sp>
       <p:sp>
         <p:nvSpPr>
-          <p:cNvPr id="6" name="Footer Placeholder 5">
-            <a:extLst>
-              <a:ext uri="{FF2B5EF4-FFF2-40B4-BE49-F238E27FC236}">
-                <a16:creationId xmlns:a16="http://schemas.microsoft.com/office/drawing/2014/main" id="{02F54740-6F37-37E3-D0E7-20203C4B5763}"/>
-              </a:ext>
-            </a:extLst>
-          </p:cNvPr>
+          <p:cNvPr id="6" name="Footer Placeholder 5"/>
           <p:cNvSpPr>
             <a:spLocks noGrp="1"/>
           </p:cNvSpPr>
@@ -3602,13 +2829,7 @@
       </p:sp>
       <p:sp>
         <p:nvSpPr>
-          <p:cNvPr id="7" name="Slide Number Placeholder 6">
-            <a:extLst>
-              <a:ext uri="{FF2B5EF4-FFF2-40B4-BE49-F238E27FC236}">
-                <a16:creationId xmlns:a16="http://schemas.microsoft.com/office/drawing/2014/main" id="{D83C017A-25CE-4C54-A980-836DDDC97145}"/>
-              </a:ext>
-            </a:extLst>
-          </p:cNvPr>
+          <p:cNvPr id="7" name="Slide Number Placeholder 6"/>
           <p:cNvSpPr>
             <a:spLocks noGrp="1"/>
           </p:cNvSpPr>
@@ -3632,7 +2853,7 @@
     </p:spTree>
     <p:extLst>
       <p:ext uri="{BB962C8B-B14F-4D97-AF65-F5344CB8AC3E}">
-        <p14:creationId xmlns:p14="http://schemas.microsoft.com/office/powerpoint/2010/main" val="969644828"/>
+        <p14:creationId xmlns:p14="http://schemas.microsoft.com/office/powerpoint/2010/main" val="835657141"/>
       </p:ext>
     </p:extLst>
   </p:cSld>
@@ -3666,13 +2887,7 @@
       </p:grpSpPr>
       <p:sp>
         <p:nvSpPr>
-          <p:cNvPr id="2" name="Title Placeholder 1">
-            <a:extLst>
-              <a:ext uri="{FF2B5EF4-FFF2-40B4-BE49-F238E27FC236}">
-                <a16:creationId xmlns:a16="http://schemas.microsoft.com/office/drawing/2014/main" id="{44981B3B-E3D7-F16C-1EDC-6900D119C8BD}"/>
-              </a:ext>
-            </a:extLst>
-          </p:cNvPr>
+          <p:cNvPr id="2" name="Title Placeholder 1"/>
           <p:cNvSpPr>
             <a:spLocks noGrp="1"/>
           </p:cNvSpPr>
@@ -3696,22 +2911,16 @@
           <a:lstStyle/>
           <a:p>
             <a:r>
-              <a:rPr lang="en-GB"/>
+              <a:rPr lang="en-US"/>
               <a:t>Click to edit Master title style</a:t>
             </a:r>
-            <a:endParaRPr lang="en-US"/>
-          </a:p>
-        </p:txBody>
-      </p:sp>
-      <p:sp>
-        <p:nvSpPr>
-          <p:cNvPr id="3" name="Text Placeholder 2">
-            <a:extLst>
-              <a:ext uri="{FF2B5EF4-FFF2-40B4-BE49-F238E27FC236}">
-                <a16:creationId xmlns:a16="http://schemas.microsoft.com/office/drawing/2014/main" id="{9378CE01-144C-DDDA-E9D7-5C8D5C5BC20A}"/>
-              </a:ext>
-            </a:extLst>
-          </p:cNvPr>
+            <a:endParaRPr lang="en-US" dirty="0"/>
+          </a:p>
+        </p:txBody>
+      </p:sp>
+      <p:sp>
+        <p:nvSpPr>
+          <p:cNvPr id="3" name="Text Placeholder 2"/>
           <p:cNvSpPr>
             <a:spLocks noGrp="1"/>
           </p:cNvSpPr>
@@ -3736,50 +2945,44 @@
           <a:p>
             <a:pPr lvl="0"/>
             <a:r>
-              <a:rPr lang="en-GB"/>
+              <a:rPr lang="en-US"/>
               <a:t>Click to edit Master text styles</a:t>
             </a:r>
           </a:p>
           <a:p>
             <a:pPr lvl="1"/>
             <a:r>
-              <a:rPr lang="en-GB"/>
+              <a:rPr lang="en-US"/>
               <a:t>Second level</a:t>
             </a:r>
           </a:p>
           <a:p>
             <a:pPr lvl="2"/>
             <a:r>
-              <a:rPr lang="en-GB"/>
+              <a:rPr lang="en-US"/>
               <a:t>Third level</a:t>
             </a:r>
           </a:p>
           <a:p>
             <a:pPr lvl="3"/>
             <a:r>
-              <a:rPr lang="en-GB"/>
+              <a:rPr lang="en-US"/>
               <a:t>Fourth level</a:t>
             </a:r>
           </a:p>
           <a:p>
             <a:pPr lvl="4"/>
             <a:r>
-              <a:rPr lang="en-GB"/>
+              <a:rPr lang="en-US"/>
               <a:t>Fifth level</a:t>
             </a:r>
-            <a:endParaRPr lang="en-US"/>
-          </a:p>
-        </p:txBody>
-      </p:sp>
-      <p:sp>
-        <p:nvSpPr>
-          <p:cNvPr id="4" name="Date Placeholder 3">
-            <a:extLst>
-              <a:ext uri="{FF2B5EF4-FFF2-40B4-BE49-F238E27FC236}">
-                <a16:creationId xmlns:a16="http://schemas.microsoft.com/office/drawing/2014/main" id="{8DF8F42B-2E22-1351-BCCD-8C3373A45975}"/>
-              </a:ext>
-            </a:extLst>
-          </p:cNvPr>
+            <a:endParaRPr lang="en-US" dirty="0"/>
+          </a:p>
+        </p:txBody>
+      </p:sp>
+      <p:sp>
+        <p:nvSpPr>
+          <p:cNvPr id="4" name="Date Placeholder 3"/>
           <p:cNvSpPr>
             <a:spLocks noGrp="1"/>
           </p:cNvSpPr>
@@ -3820,13 +3023,7 @@
       </p:sp>
       <p:sp>
         <p:nvSpPr>
-          <p:cNvPr id="5" name="Footer Placeholder 4">
-            <a:extLst>
-              <a:ext uri="{FF2B5EF4-FFF2-40B4-BE49-F238E27FC236}">
-                <a16:creationId xmlns:a16="http://schemas.microsoft.com/office/drawing/2014/main" id="{8D8500CC-AEE6-C8F1-7ED0-F6593938F926}"/>
-              </a:ext>
-            </a:extLst>
-          </p:cNvPr>
+          <p:cNvPr id="5" name="Footer Placeholder 4"/>
           <p:cNvSpPr>
             <a:spLocks noGrp="1"/>
           </p:cNvSpPr>
@@ -3863,13 +3060,7 @@
       </p:sp>
       <p:sp>
         <p:nvSpPr>
-          <p:cNvPr id="6" name="Slide Number Placeholder 5">
-            <a:extLst>
-              <a:ext uri="{FF2B5EF4-FFF2-40B4-BE49-F238E27FC236}">
-                <a16:creationId xmlns:a16="http://schemas.microsoft.com/office/drawing/2014/main" id="{95392723-4C2D-167D-563B-5EAD808287F0}"/>
-              </a:ext>
-            </a:extLst>
-          </p:cNvPr>
+          <p:cNvPr id="6" name="Slide Number Placeholder 5"/>
           <p:cNvSpPr>
             <a:spLocks noGrp="1"/>
           </p:cNvSpPr>
@@ -3911,23 +3102,23 @@
     </p:spTree>
     <p:extLst>
       <p:ext uri="{BB962C8B-B14F-4D97-AF65-F5344CB8AC3E}">
-        <p14:creationId xmlns:p14="http://schemas.microsoft.com/office/powerpoint/2010/main" val="2015737361"/>
+        <p14:creationId xmlns:p14="http://schemas.microsoft.com/office/powerpoint/2010/main" val="3246531542"/>
       </p:ext>
     </p:extLst>
   </p:cSld>
   <p:clrMap bg1="lt1" tx1="dk1" bg2="lt2" tx2="dk2" accent1="accent1" accent2="accent2" accent3="accent3" accent4="accent4" accent5="accent5" accent6="accent6" hlink="hlink" folHlink="folHlink"/>
   <p:sldLayoutIdLst>
-    <p:sldLayoutId id="2147483649" r:id="rId1"/>
-    <p:sldLayoutId id="2147483650" r:id="rId2"/>
-    <p:sldLayoutId id="2147483651" r:id="rId3"/>
-    <p:sldLayoutId id="2147483652" r:id="rId4"/>
-    <p:sldLayoutId id="2147483653" r:id="rId5"/>
-    <p:sldLayoutId id="2147483654" r:id="rId6"/>
-    <p:sldLayoutId id="2147483655" r:id="rId7"/>
-    <p:sldLayoutId id="2147483656" r:id="rId8"/>
-    <p:sldLayoutId id="2147483657" r:id="rId9"/>
-    <p:sldLayoutId id="2147483658" r:id="rId10"/>
-    <p:sldLayoutId id="2147483659" r:id="rId11"/>
+    <p:sldLayoutId id="2147483685" r:id="rId1"/>
+    <p:sldLayoutId id="2147483686" r:id="rId2"/>
+    <p:sldLayoutId id="2147483687" r:id="rId3"/>
+    <p:sldLayoutId id="2147483688" r:id="rId4"/>
+    <p:sldLayoutId id="2147483689" r:id="rId5"/>
+    <p:sldLayoutId id="2147483690" r:id="rId6"/>
+    <p:sldLayoutId id="2147483691" r:id="rId7"/>
+    <p:sldLayoutId id="2147483692" r:id="rId8"/>
+    <p:sldLayoutId id="2147483693" r:id="rId9"/>
+    <p:sldLayoutId id="2147483694" r:id="rId10"/>
+    <p:sldLayoutId id="2147483695" r:id="rId11"/>
   </p:sldLayoutIdLst>
   <p:txStyles>
     <p:titleStyle>
@@ -4239,6 +3430,144 @@
             </a:extLst>
           </p:cNvPr>
           <p:cNvPicPr>
+            <a:picLocks noChangeArrowheads="1"/>
+          </p:cNvPicPr>
+          <p:nvPr/>
+        </p:nvPicPr>
+        <p:blipFill rotWithShape="1">
+          <a:blip r:embed="rId3">
+            <a:alphaModFix amt="85000"/>
+            <a:extLst>
+              <a:ext uri="{28A0092B-C50C-407E-A947-70E740481C1C}">
+                <a14:useLocalDpi xmlns:a14="http://schemas.microsoft.com/office/drawing/2010/main" val="0"/>
+              </a:ext>
+            </a:extLst>
+          </a:blip>
+          <a:srcRect l="55102" t="15069" r="41457" b="75764"/>
+          <a:stretch/>
+        </p:blipFill>
+        <p:spPr bwMode="auto">
+          <a:xfrm>
+            <a:off x="298584" y="4144121"/>
+            <a:ext cx="6480000" cy="1980000"/>
+          </a:xfrm>
+          <a:prstGeom prst="roundRect">
+            <a:avLst>
+              <a:gd name="adj" fmla="val 16667"/>
+            </a:avLst>
+          </a:prstGeom>
+          <a:ln>
+            <a:noFill/>
+          </a:ln>
+          <a:effectLst>
+            <a:outerShdw blurRad="76200" dist="38100" dir="7800000" algn="tl" rotWithShape="0">
+              <a:srgbClr val="000000">
+                <a:alpha val="40000"/>
+              </a:srgbClr>
+            </a:outerShdw>
+          </a:effectLst>
+          <a:scene3d>
+            <a:camera prst="orthographicFront"/>
+            <a:lightRig rig="contrasting" dir="t">
+              <a:rot lat="0" lon="0" rev="4200000"/>
+            </a:lightRig>
+          </a:scene3d>
+          <a:sp3d prstMaterial="plastic">
+            <a:bevelT w="381000" h="114300" prst="relaxedInset"/>
+            <a:contourClr>
+              <a:srgbClr val="969696"/>
+            </a:contourClr>
+          </a:sp3d>
+          <a:extLst>
+            <a:ext uri="{909E8E84-426E-40DD-AFC4-6F175D3DCCD1}">
+              <a14:hiddenFill xmlns:a14="http://schemas.microsoft.com/office/drawing/2010/main">
+                <a:solidFill>
+                  <a:srgbClr val="FFFFFF"/>
+                </a:solidFill>
+              </a14:hiddenFill>
+            </a:ext>
+          </a:extLst>
+        </p:spPr>
+      </p:pic>
+      <p:pic>
+        <p:nvPicPr>
+          <p:cNvPr id="8" name="Picture 2" descr="The story of the NBA logo | Logo Design Love">
+            <a:extLst>
+              <a:ext uri="{FF2B5EF4-FFF2-40B4-BE49-F238E27FC236}">
+                <a16:creationId xmlns:a16="http://schemas.microsoft.com/office/drawing/2014/main" id="{BDF22E5A-2857-B2FE-B38D-676051D58181}"/>
+              </a:ext>
+            </a:extLst>
+          </p:cNvPr>
+          <p:cNvPicPr>
+            <a:picLocks noChangeArrowheads="1"/>
+          </p:cNvPicPr>
+          <p:nvPr/>
+        </p:nvPicPr>
+        <p:blipFill rotWithShape="1">
+          <a:blip r:embed="rId3">
+            <a:alphaModFix amt="85000"/>
+            <a:extLst>
+              <a:ext uri="{28A0092B-C50C-407E-A947-70E740481C1C}">
+                <a14:useLocalDpi xmlns:a14="http://schemas.microsoft.com/office/drawing/2010/main" val="0"/>
+              </a:ext>
+            </a:extLst>
+          </a:blip>
+          <a:srcRect l="25261" r="64238"/>
+          <a:stretch/>
+        </p:blipFill>
+        <p:spPr bwMode="auto">
+          <a:xfrm>
+            <a:off x="298584" y="733879"/>
+            <a:ext cx="6480000" cy="1440000"/>
+          </a:xfrm>
+          <a:prstGeom prst="roundRect">
+            <a:avLst>
+              <a:gd name="adj" fmla="val 16667"/>
+            </a:avLst>
+          </a:prstGeom>
+          <a:ln>
+            <a:noFill/>
+          </a:ln>
+          <a:effectLst>
+            <a:outerShdw blurRad="76200" dist="38100" dir="7800000" algn="tl" rotWithShape="0">
+              <a:srgbClr val="000000">
+                <a:alpha val="40000"/>
+              </a:srgbClr>
+            </a:outerShdw>
+          </a:effectLst>
+          <a:scene3d>
+            <a:camera prst="orthographicFront"/>
+            <a:lightRig rig="contrasting" dir="t">
+              <a:rot lat="0" lon="0" rev="4200000"/>
+            </a:lightRig>
+          </a:scene3d>
+          <a:sp3d prstMaterial="plastic">
+            <a:bevelT w="381000" h="114300" prst="relaxedInset"/>
+            <a:contourClr>
+              <a:srgbClr val="969696"/>
+            </a:contourClr>
+          </a:sp3d>
+          <a:extLst>
+            <a:ext uri="{909E8E84-426E-40DD-AFC4-6F175D3DCCD1}">
+              <a14:hiddenFill xmlns:a14="http://schemas.microsoft.com/office/drawing/2010/main">
+                <a:solidFill>
+                  <a:srgbClr val="FFFFFF"/>
+                </a:solidFill>
+              </a14:hiddenFill>
+            </a:ext>
+          </a:extLst>
+        </p:spPr>
+      </p:pic>
+      <p:pic>
+        <p:nvPicPr>
+          <p:cNvPr id="1026" name="Picture 2" descr="The story of the NBA logo | Logo Design Love">
+            <a:extLst>
+              <a:ext uri="{FF2B5EF4-FFF2-40B4-BE49-F238E27FC236}">
+                <a16:creationId xmlns:a16="http://schemas.microsoft.com/office/drawing/2014/main" id="{47D7BF37-A138-073B-C7CE-EE7CC763D407}"/>
+              </a:ext>
+            </a:extLst>
+          </p:cNvPr>
+          <p:cNvPicPr>
             <a:picLocks noChangeAspect="1" noChangeArrowheads="1"/>
           </p:cNvPicPr>
           <p:nvPr/>
@@ -4251,13 +3580,13 @@
               </a:ext>
             </a:extLst>
           </a:blip>
-          <a:srcRect l="55102" t="15069" r="41457" b="75764"/>
+          <a:srcRect l="25261" r="25207"/>
           <a:stretch/>
         </p:blipFill>
         <p:spPr bwMode="auto">
           <a:xfrm>
-            <a:off x="0" y="4410985"/>
-            <a:ext cx="7081283" cy="1815882"/>
+            <a:off x="7662862" y="0"/>
+            <a:ext cx="4529138" cy="6858000"/>
           </a:xfrm>
           <a:prstGeom prst="rect">
             <a:avLst/>
@@ -4276,10 +3605,10 @@
       </p:pic>
       <p:pic>
         <p:nvPicPr>
-          <p:cNvPr id="8" name="Picture 2" descr="The story of the NBA logo | Logo Design Love">
+          <p:cNvPr id="4" name="Picture 2" descr="The story of the NBA logo | Logo Design Love">
             <a:extLst>
               <a:ext uri="{FF2B5EF4-FFF2-40B4-BE49-F238E27FC236}">
-                <a16:creationId xmlns:a16="http://schemas.microsoft.com/office/drawing/2014/main" id="{BDF22E5A-2857-B2FE-B38D-676051D58181}"/>
+                <a16:creationId xmlns:a16="http://schemas.microsoft.com/office/drawing/2014/main" id="{66C32491-2C3E-12EE-1B41-8ED39050355E}"/>
               </a:ext>
             </a:extLst>
           </p:cNvPr>
@@ -4301,8 +3630,8 @@
         </p:blipFill>
         <p:spPr bwMode="auto">
           <a:xfrm>
-            <a:off x="0" y="767462"/>
-            <a:ext cx="7081285" cy="1531089"/>
+            <a:off x="7081284" y="0"/>
+            <a:ext cx="581578" cy="6858000"/>
           </a:xfrm>
           <a:prstGeom prst="rect">
             <a:avLst/>
@@ -4319,117 +3648,27 @@
           </a:extLst>
         </p:spPr>
       </p:pic>
-      <p:pic>
-        <p:nvPicPr>
-          <p:cNvPr id="1026" name="Picture 2" descr="The story of the NBA logo | Logo Design Love">
+      <p:sp>
+        <p:nvSpPr>
+          <p:cNvPr id="6" name="TextBox 5">
             <a:extLst>
               <a:ext uri="{FF2B5EF4-FFF2-40B4-BE49-F238E27FC236}">
-                <a16:creationId xmlns:a16="http://schemas.microsoft.com/office/drawing/2014/main" id="{47D7BF37-A138-073B-C7CE-EE7CC763D407}"/>
+                <a16:creationId xmlns:a16="http://schemas.microsoft.com/office/drawing/2014/main" id="{D23C0421-C01A-7C79-CBA7-990E03071D24}"/>
               </a:ext>
             </a:extLst>
           </p:cNvPr>
-          <p:cNvPicPr>
-            <a:picLocks noChangeAspect="1" noChangeArrowheads="1"/>
-          </p:cNvPicPr>
+          <p:cNvSpPr txBox="1"/>
           <p:nvPr/>
-        </p:nvPicPr>
-        <p:blipFill rotWithShape="1">
-          <a:blip r:embed="rId3">
-            <a:extLst>
-              <a:ext uri="{28A0092B-C50C-407E-A947-70E740481C1C}">
-                <a14:useLocalDpi xmlns:a14="http://schemas.microsoft.com/office/drawing/2010/main" val="0"/>
-              </a:ext>
-            </a:extLst>
-          </a:blip>
-          <a:srcRect l="25261" r="25207"/>
-          <a:stretch/>
-        </p:blipFill>
-        <p:spPr bwMode="auto">
-          <a:xfrm>
-            <a:off x="7662862" y="0"/>
-            <a:ext cx="4529138" cy="6858000"/>
+        </p:nvSpPr>
+        <p:spPr>
+          <a:xfrm>
+            <a:off x="449826" y="976825"/>
+            <a:ext cx="6177516" cy="954107"/>
           </a:xfrm>
           <a:prstGeom prst="rect">
             <a:avLst/>
           </a:prstGeom>
           <a:noFill/>
-          <a:extLst>
-            <a:ext uri="{909E8E84-426E-40DD-AFC4-6F175D3DCCD1}">
-              <a14:hiddenFill xmlns:a14="http://schemas.microsoft.com/office/drawing/2010/main">
-                <a:solidFill>
-                  <a:srgbClr val="FFFFFF"/>
-                </a:solidFill>
-              </a14:hiddenFill>
-            </a:ext>
-          </a:extLst>
-        </p:spPr>
-      </p:pic>
-      <p:pic>
-        <p:nvPicPr>
-          <p:cNvPr id="4" name="Picture 2" descr="The story of the NBA logo | Logo Design Love">
-            <a:extLst>
-              <a:ext uri="{FF2B5EF4-FFF2-40B4-BE49-F238E27FC236}">
-                <a16:creationId xmlns:a16="http://schemas.microsoft.com/office/drawing/2014/main" id="{66C32491-2C3E-12EE-1B41-8ED39050355E}"/>
-              </a:ext>
-            </a:extLst>
-          </p:cNvPr>
-          <p:cNvPicPr>
-            <a:picLocks noChangeAspect="1" noChangeArrowheads="1"/>
-          </p:cNvPicPr>
-          <p:nvPr/>
-        </p:nvPicPr>
-        <p:blipFill rotWithShape="1">
-          <a:blip r:embed="rId3">
-            <a:extLst>
-              <a:ext uri="{28A0092B-C50C-407E-A947-70E740481C1C}">
-                <a14:useLocalDpi xmlns:a14="http://schemas.microsoft.com/office/drawing/2010/main" val="0"/>
-              </a:ext>
-            </a:extLst>
-          </a:blip>
-          <a:srcRect l="25261" r="64238"/>
-          <a:stretch/>
-        </p:blipFill>
-        <p:spPr bwMode="auto">
-          <a:xfrm>
-            <a:off x="7081284" y="0"/>
-            <a:ext cx="581578" cy="6858000"/>
-          </a:xfrm>
-          <a:prstGeom prst="rect">
-            <a:avLst/>
-          </a:prstGeom>
-          <a:noFill/>
-          <a:extLst>
-            <a:ext uri="{909E8E84-426E-40DD-AFC4-6F175D3DCCD1}">
-              <a14:hiddenFill xmlns:a14="http://schemas.microsoft.com/office/drawing/2010/main">
-                <a:solidFill>
-                  <a:srgbClr val="FFFFFF"/>
-                </a:solidFill>
-              </a14:hiddenFill>
-            </a:ext>
-          </a:extLst>
-        </p:spPr>
-      </p:pic>
-      <p:sp>
-        <p:nvSpPr>
-          <p:cNvPr id="6" name="TextBox 5">
-            <a:extLst>
-              <a:ext uri="{FF2B5EF4-FFF2-40B4-BE49-F238E27FC236}">
-                <a16:creationId xmlns:a16="http://schemas.microsoft.com/office/drawing/2014/main" id="{D23C0421-C01A-7C79-CBA7-990E03071D24}"/>
-              </a:ext>
-            </a:extLst>
-          </p:cNvPr>
-          <p:cNvSpPr txBox="1"/>
-          <p:nvPr/>
-        </p:nvSpPr>
-        <p:spPr>
-          <a:xfrm>
-            <a:off x="0" y="979039"/>
-            <a:ext cx="6177516" cy="1384995"/>
-          </a:xfrm>
-          <a:prstGeom prst="rect">
-            <a:avLst/>
-          </a:prstGeom>
-          <a:noFill/>
         </p:spPr>
         <p:txBody>
           <a:bodyPr wrap="square" rtlCol="0">
@@ -4437,8 +3676,9 @@
           </a:bodyPr>
           <a:lstStyle/>
           <a:p>
-            <a:r>
-              <a:rPr lang="en-IN" sz="2800" b="0" i="0" dirty="0">
+            <a:pPr algn="ctr"/>
+            <a:r>
+              <a:rPr lang="en-IN" sz="2800" b="1" i="0" dirty="0">
                 <a:solidFill>
                   <a:schemeClr val="bg1"/>
                 </a:solidFill>
@@ -4449,14 +3689,6 @@
               <a:t>NBA PLAYER STATISTICAL ANALYSIS AND PREDICTION PROJECT</a:t>
             </a:r>
           </a:p>
-          <a:p>
-            <a:endParaRPr lang="en-IN" sz="2800" dirty="0">
-              <a:solidFill>
-                <a:schemeClr val="bg1"/>
-              </a:solidFill>
-              <a:latin typeface="Tableau Book"/>
-            </a:endParaRPr>
-          </a:p>
         </p:txBody>
       </p:sp>
       <p:sp>
@@ -4473,7 +3705,7 @@
         </p:nvSpPr>
         <p:spPr>
           <a:xfrm>
-            <a:off x="0" y="4398826"/>
+            <a:off x="449826" y="4226180"/>
             <a:ext cx="2349795" cy="1815882"/>
           </a:xfrm>
           <a:prstGeom prst="rect">
@@ -4488,7 +3720,7 @@
           <a:lstStyle/>
           <a:p>
             <a:r>
-              <a:rPr lang="en-IN" sz="1600" b="0" dirty="0">
+              <a:rPr lang="en-IN" sz="1600" b="0" u="sng" dirty="0">
                 <a:solidFill>
                   <a:schemeClr val="bg1"/>
                 </a:solidFill>
@@ -4496,7 +3728,7 @@
                 <a:latin typeface="Calibri" panose="020F0502020204030204" pitchFamily="34" charset="0"/>
                 <a:cs typeface="Calibri" panose="020F0502020204030204" pitchFamily="34" charset="0"/>
               </a:rPr>
-              <a:t>COLLABORATORS:</a:t>
+              <a:t>COLLABORATORS</a:t>
             </a:r>
           </a:p>
           <a:p>
@@ -4612,17 +3844,111 @@
           <a:chExt cx="0" cy="0"/>
         </a:xfrm>
       </p:grpSpPr>
+      <p:sp>
+        <p:nvSpPr>
+          <p:cNvPr id="2" name="TextBox 1">
+            <a:extLst>
+              <a:ext uri="{FF2B5EF4-FFF2-40B4-BE49-F238E27FC236}">
+                <a16:creationId xmlns:a16="http://schemas.microsoft.com/office/drawing/2014/main" id="{C337E01E-8910-BDE0-8B9C-836FE5512DB4}"/>
+              </a:ext>
+            </a:extLst>
+          </p:cNvPr>
+          <p:cNvSpPr txBox="1"/>
+          <p:nvPr/>
+        </p:nvSpPr>
+        <p:spPr>
+          <a:xfrm>
+            <a:off x="223700" y="1657810"/>
+            <a:ext cx="11759927" cy="1754326"/>
+          </a:xfrm>
+          <a:prstGeom prst="rect">
+            <a:avLst/>
+          </a:prstGeom>
+        </p:spPr>
+        <p:style>
+          <a:lnRef idx="2">
+            <a:schemeClr val="dk1"/>
+          </a:lnRef>
+          <a:fillRef idx="1">
+            <a:schemeClr val="lt1"/>
+          </a:fillRef>
+          <a:effectRef idx="0">
+            <a:schemeClr val="dk1"/>
+          </a:effectRef>
+          <a:fontRef idx="minor">
+            <a:schemeClr val="dk1"/>
+          </a:fontRef>
+        </p:style>
+        <p:txBody>
+          <a:bodyPr wrap="square" rtlCol="0">
+            <a:spAutoFit/>
+          </a:bodyPr>
+          <a:lstStyle/>
+          <a:p>
+            <a:pPr algn="l"/>
+            <a:r>
+              <a:rPr lang="en-IN" b="0" i="0" u="none" strike="noStrike" dirty="0">
+                <a:solidFill>
+                  <a:srgbClr val="1F2328"/>
+                </a:solidFill>
+                <a:effectLst/>
+              </a:rPr>
+              <a:t>The prediction system achieved </a:t>
+            </a:r>
+            <a:r>
+              <a:rPr lang="en-IN" b="1" i="0" u="none" strike="noStrike" dirty="0">
+                <a:solidFill>
+                  <a:srgbClr val="1F2328"/>
+                </a:solidFill>
+                <a:effectLst/>
+              </a:rPr>
+              <a:t>R-squared value of 0.9998</a:t>
+            </a:r>
+            <a:r>
+              <a:rPr lang="en-IN" b="0" i="0" u="none" strike="noStrike" dirty="0">
+                <a:solidFill>
+                  <a:srgbClr val="1F2328"/>
+                </a:solidFill>
+                <a:effectLst/>
+              </a:rPr>
+              <a:t>, indicating a high level of accuracy in predicting player statistics based on the historical data. </a:t>
+            </a:r>
+          </a:p>
+          <a:p>
+            <a:pPr algn="l"/>
+            <a:endParaRPr lang="en-IN" b="0" i="0" u="none" strike="noStrike" dirty="0">
+              <a:solidFill>
+                <a:srgbClr val="1F2328"/>
+              </a:solidFill>
+              <a:effectLst/>
+            </a:endParaRPr>
+          </a:p>
+          <a:p>
+            <a:pPr algn="l"/>
+            <a:r>
+              <a:rPr lang="en-IN" b="0" i="0" u="none" strike="noStrike" dirty="0">
+                <a:solidFill>
+                  <a:srgbClr val="1F2328"/>
+                </a:solidFill>
+                <a:effectLst/>
+              </a:rPr>
+              <a:t>The NBA Player Statistics Analysis and Prediction System leverages historical player data, applies machine learning techniques, and provides valuable insights and predictions on player performance. The system can assist with team selection, player scouting, and forecasting player statistics for the upcoming season.</a:t>
+            </a:r>
+            <a:endParaRPr lang="en-US" dirty="0"/>
+          </a:p>
+        </p:txBody>
+      </p:sp>
       <p:pic>
         <p:nvPicPr>
-          <p:cNvPr id="1026" name="Picture 2" descr="The story of the NBA logo | Logo Design Love">
+          <p:cNvPr id="3" name="Picture 2" descr="The story of the NBA logo | Logo Design Love">
             <a:extLst>
               <a:ext uri="{FF2B5EF4-FFF2-40B4-BE49-F238E27FC236}">
-                <a16:creationId xmlns:a16="http://schemas.microsoft.com/office/drawing/2014/main" id="{47D7BF37-A138-073B-C7CE-EE7CC763D407}"/>
+                <a16:creationId xmlns:a16="http://schemas.microsoft.com/office/drawing/2014/main" id="{9CAF94D4-B09A-F4B4-D6B7-9330ECFDFB62}"/>
               </a:ext>
             </a:extLst>
           </p:cNvPr>
           <p:cNvPicPr>
-            <a:picLocks noChangeAspect="1" noChangeArrowheads="1"/>
+            <a:picLocks noChangeArrowheads="1"/>
           </p:cNvPicPr>
           <p:nvPr/>
         </p:nvPicPr>
@@ -4639,8 +3965,8 @@
         </p:blipFill>
         <p:spPr bwMode="auto">
           <a:xfrm>
-            <a:off x="11616422" y="1"/>
-            <a:ext cx="575578" cy="871537"/>
+            <a:off x="11408049" y="186950"/>
+            <a:ext cx="575578" cy="900000"/>
           </a:xfrm>
           <a:prstGeom prst="rect">
             <a:avLst/>
@@ -4662,12 +3988,12 @@
           <p:cNvPr id="4" name="Picture 2" descr="The story of the NBA logo | Logo Design Love">
             <a:extLst>
               <a:ext uri="{FF2B5EF4-FFF2-40B4-BE49-F238E27FC236}">
-                <a16:creationId xmlns:a16="http://schemas.microsoft.com/office/drawing/2014/main" id="{66C32491-2C3E-12EE-1B41-8ED39050355E}"/>
+                <a16:creationId xmlns:a16="http://schemas.microsoft.com/office/drawing/2014/main" id="{E35D03C4-BBA3-085A-5A58-C1524419F2CE}"/>
               </a:ext>
             </a:extLst>
           </p:cNvPr>
           <p:cNvPicPr>
-            <a:picLocks noChangeAspect="1" noChangeArrowheads="1"/>
+            <a:picLocks noChangeArrowheads="1"/>
           </p:cNvPicPr>
           <p:nvPr/>
         </p:nvPicPr>
@@ -4684,8 +4010,8 @@
         </p:blipFill>
         <p:spPr bwMode="auto">
           <a:xfrm>
-            <a:off x="0" y="0"/>
-            <a:ext cx="11616422" cy="871537"/>
+            <a:off x="208373" y="186950"/>
+            <a:ext cx="10980000" cy="900000"/>
           </a:xfrm>
           <a:prstGeom prst="rect">
             <a:avLst/>
@@ -4704,10 +4030,10 @@
       </p:pic>
       <p:sp>
         <p:nvSpPr>
-          <p:cNvPr id="2" name="TextBox 1">
+          <p:cNvPr id="7" name="TextBox 6">
             <a:extLst>
               <a:ext uri="{FF2B5EF4-FFF2-40B4-BE49-F238E27FC236}">
-                <a16:creationId xmlns:a16="http://schemas.microsoft.com/office/drawing/2014/main" id="{DC32C837-27EB-8654-3685-5DF85A1D0AF6}"/>
+                <a16:creationId xmlns:a16="http://schemas.microsoft.com/office/drawing/2014/main" id="{2229D329-DE55-06C0-28CA-55A165845E44}"/>
               </a:ext>
             </a:extLst>
           </p:cNvPr>
@@ -4716,8 +4042,8 @@
         </p:nvSpPr>
         <p:spPr>
           <a:xfrm>
-            <a:off x="95693" y="107169"/>
-            <a:ext cx="5486401" cy="523220"/>
+            <a:off x="581628" y="344562"/>
+            <a:ext cx="5486401" cy="584775"/>
           </a:xfrm>
           <a:prstGeom prst="rect">
             <a:avLst/>
@@ -4731,7 +4057,7 @@
           <a:lstStyle/>
           <a:p>
             <a:r>
-              <a:rPr lang="en-IN" sz="2800" b="0" i="0" dirty="0">
+              <a:rPr lang="en-IN" sz="3200" b="1" i="0" dirty="0">
                 <a:solidFill>
                   <a:schemeClr val="bg1"/>
                 </a:solidFill>
@@ -4739,88 +4065,7 @@
                 <a:latin typeface="Calibri" panose="020F0502020204030204" pitchFamily="34" charset="0"/>
                 <a:cs typeface="Calibri" panose="020F0502020204030204" pitchFamily="34" charset="0"/>
               </a:rPr>
-              <a:t>DATA MODELLING</a:t>
-            </a:r>
-            <a:endParaRPr lang="en-IN" sz="2800" dirty="0">
-              <a:solidFill>
-                <a:schemeClr val="bg1"/>
-              </a:solidFill>
-              <a:latin typeface="Tableau Book"/>
-            </a:endParaRPr>
-          </a:p>
-        </p:txBody>
-      </p:sp>
-      <p:pic>
-        <p:nvPicPr>
-          <p:cNvPr id="6" name="Picture 5">
-            <a:extLst>
-              <a:ext uri="{FF2B5EF4-FFF2-40B4-BE49-F238E27FC236}">
-                <a16:creationId xmlns:a16="http://schemas.microsoft.com/office/drawing/2014/main" id="{7F99B171-E4FD-5A2F-C4DF-CDD72B8C5E05}"/>
-              </a:ext>
-            </a:extLst>
-          </p:cNvPr>
-          <p:cNvPicPr>
-            <a:picLocks noChangeAspect="1"/>
-          </p:cNvPicPr>
-          <p:nvPr/>
-        </p:nvPicPr>
-        <p:blipFill>
-          <a:blip r:embed="rId3"/>
-          <a:srcRect/>
-          <a:stretch/>
-        </p:blipFill>
-        <p:spPr>
-          <a:xfrm>
-            <a:off x="0" y="2257936"/>
-            <a:ext cx="9106576" cy="3003739"/>
-          </a:xfrm>
-          <a:prstGeom prst="rect">
-            <a:avLst/>
-          </a:prstGeom>
-          <a:ln>
-            <a:solidFill>
-              <a:schemeClr val="tx1"/>
-            </a:solidFill>
-          </a:ln>
-        </p:spPr>
-      </p:pic>
-      <p:sp>
-        <p:nvSpPr>
-          <p:cNvPr id="3" name="TextBox 2">
-            <a:extLst>
-              <a:ext uri="{FF2B5EF4-FFF2-40B4-BE49-F238E27FC236}">
-                <a16:creationId xmlns:a16="http://schemas.microsoft.com/office/drawing/2014/main" id="{91639528-4D66-5E46-7171-D4E3EB0EB432}"/>
-              </a:ext>
-            </a:extLst>
-          </p:cNvPr>
-          <p:cNvSpPr txBox="1"/>
-          <p:nvPr/>
-        </p:nvSpPr>
-        <p:spPr>
-          <a:xfrm>
-            <a:off x="9106576" y="4892343"/>
-            <a:ext cx="3085424" cy="369332"/>
-          </a:xfrm>
-          <a:prstGeom prst="rect">
-            <a:avLst/>
-          </a:prstGeom>
-          <a:noFill/>
-          <a:ln>
-            <a:solidFill>
-              <a:schemeClr val="tx1"/>
-            </a:solidFill>
-          </a:ln>
-        </p:spPr>
-        <p:txBody>
-          <a:bodyPr wrap="square" rtlCol="0">
-            <a:spAutoFit/>
-          </a:bodyPr>
-          <a:lstStyle/>
-          <a:p>
-            <a:pPr algn="ctr"/>
-            <a:r>
-              <a:rPr lang="en-US" dirty="0"/>
-              <a:t>Modeled the data</a:t>
+              <a:t>RESULT</a:t>
             </a:r>
           </a:p>
         </p:txBody>
@@ -4828,7 +4073,7 @@
     </p:spTree>
     <p:extLst>
       <p:ext uri="{BB962C8B-B14F-4D97-AF65-F5344CB8AC3E}">
-        <p14:creationId xmlns:p14="http://schemas.microsoft.com/office/powerpoint/2010/main" val="3183726834"/>
+        <p14:creationId xmlns:p14="http://schemas.microsoft.com/office/powerpoint/2010/main" val="3529935510"/>
       </p:ext>
     </p:extLst>
   </p:cSld>
@@ -4857,148 +4102,10 @@
       </p:grpSpPr>
       <p:pic>
         <p:nvPicPr>
-          <p:cNvPr id="1026" name="Picture 2" descr="The story of the NBA logo | Logo Design Love">
+          <p:cNvPr id="5" name="Picture 4">
             <a:extLst>
               <a:ext uri="{FF2B5EF4-FFF2-40B4-BE49-F238E27FC236}">
-                <a16:creationId xmlns:a16="http://schemas.microsoft.com/office/drawing/2014/main" id="{47D7BF37-A138-073B-C7CE-EE7CC763D407}"/>
-              </a:ext>
-            </a:extLst>
-          </p:cNvPr>
-          <p:cNvPicPr>
-            <a:picLocks noChangeAspect="1" noChangeArrowheads="1"/>
-          </p:cNvPicPr>
-          <p:nvPr/>
-        </p:nvPicPr>
-        <p:blipFill rotWithShape="1">
-          <a:blip r:embed="rId2">
-            <a:extLst>
-              <a:ext uri="{28A0092B-C50C-407E-A947-70E740481C1C}">
-                <a14:useLocalDpi xmlns:a14="http://schemas.microsoft.com/office/drawing/2010/main" val="0"/>
-              </a:ext>
-            </a:extLst>
-          </a:blip>
-          <a:srcRect l="25261" r="25207"/>
-          <a:stretch/>
-        </p:blipFill>
-        <p:spPr bwMode="auto">
-          <a:xfrm>
-            <a:off x="11616422" y="1"/>
-            <a:ext cx="575578" cy="871537"/>
-          </a:xfrm>
-          <a:prstGeom prst="rect">
-            <a:avLst/>
-          </a:prstGeom>
-          <a:noFill/>
-          <a:extLst>
-            <a:ext uri="{909E8E84-426E-40DD-AFC4-6F175D3DCCD1}">
-              <a14:hiddenFill xmlns:a14="http://schemas.microsoft.com/office/drawing/2010/main">
-                <a:solidFill>
-                  <a:srgbClr val="FFFFFF"/>
-                </a:solidFill>
-              </a14:hiddenFill>
-            </a:ext>
-          </a:extLst>
-        </p:spPr>
-      </p:pic>
-      <p:pic>
-        <p:nvPicPr>
-          <p:cNvPr id="2" name="Picture 2" descr="The story of the NBA logo | Logo Design Love">
-            <a:extLst>
-              <a:ext uri="{FF2B5EF4-FFF2-40B4-BE49-F238E27FC236}">
-                <a16:creationId xmlns:a16="http://schemas.microsoft.com/office/drawing/2014/main" id="{7794069E-ADE1-D1DD-8EC7-9056B6948FDB}"/>
-              </a:ext>
-            </a:extLst>
-          </p:cNvPr>
-          <p:cNvPicPr>
-            <a:picLocks noChangeAspect="1" noChangeArrowheads="1"/>
-          </p:cNvPicPr>
-          <p:nvPr/>
-        </p:nvPicPr>
-        <p:blipFill rotWithShape="1">
-          <a:blip r:embed="rId2">
-            <a:extLst>
-              <a:ext uri="{28A0092B-C50C-407E-A947-70E740481C1C}">
-                <a14:useLocalDpi xmlns:a14="http://schemas.microsoft.com/office/drawing/2010/main" val="0"/>
-              </a:ext>
-            </a:extLst>
-          </a:blip>
-          <a:srcRect l="55102" t="15069" r="41457" b="75764"/>
-          <a:stretch/>
-        </p:blipFill>
-        <p:spPr bwMode="auto">
-          <a:xfrm>
-            <a:off x="-1" y="0"/>
-            <a:ext cx="11616423" cy="871537"/>
-          </a:xfrm>
-          <a:prstGeom prst="rect">
-            <a:avLst/>
-          </a:prstGeom>
-          <a:noFill/>
-          <a:extLst>
-            <a:ext uri="{909E8E84-426E-40DD-AFC4-6F175D3DCCD1}">
-              <a14:hiddenFill xmlns:a14="http://schemas.microsoft.com/office/drawing/2010/main">
-                <a:solidFill>
-                  <a:srgbClr val="FFFFFF"/>
-                </a:solidFill>
-              </a14:hiddenFill>
-            </a:ext>
-          </a:extLst>
-        </p:spPr>
-      </p:pic>
-      <p:sp>
-        <p:nvSpPr>
-          <p:cNvPr id="3" name="TextBox 2">
-            <a:extLst>
-              <a:ext uri="{FF2B5EF4-FFF2-40B4-BE49-F238E27FC236}">
-                <a16:creationId xmlns:a16="http://schemas.microsoft.com/office/drawing/2014/main" id="{8566DA64-D9A8-F501-C7CD-97C7D2C83100}"/>
-              </a:ext>
-            </a:extLst>
-          </p:cNvPr>
-          <p:cNvSpPr txBox="1"/>
-          <p:nvPr/>
-        </p:nvSpPr>
-        <p:spPr>
-          <a:xfrm>
-            <a:off x="95693" y="107169"/>
-            <a:ext cx="5486401" cy="523220"/>
-          </a:xfrm>
-          <a:prstGeom prst="rect">
-            <a:avLst/>
-          </a:prstGeom>
-          <a:noFill/>
-        </p:spPr>
-        <p:txBody>
-          <a:bodyPr wrap="square" rtlCol="0">
-            <a:spAutoFit/>
-          </a:bodyPr>
-          <a:lstStyle/>
-          <a:p>
-            <a:r>
-              <a:rPr lang="en-IN" sz="2800" b="0" i="0" dirty="0">
-                <a:solidFill>
-                  <a:schemeClr val="bg1"/>
-                </a:solidFill>
-                <a:effectLst/>
-                <a:latin typeface="Calibri" panose="020F0502020204030204" pitchFamily="34" charset="0"/>
-                <a:cs typeface="Calibri" panose="020F0502020204030204" pitchFamily="34" charset="0"/>
-              </a:rPr>
-              <a:t>DATA ACCURACY</a:t>
-            </a:r>
-            <a:endParaRPr lang="en-IN" sz="2800" dirty="0">
-              <a:solidFill>
-                <a:schemeClr val="bg1"/>
-              </a:solidFill>
-              <a:latin typeface="Tableau Book"/>
-            </a:endParaRPr>
-          </a:p>
-        </p:txBody>
-      </p:sp>
-      <p:pic>
-        <p:nvPicPr>
-          <p:cNvPr id="5" name="Picture 4" descr="A picture containing text, font, screenshot&#10;&#10;Description automatically generated">
-            <a:extLst>
-              <a:ext uri="{FF2B5EF4-FFF2-40B4-BE49-F238E27FC236}">
-                <a16:creationId xmlns:a16="http://schemas.microsoft.com/office/drawing/2014/main" id="{08A4BA94-C1DD-E91B-2F64-512AA1B88368}"/>
+                <a16:creationId xmlns:a16="http://schemas.microsoft.com/office/drawing/2014/main" id="{C0F61333-9247-8533-BF64-D803912AD318}"/>
               </a:ext>
             </a:extLst>
           </p:cNvPr>
@@ -5008,15 +4115,15 @@
           <p:nvPr/>
         </p:nvPicPr>
         <p:blipFill>
-          <a:blip r:embed="rId3"/>
+          <a:blip r:embed="rId2"/>
           <a:stretch>
             <a:fillRect/>
           </a:stretch>
         </p:blipFill>
         <p:spPr>
           <a:xfrm>
-            <a:off x="292677" y="1817550"/>
-            <a:ext cx="11323745" cy="1789249"/>
+            <a:off x="0" y="0"/>
+            <a:ext cx="12192000" cy="6858000"/>
           </a:xfrm>
           <a:prstGeom prst="rect">
             <a:avLst/>
@@ -5028,7 +4135,7 @@
           <p:cNvPr id="6" name="TextBox 5">
             <a:extLst>
               <a:ext uri="{FF2B5EF4-FFF2-40B4-BE49-F238E27FC236}">
-                <a16:creationId xmlns:a16="http://schemas.microsoft.com/office/drawing/2014/main" id="{96EDDD8D-506C-1AA8-C4C1-C3E8DDE52429}"/>
+                <a16:creationId xmlns:a16="http://schemas.microsoft.com/office/drawing/2014/main" id="{29686C4A-C6B4-C46E-1FC4-FBAFDE9652CE}"/>
               </a:ext>
             </a:extLst>
           </p:cNvPr>
@@ -5037,18 +4144,13 @@
         </p:nvSpPr>
         <p:spPr>
           <a:xfrm>
-            <a:off x="392879" y="4552811"/>
-            <a:ext cx="10859321" cy="369332"/>
+            <a:off x="5330053" y="1566952"/>
+            <a:ext cx="5688255" cy="3724096"/>
           </a:xfrm>
           <a:prstGeom prst="rect">
             <a:avLst/>
           </a:prstGeom>
           <a:noFill/>
-          <a:ln>
-            <a:solidFill>
-              <a:schemeClr val="tx1"/>
-            </a:solidFill>
-          </a:ln>
         </p:spPr>
         <p:txBody>
           <a:bodyPr wrap="square" rtlCol="0">
@@ -5058,8 +4160,34 @@
           <a:p>
             <a:pPr algn="ctr"/>
             <a:r>
-              <a:rPr lang="en-US" dirty="0"/>
-              <a:t>Calculated the R-squared for the model</a:t>
+              <a:rPr lang="en-CA" sz="5400" b="1" dirty="0">
+                <a:latin typeface="Consolas" panose="020B0609020204030204" pitchFamily="49" charset="0"/>
+              </a:rPr>
+              <a:t>THANK YOU</a:t>
+            </a:r>
+          </a:p>
+          <a:p>
+            <a:pPr algn="ctr"/>
+            <a:endParaRPr lang="en-CA" sz="5400" b="1" dirty="0">
+              <a:latin typeface="Consolas" panose="020B0609020204030204" pitchFamily="49" charset="0"/>
+            </a:endParaRPr>
+          </a:p>
+          <a:p>
+            <a:pPr algn="ctr"/>
+            <a:r>
+              <a:rPr lang="en-CA" sz="5400" b="1" dirty="0">
+                <a:latin typeface="Consolas" panose="020B0609020204030204" pitchFamily="49" charset="0"/>
+              </a:rPr>
+              <a:t>QUESTIONS ARE WELCOME</a:t>
+            </a:r>
+          </a:p>
+          <a:p>
+            <a:pPr algn="ctr"/>
+            <a:r>
+              <a:rPr lang="en-CA" sz="2000" b="1" dirty="0">
+                <a:latin typeface="Consolas" panose="020B0609020204030204" pitchFamily="49" charset="0"/>
+              </a:rPr>
+              <a:t> </a:t>
             </a:r>
           </a:p>
         </p:txBody>
@@ -5067,2085 +4195,7 @@
     </p:spTree>
     <p:extLst>
       <p:ext uri="{BB962C8B-B14F-4D97-AF65-F5344CB8AC3E}">
-        <p14:creationId xmlns:p14="http://schemas.microsoft.com/office/powerpoint/2010/main" val="4261753187"/>
-      </p:ext>
-    </p:extLst>
-  </p:cSld>
-  <p:clrMapOvr>
-    <a:masterClrMapping/>
-  </p:clrMapOvr>
-</p:sld>
-</file>
-
-<file path=ppt/slides/slide12.xml><?xml version="1.0" encoding="utf-8"?>
-<p:sld xmlns:a="http://schemas.openxmlformats.org/drawingml/2006/main" xmlns:r="http://schemas.openxmlformats.org/officeDocument/2006/relationships" xmlns:p="http://schemas.openxmlformats.org/presentationml/2006/main">
-  <p:cSld>
-    <p:spTree>
-      <p:nvGrpSpPr>
-        <p:cNvPr id="1" name=""/>
-        <p:cNvGrpSpPr/>
-        <p:nvPr/>
-      </p:nvGrpSpPr>
-      <p:grpSpPr>
-        <a:xfrm>
-          <a:off x="0" y="0"/>
-          <a:ext cx="0" cy="0"/>
-          <a:chOff x="0" y="0"/>
-          <a:chExt cx="0" cy="0"/>
-        </a:xfrm>
-      </p:grpSpPr>
-      <p:pic>
-        <p:nvPicPr>
-          <p:cNvPr id="1026" name="Picture 2" descr="The story of the NBA logo | Logo Design Love">
-            <a:extLst>
-              <a:ext uri="{FF2B5EF4-FFF2-40B4-BE49-F238E27FC236}">
-                <a16:creationId xmlns:a16="http://schemas.microsoft.com/office/drawing/2014/main" id="{47D7BF37-A138-073B-C7CE-EE7CC763D407}"/>
-              </a:ext>
-            </a:extLst>
-          </p:cNvPr>
-          <p:cNvPicPr>
-            <a:picLocks noChangeAspect="1" noChangeArrowheads="1"/>
-          </p:cNvPicPr>
-          <p:nvPr/>
-        </p:nvPicPr>
-        <p:blipFill rotWithShape="1">
-          <a:blip r:embed="rId2">
-            <a:extLst>
-              <a:ext uri="{28A0092B-C50C-407E-A947-70E740481C1C}">
-                <a14:useLocalDpi xmlns:a14="http://schemas.microsoft.com/office/drawing/2010/main" val="0"/>
-              </a:ext>
-            </a:extLst>
-          </a:blip>
-          <a:srcRect l="25261" r="25207"/>
-          <a:stretch/>
-        </p:blipFill>
-        <p:spPr bwMode="auto">
-          <a:xfrm>
-            <a:off x="11616422" y="1"/>
-            <a:ext cx="575578" cy="871537"/>
-          </a:xfrm>
-          <a:prstGeom prst="rect">
-            <a:avLst/>
-          </a:prstGeom>
-          <a:noFill/>
-          <a:extLst>
-            <a:ext uri="{909E8E84-426E-40DD-AFC4-6F175D3DCCD1}">
-              <a14:hiddenFill xmlns:a14="http://schemas.microsoft.com/office/drawing/2010/main">
-                <a:solidFill>
-                  <a:srgbClr val="FFFFFF"/>
-                </a:solidFill>
-              </a14:hiddenFill>
-            </a:ext>
-          </a:extLst>
-        </p:spPr>
-      </p:pic>
-      <p:pic>
-        <p:nvPicPr>
-          <p:cNvPr id="4" name="Picture 2" descr="The story of the NBA logo | Logo Design Love">
-            <a:extLst>
-              <a:ext uri="{FF2B5EF4-FFF2-40B4-BE49-F238E27FC236}">
-                <a16:creationId xmlns:a16="http://schemas.microsoft.com/office/drawing/2014/main" id="{66C32491-2C3E-12EE-1B41-8ED39050355E}"/>
-              </a:ext>
-            </a:extLst>
-          </p:cNvPr>
-          <p:cNvPicPr>
-            <a:picLocks noChangeAspect="1" noChangeArrowheads="1"/>
-          </p:cNvPicPr>
-          <p:nvPr/>
-        </p:nvPicPr>
-        <p:blipFill rotWithShape="1">
-          <a:blip r:embed="rId2">
-            <a:extLst>
-              <a:ext uri="{28A0092B-C50C-407E-A947-70E740481C1C}">
-                <a14:useLocalDpi xmlns:a14="http://schemas.microsoft.com/office/drawing/2010/main" val="0"/>
-              </a:ext>
-            </a:extLst>
-          </a:blip>
-          <a:srcRect l="25261" r="64238"/>
-          <a:stretch/>
-        </p:blipFill>
-        <p:spPr bwMode="auto">
-          <a:xfrm>
-            <a:off x="0" y="0"/>
-            <a:ext cx="11616422" cy="871537"/>
-          </a:xfrm>
-          <a:prstGeom prst="rect">
-            <a:avLst/>
-          </a:prstGeom>
-          <a:noFill/>
-          <a:extLst>
-            <a:ext uri="{909E8E84-426E-40DD-AFC4-6F175D3DCCD1}">
-              <a14:hiddenFill xmlns:a14="http://schemas.microsoft.com/office/drawing/2010/main">
-                <a:solidFill>
-                  <a:srgbClr val="FFFFFF"/>
-                </a:solidFill>
-              </a14:hiddenFill>
-            </a:ext>
-          </a:extLst>
-        </p:spPr>
-      </p:pic>
-      <p:sp>
-        <p:nvSpPr>
-          <p:cNvPr id="2" name="TextBox 1">
-            <a:extLst>
-              <a:ext uri="{FF2B5EF4-FFF2-40B4-BE49-F238E27FC236}">
-                <a16:creationId xmlns:a16="http://schemas.microsoft.com/office/drawing/2014/main" id="{DC32C837-27EB-8654-3685-5DF85A1D0AF6}"/>
-              </a:ext>
-            </a:extLst>
-          </p:cNvPr>
-          <p:cNvSpPr txBox="1"/>
-          <p:nvPr/>
-        </p:nvSpPr>
-        <p:spPr>
-          <a:xfrm>
-            <a:off x="95693" y="107169"/>
-            <a:ext cx="5486401" cy="523220"/>
-          </a:xfrm>
-          <a:prstGeom prst="rect">
-            <a:avLst/>
-          </a:prstGeom>
-          <a:noFill/>
-        </p:spPr>
-        <p:txBody>
-          <a:bodyPr wrap="square" rtlCol="0">
-            <a:spAutoFit/>
-          </a:bodyPr>
-          <a:lstStyle/>
-          <a:p>
-            <a:r>
-              <a:rPr lang="en-IN" sz="2800" b="0" i="0" dirty="0">
-                <a:solidFill>
-                  <a:schemeClr val="bg1"/>
-                </a:solidFill>
-                <a:effectLst/>
-                <a:latin typeface="Calibri" panose="020F0502020204030204" pitchFamily="34" charset="0"/>
-                <a:cs typeface="Calibri" panose="020F0502020204030204" pitchFamily="34" charset="0"/>
-              </a:rPr>
-              <a:t>MAKING PREDICTIONS</a:t>
-            </a:r>
-            <a:endParaRPr lang="en-IN" sz="2800" dirty="0">
-              <a:solidFill>
-                <a:schemeClr val="bg1"/>
-              </a:solidFill>
-              <a:latin typeface="Tableau Book"/>
-            </a:endParaRPr>
-          </a:p>
-        </p:txBody>
-      </p:sp>
-      <p:pic>
-        <p:nvPicPr>
-          <p:cNvPr id="6" name="Picture 5" descr="A screenshot of a computer program&#10;&#10;Description automatically generated with medium confidence">
-            <a:extLst>
-              <a:ext uri="{FF2B5EF4-FFF2-40B4-BE49-F238E27FC236}">
-                <a16:creationId xmlns:a16="http://schemas.microsoft.com/office/drawing/2014/main" id="{EDD0410B-7E23-76B1-8E64-7A101D05DA72}"/>
-              </a:ext>
-            </a:extLst>
-          </p:cNvPr>
-          <p:cNvPicPr>
-            <a:picLocks noChangeAspect="1"/>
-          </p:cNvPicPr>
-          <p:nvPr/>
-        </p:nvPicPr>
-        <p:blipFill rotWithShape="1">
-          <a:blip r:embed="rId3"/>
-          <a:srcRect t="1032"/>
-          <a:stretch/>
-        </p:blipFill>
-        <p:spPr>
-          <a:xfrm>
-            <a:off x="2678026" y="1074605"/>
-            <a:ext cx="6660708" cy="5161102"/>
-          </a:xfrm>
-          <a:prstGeom prst="rect">
-            <a:avLst/>
-          </a:prstGeom>
-        </p:spPr>
-      </p:pic>
-      <p:sp>
-        <p:nvSpPr>
-          <p:cNvPr id="8" name="TextBox 7">
-            <a:extLst>
-              <a:ext uri="{FF2B5EF4-FFF2-40B4-BE49-F238E27FC236}">
-                <a16:creationId xmlns:a16="http://schemas.microsoft.com/office/drawing/2014/main" id="{570C83FF-6C1E-0611-D7C9-43A34D7FA1B3}"/>
-              </a:ext>
-            </a:extLst>
-          </p:cNvPr>
-          <p:cNvSpPr txBox="1"/>
-          <p:nvPr/>
-        </p:nvSpPr>
-        <p:spPr>
-          <a:xfrm>
-            <a:off x="2678026" y="6254109"/>
-            <a:ext cx="6474441" cy="369332"/>
-          </a:xfrm>
-          <a:prstGeom prst="rect">
-            <a:avLst/>
-          </a:prstGeom>
-          <a:noFill/>
-          <a:ln>
-            <a:solidFill>
-              <a:schemeClr val="tx1"/>
-            </a:solidFill>
-          </a:ln>
-        </p:spPr>
-        <p:txBody>
-          <a:bodyPr wrap="square" rtlCol="0">
-            <a:spAutoFit/>
-          </a:bodyPr>
-          <a:lstStyle/>
-          <a:p>
-            <a:pPr algn="ctr"/>
-            <a:r>
-              <a:rPr lang="en-US" dirty="0"/>
-              <a:t>Made predictions for the points</a:t>
-            </a:r>
-          </a:p>
-        </p:txBody>
-      </p:sp>
-    </p:spTree>
-    <p:extLst>
-      <p:ext uri="{BB962C8B-B14F-4D97-AF65-F5344CB8AC3E}">
-        <p14:creationId xmlns:p14="http://schemas.microsoft.com/office/powerpoint/2010/main" val="21145853"/>
-      </p:ext>
-    </p:extLst>
-  </p:cSld>
-  <p:clrMapOvr>
-    <a:masterClrMapping/>
-  </p:clrMapOvr>
-</p:sld>
-</file>
-
-<file path=ppt/slides/slide13.xml><?xml version="1.0" encoding="utf-8"?>
-<p:sld xmlns:a="http://schemas.openxmlformats.org/drawingml/2006/main" xmlns:r="http://schemas.openxmlformats.org/officeDocument/2006/relationships" xmlns:p="http://schemas.openxmlformats.org/presentationml/2006/main">
-  <p:cSld>
-    <p:spTree>
-      <p:nvGrpSpPr>
-        <p:cNvPr id="1" name=""/>
-        <p:cNvGrpSpPr/>
-        <p:nvPr/>
-      </p:nvGrpSpPr>
-      <p:grpSpPr>
-        <a:xfrm>
-          <a:off x="0" y="0"/>
-          <a:ext cx="0" cy="0"/>
-          <a:chOff x="0" y="0"/>
-          <a:chExt cx="0" cy="0"/>
-        </a:xfrm>
-      </p:grpSpPr>
-      <p:pic>
-        <p:nvPicPr>
-          <p:cNvPr id="1026" name="Picture 2" descr="The story of the NBA logo | Logo Design Love">
-            <a:extLst>
-              <a:ext uri="{FF2B5EF4-FFF2-40B4-BE49-F238E27FC236}">
-                <a16:creationId xmlns:a16="http://schemas.microsoft.com/office/drawing/2014/main" id="{47D7BF37-A138-073B-C7CE-EE7CC763D407}"/>
-              </a:ext>
-            </a:extLst>
-          </p:cNvPr>
-          <p:cNvPicPr>
-            <a:picLocks noChangeAspect="1" noChangeArrowheads="1"/>
-          </p:cNvPicPr>
-          <p:nvPr/>
-        </p:nvPicPr>
-        <p:blipFill rotWithShape="1">
-          <a:blip r:embed="rId2">
-            <a:extLst>
-              <a:ext uri="{28A0092B-C50C-407E-A947-70E740481C1C}">
-                <a14:useLocalDpi xmlns:a14="http://schemas.microsoft.com/office/drawing/2010/main" val="0"/>
-              </a:ext>
-            </a:extLst>
-          </a:blip>
-          <a:srcRect l="25261" r="25207"/>
-          <a:stretch/>
-        </p:blipFill>
-        <p:spPr bwMode="auto">
-          <a:xfrm>
-            <a:off x="11616422" y="1"/>
-            <a:ext cx="575578" cy="871537"/>
-          </a:xfrm>
-          <a:prstGeom prst="rect">
-            <a:avLst/>
-          </a:prstGeom>
-          <a:noFill/>
-          <a:extLst>
-            <a:ext uri="{909E8E84-426E-40DD-AFC4-6F175D3DCCD1}">
-              <a14:hiddenFill xmlns:a14="http://schemas.microsoft.com/office/drawing/2010/main">
-                <a:solidFill>
-                  <a:srgbClr val="FFFFFF"/>
-                </a:solidFill>
-              </a14:hiddenFill>
-            </a:ext>
-          </a:extLst>
-        </p:spPr>
-      </p:pic>
-      <p:pic>
-        <p:nvPicPr>
-          <p:cNvPr id="2" name="Picture 2" descr="The story of the NBA logo | Logo Design Love">
-            <a:extLst>
-              <a:ext uri="{FF2B5EF4-FFF2-40B4-BE49-F238E27FC236}">
-                <a16:creationId xmlns:a16="http://schemas.microsoft.com/office/drawing/2014/main" id="{7794069E-ADE1-D1DD-8EC7-9056B6948FDB}"/>
-              </a:ext>
-            </a:extLst>
-          </p:cNvPr>
-          <p:cNvPicPr>
-            <a:picLocks noChangeAspect="1" noChangeArrowheads="1"/>
-          </p:cNvPicPr>
-          <p:nvPr/>
-        </p:nvPicPr>
-        <p:blipFill rotWithShape="1">
-          <a:blip r:embed="rId2">
-            <a:extLst>
-              <a:ext uri="{28A0092B-C50C-407E-A947-70E740481C1C}">
-                <a14:useLocalDpi xmlns:a14="http://schemas.microsoft.com/office/drawing/2010/main" val="0"/>
-              </a:ext>
-            </a:extLst>
-          </a:blip>
-          <a:srcRect l="55102" t="15069" r="41457" b="75764"/>
-          <a:stretch/>
-        </p:blipFill>
-        <p:spPr bwMode="auto">
-          <a:xfrm>
-            <a:off x="-1" y="0"/>
-            <a:ext cx="11616423" cy="871537"/>
-          </a:xfrm>
-          <a:prstGeom prst="rect">
-            <a:avLst/>
-          </a:prstGeom>
-          <a:noFill/>
-          <a:extLst>
-            <a:ext uri="{909E8E84-426E-40DD-AFC4-6F175D3DCCD1}">
-              <a14:hiddenFill xmlns:a14="http://schemas.microsoft.com/office/drawing/2010/main">
-                <a:solidFill>
-                  <a:srgbClr val="FFFFFF"/>
-                </a:solidFill>
-              </a14:hiddenFill>
-            </a:ext>
-          </a:extLst>
-        </p:spPr>
-      </p:pic>
-      <p:sp>
-        <p:nvSpPr>
-          <p:cNvPr id="3" name="TextBox 2">
-            <a:extLst>
-              <a:ext uri="{FF2B5EF4-FFF2-40B4-BE49-F238E27FC236}">
-                <a16:creationId xmlns:a16="http://schemas.microsoft.com/office/drawing/2014/main" id="{8566DA64-D9A8-F501-C7CD-97C7D2C83100}"/>
-              </a:ext>
-            </a:extLst>
-          </p:cNvPr>
-          <p:cNvSpPr txBox="1"/>
-          <p:nvPr/>
-        </p:nvSpPr>
-        <p:spPr>
-          <a:xfrm>
-            <a:off x="95693" y="107169"/>
-            <a:ext cx="5486401" cy="523220"/>
-          </a:xfrm>
-          <a:prstGeom prst="rect">
-            <a:avLst/>
-          </a:prstGeom>
-          <a:noFill/>
-        </p:spPr>
-        <p:txBody>
-          <a:bodyPr wrap="square" rtlCol="0">
-            <a:spAutoFit/>
-          </a:bodyPr>
-          <a:lstStyle/>
-          <a:p>
-            <a:r>
-              <a:rPr lang="en-IN" sz="2800" b="0" i="0" dirty="0">
-                <a:solidFill>
-                  <a:schemeClr val="bg1"/>
-                </a:solidFill>
-                <a:effectLst/>
-                <a:latin typeface="Calibri" panose="020F0502020204030204" pitchFamily="34" charset="0"/>
-                <a:cs typeface="Calibri" panose="020F0502020204030204" pitchFamily="34" charset="0"/>
-              </a:rPr>
-              <a:t>CREATING A FILE FOR TABLEAU</a:t>
-            </a:r>
-            <a:endParaRPr lang="en-IN" sz="2800" dirty="0">
-              <a:solidFill>
-                <a:schemeClr val="bg1"/>
-              </a:solidFill>
-              <a:latin typeface="Tableau Book"/>
-            </a:endParaRPr>
-          </a:p>
-        </p:txBody>
-      </p:sp>
-      <p:pic>
-        <p:nvPicPr>
-          <p:cNvPr id="5" name="Picture 4">
-            <a:extLst>
-              <a:ext uri="{FF2B5EF4-FFF2-40B4-BE49-F238E27FC236}">
-                <a16:creationId xmlns:a16="http://schemas.microsoft.com/office/drawing/2014/main" id="{5ECC8DE2-FDEE-846A-315E-26B01C9C920F}"/>
-              </a:ext>
-            </a:extLst>
-          </p:cNvPr>
-          <p:cNvPicPr>
-            <a:picLocks noChangeAspect="1"/>
-          </p:cNvPicPr>
-          <p:nvPr/>
-        </p:nvPicPr>
-        <p:blipFill>
-          <a:blip r:embed="rId3"/>
-          <a:srcRect/>
-          <a:stretch/>
-        </p:blipFill>
-        <p:spPr>
-          <a:xfrm>
-            <a:off x="960935" y="1390955"/>
-            <a:ext cx="9656265" cy="3925482"/>
-          </a:xfrm>
-          <a:prstGeom prst="rect">
-            <a:avLst/>
-          </a:prstGeom>
-          <a:ln>
-            <a:solidFill>
-              <a:schemeClr val="tx1"/>
-            </a:solidFill>
-          </a:ln>
-        </p:spPr>
-      </p:pic>
-      <p:sp>
-        <p:nvSpPr>
-          <p:cNvPr id="4" name="TextBox 3">
-            <a:extLst>
-              <a:ext uri="{FF2B5EF4-FFF2-40B4-BE49-F238E27FC236}">
-                <a16:creationId xmlns:a16="http://schemas.microsoft.com/office/drawing/2014/main" id="{CB9CB86A-A561-2819-432B-A55FFC678338}"/>
-              </a:ext>
-            </a:extLst>
-          </p:cNvPr>
-          <p:cNvSpPr txBox="1"/>
-          <p:nvPr/>
-        </p:nvSpPr>
-        <p:spPr>
-          <a:xfrm>
-            <a:off x="960935" y="5651188"/>
-            <a:ext cx="9656265" cy="369332"/>
-          </a:xfrm>
-          <a:prstGeom prst="rect">
-            <a:avLst/>
-          </a:prstGeom>
-          <a:noFill/>
-          <a:ln>
-            <a:solidFill>
-              <a:schemeClr val="tx1"/>
-            </a:solidFill>
-          </a:ln>
-        </p:spPr>
-        <p:txBody>
-          <a:bodyPr wrap="square" rtlCol="0">
-            <a:spAutoFit/>
-          </a:bodyPr>
-          <a:lstStyle/>
-          <a:p>
-            <a:pPr algn="ctr"/>
-            <a:r>
-              <a:rPr lang="en-US" dirty="0"/>
-              <a:t>Downloaded the final data set for Tableau</a:t>
-            </a:r>
-          </a:p>
-        </p:txBody>
-      </p:sp>
-    </p:spTree>
-    <p:extLst>
-      <p:ext uri="{BB962C8B-B14F-4D97-AF65-F5344CB8AC3E}">
-        <p14:creationId xmlns:p14="http://schemas.microsoft.com/office/powerpoint/2010/main" val="3685645548"/>
-      </p:ext>
-    </p:extLst>
-  </p:cSld>
-  <p:clrMapOvr>
-    <a:masterClrMapping/>
-  </p:clrMapOvr>
-</p:sld>
-</file>
-
-<file path=ppt/slides/slide14.xml><?xml version="1.0" encoding="utf-8"?>
-<p:sld xmlns:a="http://schemas.openxmlformats.org/drawingml/2006/main" xmlns:r="http://schemas.openxmlformats.org/officeDocument/2006/relationships" xmlns:p="http://schemas.openxmlformats.org/presentationml/2006/main">
-  <p:cSld>
-    <p:spTree>
-      <p:nvGrpSpPr>
-        <p:cNvPr id="1" name=""/>
-        <p:cNvGrpSpPr/>
-        <p:nvPr/>
-      </p:nvGrpSpPr>
-      <p:grpSpPr>
-        <a:xfrm>
-          <a:off x="0" y="0"/>
-          <a:ext cx="0" cy="0"/>
-          <a:chOff x="0" y="0"/>
-          <a:chExt cx="0" cy="0"/>
-        </a:xfrm>
-      </p:grpSpPr>
-      <p:pic>
-        <p:nvPicPr>
-          <p:cNvPr id="1026" name="Picture 2" descr="The story of the NBA logo | Logo Design Love">
-            <a:extLst>
-              <a:ext uri="{FF2B5EF4-FFF2-40B4-BE49-F238E27FC236}">
-                <a16:creationId xmlns:a16="http://schemas.microsoft.com/office/drawing/2014/main" id="{47D7BF37-A138-073B-C7CE-EE7CC763D407}"/>
-              </a:ext>
-            </a:extLst>
-          </p:cNvPr>
-          <p:cNvPicPr>
-            <a:picLocks noChangeAspect="1" noChangeArrowheads="1"/>
-          </p:cNvPicPr>
-          <p:nvPr/>
-        </p:nvPicPr>
-        <p:blipFill rotWithShape="1">
-          <a:blip r:embed="rId2">
-            <a:extLst>
-              <a:ext uri="{28A0092B-C50C-407E-A947-70E740481C1C}">
-                <a14:useLocalDpi xmlns:a14="http://schemas.microsoft.com/office/drawing/2010/main" val="0"/>
-              </a:ext>
-            </a:extLst>
-          </a:blip>
-          <a:srcRect l="25261" r="25207"/>
-          <a:stretch/>
-        </p:blipFill>
-        <p:spPr bwMode="auto">
-          <a:xfrm>
-            <a:off x="11616422" y="1"/>
-            <a:ext cx="575578" cy="871537"/>
-          </a:xfrm>
-          <a:prstGeom prst="rect">
-            <a:avLst/>
-          </a:prstGeom>
-          <a:noFill/>
-          <a:extLst>
-            <a:ext uri="{909E8E84-426E-40DD-AFC4-6F175D3DCCD1}">
-              <a14:hiddenFill xmlns:a14="http://schemas.microsoft.com/office/drawing/2010/main">
-                <a:solidFill>
-                  <a:srgbClr val="FFFFFF"/>
-                </a:solidFill>
-              </a14:hiddenFill>
-            </a:ext>
-          </a:extLst>
-        </p:spPr>
-      </p:pic>
-      <p:pic>
-        <p:nvPicPr>
-          <p:cNvPr id="4" name="Picture 2" descr="The story of the NBA logo | Logo Design Love">
-            <a:extLst>
-              <a:ext uri="{FF2B5EF4-FFF2-40B4-BE49-F238E27FC236}">
-                <a16:creationId xmlns:a16="http://schemas.microsoft.com/office/drawing/2014/main" id="{66C32491-2C3E-12EE-1B41-8ED39050355E}"/>
-              </a:ext>
-            </a:extLst>
-          </p:cNvPr>
-          <p:cNvPicPr>
-            <a:picLocks noChangeAspect="1" noChangeArrowheads="1"/>
-          </p:cNvPicPr>
-          <p:nvPr/>
-        </p:nvPicPr>
-        <p:blipFill rotWithShape="1">
-          <a:blip r:embed="rId2">
-            <a:extLst>
-              <a:ext uri="{28A0092B-C50C-407E-A947-70E740481C1C}">
-                <a14:useLocalDpi xmlns:a14="http://schemas.microsoft.com/office/drawing/2010/main" val="0"/>
-              </a:ext>
-            </a:extLst>
-          </a:blip>
-          <a:srcRect l="25261" r="64238"/>
-          <a:stretch/>
-        </p:blipFill>
-        <p:spPr bwMode="auto">
-          <a:xfrm>
-            <a:off x="0" y="0"/>
-            <a:ext cx="11616422" cy="871537"/>
-          </a:xfrm>
-          <a:prstGeom prst="rect">
-            <a:avLst/>
-          </a:prstGeom>
-          <a:noFill/>
-          <a:extLst>
-            <a:ext uri="{909E8E84-426E-40DD-AFC4-6F175D3DCCD1}">
-              <a14:hiddenFill xmlns:a14="http://schemas.microsoft.com/office/drawing/2010/main">
-                <a:solidFill>
-                  <a:srgbClr val="FFFFFF"/>
-                </a:solidFill>
-              </a14:hiddenFill>
-            </a:ext>
-          </a:extLst>
-        </p:spPr>
-      </p:pic>
-      <p:sp>
-        <p:nvSpPr>
-          <p:cNvPr id="2" name="TextBox 1">
-            <a:extLst>
-              <a:ext uri="{FF2B5EF4-FFF2-40B4-BE49-F238E27FC236}">
-                <a16:creationId xmlns:a16="http://schemas.microsoft.com/office/drawing/2014/main" id="{DC32C837-27EB-8654-3685-5DF85A1D0AF6}"/>
-              </a:ext>
-            </a:extLst>
-          </p:cNvPr>
-          <p:cNvSpPr txBox="1"/>
-          <p:nvPr/>
-        </p:nvSpPr>
-        <p:spPr>
-          <a:xfrm>
-            <a:off x="95693" y="107169"/>
-            <a:ext cx="9911907" cy="523220"/>
-          </a:xfrm>
-          <a:prstGeom prst="rect">
-            <a:avLst/>
-          </a:prstGeom>
-          <a:noFill/>
-        </p:spPr>
-        <p:txBody>
-          <a:bodyPr wrap="square" rtlCol="0">
-            <a:spAutoFit/>
-          </a:bodyPr>
-          <a:lstStyle/>
-          <a:p>
-            <a:r>
-              <a:rPr lang="en-IN" sz="2800" b="0" i="0" dirty="0">
-                <a:solidFill>
-                  <a:schemeClr val="bg1"/>
-                </a:solidFill>
-                <a:effectLst/>
-                <a:latin typeface="Calibri" panose="020F0502020204030204" pitchFamily="34" charset="0"/>
-                <a:cs typeface="Calibri" panose="020F0502020204030204" pitchFamily="34" charset="0"/>
-              </a:rPr>
-              <a:t>TABLEAU DASHBOARD – PLAYER STATS AND PREDICTION</a:t>
-            </a:r>
-            <a:endParaRPr lang="en-IN" sz="2800" dirty="0">
-              <a:solidFill>
-                <a:schemeClr val="bg1"/>
-              </a:solidFill>
-              <a:latin typeface="Tableau Book"/>
-            </a:endParaRPr>
-          </a:p>
-        </p:txBody>
-      </p:sp>
-      <p:pic>
-        <p:nvPicPr>
-          <p:cNvPr id="5" name="Picture 4">
-            <a:extLst>
-              <a:ext uri="{FF2B5EF4-FFF2-40B4-BE49-F238E27FC236}">
-                <a16:creationId xmlns:a16="http://schemas.microsoft.com/office/drawing/2014/main" id="{232685E6-A9AC-3F92-70D4-EA0195F3EE3E}"/>
-              </a:ext>
-            </a:extLst>
-          </p:cNvPr>
-          <p:cNvPicPr>
-            <a:picLocks noChangeAspect="1"/>
-          </p:cNvPicPr>
-          <p:nvPr/>
-        </p:nvPicPr>
-        <p:blipFill>
-          <a:blip r:embed="rId3"/>
-          <a:stretch>
-            <a:fillRect/>
-          </a:stretch>
-        </p:blipFill>
-        <p:spPr>
-          <a:xfrm>
-            <a:off x="1752377" y="942847"/>
-            <a:ext cx="8687246" cy="4972306"/>
-          </a:xfrm>
-          <a:prstGeom prst="rect">
-            <a:avLst/>
-          </a:prstGeom>
-        </p:spPr>
-      </p:pic>
-    </p:spTree>
-    <p:extLst>
-      <p:ext uri="{BB962C8B-B14F-4D97-AF65-F5344CB8AC3E}">
-        <p14:creationId xmlns:p14="http://schemas.microsoft.com/office/powerpoint/2010/main" val="849832236"/>
-      </p:ext>
-    </p:extLst>
-  </p:cSld>
-  <p:clrMapOvr>
-    <a:masterClrMapping/>
-  </p:clrMapOvr>
-</p:sld>
-</file>
-
-<file path=ppt/slides/slide15.xml><?xml version="1.0" encoding="utf-8"?>
-<p:sld xmlns:a="http://schemas.openxmlformats.org/drawingml/2006/main" xmlns:r="http://schemas.openxmlformats.org/officeDocument/2006/relationships" xmlns:p="http://schemas.openxmlformats.org/presentationml/2006/main">
-  <p:cSld>
-    <p:spTree>
-      <p:nvGrpSpPr>
-        <p:cNvPr id="1" name=""/>
-        <p:cNvGrpSpPr/>
-        <p:nvPr/>
-      </p:nvGrpSpPr>
-      <p:grpSpPr>
-        <a:xfrm>
-          <a:off x="0" y="0"/>
-          <a:ext cx="0" cy="0"/>
-          <a:chOff x="0" y="0"/>
-          <a:chExt cx="0" cy="0"/>
-        </a:xfrm>
-      </p:grpSpPr>
-      <p:pic>
-        <p:nvPicPr>
-          <p:cNvPr id="1026" name="Picture 2" descr="The story of the NBA logo | Logo Design Love">
-            <a:extLst>
-              <a:ext uri="{FF2B5EF4-FFF2-40B4-BE49-F238E27FC236}">
-                <a16:creationId xmlns:a16="http://schemas.microsoft.com/office/drawing/2014/main" id="{47D7BF37-A138-073B-C7CE-EE7CC763D407}"/>
-              </a:ext>
-            </a:extLst>
-          </p:cNvPr>
-          <p:cNvPicPr>
-            <a:picLocks noChangeAspect="1" noChangeArrowheads="1"/>
-          </p:cNvPicPr>
-          <p:nvPr/>
-        </p:nvPicPr>
-        <p:blipFill rotWithShape="1">
-          <a:blip r:embed="rId3">
-            <a:extLst>
-              <a:ext uri="{28A0092B-C50C-407E-A947-70E740481C1C}">
-                <a14:useLocalDpi xmlns:a14="http://schemas.microsoft.com/office/drawing/2010/main" val="0"/>
-              </a:ext>
-            </a:extLst>
-          </a:blip>
-          <a:srcRect l="25261" r="25207"/>
-          <a:stretch/>
-        </p:blipFill>
-        <p:spPr bwMode="auto">
-          <a:xfrm>
-            <a:off x="11616422" y="1"/>
-            <a:ext cx="575578" cy="871537"/>
-          </a:xfrm>
-          <a:prstGeom prst="rect">
-            <a:avLst/>
-          </a:prstGeom>
-          <a:noFill/>
-          <a:extLst>
-            <a:ext uri="{909E8E84-426E-40DD-AFC4-6F175D3DCCD1}">
-              <a14:hiddenFill xmlns:a14="http://schemas.microsoft.com/office/drawing/2010/main">
-                <a:solidFill>
-                  <a:srgbClr val="FFFFFF"/>
-                </a:solidFill>
-              </a14:hiddenFill>
-            </a:ext>
-          </a:extLst>
-        </p:spPr>
-      </p:pic>
-      <p:pic>
-        <p:nvPicPr>
-          <p:cNvPr id="4" name="Picture 2" descr="The story of the NBA logo | Logo Design Love">
-            <a:extLst>
-              <a:ext uri="{FF2B5EF4-FFF2-40B4-BE49-F238E27FC236}">
-                <a16:creationId xmlns:a16="http://schemas.microsoft.com/office/drawing/2014/main" id="{66C32491-2C3E-12EE-1B41-8ED39050355E}"/>
-              </a:ext>
-            </a:extLst>
-          </p:cNvPr>
-          <p:cNvPicPr>
-            <a:picLocks noChangeAspect="1" noChangeArrowheads="1"/>
-          </p:cNvPicPr>
-          <p:nvPr/>
-        </p:nvPicPr>
-        <p:blipFill rotWithShape="1">
-          <a:blip r:embed="rId3">
-            <a:extLst>
-              <a:ext uri="{28A0092B-C50C-407E-A947-70E740481C1C}">
-                <a14:useLocalDpi xmlns:a14="http://schemas.microsoft.com/office/drawing/2010/main" val="0"/>
-              </a:ext>
-            </a:extLst>
-          </a:blip>
-          <a:srcRect l="25261" r="64238"/>
-          <a:stretch/>
-        </p:blipFill>
-        <p:spPr bwMode="auto">
-          <a:xfrm>
-            <a:off x="0" y="0"/>
-            <a:ext cx="11616422" cy="871537"/>
-          </a:xfrm>
-          <a:prstGeom prst="rect">
-            <a:avLst/>
-          </a:prstGeom>
-          <a:noFill/>
-          <a:extLst>
-            <a:ext uri="{909E8E84-426E-40DD-AFC4-6F175D3DCCD1}">
-              <a14:hiddenFill xmlns:a14="http://schemas.microsoft.com/office/drawing/2010/main">
-                <a:solidFill>
-                  <a:srgbClr val="FFFFFF"/>
-                </a:solidFill>
-              </a14:hiddenFill>
-            </a:ext>
-          </a:extLst>
-        </p:spPr>
-      </p:pic>
-      <p:sp>
-        <p:nvSpPr>
-          <p:cNvPr id="2" name="TextBox 1">
-            <a:extLst>
-              <a:ext uri="{FF2B5EF4-FFF2-40B4-BE49-F238E27FC236}">
-                <a16:creationId xmlns:a16="http://schemas.microsoft.com/office/drawing/2014/main" id="{DC32C837-27EB-8654-3685-5DF85A1D0AF6}"/>
-              </a:ext>
-            </a:extLst>
-          </p:cNvPr>
-          <p:cNvSpPr txBox="1"/>
-          <p:nvPr/>
-        </p:nvSpPr>
-        <p:spPr>
-          <a:xfrm>
-            <a:off x="95693" y="107169"/>
-            <a:ext cx="9911907" cy="523220"/>
-          </a:xfrm>
-          <a:prstGeom prst="rect">
-            <a:avLst/>
-          </a:prstGeom>
-          <a:noFill/>
-        </p:spPr>
-        <p:txBody>
-          <a:bodyPr wrap="square" rtlCol="0">
-            <a:spAutoFit/>
-          </a:bodyPr>
-          <a:lstStyle/>
-          <a:p>
-            <a:r>
-              <a:rPr lang="en-IN" sz="2800" b="0" i="0" dirty="0">
-                <a:solidFill>
-                  <a:schemeClr val="bg1"/>
-                </a:solidFill>
-                <a:effectLst/>
-                <a:latin typeface="Calibri" panose="020F0502020204030204" pitchFamily="34" charset="0"/>
-                <a:cs typeface="Calibri" panose="020F0502020204030204" pitchFamily="34" charset="0"/>
-              </a:rPr>
-              <a:t>TABLEAU DASHBOARD – LEADERBOARD</a:t>
-            </a:r>
-            <a:endParaRPr lang="en-IN" sz="2800" dirty="0">
-              <a:solidFill>
-                <a:schemeClr val="bg1"/>
-              </a:solidFill>
-              <a:latin typeface="Tableau Book"/>
-            </a:endParaRPr>
-          </a:p>
-        </p:txBody>
-      </p:sp>
-      <p:pic>
-        <p:nvPicPr>
-          <p:cNvPr id="5" name="Picture 4">
-            <a:extLst>
-              <a:ext uri="{FF2B5EF4-FFF2-40B4-BE49-F238E27FC236}">
-                <a16:creationId xmlns:a16="http://schemas.microsoft.com/office/drawing/2014/main" id="{27956B32-8098-1A84-5E43-C5CFCD3C8F6B}"/>
-              </a:ext>
-            </a:extLst>
-          </p:cNvPr>
-          <p:cNvPicPr>
-            <a:picLocks noChangeAspect="1"/>
-          </p:cNvPicPr>
-          <p:nvPr/>
-        </p:nvPicPr>
-        <p:blipFill>
-          <a:blip r:embed="rId4"/>
-          <a:stretch>
-            <a:fillRect/>
-          </a:stretch>
-        </p:blipFill>
-        <p:spPr>
-          <a:xfrm>
-            <a:off x="1682523" y="958723"/>
-            <a:ext cx="8826954" cy="4940554"/>
-          </a:xfrm>
-          <a:prstGeom prst="rect">
-            <a:avLst/>
-          </a:prstGeom>
-        </p:spPr>
-      </p:pic>
-    </p:spTree>
-    <p:extLst>
-      <p:ext uri="{BB962C8B-B14F-4D97-AF65-F5344CB8AC3E}">
-        <p14:creationId xmlns:p14="http://schemas.microsoft.com/office/powerpoint/2010/main" val="3916664619"/>
-      </p:ext>
-    </p:extLst>
-  </p:cSld>
-  <p:clrMapOvr>
-    <a:masterClrMapping/>
-  </p:clrMapOvr>
-</p:sld>
-</file>
-
-<file path=ppt/slides/slide16.xml><?xml version="1.0" encoding="utf-8"?>
-<p:sld xmlns:a="http://schemas.openxmlformats.org/drawingml/2006/main" xmlns:r="http://schemas.openxmlformats.org/officeDocument/2006/relationships" xmlns:p="http://schemas.openxmlformats.org/presentationml/2006/main">
-  <p:cSld>
-    <p:spTree>
-      <p:nvGrpSpPr>
-        <p:cNvPr id="1" name=""/>
-        <p:cNvGrpSpPr/>
-        <p:nvPr/>
-      </p:nvGrpSpPr>
-      <p:grpSpPr>
-        <a:xfrm>
-          <a:off x="0" y="0"/>
-          <a:ext cx="0" cy="0"/>
-          <a:chOff x="0" y="0"/>
-          <a:chExt cx="0" cy="0"/>
-        </a:xfrm>
-      </p:grpSpPr>
-      <p:pic>
-        <p:nvPicPr>
-          <p:cNvPr id="1026" name="Picture 2" descr="The story of the NBA logo | Logo Design Love">
-            <a:extLst>
-              <a:ext uri="{FF2B5EF4-FFF2-40B4-BE49-F238E27FC236}">
-                <a16:creationId xmlns:a16="http://schemas.microsoft.com/office/drawing/2014/main" id="{47D7BF37-A138-073B-C7CE-EE7CC763D407}"/>
-              </a:ext>
-            </a:extLst>
-          </p:cNvPr>
-          <p:cNvPicPr>
-            <a:picLocks noChangeAspect="1" noChangeArrowheads="1"/>
-          </p:cNvPicPr>
-          <p:nvPr/>
-        </p:nvPicPr>
-        <p:blipFill rotWithShape="1">
-          <a:blip r:embed="rId3">
-            <a:extLst>
-              <a:ext uri="{28A0092B-C50C-407E-A947-70E740481C1C}">
-                <a14:useLocalDpi xmlns:a14="http://schemas.microsoft.com/office/drawing/2010/main" val="0"/>
-              </a:ext>
-            </a:extLst>
-          </a:blip>
-          <a:srcRect l="25261" r="25207"/>
-          <a:stretch/>
-        </p:blipFill>
-        <p:spPr bwMode="auto">
-          <a:xfrm>
-            <a:off x="11616422" y="1"/>
-            <a:ext cx="575578" cy="871537"/>
-          </a:xfrm>
-          <a:prstGeom prst="rect">
-            <a:avLst/>
-          </a:prstGeom>
-          <a:noFill/>
-          <a:extLst>
-            <a:ext uri="{909E8E84-426E-40DD-AFC4-6F175D3DCCD1}">
-              <a14:hiddenFill xmlns:a14="http://schemas.microsoft.com/office/drawing/2010/main">
-                <a:solidFill>
-                  <a:srgbClr val="FFFFFF"/>
-                </a:solidFill>
-              </a14:hiddenFill>
-            </a:ext>
-          </a:extLst>
-        </p:spPr>
-      </p:pic>
-      <p:pic>
-        <p:nvPicPr>
-          <p:cNvPr id="4" name="Picture 2" descr="The story of the NBA logo | Logo Design Love">
-            <a:extLst>
-              <a:ext uri="{FF2B5EF4-FFF2-40B4-BE49-F238E27FC236}">
-                <a16:creationId xmlns:a16="http://schemas.microsoft.com/office/drawing/2014/main" id="{66C32491-2C3E-12EE-1B41-8ED39050355E}"/>
-              </a:ext>
-            </a:extLst>
-          </p:cNvPr>
-          <p:cNvPicPr>
-            <a:picLocks noChangeAspect="1" noChangeArrowheads="1"/>
-          </p:cNvPicPr>
-          <p:nvPr/>
-        </p:nvPicPr>
-        <p:blipFill rotWithShape="1">
-          <a:blip r:embed="rId3">
-            <a:extLst>
-              <a:ext uri="{28A0092B-C50C-407E-A947-70E740481C1C}">
-                <a14:useLocalDpi xmlns:a14="http://schemas.microsoft.com/office/drawing/2010/main" val="0"/>
-              </a:ext>
-            </a:extLst>
-          </a:blip>
-          <a:srcRect l="25261" r="64238"/>
-          <a:stretch/>
-        </p:blipFill>
-        <p:spPr bwMode="auto">
-          <a:xfrm>
-            <a:off x="0" y="0"/>
-            <a:ext cx="11616422" cy="871537"/>
-          </a:xfrm>
-          <a:prstGeom prst="rect">
-            <a:avLst/>
-          </a:prstGeom>
-          <a:noFill/>
-          <a:extLst>
-            <a:ext uri="{909E8E84-426E-40DD-AFC4-6F175D3DCCD1}">
-              <a14:hiddenFill xmlns:a14="http://schemas.microsoft.com/office/drawing/2010/main">
-                <a:solidFill>
-                  <a:srgbClr val="FFFFFF"/>
-                </a:solidFill>
-              </a14:hiddenFill>
-            </a:ext>
-          </a:extLst>
-        </p:spPr>
-      </p:pic>
-      <p:sp>
-        <p:nvSpPr>
-          <p:cNvPr id="2" name="TextBox 1">
-            <a:extLst>
-              <a:ext uri="{FF2B5EF4-FFF2-40B4-BE49-F238E27FC236}">
-                <a16:creationId xmlns:a16="http://schemas.microsoft.com/office/drawing/2014/main" id="{DC32C837-27EB-8654-3685-5DF85A1D0AF6}"/>
-              </a:ext>
-            </a:extLst>
-          </p:cNvPr>
-          <p:cNvSpPr txBox="1"/>
-          <p:nvPr/>
-        </p:nvSpPr>
-        <p:spPr>
-          <a:xfrm>
-            <a:off x="95693" y="107169"/>
-            <a:ext cx="9911907" cy="523220"/>
-          </a:xfrm>
-          <a:prstGeom prst="rect">
-            <a:avLst/>
-          </a:prstGeom>
-          <a:noFill/>
-        </p:spPr>
-        <p:txBody>
-          <a:bodyPr wrap="square" rtlCol="0">
-            <a:spAutoFit/>
-          </a:bodyPr>
-          <a:lstStyle/>
-          <a:p>
-            <a:r>
-              <a:rPr lang="en-IN" sz="2800" b="0" i="0" dirty="0">
-                <a:solidFill>
-                  <a:schemeClr val="bg1"/>
-                </a:solidFill>
-                <a:effectLst/>
-                <a:latin typeface="Calibri" panose="020F0502020204030204" pitchFamily="34" charset="0"/>
-                <a:cs typeface="Calibri" panose="020F0502020204030204" pitchFamily="34" charset="0"/>
-              </a:rPr>
-              <a:t>TABLEAU DASHBOARD </a:t>
-            </a:r>
-            <a:r>
-              <a:rPr lang="en-IN" sz="2800" b="0" i="0">
-                <a:solidFill>
-                  <a:schemeClr val="bg1"/>
-                </a:solidFill>
-                <a:effectLst/>
-                <a:latin typeface="Calibri" panose="020F0502020204030204" pitchFamily="34" charset="0"/>
-                <a:cs typeface="Calibri" panose="020F0502020204030204" pitchFamily="34" charset="0"/>
-              </a:rPr>
-              <a:t>– PLAYER COMPARISION</a:t>
-            </a:r>
-            <a:endParaRPr lang="en-IN" sz="2800" dirty="0">
-              <a:solidFill>
-                <a:schemeClr val="bg1"/>
-              </a:solidFill>
-              <a:latin typeface="Tableau Book"/>
-            </a:endParaRPr>
-          </a:p>
-        </p:txBody>
-      </p:sp>
-      <p:pic>
-        <p:nvPicPr>
-          <p:cNvPr id="5" name="Picture 4">
-            <a:extLst>
-              <a:ext uri="{FF2B5EF4-FFF2-40B4-BE49-F238E27FC236}">
-                <a16:creationId xmlns:a16="http://schemas.microsoft.com/office/drawing/2014/main" id="{C02216F5-DE72-ACF7-9DD3-0923450AC648}"/>
-              </a:ext>
-            </a:extLst>
-          </p:cNvPr>
-          <p:cNvPicPr>
-            <a:picLocks noChangeAspect="1"/>
-          </p:cNvPicPr>
-          <p:nvPr/>
-        </p:nvPicPr>
-        <p:blipFill>
-          <a:blip r:embed="rId4"/>
-          <a:stretch>
-            <a:fillRect/>
-          </a:stretch>
-        </p:blipFill>
-        <p:spPr>
-          <a:xfrm>
-            <a:off x="1666647" y="920621"/>
-            <a:ext cx="8858705" cy="5016758"/>
-          </a:xfrm>
-          <a:prstGeom prst="rect">
-            <a:avLst/>
-          </a:prstGeom>
-        </p:spPr>
-      </p:pic>
-    </p:spTree>
-    <p:extLst>
-      <p:ext uri="{BB962C8B-B14F-4D97-AF65-F5344CB8AC3E}">
-        <p14:creationId xmlns:p14="http://schemas.microsoft.com/office/powerpoint/2010/main" val="2356194855"/>
-      </p:ext>
-    </p:extLst>
-  </p:cSld>
-  <p:clrMapOvr>
-    <a:masterClrMapping/>
-  </p:clrMapOvr>
-</p:sld>
-</file>
-
-<file path=ppt/slides/slide17.xml><?xml version="1.0" encoding="utf-8"?>
-<p:sld xmlns:a="http://schemas.openxmlformats.org/drawingml/2006/main" xmlns:r="http://schemas.openxmlformats.org/officeDocument/2006/relationships" xmlns:p="http://schemas.openxmlformats.org/presentationml/2006/main">
-  <p:cSld>
-    <p:spTree>
-      <p:nvGrpSpPr>
-        <p:cNvPr id="1" name=""/>
-        <p:cNvGrpSpPr/>
-        <p:nvPr/>
-      </p:nvGrpSpPr>
-      <p:grpSpPr>
-        <a:xfrm>
-          <a:off x="0" y="0"/>
-          <a:ext cx="0" cy="0"/>
-          <a:chOff x="0" y="0"/>
-          <a:chExt cx="0" cy="0"/>
-        </a:xfrm>
-      </p:grpSpPr>
-      <p:pic>
-        <p:nvPicPr>
-          <p:cNvPr id="1026" name="Picture 2" descr="The story of the NBA logo | Logo Design Love">
-            <a:extLst>
-              <a:ext uri="{FF2B5EF4-FFF2-40B4-BE49-F238E27FC236}">
-                <a16:creationId xmlns:a16="http://schemas.microsoft.com/office/drawing/2014/main" id="{47D7BF37-A138-073B-C7CE-EE7CC763D407}"/>
-              </a:ext>
-            </a:extLst>
-          </p:cNvPr>
-          <p:cNvPicPr>
-            <a:picLocks noChangeAspect="1" noChangeArrowheads="1"/>
-          </p:cNvPicPr>
-          <p:nvPr/>
-        </p:nvPicPr>
-        <p:blipFill rotWithShape="1">
-          <a:blip r:embed="rId2">
-            <a:extLst>
-              <a:ext uri="{28A0092B-C50C-407E-A947-70E740481C1C}">
-                <a14:useLocalDpi xmlns:a14="http://schemas.microsoft.com/office/drawing/2010/main" val="0"/>
-              </a:ext>
-            </a:extLst>
-          </a:blip>
-          <a:srcRect l="25261" r="25207"/>
-          <a:stretch/>
-        </p:blipFill>
-        <p:spPr bwMode="auto">
-          <a:xfrm>
-            <a:off x="11616422" y="1"/>
-            <a:ext cx="575578" cy="871537"/>
-          </a:xfrm>
-          <a:prstGeom prst="rect">
-            <a:avLst/>
-          </a:prstGeom>
-          <a:noFill/>
-          <a:extLst>
-            <a:ext uri="{909E8E84-426E-40DD-AFC4-6F175D3DCCD1}">
-              <a14:hiddenFill xmlns:a14="http://schemas.microsoft.com/office/drawing/2010/main">
-                <a:solidFill>
-                  <a:srgbClr val="FFFFFF"/>
-                </a:solidFill>
-              </a14:hiddenFill>
-            </a:ext>
-          </a:extLst>
-        </p:spPr>
-      </p:pic>
-      <p:pic>
-        <p:nvPicPr>
-          <p:cNvPr id="2" name="Picture 2" descr="The story of the NBA logo | Logo Design Love">
-            <a:extLst>
-              <a:ext uri="{FF2B5EF4-FFF2-40B4-BE49-F238E27FC236}">
-                <a16:creationId xmlns:a16="http://schemas.microsoft.com/office/drawing/2014/main" id="{7794069E-ADE1-D1DD-8EC7-9056B6948FDB}"/>
-              </a:ext>
-            </a:extLst>
-          </p:cNvPr>
-          <p:cNvPicPr>
-            <a:picLocks noChangeAspect="1" noChangeArrowheads="1"/>
-          </p:cNvPicPr>
-          <p:nvPr/>
-        </p:nvPicPr>
-        <p:blipFill rotWithShape="1">
-          <a:blip r:embed="rId2">
-            <a:extLst>
-              <a:ext uri="{28A0092B-C50C-407E-A947-70E740481C1C}">
-                <a14:useLocalDpi xmlns:a14="http://schemas.microsoft.com/office/drawing/2010/main" val="0"/>
-              </a:ext>
-            </a:extLst>
-          </a:blip>
-          <a:srcRect l="55102" t="15069" r="41457" b="75764"/>
-          <a:stretch/>
-        </p:blipFill>
-        <p:spPr bwMode="auto">
-          <a:xfrm>
-            <a:off x="-1" y="0"/>
-            <a:ext cx="11616423" cy="871537"/>
-          </a:xfrm>
-          <a:prstGeom prst="rect">
-            <a:avLst/>
-          </a:prstGeom>
-          <a:noFill/>
-          <a:extLst>
-            <a:ext uri="{909E8E84-426E-40DD-AFC4-6F175D3DCCD1}">
-              <a14:hiddenFill xmlns:a14="http://schemas.microsoft.com/office/drawing/2010/main">
-                <a:solidFill>
-                  <a:srgbClr val="FFFFFF"/>
-                </a:solidFill>
-              </a14:hiddenFill>
-            </a:ext>
-          </a:extLst>
-        </p:spPr>
-      </p:pic>
-      <p:sp>
-        <p:nvSpPr>
-          <p:cNvPr id="3" name="TextBox 2">
-            <a:extLst>
-              <a:ext uri="{FF2B5EF4-FFF2-40B4-BE49-F238E27FC236}">
-                <a16:creationId xmlns:a16="http://schemas.microsoft.com/office/drawing/2014/main" id="{8566DA64-D9A8-F501-C7CD-97C7D2C83100}"/>
-              </a:ext>
-            </a:extLst>
-          </p:cNvPr>
-          <p:cNvSpPr txBox="1"/>
-          <p:nvPr/>
-        </p:nvSpPr>
-        <p:spPr>
-          <a:xfrm>
-            <a:off x="95693" y="107169"/>
-            <a:ext cx="5486401" cy="523220"/>
-          </a:xfrm>
-          <a:prstGeom prst="rect">
-            <a:avLst/>
-          </a:prstGeom>
-          <a:noFill/>
-        </p:spPr>
-        <p:txBody>
-          <a:bodyPr wrap="square" rtlCol="0">
-            <a:spAutoFit/>
-          </a:bodyPr>
-          <a:lstStyle/>
-          <a:p>
-            <a:r>
-              <a:rPr lang="en-IN" sz="2800" b="0" i="0" dirty="0">
-                <a:solidFill>
-                  <a:schemeClr val="bg1"/>
-                </a:solidFill>
-                <a:effectLst/>
-                <a:latin typeface="Calibri" panose="020F0502020204030204" pitchFamily="34" charset="0"/>
-                <a:cs typeface="Calibri" panose="020F0502020204030204" pitchFamily="34" charset="0"/>
-              </a:rPr>
-              <a:t>CHALLENGES</a:t>
-            </a:r>
-            <a:endParaRPr lang="en-IN" sz="2800" dirty="0">
-              <a:solidFill>
-                <a:schemeClr val="bg1"/>
-              </a:solidFill>
-              <a:latin typeface="Tableau Book"/>
-            </a:endParaRPr>
-          </a:p>
-        </p:txBody>
-      </p:sp>
-      <p:sp>
-        <p:nvSpPr>
-          <p:cNvPr id="4" name="TextBox 3">
-            <a:extLst>
-              <a:ext uri="{FF2B5EF4-FFF2-40B4-BE49-F238E27FC236}">
-                <a16:creationId xmlns:a16="http://schemas.microsoft.com/office/drawing/2014/main" id="{69AD936E-0E62-D7D8-3B9A-DBAF20CCB759}"/>
-              </a:ext>
-            </a:extLst>
-          </p:cNvPr>
-          <p:cNvSpPr txBox="1"/>
-          <p:nvPr/>
-        </p:nvSpPr>
-        <p:spPr>
-          <a:xfrm>
-            <a:off x="0" y="1237240"/>
-            <a:ext cx="12192000" cy="3970318"/>
-          </a:xfrm>
-          <a:prstGeom prst="rect">
-            <a:avLst/>
-          </a:prstGeom>
-          <a:noFill/>
-          <a:ln>
-            <a:solidFill>
-              <a:schemeClr val="tx1"/>
-            </a:solidFill>
-          </a:ln>
-        </p:spPr>
-        <p:txBody>
-          <a:bodyPr wrap="square" rtlCol="0">
-            <a:spAutoFit/>
-          </a:bodyPr>
-          <a:lstStyle/>
-          <a:p>
-            <a:pPr algn="l"/>
-            <a:endParaRPr lang="en-IN" b="0" i="0" u="none" strike="noStrike" dirty="0">
-              <a:solidFill>
-                <a:srgbClr val="1F2328"/>
-              </a:solidFill>
-              <a:effectLst/>
-              <a:latin typeface="-apple-system"/>
-            </a:endParaRPr>
-          </a:p>
-          <a:p>
-            <a:pPr algn="l">
-              <a:buFont typeface="Arial" panose="020B0604020202020204" pitchFamily="34" charset="0"/>
-              <a:buChar char="•"/>
-            </a:pPr>
-            <a:r>
-              <a:rPr lang="en-IN" b="0" i="0" u="none" strike="noStrike" dirty="0">
-                <a:solidFill>
-                  <a:srgbClr val="1F2328"/>
-                </a:solidFill>
-                <a:effectLst/>
-                <a:latin typeface="-apple-system"/>
-              </a:rPr>
-              <a:t> Bad Encoding: The original data had encoding issues that we struggled to handle. We had to apply encoding techniques to ensure proper handling and interpretation of the data.</a:t>
-            </a:r>
-          </a:p>
-          <a:p>
-            <a:pPr algn="l"/>
-            <a:endParaRPr lang="en-IN" b="0" i="0" u="none" strike="noStrike" dirty="0">
-              <a:solidFill>
-                <a:srgbClr val="1F2328"/>
-              </a:solidFill>
-              <a:effectLst/>
-              <a:latin typeface="-apple-system"/>
-            </a:endParaRPr>
-          </a:p>
-          <a:p>
-            <a:pPr algn="l">
-              <a:buFont typeface="Arial" panose="020B0604020202020204" pitchFamily="34" charset="0"/>
-              <a:buChar char="•"/>
-            </a:pPr>
-            <a:r>
-              <a:rPr lang="en-IN" b="0" i="0" u="none" strike="noStrike" dirty="0">
-                <a:solidFill>
-                  <a:srgbClr val="1F2328"/>
-                </a:solidFill>
-                <a:effectLst/>
-                <a:latin typeface="-apple-system"/>
-              </a:rPr>
-              <a:t> External Factors: While player statistics provide valuable insights, it's important to note that other factors can influence a player's performance on the court. Factors such as injuries, team dynamics, coaching strategies, and external circumstances were not included in our analysis. Considering these external factors could further enhance the accuracy and predictive power of the model.</a:t>
-            </a:r>
-          </a:p>
-          <a:p>
-            <a:pPr algn="l"/>
-            <a:endParaRPr lang="en-IN" b="0" i="0" u="none" strike="noStrike" dirty="0">
-              <a:solidFill>
-                <a:srgbClr val="1F2328"/>
-              </a:solidFill>
-              <a:effectLst/>
-              <a:latin typeface="-apple-system"/>
-            </a:endParaRPr>
-          </a:p>
-          <a:p>
-            <a:pPr algn="l">
-              <a:buFont typeface="Arial" panose="020B0604020202020204" pitchFamily="34" charset="0"/>
-              <a:buChar char="•"/>
-            </a:pPr>
-            <a:r>
-              <a:rPr lang="en-IN" dirty="0">
-                <a:solidFill>
-                  <a:srgbClr val="1F2328"/>
-                </a:solidFill>
-                <a:latin typeface="-apple-system"/>
-              </a:rPr>
-              <a:t>Outliers: </a:t>
-            </a:r>
-            <a:r>
-              <a:rPr lang="en-IN" b="0" i="0" u="none" strike="noStrike" dirty="0">
-                <a:solidFill>
-                  <a:srgbClr val="1F2328"/>
-                </a:solidFill>
-                <a:effectLst/>
-                <a:latin typeface="-apple-system"/>
-              </a:rPr>
-              <a:t>To handle these outliers, we implemented a post-processing step where we replaced any negative predicted values with zeros. This approach allowed us to address the outliers and ensure that the predicted statistics remain within a valid range. By zeroing out the negative values, we mitigated the impact of outliers on the model's performance and ensured that the predicted player statistics align with the expectations of NBA player performance.</a:t>
-            </a:r>
-          </a:p>
-          <a:p>
-            <a:endParaRPr lang="en-US" dirty="0"/>
-          </a:p>
-        </p:txBody>
-      </p:sp>
-    </p:spTree>
-    <p:extLst>
-      <p:ext uri="{BB962C8B-B14F-4D97-AF65-F5344CB8AC3E}">
-        <p14:creationId xmlns:p14="http://schemas.microsoft.com/office/powerpoint/2010/main" val="3175716620"/>
-      </p:ext>
-    </p:extLst>
-  </p:cSld>
-  <p:clrMapOvr>
-    <a:masterClrMapping/>
-  </p:clrMapOvr>
-</p:sld>
-</file>
-
-<file path=ppt/slides/slide18.xml><?xml version="1.0" encoding="utf-8"?>
-<p:sld xmlns:a="http://schemas.openxmlformats.org/drawingml/2006/main" xmlns:r="http://schemas.openxmlformats.org/officeDocument/2006/relationships" xmlns:p="http://schemas.openxmlformats.org/presentationml/2006/main">
-  <p:cSld>
-    <p:spTree>
-      <p:nvGrpSpPr>
-        <p:cNvPr id="1" name=""/>
-        <p:cNvGrpSpPr/>
-        <p:nvPr/>
-      </p:nvGrpSpPr>
-      <p:grpSpPr>
-        <a:xfrm>
-          <a:off x="0" y="0"/>
-          <a:ext cx="0" cy="0"/>
-          <a:chOff x="0" y="0"/>
-          <a:chExt cx="0" cy="0"/>
-        </a:xfrm>
-      </p:grpSpPr>
-      <p:pic>
-        <p:nvPicPr>
-          <p:cNvPr id="1026" name="Picture 2" descr="The story of the NBA logo | Logo Design Love">
-            <a:extLst>
-              <a:ext uri="{FF2B5EF4-FFF2-40B4-BE49-F238E27FC236}">
-                <a16:creationId xmlns:a16="http://schemas.microsoft.com/office/drawing/2014/main" id="{47D7BF37-A138-073B-C7CE-EE7CC763D407}"/>
-              </a:ext>
-            </a:extLst>
-          </p:cNvPr>
-          <p:cNvPicPr>
-            <a:picLocks noChangeAspect="1" noChangeArrowheads="1"/>
-          </p:cNvPicPr>
-          <p:nvPr/>
-        </p:nvPicPr>
-        <p:blipFill rotWithShape="1">
-          <a:blip r:embed="rId2">
-            <a:extLst>
-              <a:ext uri="{28A0092B-C50C-407E-A947-70E740481C1C}">
-                <a14:useLocalDpi xmlns:a14="http://schemas.microsoft.com/office/drawing/2010/main" val="0"/>
-              </a:ext>
-            </a:extLst>
-          </a:blip>
-          <a:srcRect l="25261" r="25207"/>
-          <a:stretch/>
-        </p:blipFill>
-        <p:spPr bwMode="auto">
-          <a:xfrm>
-            <a:off x="11616422" y="1"/>
-            <a:ext cx="575578" cy="871537"/>
-          </a:xfrm>
-          <a:prstGeom prst="rect">
-            <a:avLst/>
-          </a:prstGeom>
-          <a:noFill/>
-          <a:extLst>
-            <a:ext uri="{909E8E84-426E-40DD-AFC4-6F175D3DCCD1}">
-              <a14:hiddenFill xmlns:a14="http://schemas.microsoft.com/office/drawing/2010/main">
-                <a:solidFill>
-                  <a:srgbClr val="FFFFFF"/>
-                </a:solidFill>
-              </a14:hiddenFill>
-            </a:ext>
-          </a:extLst>
-        </p:spPr>
-      </p:pic>
-      <p:pic>
-        <p:nvPicPr>
-          <p:cNvPr id="4" name="Picture 2" descr="The story of the NBA logo | Logo Design Love">
-            <a:extLst>
-              <a:ext uri="{FF2B5EF4-FFF2-40B4-BE49-F238E27FC236}">
-                <a16:creationId xmlns:a16="http://schemas.microsoft.com/office/drawing/2014/main" id="{66C32491-2C3E-12EE-1B41-8ED39050355E}"/>
-              </a:ext>
-            </a:extLst>
-          </p:cNvPr>
-          <p:cNvPicPr>
-            <a:picLocks noChangeAspect="1" noChangeArrowheads="1"/>
-          </p:cNvPicPr>
-          <p:nvPr/>
-        </p:nvPicPr>
-        <p:blipFill rotWithShape="1">
-          <a:blip r:embed="rId2">
-            <a:extLst>
-              <a:ext uri="{28A0092B-C50C-407E-A947-70E740481C1C}">
-                <a14:useLocalDpi xmlns:a14="http://schemas.microsoft.com/office/drawing/2010/main" val="0"/>
-              </a:ext>
-            </a:extLst>
-          </a:blip>
-          <a:srcRect l="25261" r="64238"/>
-          <a:stretch/>
-        </p:blipFill>
-        <p:spPr bwMode="auto">
-          <a:xfrm>
-            <a:off x="0" y="0"/>
-            <a:ext cx="11616422" cy="871537"/>
-          </a:xfrm>
-          <a:prstGeom prst="rect">
-            <a:avLst/>
-          </a:prstGeom>
-          <a:noFill/>
-          <a:extLst>
-            <a:ext uri="{909E8E84-426E-40DD-AFC4-6F175D3DCCD1}">
-              <a14:hiddenFill xmlns:a14="http://schemas.microsoft.com/office/drawing/2010/main">
-                <a:solidFill>
-                  <a:srgbClr val="FFFFFF"/>
-                </a:solidFill>
-              </a14:hiddenFill>
-            </a:ext>
-          </a:extLst>
-        </p:spPr>
-      </p:pic>
-      <p:sp>
-        <p:nvSpPr>
-          <p:cNvPr id="2" name="TextBox 1">
-            <a:extLst>
-              <a:ext uri="{FF2B5EF4-FFF2-40B4-BE49-F238E27FC236}">
-                <a16:creationId xmlns:a16="http://schemas.microsoft.com/office/drawing/2014/main" id="{DC32C837-27EB-8654-3685-5DF85A1D0AF6}"/>
-              </a:ext>
-            </a:extLst>
-          </p:cNvPr>
-          <p:cNvSpPr txBox="1"/>
-          <p:nvPr/>
-        </p:nvSpPr>
-        <p:spPr>
-          <a:xfrm>
-            <a:off x="95693" y="107169"/>
-            <a:ext cx="5486401" cy="523220"/>
-          </a:xfrm>
-          <a:prstGeom prst="rect">
-            <a:avLst/>
-          </a:prstGeom>
-          <a:noFill/>
-        </p:spPr>
-        <p:txBody>
-          <a:bodyPr wrap="square" rtlCol="0">
-            <a:spAutoFit/>
-          </a:bodyPr>
-          <a:lstStyle/>
-          <a:p>
-            <a:r>
-              <a:rPr lang="en-IN" sz="2800" b="0" i="0" dirty="0">
-                <a:solidFill>
-                  <a:schemeClr val="bg1"/>
-                </a:solidFill>
-                <a:effectLst/>
-                <a:latin typeface="Calibri" panose="020F0502020204030204" pitchFamily="34" charset="0"/>
-                <a:cs typeface="Calibri" panose="020F0502020204030204" pitchFamily="34" charset="0"/>
-              </a:rPr>
-              <a:t>RESULT</a:t>
-            </a:r>
-            <a:endParaRPr lang="en-IN" sz="2800" dirty="0">
-              <a:solidFill>
-                <a:schemeClr val="bg1"/>
-              </a:solidFill>
-              <a:latin typeface="Tableau Book"/>
-            </a:endParaRPr>
-          </a:p>
-        </p:txBody>
-      </p:sp>
-      <p:sp>
-        <p:nvSpPr>
-          <p:cNvPr id="3" name="TextBox 2">
-            <a:extLst>
-              <a:ext uri="{FF2B5EF4-FFF2-40B4-BE49-F238E27FC236}">
-                <a16:creationId xmlns:a16="http://schemas.microsoft.com/office/drawing/2014/main" id="{910C4386-685D-530A-C359-DF00298B7C2D}"/>
-              </a:ext>
-            </a:extLst>
-          </p:cNvPr>
-          <p:cNvSpPr txBox="1"/>
-          <p:nvPr/>
-        </p:nvSpPr>
-        <p:spPr>
-          <a:xfrm>
-            <a:off x="0" y="2193973"/>
-            <a:ext cx="12192000" cy="2031325"/>
-          </a:xfrm>
-          <a:prstGeom prst="rect">
-            <a:avLst/>
-          </a:prstGeom>
-          <a:noFill/>
-          <a:ln>
-            <a:solidFill>
-              <a:schemeClr val="tx1"/>
-            </a:solidFill>
-          </a:ln>
-        </p:spPr>
-        <p:txBody>
-          <a:bodyPr wrap="square" rtlCol="0">
-            <a:spAutoFit/>
-          </a:bodyPr>
-          <a:lstStyle/>
-          <a:p>
-            <a:pPr algn="l"/>
-            <a:endParaRPr lang="en-IN" b="0" i="0" u="none" strike="noStrike" dirty="0">
-              <a:solidFill>
-                <a:srgbClr val="1F2328"/>
-              </a:solidFill>
-              <a:effectLst/>
-              <a:latin typeface="-apple-system"/>
-            </a:endParaRPr>
-          </a:p>
-          <a:p>
-            <a:pPr algn="l"/>
-            <a:r>
-              <a:rPr lang="en-IN" b="0" i="0" u="none" strike="noStrike" dirty="0">
-                <a:solidFill>
-                  <a:srgbClr val="1F2328"/>
-                </a:solidFill>
-                <a:effectLst/>
-                <a:latin typeface="-apple-system"/>
-              </a:rPr>
-              <a:t>The prediction system achieved </a:t>
-            </a:r>
-            <a:r>
-              <a:rPr lang="en-IN" b="1" i="0" u="none" strike="noStrike" dirty="0">
-                <a:solidFill>
-                  <a:srgbClr val="1F2328"/>
-                </a:solidFill>
-                <a:effectLst/>
-                <a:latin typeface="-apple-system"/>
-              </a:rPr>
-              <a:t>R-squared value of 0.9998</a:t>
-            </a:r>
-            <a:r>
-              <a:rPr lang="en-IN" b="0" i="0" u="none" strike="noStrike" dirty="0">
-                <a:solidFill>
-                  <a:srgbClr val="1F2328"/>
-                </a:solidFill>
-                <a:effectLst/>
-                <a:latin typeface="-apple-system"/>
-              </a:rPr>
-              <a:t>, indicating a high level of accuracy in predicting player statistics based on the historical data. </a:t>
-            </a:r>
-          </a:p>
-          <a:p>
-            <a:pPr algn="l"/>
-            <a:endParaRPr lang="en-IN" b="0" i="0" u="none" strike="noStrike" dirty="0">
-              <a:solidFill>
-                <a:srgbClr val="1F2328"/>
-              </a:solidFill>
-              <a:effectLst/>
-              <a:latin typeface="-apple-system"/>
-            </a:endParaRPr>
-          </a:p>
-          <a:p>
-            <a:pPr algn="l"/>
-            <a:r>
-              <a:rPr lang="en-IN" b="0" i="0" u="none" strike="noStrike" dirty="0">
-                <a:solidFill>
-                  <a:srgbClr val="1F2328"/>
-                </a:solidFill>
-                <a:effectLst/>
-                <a:latin typeface="-apple-system"/>
-              </a:rPr>
-              <a:t>The NBA Player Statistics Analysis and Prediction System leverages historical player data, applies machine learning techniques, and provides valuable insights and predictions on player performance. The system can assist with team selection, player scouting, and forecasting player statistics for the upcoming season.</a:t>
-            </a:r>
-            <a:endParaRPr lang="en-US" dirty="0"/>
-          </a:p>
-        </p:txBody>
-      </p:sp>
-    </p:spTree>
-    <p:extLst>
-      <p:ext uri="{BB962C8B-B14F-4D97-AF65-F5344CB8AC3E}">
-        <p14:creationId xmlns:p14="http://schemas.microsoft.com/office/powerpoint/2010/main" val="4208581944"/>
-      </p:ext>
-    </p:extLst>
-  </p:cSld>
-  <p:clrMapOvr>
-    <a:masterClrMapping/>
-  </p:clrMapOvr>
-</p:sld>
-</file>
-
-<file path=ppt/slides/slide19.xml><?xml version="1.0" encoding="utf-8"?>
-<p:sld xmlns:a="http://schemas.openxmlformats.org/drawingml/2006/main" xmlns:r="http://schemas.openxmlformats.org/officeDocument/2006/relationships" xmlns:p="http://schemas.openxmlformats.org/presentationml/2006/main">
-  <p:cSld>
-    <p:spTree>
-      <p:nvGrpSpPr>
-        <p:cNvPr id="1" name=""/>
-        <p:cNvGrpSpPr/>
-        <p:nvPr/>
-      </p:nvGrpSpPr>
-      <p:grpSpPr>
-        <a:xfrm>
-          <a:off x="0" y="0"/>
-          <a:ext cx="0" cy="0"/>
-          <a:chOff x="0" y="0"/>
-          <a:chExt cx="0" cy="0"/>
-        </a:xfrm>
-      </p:grpSpPr>
-      <p:pic>
-        <p:nvPicPr>
-          <p:cNvPr id="10" name="Picture 2" descr="The story of the NBA logo | Logo Design Love">
-            <a:extLst>
-              <a:ext uri="{FF2B5EF4-FFF2-40B4-BE49-F238E27FC236}">
-                <a16:creationId xmlns:a16="http://schemas.microsoft.com/office/drawing/2014/main" id="{5E6778DF-C044-D590-AC2D-5E7326A8FB31}"/>
-              </a:ext>
-            </a:extLst>
-          </p:cNvPr>
-          <p:cNvPicPr>
-            <a:picLocks noChangeAspect="1" noChangeArrowheads="1"/>
-          </p:cNvPicPr>
-          <p:nvPr/>
-        </p:nvPicPr>
-        <p:blipFill rotWithShape="1">
-          <a:blip r:embed="rId2">
-            <a:extLst>
-              <a:ext uri="{28A0092B-C50C-407E-A947-70E740481C1C}">
-                <a14:useLocalDpi xmlns:a14="http://schemas.microsoft.com/office/drawing/2010/main" val="0"/>
-              </a:ext>
-            </a:extLst>
-          </a:blip>
-          <a:srcRect l="55102" t="15069" r="41457" b="75764"/>
-          <a:stretch/>
-        </p:blipFill>
-        <p:spPr bwMode="auto">
-          <a:xfrm>
-            <a:off x="0" y="4410985"/>
-            <a:ext cx="7081283" cy="1815882"/>
-          </a:xfrm>
-          <a:prstGeom prst="rect">
-            <a:avLst/>
-          </a:prstGeom>
-          <a:noFill/>
-          <a:extLst>
-            <a:ext uri="{909E8E84-426E-40DD-AFC4-6F175D3DCCD1}">
-              <a14:hiddenFill xmlns:a14="http://schemas.microsoft.com/office/drawing/2010/main">
-                <a:solidFill>
-                  <a:srgbClr val="FFFFFF"/>
-                </a:solidFill>
-              </a14:hiddenFill>
-            </a:ext>
-          </a:extLst>
-        </p:spPr>
-      </p:pic>
-      <p:pic>
-        <p:nvPicPr>
-          <p:cNvPr id="8" name="Picture 2" descr="The story of the NBA logo | Logo Design Love">
-            <a:extLst>
-              <a:ext uri="{FF2B5EF4-FFF2-40B4-BE49-F238E27FC236}">
-                <a16:creationId xmlns:a16="http://schemas.microsoft.com/office/drawing/2014/main" id="{BDF22E5A-2857-B2FE-B38D-676051D58181}"/>
-              </a:ext>
-            </a:extLst>
-          </p:cNvPr>
-          <p:cNvPicPr>
-            <a:picLocks noChangeAspect="1" noChangeArrowheads="1"/>
-          </p:cNvPicPr>
-          <p:nvPr/>
-        </p:nvPicPr>
-        <p:blipFill rotWithShape="1">
-          <a:blip r:embed="rId2">
-            <a:extLst>
-              <a:ext uri="{28A0092B-C50C-407E-A947-70E740481C1C}">
-                <a14:useLocalDpi xmlns:a14="http://schemas.microsoft.com/office/drawing/2010/main" val="0"/>
-              </a:ext>
-            </a:extLst>
-          </a:blip>
-          <a:srcRect l="25261" r="64238"/>
-          <a:stretch/>
-        </p:blipFill>
-        <p:spPr bwMode="auto">
-          <a:xfrm>
-            <a:off x="0" y="767462"/>
-            <a:ext cx="7081285" cy="1531089"/>
-          </a:xfrm>
-          <a:prstGeom prst="rect">
-            <a:avLst/>
-          </a:prstGeom>
-          <a:noFill/>
-          <a:extLst>
-            <a:ext uri="{909E8E84-426E-40DD-AFC4-6F175D3DCCD1}">
-              <a14:hiddenFill xmlns:a14="http://schemas.microsoft.com/office/drawing/2010/main">
-                <a:solidFill>
-                  <a:srgbClr val="FFFFFF"/>
-                </a:solidFill>
-              </a14:hiddenFill>
-            </a:ext>
-          </a:extLst>
-        </p:spPr>
-      </p:pic>
-      <p:pic>
-        <p:nvPicPr>
-          <p:cNvPr id="1026" name="Picture 2" descr="The story of the NBA logo | Logo Design Love">
-            <a:extLst>
-              <a:ext uri="{FF2B5EF4-FFF2-40B4-BE49-F238E27FC236}">
-                <a16:creationId xmlns:a16="http://schemas.microsoft.com/office/drawing/2014/main" id="{47D7BF37-A138-073B-C7CE-EE7CC763D407}"/>
-              </a:ext>
-            </a:extLst>
-          </p:cNvPr>
-          <p:cNvPicPr>
-            <a:picLocks noChangeAspect="1" noChangeArrowheads="1"/>
-          </p:cNvPicPr>
-          <p:nvPr/>
-        </p:nvPicPr>
-        <p:blipFill rotWithShape="1">
-          <a:blip r:embed="rId2">
-            <a:extLst>
-              <a:ext uri="{28A0092B-C50C-407E-A947-70E740481C1C}">
-                <a14:useLocalDpi xmlns:a14="http://schemas.microsoft.com/office/drawing/2010/main" val="0"/>
-              </a:ext>
-            </a:extLst>
-          </a:blip>
-          <a:srcRect l="25261" r="25207"/>
-          <a:stretch/>
-        </p:blipFill>
-        <p:spPr bwMode="auto">
-          <a:xfrm>
-            <a:off x="7662862" y="0"/>
-            <a:ext cx="4529138" cy="6858000"/>
-          </a:xfrm>
-          <a:prstGeom prst="rect">
-            <a:avLst/>
-          </a:prstGeom>
-          <a:noFill/>
-          <a:extLst>
-            <a:ext uri="{909E8E84-426E-40DD-AFC4-6F175D3DCCD1}">
-              <a14:hiddenFill xmlns:a14="http://schemas.microsoft.com/office/drawing/2010/main">
-                <a:solidFill>
-                  <a:srgbClr val="FFFFFF"/>
-                </a:solidFill>
-              </a14:hiddenFill>
-            </a:ext>
-          </a:extLst>
-        </p:spPr>
-      </p:pic>
-      <p:pic>
-        <p:nvPicPr>
-          <p:cNvPr id="4" name="Picture 2" descr="The story of the NBA logo | Logo Design Love">
-            <a:extLst>
-              <a:ext uri="{FF2B5EF4-FFF2-40B4-BE49-F238E27FC236}">
-                <a16:creationId xmlns:a16="http://schemas.microsoft.com/office/drawing/2014/main" id="{66C32491-2C3E-12EE-1B41-8ED39050355E}"/>
-              </a:ext>
-            </a:extLst>
-          </p:cNvPr>
-          <p:cNvPicPr>
-            <a:picLocks noChangeAspect="1" noChangeArrowheads="1"/>
-          </p:cNvPicPr>
-          <p:nvPr/>
-        </p:nvPicPr>
-        <p:blipFill rotWithShape="1">
-          <a:blip r:embed="rId2">
-            <a:extLst>
-              <a:ext uri="{28A0092B-C50C-407E-A947-70E740481C1C}">
-                <a14:useLocalDpi xmlns:a14="http://schemas.microsoft.com/office/drawing/2010/main" val="0"/>
-              </a:ext>
-            </a:extLst>
-          </a:blip>
-          <a:srcRect l="25261" r="64238"/>
-          <a:stretch/>
-        </p:blipFill>
-        <p:spPr bwMode="auto">
-          <a:xfrm>
-            <a:off x="7081284" y="0"/>
-            <a:ext cx="581578" cy="6858000"/>
-          </a:xfrm>
-          <a:prstGeom prst="rect">
-            <a:avLst/>
-          </a:prstGeom>
-          <a:noFill/>
-          <a:extLst>
-            <a:ext uri="{909E8E84-426E-40DD-AFC4-6F175D3DCCD1}">
-              <a14:hiddenFill xmlns:a14="http://schemas.microsoft.com/office/drawing/2010/main">
-                <a:solidFill>
-                  <a:srgbClr val="FFFFFF"/>
-                </a:solidFill>
-              </a14:hiddenFill>
-            </a:ext>
-          </a:extLst>
-        </p:spPr>
-      </p:pic>
-      <p:sp>
-        <p:nvSpPr>
-          <p:cNvPr id="6" name="TextBox 5">
-            <a:extLst>
-              <a:ext uri="{FF2B5EF4-FFF2-40B4-BE49-F238E27FC236}">
-                <a16:creationId xmlns:a16="http://schemas.microsoft.com/office/drawing/2014/main" id="{D23C0421-C01A-7C79-CBA7-990E03071D24}"/>
-              </a:ext>
-            </a:extLst>
-          </p:cNvPr>
-          <p:cNvSpPr txBox="1"/>
-          <p:nvPr/>
-        </p:nvSpPr>
-        <p:spPr>
-          <a:xfrm>
-            <a:off x="0" y="877354"/>
-            <a:ext cx="6177516" cy="954107"/>
-          </a:xfrm>
-          <a:prstGeom prst="rect">
-            <a:avLst/>
-          </a:prstGeom>
-          <a:noFill/>
-        </p:spPr>
-        <p:txBody>
-          <a:bodyPr wrap="square" rtlCol="0">
-            <a:spAutoFit/>
-          </a:bodyPr>
-          <a:lstStyle/>
-          <a:p>
-            <a:r>
-              <a:rPr lang="en-IN" sz="2800" b="0" i="0" dirty="0">
-                <a:solidFill>
-                  <a:schemeClr val="bg1"/>
-                </a:solidFill>
-                <a:effectLst/>
-                <a:latin typeface="Calibri" panose="020F0502020204030204" pitchFamily="34" charset="0"/>
-                <a:cs typeface="Calibri" panose="020F0502020204030204" pitchFamily="34" charset="0"/>
-              </a:rPr>
-              <a:t>THANK YOU!</a:t>
-            </a:r>
-          </a:p>
-          <a:p>
-            <a:endParaRPr lang="en-IN" sz="2800" dirty="0">
-              <a:solidFill>
-                <a:schemeClr val="bg1"/>
-              </a:solidFill>
-              <a:latin typeface="Tableau Book"/>
-            </a:endParaRPr>
-          </a:p>
-        </p:txBody>
-      </p:sp>
-      <p:sp>
-        <p:nvSpPr>
-          <p:cNvPr id="7" name="TextBox 6">
-            <a:extLst>
-              <a:ext uri="{FF2B5EF4-FFF2-40B4-BE49-F238E27FC236}">
-                <a16:creationId xmlns:a16="http://schemas.microsoft.com/office/drawing/2014/main" id="{E188F2ED-60BC-6BAA-023F-AAB57D5DFAAD}"/>
-              </a:ext>
-            </a:extLst>
-          </p:cNvPr>
-          <p:cNvSpPr txBox="1"/>
-          <p:nvPr/>
-        </p:nvSpPr>
-        <p:spPr>
-          <a:xfrm>
-            <a:off x="0" y="1572021"/>
-            <a:ext cx="3208149" cy="369332"/>
-          </a:xfrm>
-          <a:prstGeom prst="rect">
-            <a:avLst/>
-          </a:prstGeom>
-          <a:noFill/>
-        </p:spPr>
-        <p:txBody>
-          <a:bodyPr wrap="square" rtlCol="0">
-            <a:spAutoFit/>
-          </a:bodyPr>
-          <a:lstStyle/>
-          <a:p>
-            <a:r>
-              <a:rPr lang="en-IN" b="0" dirty="0">
-                <a:solidFill>
-                  <a:schemeClr val="bg1"/>
-                </a:solidFill>
-                <a:effectLst/>
-                <a:latin typeface="Calibri" panose="020F0502020204030204" pitchFamily="34" charset="0"/>
-                <a:cs typeface="Calibri" panose="020F0502020204030204" pitchFamily="34" charset="0"/>
-              </a:rPr>
-              <a:t>QUESTIONS ARE WELCOME!</a:t>
-            </a:r>
-            <a:endParaRPr lang="en-IN" dirty="0">
-              <a:solidFill>
-                <a:schemeClr val="bg1"/>
-              </a:solidFill>
-              <a:latin typeface="Tableau Book"/>
-            </a:endParaRPr>
-          </a:p>
-        </p:txBody>
-      </p:sp>
-      <p:sp>
-        <p:nvSpPr>
-          <p:cNvPr id="2" name="TextBox 1">
-            <a:extLst>
-              <a:ext uri="{FF2B5EF4-FFF2-40B4-BE49-F238E27FC236}">
-                <a16:creationId xmlns:a16="http://schemas.microsoft.com/office/drawing/2014/main" id="{77F92050-73E2-94A4-AD01-114331DB9D98}"/>
-              </a:ext>
-            </a:extLst>
-          </p:cNvPr>
-          <p:cNvSpPr txBox="1"/>
-          <p:nvPr/>
-        </p:nvSpPr>
-        <p:spPr>
-          <a:xfrm>
-            <a:off x="0" y="4398826"/>
-            <a:ext cx="2349795" cy="1815882"/>
-          </a:xfrm>
-          <a:prstGeom prst="rect">
-            <a:avLst/>
-          </a:prstGeom>
-          <a:noFill/>
-        </p:spPr>
-        <p:txBody>
-          <a:bodyPr wrap="square" rtlCol="0">
-            <a:spAutoFit/>
-          </a:bodyPr>
-          <a:lstStyle/>
-          <a:p>
-            <a:r>
-              <a:rPr lang="en-IN" sz="1600" b="0" dirty="0">
-                <a:solidFill>
-                  <a:schemeClr val="bg1"/>
-                </a:solidFill>
-                <a:effectLst/>
-                <a:latin typeface="Calibri" panose="020F0502020204030204" pitchFamily="34" charset="0"/>
-                <a:cs typeface="Calibri" panose="020F0502020204030204" pitchFamily="34" charset="0"/>
-              </a:rPr>
-              <a:t>COLLABORATORS:</a:t>
-            </a:r>
-          </a:p>
-          <a:p>
-            <a:endParaRPr lang="en-IN" sz="1600" b="0" dirty="0">
-              <a:solidFill>
-                <a:schemeClr val="bg1"/>
-              </a:solidFill>
-              <a:effectLst/>
-              <a:latin typeface="Calibri" panose="020F0502020204030204" pitchFamily="34" charset="0"/>
-              <a:cs typeface="Calibri" panose="020F0502020204030204" pitchFamily="34" charset="0"/>
-            </a:endParaRPr>
-          </a:p>
-          <a:p>
-            <a:r>
-              <a:rPr lang="en-IN" sz="1600" dirty="0">
-                <a:solidFill>
-                  <a:schemeClr val="bg1"/>
-                </a:solidFill>
-                <a:effectLst/>
-                <a:latin typeface="Calibri" panose="020F0502020204030204" pitchFamily="34" charset="0"/>
-                <a:cs typeface="Calibri" panose="020F0502020204030204" pitchFamily="34" charset="0"/>
-              </a:rPr>
-              <a:t>JACOB EVANS</a:t>
-            </a:r>
-          </a:p>
-          <a:p>
-            <a:r>
-              <a:rPr lang="en-IN" sz="1600" dirty="0">
-                <a:solidFill>
-                  <a:schemeClr val="bg1"/>
-                </a:solidFill>
-                <a:effectLst/>
-                <a:latin typeface="Calibri" panose="020F0502020204030204" pitchFamily="34" charset="0"/>
-                <a:cs typeface="Calibri" panose="020F0502020204030204" pitchFamily="34" charset="0"/>
-              </a:rPr>
-              <a:t>KARAN ANAND</a:t>
-            </a:r>
-          </a:p>
-          <a:p>
-            <a:r>
-              <a:rPr lang="en-IN" sz="1600" dirty="0">
-                <a:solidFill>
-                  <a:schemeClr val="bg1"/>
-                </a:solidFill>
-                <a:effectLst/>
-                <a:latin typeface="Calibri" panose="020F0502020204030204" pitchFamily="34" charset="0"/>
-                <a:cs typeface="Calibri" panose="020F0502020204030204" pitchFamily="34" charset="0"/>
-              </a:rPr>
-              <a:t>MERT OZTOP</a:t>
-            </a:r>
-          </a:p>
-          <a:p>
-            <a:r>
-              <a:rPr lang="en-IN" sz="1600" dirty="0">
-                <a:solidFill>
-                  <a:schemeClr val="bg1"/>
-                </a:solidFill>
-                <a:effectLst/>
-                <a:latin typeface="Calibri" panose="020F0502020204030204" pitchFamily="34" charset="0"/>
-                <a:cs typeface="Calibri" panose="020F0502020204030204" pitchFamily="34" charset="0"/>
-              </a:rPr>
-              <a:t>PRATIK PUROHIT</a:t>
-            </a:r>
-          </a:p>
-          <a:p>
-            <a:r>
-              <a:rPr lang="en-IN" sz="1600" dirty="0">
-                <a:solidFill>
-                  <a:schemeClr val="bg1"/>
-                </a:solidFill>
-                <a:effectLst/>
-                <a:latin typeface="Calibri" panose="020F0502020204030204" pitchFamily="34" charset="0"/>
-                <a:cs typeface="Calibri" panose="020F0502020204030204" pitchFamily="34" charset="0"/>
-              </a:rPr>
-              <a:t>PRIYA MARINGANTI</a:t>
-            </a:r>
-            <a:endParaRPr lang="en-IN" sz="1600" dirty="0">
-              <a:solidFill>
-                <a:schemeClr val="bg1"/>
-              </a:solidFill>
-              <a:latin typeface="Tableau Book"/>
-            </a:endParaRPr>
-          </a:p>
-        </p:txBody>
-      </p:sp>
-    </p:spTree>
-    <p:extLst>
-      <p:ext uri="{BB962C8B-B14F-4D97-AF65-F5344CB8AC3E}">
-        <p14:creationId xmlns:p14="http://schemas.microsoft.com/office/powerpoint/2010/main" val="794165795"/>
+        <p14:creationId xmlns:p14="http://schemas.microsoft.com/office/powerpoint/2010/main" val="1470911170"/>
       </p:ext>
     </p:extLst>
   </p:cSld>
@@ -7174,20 +4224,20 @@
       </p:grpSpPr>
       <p:pic>
         <p:nvPicPr>
-          <p:cNvPr id="1026" name="Picture 2" descr="The story of the NBA logo | Logo Design Love">
+          <p:cNvPr id="5" name="Picture 2" descr="The story of the NBA logo | Logo Design Love">
             <a:extLst>
               <a:ext uri="{FF2B5EF4-FFF2-40B4-BE49-F238E27FC236}">
-                <a16:creationId xmlns:a16="http://schemas.microsoft.com/office/drawing/2014/main" id="{47D7BF37-A138-073B-C7CE-EE7CC763D407}"/>
+                <a16:creationId xmlns:a16="http://schemas.microsoft.com/office/drawing/2014/main" id="{E39F5D33-2F4F-3FD2-4DD9-4E630AE7AB53}"/>
               </a:ext>
             </a:extLst>
           </p:cNvPr>
           <p:cNvPicPr>
-            <a:picLocks noChangeAspect="1" noChangeArrowheads="1"/>
+            <a:picLocks noChangeArrowheads="1"/>
           </p:cNvPicPr>
           <p:nvPr/>
         </p:nvPicPr>
         <p:blipFill rotWithShape="1">
-          <a:blip r:embed="rId3">
+          <a:blip r:embed="rId2">
             <a:extLst>
               <a:ext uri="{28A0092B-C50C-407E-A947-70E740481C1C}">
                 <a14:useLocalDpi xmlns:a14="http://schemas.microsoft.com/office/drawing/2010/main" val="0"/>
@@ -7199,8 +4249,8 @@
         </p:blipFill>
         <p:spPr bwMode="auto">
           <a:xfrm>
-            <a:off x="11616422" y="1"/>
-            <a:ext cx="575578" cy="871537"/>
+            <a:off x="11408049" y="186950"/>
+            <a:ext cx="575578" cy="900000"/>
           </a:xfrm>
           <a:prstGeom prst="rect">
             <a:avLst/>
@@ -7219,20 +4269,20 @@
       </p:pic>
       <p:pic>
         <p:nvPicPr>
-          <p:cNvPr id="4" name="Picture 2" descr="The story of the NBA logo | Logo Design Love">
+          <p:cNvPr id="6" name="Picture 2" descr="The story of the NBA logo | Logo Design Love">
             <a:extLst>
               <a:ext uri="{FF2B5EF4-FFF2-40B4-BE49-F238E27FC236}">
-                <a16:creationId xmlns:a16="http://schemas.microsoft.com/office/drawing/2014/main" id="{66C32491-2C3E-12EE-1B41-8ED39050355E}"/>
+                <a16:creationId xmlns:a16="http://schemas.microsoft.com/office/drawing/2014/main" id="{0F17569E-0B61-F9EE-1BA5-6510EB163F49}"/>
               </a:ext>
             </a:extLst>
           </p:cNvPr>
           <p:cNvPicPr>
-            <a:picLocks noChangeAspect="1" noChangeArrowheads="1"/>
+            <a:picLocks noChangeArrowheads="1"/>
           </p:cNvPicPr>
           <p:nvPr/>
         </p:nvPicPr>
         <p:blipFill rotWithShape="1">
-          <a:blip r:embed="rId3">
+          <a:blip r:embed="rId2">
             <a:extLst>
               <a:ext uri="{28A0092B-C50C-407E-A947-70E740481C1C}">
                 <a14:useLocalDpi xmlns:a14="http://schemas.microsoft.com/office/drawing/2010/main" val="0"/>
@@ -7244,8 +4294,8 @@
         </p:blipFill>
         <p:spPr bwMode="auto">
           <a:xfrm>
-            <a:off x="0" y="0"/>
-            <a:ext cx="11616422" cy="871537"/>
+            <a:off x="208373" y="186950"/>
+            <a:ext cx="10980000" cy="900000"/>
           </a:xfrm>
           <a:prstGeom prst="rect">
             <a:avLst/>
@@ -7264,10 +4314,10 @@
       </p:pic>
       <p:sp>
         <p:nvSpPr>
-          <p:cNvPr id="2" name="TextBox 1">
+          <p:cNvPr id="9" name="TextBox 8">
             <a:extLst>
               <a:ext uri="{FF2B5EF4-FFF2-40B4-BE49-F238E27FC236}">
-                <a16:creationId xmlns:a16="http://schemas.microsoft.com/office/drawing/2014/main" id="{2EDF4AC7-015B-AF22-ABDC-522CB581554B}"/>
+                <a16:creationId xmlns:a16="http://schemas.microsoft.com/office/drawing/2014/main" id="{5953D6D8-D348-6572-5FDA-40DDE3C89094}"/>
               </a:ext>
             </a:extLst>
           </p:cNvPr>
@@ -7276,8 +4326,8 @@
         </p:nvSpPr>
         <p:spPr>
           <a:xfrm>
-            <a:off x="95693" y="107169"/>
-            <a:ext cx="5486401" cy="523220"/>
+            <a:off x="581628" y="344562"/>
+            <a:ext cx="5486401" cy="584775"/>
           </a:xfrm>
           <a:prstGeom prst="rect">
             <a:avLst/>
@@ -7291,7 +4341,7 @@
           <a:lstStyle/>
           <a:p>
             <a:r>
-              <a:rPr lang="en-IN" sz="2800" b="0" i="0" dirty="0">
+              <a:rPr lang="en-IN" sz="3200" b="1" i="0" dirty="0">
                 <a:solidFill>
                   <a:schemeClr val="bg1"/>
                 </a:solidFill>
@@ -7301,7 +4351,7 @@
               </a:rPr>
               <a:t>OVERVIEW</a:t>
             </a:r>
-            <a:endParaRPr lang="en-IN" sz="2800" dirty="0">
+            <a:endParaRPr lang="en-IN" sz="3200" b="1" dirty="0">
               <a:solidFill>
                 <a:schemeClr val="bg1"/>
               </a:solidFill>
@@ -7312,10 +4362,10 @@
       </p:sp>
       <p:sp>
         <p:nvSpPr>
-          <p:cNvPr id="3" name="TextBox 2">
+          <p:cNvPr id="10" name="TextBox 9">
             <a:extLst>
               <a:ext uri="{FF2B5EF4-FFF2-40B4-BE49-F238E27FC236}">
-                <a16:creationId xmlns:a16="http://schemas.microsoft.com/office/drawing/2014/main" id="{F55FA38C-1E98-1273-2D12-9C3CFF1F9F7D}"/>
+                <a16:creationId xmlns:a16="http://schemas.microsoft.com/office/drawing/2014/main" id="{45A38C8D-977B-F8FC-8348-A6E35F73E2C0}"/>
               </a:ext>
             </a:extLst>
           </p:cNvPr>
@@ -7324,8 +4374,46 @@
         </p:nvSpPr>
         <p:spPr>
           <a:xfrm>
-            <a:off x="0" y="1511481"/>
-            <a:ext cx="12192000" cy="1200329"/>
+            <a:off x="223700" y="1657810"/>
+            <a:ext cx="11759927" cy="1200329"/>
+          </a:xfrm>
+          <a:prstGeom prst="rect">
+            <a:avLst/>
+          </a:prstGeom>
+          <a:noFill/>
+        </p:spPr>
+        <p:txBody>
+          <a:bodyPr wrap="square" rtlCol="0">
+            <a:spAutoFit/>
+          </a:bodyPr>
+          <a:lstStyle/>
+          <a:p>
+            <a:r>
+              <a:rPr lang="en-IN" b="0" i="0" u="none" strike="noStrike" dirty="0">
+                <a:effectLst/>
+              </a:rPr>
+              <a:t>This project aims to develop a basketball player statistics analysis and prediction system using machine learning techniques with NBA player datasets. The system utilizes historical player data to provide insights into player performance and predict player stats for the upcoming season, by leveraging the power of machine learning algorithms and the comprehensive NBA player statistics dataset. </a:t>
+            </a:r>
+            <a:endParaRPr lang="en-US" dirty="0"/>
+          </a:p>
+        </p:txBody>
+      </p:sp>
+      <p:sp>
+        <p:nvSpPr>
+          <p:cNvPr id="12" name="TextBox 11">
+            <a:extLst>
+              <a:ext uri="{FF2B5EF4-FFF2-40B4-BE49-F238E27FC236}">
+                <a16:creationId xmlns:a16="http://schemas.microsoft.com/office/drawing/2014/main" id="{F887B251-2C86-F093-9348-621158797284}"/>
+              </a:ext>
+            </a:extLst>
+          </p:cNvPr>
+          <p:cNvSpPr txBox="1"/>
+          <p:nvPr/>
+        </p:nvSpPr>
+        <p:spPr>
+          <a:xfrm>
+            <a:off x="223700" y="3999862"/>
+            <a:ext cx="11759927" cy="2339102"/>
           </a:xfrm>
           <a:prstGeom prst="rect">
             <a:avLst/>
@@ -7343,58 +4431,11 @@
           </a:bodyPr>
           <a:lstStyle/>
           <a:p>
-            <a:r>
-              <a:rPr lang="en-IN" b="0" i="0" u="none" strike="noStrike" dirty="0">
-                <a:solidFill>
-                  <a:srgbClr val="1F2328"/>
-                </a:solidFill>
-                <a:effectLst/>
-                <a:latin typeface="-apple-system"/>
-              </a:rPr>
-              <a:t>This project aims to develop a basketball player statistics analysis and prediction system using machine learning techniques with NBA player datasets. The system utilizes historical player data to provide insights into player performance and predict player stats for the upcoming season, by leveraging the power of machine learning algorithms and the comprehensive NBA player statistics dataset. </a:t>
-            </a:r>
-            <a:endParaRPr lang="en-US" dirty="0"/>
-          </a:p>
-        </p:txBody>
-      </p:sp>
-      <p:sp>
-        <p:nvSpPr>
-          <p:cNvPr id="6" name="TextBox 5">
-            <a:extLst>
-              <a:ext uri="{FF2B5EF4-FFF2-40B4-BE49-F238E27FC236}">
-                <a16:creationId xmlns:a16="http://schemas.microsoft.com/office/drawing/2014/main" id="{137C2697-3EA9-ABED-83A2-A08C6B837313}"/>
-              </a:ext>
-            </a:extLst>
-          </p:cNvPr>
-          <p:cNvSpPr txBox="1"/>
-          <p:nvPr/>
-        </p:nvSpPr>
-        <p:spPr>
-          <a:xfrm>
-            <a:off x="-1" y="3861906"/>
-            <a:ext cx="12192000" cy="2585323"/>
-          </a:xfrm>
-          <a:prstGeom prst="rect">
-            <a:avLst/>
-          </a:prstGeom>
-          <a:noFill/>
-          <a:ln>
-            <a:solidFill>
-              <a:schemeClr val="tx1"/>
-            </a:solidFill>
-          </a:ln>
-        </p:spPr>
-        <p:txBody>
-          <a:bodyPr wrap="square" rtlCol="0">
-            <a:spAutoFit/>
-          </a:bodyPr>
-          <a:lstStyle/>
-          <a:p>
             <a:endParaRPr lang="en-US" b="1" dirty="0"/>
           </a:p>
           <a:p>
             <a:r>
-              <a:rPr lang="en-US" b="1" dirty="0"/>
+              <a:rPr lang="en-US" sz="2000" b="1" dirty="0"/>
               <a:t>Objectives</a:t>
             </a:r>
           </a:p>
@@ -7408,11 +4449,7 @@
             </a:pPr>
             <a:r>
               <a:rPr lang="en-IN" b="0" i="0" u="none" strike="noStrike" dirty="0">
-                <a:solidFill>
-                  <a:srgbClr val="1F2328"/>
-                </a:solidFill>
                 <a:effectLst/>
-                <a:latin typeface="-apple-system"/>
               </a:rPr>
               <a:t> Predict basketball player stats for the upcoming season based on historical data</a:t>
             </a:r>
@@ -7424,11 +4461,7 @@
             </a:pPr>
             <a:r>
               <a:rPr lang="en-IN" b="0" i="0" u="none" strike="noStrike" dirty="0">
-                <a:solidFill>
-                  <a:srgbClr val="1F2328"/>
-                </a:solidFill>
                 <a:effectLst/>
-                <a:latin typeface="-apple-system"/>
               </a:rPr>
               <a:t> Leverage player stats from the previous year to forecast player performance</a:t>
             </a:r>
@@ -7440,11 +4473,7 @@
             </a:pPr>
             <a:r>
               <a:rPr lang="en-IN" b="0" i="0" u="none" strike="noStrike" dirty="0">
-                <a:solidFill>
-                  <a:srgbClr val="1F2328"/>
-                </a:solidFill>
                 <a:effectLst/>
-                <a:latin typeface="-apple-system"/>
               </a:rPr>
               <a:t> Identify suitable machine learning algorithms for scalability, accuracy, and interpretability in predicting player performance</a:t>
             </a:r>
@@ -7456,39 +4485,19 @@
             </a:pPr>
             <a:r>
               <a:rPr lang="en-IN" b="0" i="0" u="none" strike="noStrike" dirty="0">
-                <a:solidFill>
-                  <a:srgbClr val="1F2328"/>
-                </a:solidFill>
                 <a:effectLst/>
-                <a:latin typeface="-apple-system"/>
               </a:rPr>
-              <a:t> Evaluate the performance of the prediction system and ensure its effectiveness in real-world scenarios, such as team selection  </a:t>
-            </a:r>
-          </a:p>
-          <a:p>
-            <a:pPr algn="l"/>
-            <a:r>
-              <a:rPr lang="en-IN" b="0" i="0" u="none" strike="noStrike" dirty="0">
-                <a:solidFill>
-                  <a:srgbClr val="1F2328"/>
-                </a:solidFill>
-                <a:effectLst/>
-                <a:latin typeface="-apple-system"/>
-              </a:rPr>
-              <a:t>  and player scouting</a:t>
-            </a:r>
-          </a:p>
-          <a:p>
-            <a:endParaRPr lang="en-US" dirty="0"/>
+              <a:t> Evaluate the performance of the prediction system and ensure its effectiveness in real-world scenarios, such as team selection  and player scouting</a:t>
+            </a:r>
           </a:p>
         </p:txBody>
       </p:sp>
       <p:pic>
         <p:nvPicPr>
-          <p:cNvPr id="7" name="Picture 6" descr="5 Common Errors Made While Defining Learning Objectives">
+          <p:cNvPr id="13" name="Picture 12" descr="5 Common Errors Made While Defining Learning Objectives">
             <a:extLst>
               <a:ext uri="{FF2B5EF4-FFF2-40B4-BE49-F238E27FC236}">
-                <a16:creationId xmlns:a16="http://schemas.microsoft.com/office/drawing/2014/main" id="{4FF58F72-27AC-ADBB-66A8-B69D83827127}"/>
+                <a16:creationId xmlns:a16="http://schemas.microsoft.com/office/drawing/2014/main" id="{1812916B-2DC8-A3C1-48EF-3FB052E28C87}"/>
               </a:ext>
             </a:extLst>
           </p:cNvPr>
@@ -7498,7 +4507,7 @@
           <p:nvPr/>
         </p:nvPicPr>
         <p:blipFill>
-          <a:blip r:embed="rId4">
+          <a:blip r:embed="rId3">
             <a:extLst>
               <a:ext uri="{28A0092B-C50C-407E-A947-70E740481C1C}">
                 <a14:useLocalDpi xmlns:a14="http://schemas.microsoft.com/office/drawing/2010/main" val="0"/>
@@ -7512,8 +4521,8 @@
         </p:blipFill>
         <p:spPr bwMode="auto">
           <a:xfrm>
-            <a:off x="1084713" y="4093733"/>
-            <a:ext cx="734817" cy="414240"/>
+            <a:off x="1576325" y="4323736"/>
+            <a:ext cx="579926" cy="326923"/>
           </a:xfrm>
           <a:prstGeom prst="rect">
             <a:avLst/>
@@ -7533,7 +4542,7 @@
     </p:spTree>
     <p:extLst>
       <p:ext uri="{BB962C8B-B14F-4D97-AF65-F5344CB8AC3E}">
-        <p14:creationId xmlns:p14="http://schemas.microsoft.com/office/powerpoint/2010/main" val="2486030922"/>
+        <p14:creationId xmlns:p14="http://schemas.microsoft.com/office/powerpoint/2010/main" val="371243588"/>
       </p:ext>
     </p:extLst>
   </p:cSld>
@@ -7562,15 +4571,15 @@
       </p:grpSpPr>
       <p:pic>
         <p:nvPicPr>
-          <p:cNvPr id="1026" name="Picture 2" descr="The story of the NBA logo | Logo Design Love">
+          <p:cNvPr id="5" name="Picture 2" descr="The story of the NBA logo | Logo Design Love">
             <a:extLst>
               <a:ext uri="{FF2B5EF4-FFF2-40B4-BE49-F238E27FC236}">
-                <a16:creationId xmlns:a16="http://schemas.microsoft.com/office/drawing/2014/main" id="{47D7BF37-A138-073B-C7CE-EE7CC763D407}"/>
+                <a16:creationId xmlns:a16="http://schemas.microsoft.com/office/drawing/2014/main" id="{E39F5D33-2F4F-3FD2-4DD9-4E630AE7AB53}"/>
               </a:ext>
             </a:extLst>
           </p:cNvPr>
           <p:cNvPicPr>
-            <a:picLocks noChangeAspect="1" noChangeArrowheads="1"/>
+            <a:picLocks noChangeArrowheads="1"/>
           </p:cNvPicPr>
           <p:nvPr/>
         </p:nvPicPr>
@@ -7587,8 +4596,8 @@
         </p:blipFill>
         <p:spPr bwMode="auto">
           <a:xfrm>
-            <a:off x="11616422" y="1"/>
-            <a:ext cx="575578" cy="871537"/>
+            <a:off x="11408049" y="186950"/>
+            <a:ext cx="575578" cy="900000"/>
           </a:xfrm>
           <a:prstGeom prst="rect">
             <a:avLst/>
@@ -7607,15 +4616,15 @@
       </p:pic>
       <p:pic>
         <p:nvPicPr>
-          <p:cNvPr id="2" name="Picture 2" descr="The story of the NBA logo | Logo Design Love">
+          <p:cNvPr id="8" name="Picture 2" descr="The story of the NBA logo | Logo Design Love">
             <a:extLst>
               <a:ext uri="{FF2B5EF4-FFF2-40B4-BE49-F238E27FC236}">
-                <a16:creationId xmlns:a16="http://schemas.microsoft.com/office/drawing/2014/main" id="{7794069E-ADE1-D1DD-8EC7-9056B6948FDB}"/>
+                <a16:creationId xmlns:a16="http://schemas.microsoft.com/office/drawing/2014/main" id="{5913FDC1-3392-AB03-ACE4-16AC5D3ECBF6}"/>
               </a:ext>
             </a:extLst>
           </p:cNvPr>
           <p:cNvPicPr>
-            <a:picLocks noChangeAspect="1" noChangeArrowheads="1"/>
+            <a:picLocks noChangeArrowheads="1"/>
           </p:cNvPicPr>
           <p:nvPr/>
         </p:nvPicPr>
@@ -7632,8 +4641,8 @@
         </p:blipFill>
         <p:spPr bwMode="auto">
           <a:xfrm>
-            <a:off x="-1" y="0"/>
-            <a:ext cx="11616423" cy="871537"/>
+            <a:off x="208373" y="186950"/>
+            <a:ext cx="10980000" cy="900000"/>
           </a:xfrm>
           <a:prstGeom prst="rect">
             <a:avLst/>
@@ -7652,10 +4661,10 @@
       </p:pic>
       <p:sp>
         <p:nvSpPr>
-          <p:cNvPr id="3" name="TextBox 2">
+          <p:cNvPr id="2" name="TextBox 1">
             <a:extLst>
               <a:ext uri="{FF2B5EF4-FFF2-40B4-BE49-F238E27FC236}">
-                <a16:creationId xmlns:a16="http://schemas.microsoft.com/office/drawing/2014/main" id="{7436CB81-71A3-524E-6435-FC0C3CFF797B}"/>
+                <a16:creationId xmlns:a16="http://schemas.microsoft.com/office/drawing/2014/main" id="{C337E01E-8910-BDE0-8B9C-836FE5512DB4}"/>
               </a:ext>
             </a:extLst>
           </p:cNvPr>
@@ -7664,67 +4673,27 @@
         </p:nvSpPr>
         <p:spPr>
           <a:xfrm>
-            <a:off x="95693" y="107169"/>
-            <a:ext cx="5486401" cy="523220"/>
+            <a:off x="223700" y="1657810"/>
+            <a:ext cx="11759927" cy="2585323"/>
           </a:xfrm>
           <a:prstGeom prst="rect">
             <a:avLst/>
           </a:prstGeom>
-          <a:noFill/>
-        </p:spPr>
-        <p:txBody>
-          <a:bodyPr wrap="square" rtlCol="0">
-            <a:spAutoFit/>
-          </a:bodyPr>
-          <a:lstStyle/>
-          <a:p>
-            <a:r>
-              <a:rPr lang="en-IN" sz="2800" b="0" i="0" dirty="0">
-                <a:solidFill>
-                  <a:schemeClr val="bg1"/>
-                </a:solidFill>
-                <a:effectLst/>
-                <a:latin typeface="Calibri" panose="020F0502020204030204" pitchFamily="34" charset="0"/>
-                <a:cs typeface="Calibri" panose="020F0502020204030204" pitchFamily="34" charset="0"/>
-              </a:rPr>
-              <a:t>METHODOLOGY</a:t>
-            </a:r>
-            <a:endParaRPr lang="en-IN" sz="2800" dirty="0">
-              <a:solidFill>
-                <a:schemeClr val="bg1"/>
-              </a:solidFill>
-              <a:latin typeface="Tableau Book"/>
-            </a:endParaRPr>
-          </a:p>
-        </p:txBody>
-      </p:sp>
-      <p:sp>
-        <p:nvSpPr>
-          <p:cNvPr id="5" name="TextBox 4">
-            <a:extLst>
-              <a:ext uri="{FF2B5EF4-FFF2-40B4-BE49-F238E27FC236}">
-                <a16:creationId xmlns:a16="http://schemas.microsoft.com/office/drawing/2014/main" id="{11E0368B-944B-149E-85AA-F62B108D74A9}"/>
-              </a:ext>
-            </a:extLst>
-          </p:cNvPr>
-          <p:cNvSpPr txBox="1"/>
-          <p:nvPr/>
-        </p:nvSpPr>
-        <p:spPr>
-          <a:xfrm>
-            <a:off x="0" y="989753"/>
-            <a:ext cx="12192000" cy="2862322"/>
-          </a:xfrm>
-          <a:prstGeom prst="rect">
-            <a:avLst/>
-          </a:prstGeom>
-          <a:noFill/>
-          <a:ln>
-            <a:solidFill>
-              <a:schemeClr val="tx1"/>
-            </a:solidFill>
-          </a:ln>
-        </p:spPr>
+        </p:spPr>
+        <p:style>
+          <a:lnRef idx="2">
+            <a:schemeClr val="dk1"/>
+          </a:lnRef>
+          <a:fillRef idx="1">
+            <a:schemeClr val="lt1"/>
+          </a:fillRef>
+          <a:effectRef idx="0">
+            <a:schemeClr val="dk1"/>
+          </a:effectRef>
+          <a:fontRef idx="minor">
+            <a:schemeClr val="dk1"/>
+          </a:fontRef>
+        </p:style>
         <p:txBody>
           <a:bodyPr wrap="square" rtlCol="0">
             <a:spAutoFit/>
@@ -7756,15 +4725,7 @@
             </a:pPr>
             <a:r>
               <a:rPr lang="en-IN" dirty="0"/>
-              <a:t>Data </a:t>
-            </a:r>
-            <a:r>
-              <a:rPr lang="en-IN" dirty="0" err="1"/>
-              <a:t>Preprocessing</a:t>
-            </a:r>
-            <a:r>
-              <a:rPr lang="en-IN" dirty="0"/>
-              <a:t>: Clean, normalize, encode, and engineer features from the NBA dataset</a:t>
+              <a:t>Data Preprocessing: Clean, normalize, encode, and engineer features from the NBA dataset</a:t>
             </a:r>
           </a:p>
           <a:p>
@@ -7816,17 +4777,14 @@
             </a:r>
             <a:endParaRPr lang="en-US" dirty="0"/>
           </a:p>
-          <a:p>
-            <a:endParaRPr lang="en-US" dirty="0"/>
-          </a:p>
         </p:txBody>
       </p:sp>
       <p:pic>
         <p:nvPicPr>
-          <p:cNvPr id="8196" name="Picture 4" descr="Q Methodology – Scientific Study of Human Subjectivity">
+          <p:cNvPr id="4" name="Picture 4" descr="Q Methodology – Scientific Study of Human Subjectivity">
             <a:extLst>
               <a:ext uri="{FF2B5EF4-FFF2-40B4-BE49-F238E27FC236}">
-                <a16:creationId xmlns:a16="http://schemas.microsoft.com/office/drawing/2014/main" id="{D0B88F47-5200-A2F3-C989-988B5B047E36}"/>
+                <a16:creationId xmlns:a16="http://schemas.microsoft.com/office/drawing/2014/main" id="{07F5803E-93A0-E6D8-900A-AD03196BC852}"/>
               </a:ext>
             </a:extLst>
           </p:cNvPr>
@@ -7848,8 +4806,8 @@
         </p:blipFill>
         <p:spPr bwMode="auto">
           <a:xfrm>
-            <a:off x="1410178" y="1051879"/>
-            <a:ext cx="502510" cy="387730"/>
+            <a:off x="1670268" y="1794025"/>
+            <a:ext cx="522325" cy="403020"/>
           </a:xfrm>
           <a:prstGeom prst="rect">
             <a:avLst/>
@@ -7866,72 +4824,27 @@
           </a:extLst>
         </p:spPr>
       </p:pic>
-      <p:pic>
-        <p:nvPicPr>
-          <p:cNvPr id="6" name="Picture 2" descr="Sources of Data: What They Are, Types &amp; Examples | QuestionPro">
+      <p:sp>
+        <p:nvSpPr>
+          <p:cNvPr id="3" name="TextBox 2">
             <a:extLst>
               <a:ext uri="{FF2B5EF4-FFF2-40B4-BE49-F238E27FC236}">
-                <a16:creationId xmlns:a16="http://schemas.microsoft.com/office/drawing/2014/main" id="{D6A05205-5AAD-8370-10F9-6DF339BAFE53}"/>
+                <a16:creationId xmlns:a16="http://schemas.microsoft.com/office/drawing/2014/main" id="{281FF099-E174-396D-F6F9-9317EE960E05}"/>
               </a:ext>
             </a:extLst>
           </p:cNvPr>
-          <p:cNvPicPr>
-            <a:picLocks noChangeAspect="1" noChangeArrowheads="1"/>
-          </p:cNvPicPr>
+          <p:cNvSpPr txBox="1"/>
           <p:nvPr/>
-        </p:nvPicPr>
-        <p:blipFill rotWithShape="1">
-          <a:blip r:embed="rId4">
-            <a:extLst>
-              <a:ext uri="{28A0092B-C50C-407E-A947-70E740481C1C}">
-                <a14:useLocalDpi xmlns:a14="http://schemas.microsoft.com/office/drawing/2010/main" val="0"/>
-              </a:ext>
-            </a:extLst>
-          </a:blip>
-          <a:srcRect l="59778" t="25833" b="50000"/>
-          <a:stretch/>
-        </p:blipFill>
-        <p:spPr bwMode="auto">
-          <a:xfrm>
-            <a:off x="95693" y="4293380"/>
-            <a:ext cx="4606925" cy="1657351"/>
+        </p:nvSpPr>
+        <p:spPr>
+          <a:xfrm>
+            <a:off x="581628" y="344562"/>
+            <a:ext cx="5486401" cy="584775"/>
           </a:xfrm>
           <a:prstGeom prst="rect">
             <a:avLst/>
           </a:prstGeom>
           <a:noFill/>
-          <a:extLst>
-            <a:ext uri="{909E8E84-426E-40DD-AFC4-6F175D3DCCD1}">
-              <a14:hiddenFill xmlns:a14="http://schemas.microsoft.com/office/drawing/2010/main">
-                <a:solidFill>
-                  <a:srgbClr val="FFFFFF"/>
-                </a:solidFill>
-              </a14:hiddenFill>
-            </a:ext>
-          </a:extLst>
-        </p:spPr>
-      </p:pic>
-      <p:sp>
-        <p:nvSpPr>
-          <p:cNvPr id="7" name="TextBox 6">
-            <a:extLst>
-              <a:ext uri="{FF2B5EF4-FFF2-40B4-BE49-F238E27FC236}">
-                <a16:creationId xmlns:a16="http://schemas.microsoft.com/office/drawing/2014/main" id="{6AD539D5-3E42-D721-FD53-9A92A22FADDD}"/>
-              </a:ext>
-            </a:extLst>
-          </p:cNvPr>
-          <p:cNvSpPr txBox="1"/>
-          <p:nvPr/>
-        </p:nvSpPr>
-        <p:spPr>
-          <a:xfrm>
-            <a:off x="4702619" y="4613570"/>
-            <a:ext cx="2110850" cy="2031325"/>
-          </a:xfrm>
-          <a:prstGeom prst="rect">
-            <a:avLst/>
-          </a:prstGeom>
-          <a:noFill/>
         </p:spPr>
         <p:txBody>
           <a:bodyPr wrap="square" rtlCol="0">
@@ -7939,113 +4852,29 @@
           </a:bodyPr>
           <a:lstStyle/>
           <a:p>
-            <a:pPr marL="342900" indent="-342900">
-              <a:buAutoNum type="arabicPeriod"/>
-            </a:pPr>
-            <a:r>
-              <a:rPr lang="en-US" dirty="0">
-                <a:hlinkClick r:id="rId5"/>
+            <a:r>
+              <a:rPr lang="en-IN" sz="3200" b="1" dirty="0">
+                <a:solidFill>
+                  <a:schemeClr val="bg1"/>
+                </a:solidFill>
+                <a:latin typeface="Calibri" panose="020F0502020204030204" pitchFamily="34" charset="0"/>
+                <a:cs typeface="Calibri" panose="020F0502020204030204" pitchFamily="34" charset="0"/>
               </a:rPr>
-              <a:t>Kaggle (2022-23)</a:t>
-            </a:r>
-            <a:endParaRPr lang="en-US" dirty="0"/>
-          </a:p>
-          <a:p>
-            <a:pPr marL="342900" indent="-342900">
-              <a:buFontTx/>
-              <a:buAutoNum type="arabicPeriod"/>
-            </a:pPr>
-            <a:r>
-              <a:rPr lang="en-US" dirty="0">
-                <a:hlinkClick r:id="rId6"/>
-              </a:rPr>
-              <a:t>Kaggle (2021-22)</a:t>
-            </a:r>
-            <a:endParaRPr lang="en-US" dirty="0"/>
-          </a:p>
-          <a:p>
-            <a:pPr marL="342900" indent="-342900">
-              <a:buAutoNum type="arabicPeriod" startAt="3"/>
-            </a:pPr>
-            <a:r>
-              <a:rPr lang="en-US" dirty="0">
-                <a:hlinkClick r:id="rId7"/>
-              </a:rPr>
-              <a:t>Loodibee (Team Logos)</a:t>
-            </a:r>
-            <a:endParaRPr lang="en-US" dirty="0"/>
-          </a:p>
-          <a:p>
-            <a:pPr marL="342900" indent="-342900">
-              <a:buAutoNum type="arabicPeriod" startAt="3"/>
-            </a:pPr>
-            <a:r>
-              <a:rPr lang="en-US" dirty="0">
-                <a:hlinkClick r:id="rId8"/>
-              </a:rPr>
-              <a:t>NBA (Head Shots)</a:t>
-            </a:r>
-            <a:endParaRPr lang="en-US" dirty="0"/>
-          </a:p>
-          <a:p>
-            <a:pPr marL="342900" indent="-342900">
-              <a:buAutoNum type="arabicPeriod" startAt="3"/>
-            </a:pPr>
-            <a:endParaRPr lang="en-US" dirty="0"/>
-          </a:p>
-        </p:txBody>
-      </p:sp>
-      <p:pic>
-        <p:nvPicPr>
-          <p:cNvPr id="8200" name="Picture 8" descr="Cover image">
-            <a:extLst>
-              <a:ext uri="{FF2B5EF4-FFF2-40B4-BE49-F238E27FC236}">
-                <a16:creationId xmlns:a16="http://schemas.microsoft.com/office/drawing/2014/main" id="{62F99693-30B3-52C7-FEEF-F6E56614CA4E}"/>
-              </a:ext>
-            </a:extLst>
-          </p:cNvPr>
-          <p:cNvPicPr>
-            <a:picLocks noChangeAspect="1" noChangeArrowheads="1"/>
-          </p:cNvPicPr>
-          <p:nvPr/>
-        </p:nvPicPr>
-        <p:blipFill>
-          <a:blip r:embed="rId9">
-            <a:extLst>
-              <a:ext uri="{28A0092B-C50C-407E-A947-70E740481C1C}">
-                <a14:useLocalDpi xmlns:a14="http://schemas.microsoft.com/office/drawing/2010/main" val="0"/>
-              </a:ext>
-            </a:extLst>
-          </a:blip>
-          <a:srcRect/>
-          <a:stretch>
-            <a:fillRect/>
-          </a:stretch>
-        </p:blipFill>
-        <p:spPr bwMode="auto">
-          <a:xfrm>
-            <a:off x="7389046" y="4156877"/>
-            <a:ext cx="4802954" cy="2419624"/>
-          </a:xfrm>
-          <a:prstGeom prst="rect">
-            <a:avLst/>
-          </a:prstGeom>
-          <a:noFill/>
-          <a:extLst>
-            <a:ext uri="{909E8E84-426E-40DD-AFC4-6F175D3DCCD1}">
-              <a14:hiddenFill xmlns:a14="http://schemas.microsoft.com/office/drawing/2010/main">
-                <a:solidFill>
-                  <a:srgbClr val="FFFFFF"/>
-                </a:solidFill>
-              </a14:hiddenFill>
-            </a:ext>
-          </a:extLst>
-        </p:spPr>
-      </p:pic>
+              <a:t>METHODOLOGY</a:t>
+            </a:r>
+            <a:endParaRPr lang="en-IN" sz="3200" b="1" dirty="0">
+              <a:solidFill>
+                <a:schemeClr val="bg1"/>
+              </a:solidFill>
+              <a:latin typeface="Tableau Book"/>
+            </a:endParaRPr>
+          </a:p>
+        </p:txBody>
+      </p:sp>
     </p:spTree>
     <p:extLst>
       <p:ext uri="{BB962C8B-B14F-4D97-AF65-F5344CB8AC3E}">
-        <p14:creationId xmlns:p14="http://schemas.microsoft.com/office/powerpoint/2010/main" val="2527586035"/>
+        <p14:creationId xmlns:p14="http://schemas.microsoft.com/office/powerpoint/2010/main" val="2087585459"/>
       </p:ext>
     </p:extLst>
   </p:cSld>
@@ -8072,22 +4901,131 @@
           <a:chExt cx="0" cy="0"/>
         </a:xfrm>
       </p:grpSpPr>
+      <p:sp>
+        <p:nvSpPr>
+          <p:cNvPr id="2" name="TextBox 1">
+            <a:extLst>
+              <a:ext uri="{FF2B5EF4-FFF2-40B4-BE49-F238E27FC236}">
+                <a16:creationId xmlns:a16="http://schemas.microsoft.com/office/drawing/2014/main" id="{E55F98CC-CF86-5443-1E0E-6634F3CBCB70}"/>
+              </a:ext>
+            </a:extLst>
+          </p:cNvPr>
+          <p:cNvSpPr txBox="1"/>
+          <p:nvPr/>
+        </p:nvSpPr>
+        <p:spPr>
+          <a:xfrm>
+            <a:off x="154961" y="5942695"/>
+            <a:ext cx="11872870" cy="369332"/>
+          </a:xfrm>
+          <a:prstGeom prst="rect">
+            <a:avLst/>
+          </a:prstGeom>
+          <a:noFill/>
+          <a:ln>
+            <a:solidFill>
+              <a:schemeClr val="tx1"/>
+            </a:solidFill>
+          </a:ln>
+        </p:spPr>
+        <p:txBody>
+          <a:bodyPr wrap="square" rtlCol="0">
+            <a:spAutoFit/>
+          </a:bodyPr>
+          <a:lstStyle/>
+          <a:p>
+            <a:pPr algn="ctr"/>
+            <a:r>
+              <a:rPr lang="en-US" dirty="0"/>
+              <a:t>Retrieving last two seasons’ data from Kaggle</a:t>
+            </a:r>
+          </a:p>
+        </p:txBody>
+      </p:sp>
       <p:pic>
         <p:nvPicPr>
-          <p:cNvPr id="1026" name="Picture 2" descr="The story of the NBA logo | Logo Design Love">
+          <p:cNvPr id="12" name="Picture 11">
             <a:extLst>
               <a:ext uri="{FF2B5EF4-FFF2-40B4-BE49-F238E27FC236}">
-                <a16:creationId xmlns:a16="http://schemas.microsoft.com/office/drawing/2014/main" id="{47D7BF37-A138-073B-C7CE-EE7CC763D407}"/>
+                <a16:creationId xmlns:a16="http://schemas.microsoft.com/office/drawing/2014/main" id="{0B8CEFE6-85CA-3736-18FF-3D3113E49F94}"/>
               </a:ext>
             </a:extLst>
           </p:cNvPr>
           <p:cNvPicPr>
-            <a:picLocks noChangeAspect="1" noChangeArrowheads="1"/>
+            <a:picLocks noChangeAspect="1"/>
           </p:cNvPicPr>
           <p:nvPr/>
         </p:nvPicPr>
         <p:blipFill rotWithShape="1">
-          <a:blip r:embed="rId2">
+          <a:blip r:embed="rId2"/>
+          <a:srcRect l="11956" r="11855"/>
+          <a:stretch/>
+        </p:blipFill>
+        <p:spPr>
+          <a:xfrm>
+            <a:off x="208374" y="1654321"/>
+            <a:ext cx="5727467" cy="3570916"/>
+          </a:xfrm>
+          <a:prstGeom prst="rect">
+            <a:avLst/>
+          </a:prstGeom>
+          <a:ln>
+            <a:solidFill>
+              <a:schemeClr val="tx1"/>
+            </a:solidFill>
+          </a:ln>
+        </p:spPr>
+      </p:pic>
+      <p:pic>
+        <p:nvPicPr>
+          <p:cNvPr id="14" name="Picture 13">
+            <a:extLst>
+              <a:ext uri="{FF2B5EF4-FFF2-40B4-BE49-F238E27FC236}">
+                <a16:creationId xmlns:a16="http://schemas.microsoft.com/office/drawing/2014/main" id="{2BD67E1D-7FE7-B357-51B9-B75AC1635958}"/>
+              </a:ext>
+            </a:extLst>
+          </p:cNvPr>
+          <p:cNvPicPr>
+            <a:picLocks noChangeAspect="1"/>
+          </p:cNvPicPr>
+          <p:nvPr/>
+        </p:nvPicPr>
+        <p:blipFill>
+          <a:blip r:embed="rId3"/>
+          <a:srcRect l="12058" r="12058"/>
+          <a:stretch/>
+        </p:blipFill>
+        <p:spPr>
+          <a:xfrm>
+            <a:off x="6256160" y="1640288"/>
+            <a:ext cx="5727467" cy="3577423"/>
+          </a:xfrm>
+          <a:prstGeom prst="rect">
+            <a:avLst/>
+          </a:prstGeom>
+          <a:ln>
+            <a:solidFill>
+              <a:schemeClr val="tx1"/>
+            </a:solidFill>
+          </a:ln>
+        </p:spPr>
+      </p:pic>
+      <p:pic>
+        <p:nvPicPr>
+          <p:cNvPr id="15" name="Picture 2" descr="The story of the NBA logo | Logo Design Love">
+            <a:extLst>
+              <a:ext uri="{FF2B5EF4-FFF2-40B4-BE49-F238E27FC236}">
+                <a16:creationId xmlns:a16="http://schemas.microsoft.com/office/drawing/2014/main" id="{E9B7F8F4-FFA0-8D9C-A4C4-3C0590FD858E}"/>
+              </a:ext>
+            </a:extLst>
+          </p:cNvPr>
+          <p:cNvPicPr>
+            <a:picLocks noChangeArrowheads="1"/>
+          </p:cNvPicPr>
+          <p:nvPr/>
+        </p:nvPicPr>
+        <p:blipFill rotWithShape="1">
+          <a:blip r:embed="rId4">
             <a:extLst>
               <a:ext uri="{28A0092B-C50C-407E-A947-70E740481C1C}">
                 <a14:useLocalDpi xmlns:a14="http://schemas.microsoft.com/office/drawing/2010/main" val="0"/>
@@ -8099,8 +5037,8 @@
         </p:blipFill>
         <p:spPr bwMode="auto">
           <a:xfrm>
-            <a:off x="11616422" y="1"/>
-            <a:ext cx="575578" cy="871537"/>
+            <a:off x="11408049" y="186950"/>
+            <a:ext cx="575578" cy="900000"/>
           </a:xfrm>
           <a:prstGeom prst="rect">
             <a:avLst/>
@@ -8119,20 +5057,20 @@
       </p:pic>
       <p:pic>
         <p:nvPicPr>
-          <p:cNvPr id="4" name="Picture 2" descr="The story of the NBA logo | Logo Design Love">
+          <p:cNvPr id="16" name="Picture 2" descr="The story of the NBA logo | Logo Design Love">
             <a:extLst>
               <a:ext uri="{FF2B5EF4-FFF2-40B4-BE49-F238E27FC236}">
-                <a16:creationId xmlns:a16="http://schemas.microsoft.com/office/drawing/2014/main" id="{66C32491-2C3E-12EE-1B41-8ED39050355E}"/>
+                <a16:creationId xmlns:a16="http://schemas.microsoft.com/office/drawing/2014/main" id="{9314C0CC-14CE-C6AC-3363-13851601149B}"/>
               </a:ext>
             </a:extLst>
           </p:cNvPr>
           <p:cNvPicPr>
-            <a:picLocks noChangeAspect="1" noChangeArrowheads="1"/>
+            <a:picLocks noChangeArrowheads="1"/>
           </p:cNvPicPr>
           <p:nvPr/>
         </p:nvPicPr>
         <p:blipFill rotWithShape="1">
-          <a:blip r:embed="rId2">
+          <a:blip r:embed="rId4">
             <a:extLst>
               <a:ext uri="{28A0092B-C50C-407E-A947-70E740481C1C}">
                 <a14:useLocalDpi xmlns:a14="http://schemas.microsoft.com/office/drawing/2010/main" val="0"/>
@@ -8144,8 +5082,8 @@
         </p:blipFill>
         <p:spPr bwMode="auto">
           <a:xfrm>
-            <a:off x="0" y="0"/>
-            <a:ext cx="11616422" cy="871537"/>
+            <a:off x="208373" y="186950"/>
+            <a:ext cx="10980000" cy="900000"/>
           </a:xfrm>
           <a:prstGeom prst="rect">
             <a:avLst/>
@@ -8164,10 +5102,10 @@
       </p:pic>
       <p:sp>
         <p:nvSpPr>
-          <p:cNvPr id="3" name="TextBox 2">
+          <p:cNvPr id="17" name="TextBox 16">
             <a:extLst>
               <a:ext uri="{FF2B5EF4-FFF2-40B4-BE49-F238E27FC236}">
-                <a16:creationId xmlns:a16="http://schemas.microsoft.com/office/drawing/2014/main" id="{DADFA194-0F37-C755-54DE-7EFA1608D6E3}"/>
+                <a16:creationId xmlns:a16="http://schemas.microsoft.com/office/drawing/2014/main" id="{BFA506BB-3421-26C8-BB94-2B56B81B6A51}"/>
               </a:ext>
             </a:extLst>
           </p:cNvPr>
@@ -8176,8 +5114,8 @@
         </p:nvSpPr>
         <p:spPr>
           <a:xfrm>
-            <a:off x="95693" y="107169"/>
-            <a:ext cx="5486401" cy="523220"/>
+            <a:off x="581628" y="344562"/>
+            <a:ext cx="5486401" cy="584775"/>
           </a:xfrm>
           <a:prstGeom prst="rect">
             <a:avLst/>
@@ -8191,7 +5129,7 @@
           <a:lstStyle/>
           <a:p>
             <a:r>
-              <a:rPr lang="en-IN" sz="2800" b="0" i="0" dirty="0">
+              <a:rPr lang="en-IN" sz="3200" b="1" i="0" dirty="0">
                 <a:solidFill>
                   <a:schemeClr val="bg1"/>
                 </a:solidFill>
@@ -8201,121 +5139,12 @@
               </a:rPr>
               <a:t>DATA SOURCE - KAGGLE</a:t>
             </a:r>
-            <a:endParaRPr lang="en-IN" sz="2800" dirty="0">
+            <a:endParaRPr lang="en-IN" sz="3200" b="1" dirty="0">
               <a:solidFill>
                 <a:schemeClr val="bg1"/>
               </a:solidFill>
               <a:latin typeface="Tableau Book"/>
             </a:endParaRPr>
-          </a:p>
-        </p:txBody>
-      </p:sp>
-      <p:pic>
-        <p:nvPicPr>
-          <p:cNvPr id="7" name="Picture 6" descr="A screenshot of a computer&#10;&#10;Description automatically generated with medium confidence">
-            <a:extLst>
-              <a:ext uri="{FF2B5EF4-FFF2-40B4-BE49-F238E27FC236}">
-                <a16:creationId xmlns:a16="http://schemas.microsoft.com/office/drawing/2014/main" id="{365233EE-02CD-5A6F-57AC-9B605D6EC911}"/>
-              </a:ext>
-            </a:extLst>
-          </p:cNvPr>
-          <p:cNvPicPr>
-            <a:picLocks noChangeAspect="1"/>
-          </p:cNvPicPr>
-          <p:nvPr/>
-        </p:nvPicPr>
-        <p:blipFill rotWithShape="1">
-          <a:blip r:embed="rId3"/>
-          <a:srcRect b="2855"/>
-          <a:stretch/>
-        </p:blipFill>
-        <p:spPr>
-          <a:xfrm>
-            <a:off x="154960" y="1427444"/>
-            <a:ext cx="5907174" cy="3883359"/>
-          </a:xfrm>
-          <a:prstGeom prst="rect">
-            <a:avLst/>
-          </a:prstGeom>
-          <a:ln>
-            <a:solidFill>
-              <a:schemeClr val="tx1"/>
-            </a:solidFill>
-          </a:ln>
-        </p:spPr>
-      </p:pic>
-      <p:pic>
-        <p:nvPicPr>
-          <p:cNvPr id="10" name="Picture 9">
-            <a:extLst>
-              <a:ext uri="{FF2B5EF4-FFF2-40B4-BE49-F238E27FC236}">
-                <a16:creationId xmlns:a16="http://schemas.microsoft.com/office/drawing/2014/main" id="{7EDBB7D4-16D9-9D35-703F-520E6F60C34D}"/>
-              </a:ext>
-            </a:extLst>
-          </p:cNvPr>
-          <p:cNvPicPr>
-            <a:picLocks noChangeAspect="1"/>
-          </p:cNvPicPr>
-          <p:nvPr/>
-        </p:nvPicPr>
-        <p:blipFill>
-          <a:blip r:embed="rId4"/>
-          <a:srcRect/>
-          <a:stretch/>
-        </p:blipFill>
-        <p:spPr>
-          <a:xfrm>
-            <a:off x="6131603" y="1427444"/>
-            <a:ext cx="5896228" cy="3883358"/>
-          </a:xfrm>
-          <a:prstGeom prst="rect">
-            <a:avLst/>
-          </a:prstGeom>
-          <a:ln>
-            <a:solidFill>
-              <a:schemeClr val="tx1"/>
-            </a:solidFill>
-          </a:ln>
-        </p:spPr>
-      </p:pic>
-      <p:sp>
-        <p:nvSpPr>
-          <p:cNvPr id="2" name="TextBox 1">
-            <a:extLst>
-              <a:ext uri="{FF2B5EF4-FFF2-40B4-BE49-F238E27FC236}">
-                <a16:creationId xmlns:a16="http://schemas.microsoft.com/office/drawing/2014/main" id="{E55F98CC-CF86-5443-1E0E-6634F3CBCB70}"/>
-              </a:ext>
-            </a:extLst>
-          </p:cNvPr>
-          <p:cNvSpPr txBox="1"/>
-          <p:nvPr/>
-        </p:nvSpPr>
-        <p:spPr>
-          <a:xfrm>
-            <a:off x="154961" y="5942695"/>
-            <a:ext cx="11872870" cy="369332"/>
-          </a:xfrm>
-          <a:prstGeom prst="rect">
-            <a:avLst/>
-          </a:prstGeom>
-          <a:noFill/>
-          <a:ln>
-            <a:solidFill>
-              <a:schemeClr val="tx1"/>
-            </a:solidFill>
-          </a:ln>
-        </p:spPr>
-        <p:txBody>
-          <a:bodyPr wrap="square" rtlCol="0">
-            <a:spAutoFit/>
-          </a:bodyPr>
-          <a:lstStyle/>
-          <a:p>
-            <a:pPr algn="ctr"/>
-            <a:r>
-              <a:rPr lang="en-US" dirty="0"/>
-              <a:t>Retrieving last two seasons’ data from Kaggle</a:t>
-            </a:r>
           </a:p>
         </p:txBody>
       </p:sp>
@@ -8349,22 +5178,144 @@
           <a:chExt cx="0" cy="0"/>
         </a:xfrm>
       </p:grpSpPr>
+      <p:sp>
+        <p:nvSpPr>
+          <p:cNvPr id="3" name="TextBox 2">
+            <a:extLst>
+              <a:ext uri="{FF2B5EF4-FFF2-40B4-BE49-F238E27FC236}">
+                <a16:creationId xmlns:a16="http://schemas.microsoft.com/office/drawing/2014/main" id="{42586467-8F81-D141-EB74-3268310FE918}"/>
+              </a:ext>
+            </a:extLst>
+          </p:cNvPr>
+          <p:cNvSpPr txBox="1"/>
+          <p:nvPr/>
+        </p:nvSpPr>
+        <p:spPr>
+          <a:xfrm>
+            <a:off x="95693" y="107169"/>
+            <a:ext cx="5486401" cy="523220"/>
+          </a:xfrm>
+          <a:prstGeom prst="rect">
+            <a:avLst/>
+          </a:prstGeom>
+          <a:noFill/>
+        </p:spPr>
+        <p:txBody>
+          <a:bodyPr wrap="square" rtlCol="0">
+            <a:spAutoFit/>
+          </a:bodyPr>
+          <a:lstStyle/>
+          <a:p>
+            <a:r>
+              <a:rPr lang="en-IN" sz="2800" dirty="0">
+                <a:solidFill>
+                  <a:schemeClr val="bg1"/>
+                </a:solidFill>
+                <a:latin typeface="Calibri" panose="020F0502020204030204" pitchFamily="34" charset="0"/>
+                <a:cs typeface="Calibri" panose="020F0502020204030204" pitchFamily="34" charset="0"/>
+              </a:rPr>
+              <a:t>DATA ON s3 AWS</a:t>
+            </a:r>
+            <a:endParaRPr lang="en-IN" sz="2800" dirty="0">
+              <a:solidFill>
+                <a:schemeClr val="bg1"/>
+              </a:solidFill>
+              <a:latin typeface="Tableau Book"/>
+            </a:endParaRPr>
+          </a:p>
+        </p:txBody>
+      </p:sp>
       <p:pic>
         <p:nvPicPr>
-          <p:cNvPr id="1026" name="Picture 2" descr="The story of the NBA logo | Logo Design Love">
+          <p:cNvPr id="5" name="Picture 4">
             <a:extLst>
               <a:ext uri="{FF2B5EF4-FFF2-40B4-BE49-F238E27FC236}">
-                <a16:creationId xmlns:a16="http://schemas.microsoft.com/office/drawing/2014/main" id="{47D7BF37-A138-073B-C7CE-EE7CC763D407}"/>
+                <a16:creationId xmlns:a16="http://schemas.microsoft.com/office/drawing/2014/main" id="{E26FB8CE-78FC-83AA-8B2F-E991B093DE30}"/>
               </a:ext>
             </a:extLst>
           </p:cNvPr>
           <p:cNvPicPr>
-            <a:picLocks noChangeAspect="1" noChangeArrowheads="1"/>
+            <a:picLocks noChangeAspect="1"/>
+          </p:cNvPicPr>
+          <p:nvPr/>
+        </p:nvPicPr>
+        <p:blipFill>
+          <a:blip r:embed="rId2"/>
+          <a:srcRect/>
+          <a:stretch/>
+        </p:blipFill>
+        <p:spPr>
+          <a:xfrm>
+            <a:off x="242338" y="1291545"/>
+            <a:ext cx="11489108" cy="4554309"/>
+          </a:xfrm>
+          <a:prstGeom prst="rect">
+            <a:avLst/>
+          </a:prstGeom>
+          <a:ln>
+            <a:solidFill>
+              <a:schemeClr val="tx1"/>
+            </a:solidFill>
+          </a:ln>
+        </p:spPr>
+      </p:pic>
+      <p:sp>
+        <p:nvSpPr>
+          <p:cNvPr id="4" name="TextBox 3">
+            <a:extLst>
+              <a:ext uri="{FF2B5EF4-FFF2-40B4-BE49-F238E27FC236}">
+                <a16:creationId xmlns:a16="http://schemas.microsoft.com/office/drawing/2014/main" id="{4D15C6D7-5400-9A0B-7335-0B61F128BDEF}"/>
+              </a:ext>
+            </a:extLst>
+          </p:cNvPr>
+          <p:cNvSpPr txBox="1"/>
+          <p:nvPr/>
+        </p:nvSpPr>
+        <p:spPr>
+          <a:xfrm>
+            <a:off x="242338" y="5942695"/>
+            <a:ext cx="11489108" cy="369332"/>
+          </a:xfrm>
+          <a:prstGeom prst="rect">
+            <a:avLst/>
+          </a:prstGeom>
+          <a:noFill/>
+          <a:ln>
+            <a:solidFill>
+              <a:schemeClr val="tx1"/>
+            </a:solidFill>
+          </a:ln>
+        </p:spPr>
+        <p:txBody>
+          <a:bodyPr wrap="square" rtlCol="0">
+            <a:spAutoFit/>
+          </a:bodyPr>
+          <a:lstStyle/>
+          <a:p>
+            <a:pPr algn="ctr"/>
+            <a:r>
+              <a:rPr lang="en-US" dirty="0"/>
+              <a:t>Uploading the data sets on AWS for the main code</a:t>
+            </a:r>
+          </a:p>
+        </p:txBody>
+      </p:sp>
+      <p:pic>
+        <p:nvPicPr>
+          <p:cNvPr id="6" name="Picture 2" descr="The story of the NBA logo | Logo Design Love">
+            <a:extLst>
+              <a:ext uri="{FF2B5EF4-FFF2-40B4-BE49-F238E27FC236}">
+                <a16:creationId xmlns:a16="http://schemas.microsoft.com/office/drawing/2014/main" id="{7CAFDB5A-D62C-5B87-A6C0-9B53722A99A8}"/>
+              </a:ext>
+            </a:extLst>
+          </p:cNvPr>
+          <p:cNvPicPr>
+            <a:picLocks noChangeArrowheads="1"/>
           </p:cNvPicPr>
           <p:nvPr/>
         </p:nvPicPr>
         <p:blipFill rotWithShape="1">
-          <a:blip r:embed="rId2">
+          <a:blip r:embed="rId3">
             <a:extLst>
               <a:ext uri="{28A0092B-C50C-407E-A947-70E740481C1C}">
                 <a14:useLocalDpi xmlns:a14="http://schemas.microsoft.com/office/drawing/2010/main" val="0"/>
@@ -8376,8 +5327,8 @@
         </p:blipFill>
         <p:spPr bwMode="auto">
           <a:xfrm>
-            <a:off x="11616422" y="1"/>
-            <a:ext cx="575578" cy="871537"/>
+            <a:off x="11408049" y="186950"/>
+            <a:ext cx="575578" cy="900000"/>
           </a:xfrm>
           <a:prstGeom prst="rect">
             <a:avLst/>
@@ -8396,20 +5347,20 @@
       </p:pic>
       <p:pic>
         <p:nvPicPr>
-          <p:cNvPr id="2" name="Picture 2" descr="The story of the NBA logo | Logo Design Love">
+          <p:cNvPr id="7" name="Picture 2" descr="The story of the NBA logo | Logo Design Love">
             <a:extLst>
               <a:ext uri="{FF2B5EF4-FFF2-40B4-BE49-F238E27FC236}">
-                <a16:creationId xmlns:a16="http://schemas.microsoft.com/office/drawing/2014/main" id="{7794069E-ADE1-D1DD-8EC7-9056B6948FDB}"/>
+                <a16:creationId xmlns:a16="http://schemas.microsoft.com/office/drawing/2014/main" id="{65D3E571-0B09-B8C8-D08A-E04A752363D7}"/>
               </a:ext>
             </a:extLst>
           </p:cNvPr>
           <p:cNvPicPr>
-            <a:picLocks noChangeAspect="1" noChangeArrowheads="1"/>
+            <a:picLocks noChangeArrowheads="1"/>
           </p:cNvPicPr>
           <p:nvPr/>
         </p:nvPicPr>
         <p:blipFill rotWithShape="1">
-          <a:blip r:embed="rId2">
+          <a:blip r:embed="rId3">
             <a:extLst>
               <a:ext uri="{28A0092B-C50C-407E-A947-70E740481C1C}">
                 <a14:useLocalDpi xmlns:a14="http://schemas.microsoft.com/office/drawing/2010/main" val="0"/>
@@ -8421,8 +5372,8 @@
         </p:blipFill>
         <p:spPr bwMode="auto">
           <a:xfrm>
-            <a:off x="-1" y="0"/>
-            <a:ext cx="11616423" cy="871537"/>
+            <a:off x="208373" y="186950"/>
+            <a:ext cx="10980000" cy="900000"/>
           </a:xfrm>
           <a:prstGeom prst="rect">
             <a:avLst/>
@@ -8441,10 +5392,10 @@
       </p:pic>
       <p:sp>
         <p:nvSpPr>
-          <p:cNvPr id="3" name="TextBox 2">
+          <p:cNvPr id="8" name="TextBox 7">
             <a:extLst>
               <a:ext uri="{FF2B5EF4-FFF2-40B4-BE49-F238E27FC236}">
-                <a16:creationId xmlns:a16="http://schemas.microsoft.com/office/drawing/2014/main" id="{42586467-8F81-D141-EB74-3268310FE918}"/>
+                <a16:creationId xmlns:a16="http://schemas.microsoft.com/office/drawing/2014/main" id="{91B12D6F-6F75-5908-749E-7F87DB560CAE}"/>
               </a:ext>
             </a:extLst>
           </p:cNvPr>
@@ -8453,8 +5404,8 @@
         </p:nvSpPr>
         <p:spPr>
           <a:xfrm>
-            <a:off x="95693" y="107169"/>
-            <a:ext cx="5486401" cy="523220"/>
+            <a:off x="581628" y="344562"/>
+            <a:ext cx="5486401" cy="584775"/>
           </a:xfrm>
           <a:prstGeom prst="rect">
             <a:avLst/>
@@ -8468,96 +5419,22 @@
           <a:lstStyle/>
           <a:p>
             <a:r>
-              <a:rPr lang="en-IN" sz="2800" dirty="0">
+              <a:rPr lang="en-IN" sz="3200" b="1" i="0" dirty="0">
                 <a:solidFill>
                   <a:schemeClr val="bg1"/>
                 </a:solidFill>
+                <a:effectLst/>
                 <a:latin typeface="Calibri" panose="020F0502020204030204" pitchFamily="34" charset="0"/>
                 <a:cs typeface="Calibri" panose="020F0502020204030204" pitchFamily="34" charset="0"/>
               </a:rPr>
-              <a:t>DATA ON AWS</a:t>
-            </a:r>
-            <a:endParaRPr lang="en-IN" sz="2800" dirty="0">
+              <a:t>Data on s3 AWS</a:t>
+            </a:r>
+            <a:endParaRPr lang="en-IN" sz="3200" b="1" dirty="0">
               <a:solidFill>
                 <a:schemeClr val="bg1"/>
               </a:solidFill>
               <a:latin typeface="Tableau Book"/>
             </a:endParaRPr>
-          </a:p>
-        </p:txBody>
-      </p:sp>
-      <p:pic>
-        <p:nvPicPr>
-          <p:cNvPr id="5" name="Picture 4">
-            <a:extLst>
-              <a:ext uri="{FF2B5EF4-FFF2-40B4-BE49-F238E27FC236}">
-                <a16:creationId xmlns:a16="http://schemas.microsoft.com/office/drawing/2014/main" id="{E26FB8CE-78FC-83AA-8B2F-E991B093DE30}"/>
-              </a:ext>
-            </a:extLst>
-          </p:cNvPr>
-          <p:cNvPicPr>
-            <a:picLocks noChangeAspect="1"/>
-          </p:cNvPicPr>
-          <p:nvPr/>
-        </p:nvPicPr>
-        <p:blipFill>
-          <a:blip r:embed="rId3"/>
-          <a:srcRect/>
-          <a:stretch/>
-        </p:blipFill>
-        <p:spPr>
-          <a:xfrm>
-            <a:off x="242338" y="1291545"/>
-            <a:ext cx="11489108" cy="4554309"/>
-          </a:xfrm>
-          <a:prstGeom prst="rect">
-            <a:avLst/>
-          </a:prstGeom>
-          <a:ln>
-            <a:solidFill>
-              <a:schemeClr val="tx1"/>
-            </a:solidFill>
-          </a:ln>
-        </p:spPr>
-      </p:pic>
-      <p:sp>
-        <p:nvSpPr>
-          <p:cNvPr id="4" name="TextBox 3">
-            <a:extLst>
-              <a:ext uri="{FF2B5EF4-FFF2-40B4-BE49-F238E27FC236}">
-                <a16:creationId xmlns:a16="http://schemas.microsoft.com/office/drawing/2014/main" id="{4D15C6D7-5400-9A0B-7335-0B61F128BDEF}"/>
-              </a:ext>
-            </a:extLst>
-          </p:cNvPr>
-          <p:cNvSpPr txBox="1"/>
-          <p:nvPr/>
-        </p:nvSpPr>
-        <p:spPr>
-          <a:xfrm>
-            <a:off x="242338" y="5942695"/>
-            <a:ext cx="11489108" cy="369332"/>
-          </a:xfrm>
-          <a:prstGeom prst="rect">
-            <a:avLst/>
-          </a:prstGeom>
-          <a:noFill/>
-          <a:ln>
-            <a:solidFill>
-              <a:schemeClr val="tx1"/>
-            </a:solidFill>
-          </a:ln>
-        </p:spPr>
-        <p:txBody>
-          <a:bodyPr wrap="square" rtlCol="0">
-            <a:spAutoFit/>
-          </a:bodyPr>
-          <a:lstStyle/>
-          <a:p>
-            <a:pPr algn="ctr"/>
-            <a:r>
-              <a:rPr lang="en-US" dirty="0"/>
-              <a:t>Uploading the data sets on AWS for the main code</a:t>
-            </a:r>
           </a:p>
         </p:txBody>
       </p:sp>
@@ -8593,20 +5470,54 @@
       </p:grpSpPr>
       <p:pic>
         <p:nvPicPr>
-          <p:cNvPr id="1026" name="Picture 2" descr="The story of the NBA logo | Logo Design Love">
+          <p:cNvPr id="6" name="Picture 5">
             <a:extLst>
               <a:ext uri="{FF2B5EF4-FFF2-40B4-BE49-F238E27FC236}">
-                <a16:creationId xmlns:a16="http://schemas.microsoft.com/office/drawing/2014/main" id="{47D7BF37-A138-073B-C7CE-EE7CC763D407}"/>
+                <a16:creationId xmlns:a16="http://schemas.microsoft.com/office/drawing/2014/main" id="{EEAA6E70-1D92-36AE-9BAA-BB5580A197BF}"/>
               </a:ext>
             </a:extLst>
           </p:cNvPr>
           <p:cNvPicPr>
-            <a:picLocks noChangeAspect="1" noChangeArrowheads="1"/>
+            <a:picLocks/>
           </p:cNvPicPr>
           <p:nvPr/>
         </p:nvPicPr>
         <p:blipFill rotWithShape="1">
-          <a:blip r:embed="rId2">
+          <a:blip r:embed="rId2"/>
+          <a:srcRect l="11880" t="8143" r="10581" b="8143"/>
+          <a:stretch/>
+        </p:blipFill>
+        <p:spPr>
+          <a:xfrm>
+            <a:off x="1506000" y="1365640"/>
+            <a:ext cx="9180000" cy="5400000"/>
+          </a:xfrm>
+          <a:prstGeom prst="rect">
+            <a:avLst/>
+          </a:prstGeom>
+          <a:ln>
+            <a:solidFill>
+              <a:schemeClr val="tx1"/>
+            </a:solidFill>
+          </a:ln>
+        </p:spPr>
+      </p:pic>
+      <p:pic>
+        <p:nvPicPr>
+          <p:cNvPr id="3" name="Picture 2" descr="The story of the NBA logo | Logo Design Love">
+            <a:extLst>
+              <a:ext uri="{FF2B5EF4-FFF2-40B4-BE49-F238E27FC236}">
+                <a16:creationId xmlns:a16="http://schemas.microsoft.com/office/drawing/2014/main" id="{5D1E4704-C653-D19F-2993-3FD1E91672EE}"/>
+              </a:ext>
+            </a:extLst>
+          </p:cNvPr>
+          <p:cNvPicPr>
+            <a:picLocks noChangeArrowheads="1"/>
+          </p:cNvPicPr>
+          <p:nvPr/>
+        </p:nvPicPr>
+        <p:blipFill rotWithShape="1">
+          <a:blip r:embed="rId3">
             <a:extLst>
               <a:ext uri="{28A0092B-C50C-407E-A947-70E740481C1C}">
                 <a14:useLocalDpi xmlns:a14="http://schemas.microsoft.com/office/drawing/2010/main" val="0"/>
@@ -8618,8 +5529,8 @@
         </p:blipFill>
         <p:spPr bwMode="auto">
           <a:xfrm>
-            <a:off x="11616422" y="1"/>
-            <a:ext cx="575578" cy="871537"/>
+            <a:off x="11408049" y="186950"/>
+            <a:ext cx="575578" cy="900000"/>
           </a:xfrm>
           <a:prstGeom prst="rect">
             <a:avLst/>
@@ -8638,20 +5549,20 @@
       </p:pic>
       <p:pic>
         <p:nvPicPr>
-          <p:cNvPr id="4" name="Picture 2" descr="The story of the NBA logo | Logo Design Love">
+          <p:cNvPr id="5" name="Picture 2" descr="The story of the NBA logo | Logo Design Love">
             <a:extLst>
               <a:ext uri="{FF2B5EF4-FFF2-40B4-BE49-F238E27FC236}">
-                <a16:creationId xmlns:a16="http://schemas.microsoft.com/office/drawing/2014/main" id="{66C32491-2C3E-12EE-1B41-8ED39050355E}"/>
+                <a16:creationId xmlns:a16="http://schemas.microsoft.com/office/drawing/2014/main" id="{A2B45074-70E5-414F-5AC3-69650AA7E9AF}"/>
               </a:ext>
             </a:extLst>
           </p:cNvPr>
           <p:cNvPicPr>
-            <a:picLocks noChangeAspect="1" noChangeArrowheads="1"/>
+            <a:picLocks noChangeArrowheads="1"/>
           </p:cNvPicPr>
           <p:nvPr/>
         </p:nvPicPr>
         <p:blipFill rotWithShape="1">
-          <a:blip r:embed="rId2">
+          <a:blip r:embed="rId3">
             <a:extLst>
               <a:ext uri="{28A0092B-C50C-407E-A947-70E740481C1C}">
                 <a14:useLocalDpi xmlns:a14="http://schemas.microsoft.com/office/drawing/2010/main" val="0"/>
@@ -8663,8 +5574,8 @@
         </p:blipFill>
         <p:spPr bwMode="auto">
           <a:xfrm>
-            <a:off x="0" y="0"/>
-            <a:ext cx="11616422" cy="871537"/>
+            <a:off x="208373" y="186950"/>
+            <a:ext cx="10980000" cy="900000"/>
           </a:xfrm>
           <a:prstGeom prst="rect">
             <a:avLst/>
@@ -8683,10 +5594,10 @@
       </p:pic>
       <p:sp>
         <p:nvSpPr>
-          <p:cNvPr id="3" name="TextBox 2">
+          <p:cNvPr id="7" name="TextBox 6">
             <a:extLst>
               <a:ext uri="{FF2B5EF4-FFF2-40B4-BE49-F238E27FC236}">
-                <a16:creationId xmlns:a16="http://schemas.microsoft.com/office/drawing/2014/main" id="{DADFA194-0F37-C755-54DE-7EFA1608D6E3}"/>
+                <a16:creationId xmlns:a16="http://schemas.microsoft.com/office/drawing/2014/main" id="{4154EDD1-674D-0132-24C3-66891838765F}"/>
               </a:ext>
             </a:extLst>
           </p:cNvPr>
@@ -8695,8 +5606,8 @@
         </p:nvSpPr>
         <p:spPr>
           <a:xfrm>
-            <a:off x="95693" y="107169"/>
-            <a:ext cx="5486401" cy="523220"/>
+            <a:off x="581628" y="344562"/>
+            <a:ext cx="5486401" cy="584775"/>
           </a:xfrm>
           <a:prstGeom prst="rect">
             <a:avLst/>
@@ -8710,7 +5621,7 @@
           <a:lstStyle/>
           <a:p>
             <a:r>
-              <a:rPr lang="en-IN" sz="2800" b="0" i="0" dirty="0">
+              <a:rPr lang="en-IN" sz="3200" b="1" i="0" dirty="0">
                 <a:solidFill>
                   <a:schemeClr val="bg1"/>
                 </a:solidFill>
@@ -8718,9 +5629,9 @@
                 <a:latin typeface="Calibri" panose="020F0502020204030204" pitchFamily="34" charset="0"/>
                 <a:cs typeface="Calibri" panose="020F0502020204030204" pitchFamily="34" charset="0"/>
               </a:rPr>
-              <a:t>SETTING UP ENVIRONMENT</a:t>
-            </a:r>
-            <a:endParaRPr lang="en-IN" sz="2800" dirty="0">
+              <a:t>DASHBOARD 1</a:t>
+            </a:r>
+            <a:endParaRPr lang="en-IN" sz="3200" b="1" dirty="0">
               <a:solidFill>
                 <a:schemeClr val="bg1"/>
               </a:solidFill>
@@ -8729,85 +5640,10 @@
           </a:p>
         </p:txBody>
       </p:sp>
-      <p:pic>
-        <p:nvPicPr>
-          <p:cNvPr id="8" name="Picture 7">
-            <a:extLst>
-              <a:ext uri="{FF2B5EF4-FFF2-40B4-BE49-F238E27FC236}">
-                <a16:creationId xmlns:a16="http://schemas.microsoft.com/office/drawing/2014/main" id="{9CC43253-AF5F-5ECE-B004-B6DDA6CF1B6B}"/>
-              </a:ext>
-            </a:extLst>
-          </p:cNvPr>
-          <p:cNvPicPr>
-            <a:picLocks noChangeAspect="1"/>
-          </p:cNvPicPr>
-          <p:nvPr/>
-        </p:nvPicPr>
-        <p:blipFill>
-          <a:blip r:embed="rId3"/>
-          <a:srcRect/>
-          <a:stretch/>
-        </p:blipFill>
-        <p:spPr>
-          <a:xfrm>
-            <a:off x="0" y="1050601"/>
-            <a:ext cx="8932943" cy="5395804"/>
-          </a:xfrm>
-          <a:prstGeom prst="rect">
-            <a:avLst/>
-          </a:prstGeom>
-          <a:ln>
-            <a:solidFill>
-              <a:schemeClr val="tx1"/>
-            </a:solidFill>
-          </a:ln>
-        </p:spPr>
-      </p:pic>
-      <p:sp>
-        <p:nvSpPr>
-          <p:cNvPr id="2" name="TextBox 1">
-            <a:extLst>
-              <a:ext uri="{FF2B5EF4-FFF2-40B4-BE49-F238E27FC236}">
-                <a16:creationId xmlns:a16="http://schemas.microsoft.com/office/drawing/2014/main" id="{0487EF2D-3DD3-5755-E884-8731A7531601}"/>
-              </a:ext>
-            </a:extLst>
-          </p:cNvPr>
-          <p:cNvSpPr txBox="1"/>
-          <p:nvPr/>
-        </p:nvSpPr>
-        <p:spPr>
-          <a:xfrm>
-            <a:off x="8932943" y="5800074"/>
-            <a:ext cx="3259057" cy="646331"/>
-          </a:xfrm>
-          <a:prstGeom prst="rect">
-            <a:avLst/>
-          </a:prstGeom>
-          <a:noFill/>
-          <a:ln>
-            <a:solidFill>
-              <a:schemeClr val="tx1"/>
-            </a:solidFill>
-          </a:ln>
-        </p:spPr>
-        <p:txBody>
-          <a:bodyPr wrap="square" rtlCol="0">
-            <a:spAutoFit/>
-          </a:bodyPr>
-          <a:lstStyle/>
-          <a:p>
-            <a:pPr algn="ctr"/>
-            <a:r>
-              <a:rPr lang="en-US" dirty="0"/>
-              <a:t>Installed the necessary tools and environment of Spark and Java</a:t>
-            </a:r>
-          </a:p>
-        </p:txBody>
-      </p:sp>
     </p:spTree>
     <p:extLst>
       <p:ext uri="{BB962C8B-B14F-4D97-AF65-F5344CB8AC3E}">
-        <p14:creationId xmlns:p14="http://schemas.microsoft.com/office/powerpoint/2010/main" val="2322201055"/>
+        <p14:creationId xmlns:p14="http://schemas.microsoft.com/office/powerpoint/2010/main" val="849832236"/>
       </p:ext>
     </p:extLst>
   </p:cSld>
@@ -8836,20 +5672,54 @@
       </p:grpSpPr>
       <p:pic>
         <p:nvPicPr>
-          <p:cNvPr id="1026" name="Picture 2" descr="The story of the NBA logo | Logo Design Love">
+          <p:cNvPr id="6" name="Picture 5">
             <a:extLst>
               <a:ext uri="{FF2B5EF4-FFF2-40B4-BE49-F238E27FC236}">
-                <a16:creationId xmlns:a16="http://schemas.microsoft.com/office/drawing/2014/main" id="{47D7BF37-A138-073B-C7CE-EE7CC763D407}"/>
+                <a16:creationId xmlns:a16="http://schemas.microsoft.com/office/drawing/2014/main" id="{EEAA6E70-1D92-36AE-9BAA-BB5580A197BF}"/>
               </a:ext>
             </a:extLst>
           </p:cNvPr>
           <p:cNvPicPr>
-            <a:picLocks noChangeAspect="1" noChangeArrowheads="1"/>
+            <a:picLocks/>
           </p:cNvPicPr>
           <p:nvPr/>
         </p:nvPicPr>
         <p:blipFill rotWithShape="1">
-          <a:blip r:embed="rId2">
+          <a:blip r:embed="rId2"/>
+          <a:srcRect l="12517" t="8665" r="11767" b="8333"/>
+          <a:stretch/>
+        </p:blipFill>
+        <p:spPr>
+          <a:xfrm>
+            <a:off x="1506000" y="1365640"/>
+            <a:ext cx="9180000" cy="5400000"/>
+          </a:xfrm>
+          <a:prstGeom prst="rect">
+            <a:avLst/>
+          </a:prstGeom>
+          <a:ln>
+            <a:solidFill>
+              <a:schemeClr val="tx1"/>
+            </a:solidFill>
+          </a:ln>
+        </p:spPr>
+      </p:pic>
+      <p:pic>
+        <p:nvPicPr>
+          <p:cNvPr id="3" name="Picture 2" descr="The story of the NBA logo | Logo Design Love">
+            <a:extLst>
+              <a:ext uri="{FF2B5EF4-FFF2-40B4-BE49-F238E27FC236}">
+                <a16:creationId xmlns:a16="http://schemas.microsoft.com/office/drawing/2014/main" id="{EC381BF3-8901-AB11-5103-803A14B729A6}"/>
+              </a:ext>
+            </a:extLst>
+          </p:cNvPr>
+          <p:cNvPicPr>
+            <a:picLocks noChangeArrowheads="1"/>
+          </p:cNvPicPr>
+          <p:nvPr/>
+        </p:nvPicPr>
+        <p:blipFill rotWithShape="1">
+          <a:blip r:embed="rId3">
             <a:extLst>
               <a:ext uri="{28A0092B-C50C-407E-A947-70E740481C1C}">
                 <a14:useLocalDpi xmlns:a14="http://schemas.microsoft.com/office/drawing/2010/main" val="0"/>
@@ -8861,8 +5731,8 @@
         </p:blipFill>
         <p:spPr bwMode="auto">
           <a:xfrm>
-            <a:off x="11616422" y="1"/>
-            <a:ext cx="575578" cy="871537"/>
+            <a:off x="11408049" y="186950"/>
+            <a:ext cx="575578" cy="900000"/>
           </a:xfrm>
           <a:prstGeom prst="rect">
             <a:avLst/>
@@ -8881,20 +5751,20 @@
       </p:pic>
       <p:pic>
         <p:nvPicPr>
-          <p:cNvPr id="2" name="Picture 2" descr="The story of the NBA logo | Logo Design Love">
+          <p:cNvPr id="5" name="Picture 2" descr="The story of the NBA logo | Logo Design Love">
             <a:extLst>
               <a:ext uri="{FF2B5EF4-FFF2-40B4-BE49-F238E27FC236}">
-                <a16:creationId xmlns:a16="http://schemas.microsoft.com/office/drawing/2014/main" id="{7794069E-ADE1-D1DD-8EC7-9056B6948FDB}"/>
+                <a16:creationId xmlns:a16="http://schemas.microsoft.com/office/drawing/2014/main" id="{95D9AD46-5879-7873-2506-A82119A97384}"/>
               </a:ext>
             </a:extLst>
           </p:cNvPr>
           <p:cNvPicPr>
-            <a:picLocks noChangeAspect="1" noChangeArrowheads="1"/>
+            <a:picLocks noChangeArrowheads="1"/>
           </p:cNvPicPr>
           <p:nvPr/>
         </p:nvPicPr>
         <p:blipFill rotWithShape="1">
-          <a:blip r:embed="rId2">
+          <a:blip r:embed="rId3">
             <a:extLst>
               <a:ext uri="{28A0092B-C50C-407E-A947-70E740481C1C}">
                 <a14:useLocalDpi xmlns:a14="http://schemas.microsoft.com/office/drawing/2010/main" val="0"/>
@@ -8906,8 +5776,8 @@
         </p:blipFill>
         <p:spPr bwMode="auto">
           <a:xfrm>
-            <a:off x="-1" y="0"/>
-            <a:ext cx="11616423" cy="871537"/>
+            <a:off x="208373" y="186950"/>
+            <a:ext cx="10980000" cy="900000"/>
           </a:xfrm>
           <a:prstGeom prst="rect">
             <a:avLst/>
@@ -8926,10 +5796,10 @@
       </p:pic>
       <p:sp>
         <p:nvSpPr>
-          <p:cNvPr id="3" name="TextBox 2">
+          <p:cNvPr id="7" name="TextBox 6">
             <a:extLst>
               <a:ext uri="{FF2B5EF4-FFF2-40B4-BE49-F238E27FC236}">
-                <a16:creationId xmlns:a16="http://schemas.microsoft.com/office/drawing/2014/main" id="{8566DA64-D9A8-F501-C7CD-97C7D2C83100}"/>
+                <a16:creationId xmlns:a16="http://schemas.microsoft.com/office/drawing/2014/main" id="{7EB7C63B-5D34-5C2D-4814-A349519BEB82}"/>
               </a:ext>
             </a:extLst>
           </p:cNvPr>
@@ -8938,8 +5808,8 @@
         </p:nvSpPr>
         <p:spPr>
           <a:xfrm>
-            <a:off x="95693" y="107169"/>
-            <a:ext cx="5486401" cy="523220"/>
+            <a:off x="581628" y="344562"/>
+            <a:ext cx="5486401" cy="584775"/>
           </a:xfrm>
           <a:prstGeom prst="rect">
             <a:avLst/>
@@ -8953,17 +5823,16 @@
           <a:lstStyle/>
           <a:p>
             <a:r>
-              <a:rPr lang="en-IN" sz="2800" b="0" i="0" dirty="0">
+              <a:rPr lang="en-IN" sz="3200" b="1" dirty="0">
                 <a:solidFill>
                   <a:schemeClr val="bg1"/>
                 </a:solidFill>
-                <a:effectLst/>
                 <a:latin typeface="Calibri" panose="020F0502020204030204" pitchFamily="34" charset="0"/>
                 <a:cs typeface="Calibri" panose="020F0502020204030204" pitchFamily="34" charset="0"/>
               </a:rPr>
-              <a:t>CREATING SPARK SESSION</a:t>
-            </a:r>
-            <a:endParaRPr lang="en-IN" sz="2800" dirty="0">
+              <a:t>DASHBOARD 2</a:t>
+            </a:r>
+            <a:endParaRPr lang="en-IN" sz="3200" b="1" dirty="0">
               <a:solidFill>
                 <a:schemeClr val="bg1"/>
               </a:solidFill>
@@ -8972,85 +5841,10 @@
           </a:p>
         </p:txBody>
       </p:sp>
-      <p:pic>
-        <p:nvPicPr>
-          <p:cNvPr id="5" name="Picture 4">
-            <a:extLst>
-              <a:ext uri="{FF2B5EF4-FFF2-40B4-BE49-F238E27FC236}">
-                <a16:creationId xmlns:a16="http://schemas.microsoft.com/office/drawing/2014/main" id="{AE0A8D31-FEED-8667-2BFC-F33223F11A5A}"/>
-              </a:ext>
-            </a:extLst>
-          </p:cNvPr>
-          <p:cNvPicPr>
-            <a:picLocks noChangeAspect="1"/>
-          </p:cNvPicPr>
-          <p:nvPr/>
-        </p:nvPicPr>
-        <p:blipFill>
-          <a:blip r:embed="rId3"/>
-          <a:srcRect/>
-          <a:stretch/>
-        </p:blipFill>
-        <p:spPr>
-          <a:xfrm>
-            <a:off x="2517214" y="1522931"/>
-            <a:ext cx="9674786" cy="4620137"/>
-          </a:xfrm>
-          <a:prstGeom prst="rect">
-            <a:avLst/>
-          </a:prstGeom>
-          <a:ln>
-            <a:solidFill>
-              <a:schemeClr val="tx1"/>
-            </a:solidFill>
-          </a:ln>
-        </p:spPr>
-      </p:pic>
-      <p:sp>
-        <p:nvSpPr>
-          <p:cNvPr id="4" name="TextBox 3">
-            <a:extLst>
-              <a:ext uri="{FF2B5EF4-FFF2-40B4-BE49-F238E27FC236}">
-                <a16:creationId xmlns:a16="http://schemas.microsoft.com/office/drawing/2014/main" id="{2264EBAC-A258-EEE8-D0CD-D1ABCF7E0AA2}"/>
-              </a:ext>
-            </a:extLst>
-          </p:cNvPr>
-          <p:cNvSpPr txBox="1"/>
-          <p:nvPr/>
-        </p:nvSpPr>
-        <p:spPr>
-          <a:xfrm>
-            <a:off x="-1" y="5773737"/>
-            <a:ext cx="2517215" cy="369332"/>
-          </a:xfrm>
-          <a:prstGeom prst="rect">
-            <a:avLst/>
-          </a:prstGeom>
-          <a:noFill/>
-          <a:ln>
-            <a:solidFill>
-              <a:schemeClr val="tx1"/>
-            </a:solidFill>
-          </a:ln>
-        </p:spPr>
-        <p:txBody>
-          <a:bodyPr wrap="square" rtlCol="0">
-            <a:spAutoFit/>
-          </a:bodyPr>
-          <a:lstStyle/>
-          <a:p>
-            <a:pPr algn="ctr"/>
-            <a:r>
-              <a:rPr lang="en-US" dirty="0"/>
-              <a:t>Created a Spark Session</a:t>
-            </a:r>
-          </a:p>
-        </p:txBody>
-      </p:sp>
     </p:spTree>
     <p:extLst>
       <p:ext uri="{BB962C8B-B14F-4D97-AF65-F5344CB8AC3E}">
-        <p14:creationId xmlns:p14="http://schemas.microsoft.com/office/powerpoint/2010/main" val="3854751973"/>
+        <p14:creationId xmlns:p14="http://schemas.microsoft.com/office/powerpoint/2010/main" val="691602037"/>
       </p:ext>
     </p:extLst>
   </p:cSld>
@@ -9079,15 +5873,49 @@
       </p:grpSpPr>
       <p:pic>
         <p:nvPicPr>
-          <p:cNvPr id="1026" name="Picture 2" descr="The story of the NBA logo | Logo Design Love">
+          <p:cNvPr id="6" name="Picture 5">
             <a:extLst>
               <a:ext uri="{FF2B5EF4-FFF2-40B4-BE49-F238E27FC236}">
-                <a16:creationId xmlns:a16="http://schemas.microsoft.com/office/drawing/2014/main" id="{47D7BF37-A138-073B-C7CE-EE7CC763D407}"/>
+                <a16:creationId xmlns:a16="http://schemas.microsoft.com/office/drawing/2014/main" id="{EEAA6E70-1D92-36AE-9BAA-BB5580A197BF}"/>
               </a:ext>
             </a:extLst>
           </p:cNvPr>
           <p:cNvPicPr>
-            <a:picLocks noChangeAspect="1" noChangeArrowheads="1"/>
+            <a:picLocks/>
+          </p:cNvPicPr>
+          <p:nvPr/>
+        </p:nvPicPr>
+        <p:blipFill rotWithShape="1">
+          <a:blip r:embed="rId2"/>
+          <a:srcRect l="12423" t="9333" r="11672" b="9001"/>
+          <a:stretch/>
+        </p:blipFill>
+        <p:spPr>
+          <a:xfrm>
+            <a:off x="1506000" y="1365640"/>
+            <a:ext cx="9180000" cy="5400000"/>
+          </a:xfrm>
+          <a:prstGeom prst="rect">
+            <a:avLst/>
+          </a:prstGeom>
+          <a:ln>
+            <a:solidFill>
+              <a:schemeClr val="tx1"/>
+            </a:solidFill>
+          </a:ln>
+        </p:spPr>
+      </p:pic>
+      <p:pic>
+        <p:nvPicPr>
+          <p:cNvPr id="3" name="Picture 2" descr="The story of the NBA logo | Logo Design Love">
+            <a:extLst>
+              <a:ext uri="{FF2B5EF4-FFF2-40B4-BE49-F238E27FC236}">
+                <a16:creationId xmlns:a16="http://schemas.microsoft.com/office/drawing/2014/main" id="{C81FD6B0-3105-3C86-99C7-B5CA428D95BA}"/>
+              </a:ext>
+            </a:extLst>
+          </p:cNvPr>
+          <p:cNvPicPr>
+            <a:picLocks noChangeArrowheads="1"/>
           </p:cNvPicPr>
           <p:nvPr/>
         </p:nvPicPr>
@@ -9104,8 +5932,8 @@
         </p:blipFill>
         <p:spPr bwMode="auto">
           <a:xfrm>
-            <a:off x="11616422" y="1"/>
-            <a:ext cx="575578" cy="871537"/>
+            <a:off x="11408049" y="186950"/>
+            <a:ext cx="575578" cy="900000"/>
           </a:xfrm>
           <a:prstGeom prst="rect">
             <a:avLst/>
@@ -9124,15 +5952,15 @@
       </p:pic>
       <p:pic>
         <p:nvPicPr>
-          <p:cNvPr id="4" name="Picture 2" descr="The story of the NBA logo | Logo Design Love">
+          <p:cNvPr id="5" name="Picture 2" descr="The story of the NBA logo | Logo Design Love">
             <a:extLst>
               <a:ext uri="{FF2B5EF4-FFF2-40B4-BE49-F238E27FC236}">
-                <a16:creationId xmlns:a16="http://schemas.microsoft.com/office/drawing/2014/main" id="{66C32491-2C3E-12EE-1B41-8ED39050355E}"/>
+                <a16:creationId xmlns:a16="http://schemas.microsoft.com/office/drawing/2014/main" id="{DA3995D7-109A-38AA-0564-DD90A80BAC93}"/>
               </a:ext>
             </a:extLst>
           </p:cNvPr>
           <p:cNvPicPr>
-            <a:picLocks noChangeAspect="1" noChangeArrowheads="1"/>
+            <a:picLocks noChangeArrowheads="1"/>
           </p:cNvPicPr>
           <p:nvPr/>
         </p:nvPicPr>
@@ -9149,8 +5977,8 @@
         </p:blipFill>
         <p:spPr bwMode="auto">
           <a:xfrm>
-            <a:off x="0" y="0"/>
-            <a:ext cx="11616422" cy="871537"/>
+            <a:off x="208373" y="186950"/>
+            <a:ext cx="10980000" cy="900000"/>
           </a:xfrm>
           <a:prstGeom prst="rect">
             <a:avLst/>
@@ -9169,10 +5997,10 @@
       </p:pic>
       <p:sp>
         <p:nvSpPr>
-          <p:cNvPr id="2" name="TextBox 1">
+          <p:cNvPr id="7" name="TextBox 6">
             <a:extLst>
               <a:ext uri="{FF2B5EF4-FFF2-40B4-BE49-F238E27FC236}">
-                <a16:creationId xmlns:a16="http://schemas.microsoft.com/office/drawing/2014/main" id="{DC32C837-27EB-8654-3685-5DF85A1D0AF6}"/>
+                <a16:creationId xmlns:a16="http://schemas.microsoft.com/office/drawing/2014/main" id="{DFB50E7B-FA09-55C9-C349-F84E3E9081E8}"/>
               </a:ext>
             </a:extLst>
           </p:cNvPr>
@@ -9181,8 +6009,8 @@
         </p:nvSpPr>
         <p:spPr>
           <a:xfrm>
-            <a:off x="95693" y="107169"/>
-            <a:ext cx="5486401" cy="523220"/>
+            <a:off x="581628" y="344562"/>
+            <a:ext cx="5486401" cy="584775"/>
           </a:xfrm>
           <a:prstGeom prst="rect">
             <a:avLst/>
@@ -9196,7 +6024,7 @@
           <a:lstStyle/>
           <a:p>
             <a:r>
-              <a:rPr lang="en-IN" sz="2800" b="0" i="0" dirty="0">
+              <a:rPr lang="en-IN" sz="3200" b="1" i="0" dirty="0">
                 <a:solidFill>
                   <a:schemeClr val="bg1"/>
                 </a:solidFill>
@@ -9204,88 +6032,7 @@
                 <a:latin typeface="Calibri" panose="020F0502020204030204" pitchFamily="34" charset="0"/>
                 <a:cs typeface="Calibri" panose="020F0502020204030204" pitchFamily="34" charset="0"/>
               </a:rPr>
-              <a:t>SPARK DF TO PANDA DF</a:t>
-            </a:r>
-            <a:endParaRPr lang="en-IN" sz="2800" dirty="0">
-              <a:solidFill>
-                <a:schemeClr val="bg1"/>
-              </a:solidFill>
-              <a:latin typeface="Tableau Book"/>
-            </a:endParaRPr>
-          </a:p>
-        </p:txBody>
-      </p:sp>
-      <p:pic>
-        <p:nvPicPr>
-          <p:cNvPr id="5" name="Picture 4">
-            <a:extLst>
-              <a:ext uri="{FF2B5EF4-FFF2-40B4-BE49-F238E27FC236}">
-                <a16:creationId xmlns:a16="http://schemas.microsoft.com/office/drawing/2014/main" id="{245D9516-BBD3-6D57-13F1-9CECBBD66B7F}"/>
-              </a:ext>
-            </a:extLst>
-          </p:cNvPr>
-          <p:cNvPicPr>
-            <a:picLocks noChangeAspect="1"/>
-          </p:cNvPicPr>
-          <p:nvPr/>
-        </p:nvPicPr>
-        <p:blipFill>
-          <a:blip r:embed="rId4"/>
-          <a:srcRect/>
-          <a:stretch/>
-        </p:blipFill>
-        <p:spPr>
-          <a:xfrm>
-            <a:off x="1710619" y="1044630"/>
-            <a:ext cx="8466313" cy="5165886"/>
-          </a:xfrm>
-          <a:prstGeom prst="rect">
-            <a:avLst/>
-          </a:prstGeom>
-          <a:ln>
-            <a:solidFill>
-              <a:schemeClr val="tx1"/>
-            </a:solidFill>
-          </a:ln>
-        </p:spPr>
-      </p:pic>
-      <p:sp>
-        <p:nvSpPr>
-          <p:cNvPr id="3" name="TextBox 2">
-            <a:extLst>
-              <a:ext uri="{FF2B5EF4-FFF2-40B4-BE49-F238E27FC236}">
-                <a16:creationId xmlns:a16="http://schemas.microsoft.com/office/drawing/2014/main" id="{ED99B678-C657-B053-D087-9A8707E7F3C9}"/>
-              </a:ext>
-            </a:extLst>
-          </p:cNvPr>
-          <p:cNvSpPr txBox="1"/>
-          <p:nvPr/>
-        </p:nvSpPr>
-        <p:spPr>
-          <a:xfrm>
-            <a:off x="1710618" y="6298296"/>
-            <a:ext cx="8466313" cy="369332"/>
-          </a:xfrm>
-          <a:prstGeom prst="rect">
-            <a:avLst/>
-          </a:prstGeom>
-          <a:noFill/>
-          <a:ln>
-            <a:solidFill>
-              <a:schemeClr val="tx1"/>
-            </a:solidFill>
-          </a:ln>
-        </p:spPr>
-        <p:txBody>
-          <a:bodyPr wrap="square" rtlCol="0">
-            <a:spAutoFit/>
-          </a:bodyPr>
-          <a:lstStyle/>
-          <a:p>
-            <a:pPr algn="ctr"/>
-            <a:r>
-              <a:rPr lang="en-US" dirty="0"/>
-              <a:t>Converted Spark DF to Panda DF</a:t>
+              <a:t>DASHBOARD 3</a:t>
             </a:r>
           </a:p>
         </p:txBody>
@@ -9293,7 +6040,7 @@
     </p:spTree>
     <p:extLst>
       <p:ext uri="{BB962C8B-B14F-4D97-AF65-F5344CB8AC3E}">
-        <p14:creationId xmlns:p14="http://schemas.microsoft.com/office/powerpoint/2010/main" val="2187863216"/>
+        <p14:creationId xmlns:p14="http://schemas.microsoft.com/office/powerpoint/2010/main" val="2324107005"/>
       </p:ext>
     </p:extLst>
   </p:cSld>
@@ -9322,15 +6069,15 @@
       </p:grpSpPr>
       <p:pic>
         <p:nvPicPr>
-          <p:cNvPr id="1026" name="Picture 2" descr="The story of the NBA logo | Logo Design Love">
+          <p:cNvPr id="5" name="Picture 2" descr="The story of the NBA logo | Logo Design Love">
             <a:extLst>
               <a:ext uri="{FF2B5EF4-FFF2-40B4-BE49-F238E27FC236}">
-                <a16:creationId xmlns:a16="http://schemas.microsoft.com/office/drawing/2014/main" id="{47D7BF37-A138-073B-C7CE-EE7CC763D407}"/>
+                <a16:creationId xmlns:a16="http://schemas.microsoft.com/office/drawing/2014/main" id="{E39F5D33-2F4F-3FD2-4DD9-4E630AE7AB53}"/>
               </a:ext>
             </a:extLst>
           </p:cNvPr>
           <p:cNvPicPr>
-            <a:picLocks noChangeAspect="1" noChangeArrowheads="1"/>
+            <a:picLocks noChangeArrowheads="1"/>
           </p:cNvPicPr>
           <p:nvPr/>
         </p:nvPicPr>
@@ -9347,8 +6094,8 @@
         </p:blipFill>
         <p:spPr bwMode="auto">
           <a:xfrm>
-            <a:off x="11616422" y="1"/>
-            <a:ext cx="575578" cy="871537"/>
+            <a:off x="11408049" y="186950"/>
+            <a:ext cx="575578" cy="900000"/>
           </a:xfrm>
           <a:prstGeom prst="rect">
             <a:avLst/>
@@ -9367,15 +6114,15 @@
       </p:pic>
       <p:pic>
         <p:nvPicPr>
-          <p:cNvPr id="2" name="Picture 2" descr="The story of the NBA logo | Logo Design Love">
+          <p:cNvPr id="8" name="Picture 2" descr="The story of the NBA logo | Logo Design Love">
             <a:extLst>
               <a:ext uri="{FF2B5EF4-FFF2-40B4-BE49-F238E27FC236}">
-                <a16:creationId xmlns:a16="http://schemas.microsoft.com/office/drawing/2014/main" id="{7794069E-ADE1-D1DD-8EC7-9056B6948FDB}"/>
+                <a16:creationId xmlns:a16="http://schemas.microsoft.com/office/drawing/2014/main" id="{5913FDC1-3392-AB03-ACE4-16AC5D3ECBF6}"/>
               </a:ext>
             </a:extLst>
           </p:cNvPr>
           <p:cNvPicPr>
-            <a:picLocks noChangeAspect="1" noChangeArrowheads="1"/>
+            <a:picLocks noChangeArrowheads="1"/>
           </p:cNvPicPr>
           <p:nvPr/>
         </p:nvPicPr>
@@ -9392,8 +6139,8 @@
         </p:blipFill>
         <p:spPr bwMode="auto">
           <a:xfrm>
-            <a:off x="-1" y="0"/>
-            <a:ext cx="11616423" cy="871537"/>
+            <a:off x="208373" y="186950"/>
+            <a:ext cx="10980000" cy="900000"/>
           </a:xfrm>
           <a:prstGeom prst="rect">
             <a:avLst/>
@@ -9412,10 +6159,10 @@
       </p:pic>
       <p:sp>
         <p:nvSpPr>
-          <p:cNvPr id="3" name="TextBox 2">
+          <p:cNvPr id="2" name="TextBox 1">
             <a:extLst>
               <a:ext uri="{FF2B5EF4-FFF2-40B4-BE49-F238E27FC236}">
-                <a16:creationId xmlns:a16="http://schemas.microsoft.com/office/drawing/2014/main" id="{8566DA64-D9A8-F501-C7CD-97C7D2C83100}"/>
+                <a16:creationId xmlns:a16="http://schemas.microsoft.com/office/drawing/2014/main" id="{C337E01E-8910-BDE0-8B9C-836FE5512DB4}"/>
               </a:ext>
             </a:extLst>
           </p:cNvPr>
@@ -9424,8 +6171,127 @@
         </p:nvSpPr>
         <p:spPr>
           <a:xfrm>
-            <a:off x="95693" y="107169"/>
-            <a:ext cx="5486401" cy="523220"/>
+            <a:off x="223700" y="1657810"/>
+            <a:ext cx="11759927" cy="3416320"/>
+          </a:xfrm>
+          <a:prstGeom prst="rect">
+            <a:avLst/>
+          </a:prstGeom>
+        </p:spPr>
+        <p:style>
+          <a:lnRef idx="2">
+            <a:schemeClr val="dk1"/>
+          </a:lnRef>
+          <a:fillRef idx="1">
+            <a:schemeClr val="lt1"/>
+          </a:fillRef>
+          <a:effectRef idx="0">
+            <a:schemeClr val="dk1"/>
+          </a:effectRef>
+          <a:fontRef idx="minor">
+            <a:schemeClr val="dk1"/>
+          </a:fontRef>
+        </p:style>
+        <p:txBody>
+          <a:bodyPr wrap="square" rtlCol="0">
+            <a:spAutoFit/>
+          </a:bodyPr>
+          <a:lstStyle/>
+          <a:p>
+            <a:pPr algn="l">
+              <a:buFont typeface="Arial" panose="020B0604020202020204" pitchFamily="34" charset="0"/>
+              <a:buChar char="•"/>
+            </a:pPr>
+            <a:r>
+              <a:rPr lang="en-IN" b="0" i="0" u="none" strike="noStrike" dirty="0">
+                <a:solidFill>
+                  <a:srgbClr val="1F2328"/>
+                </a:solidFill>
+                <a:effectLst/>
+                <a:latin typeface="-apple-system"/>
+              </a:rPr>
+              <a:t>Bad Encoding: The original data had encoding issues that we struggled to handle. We had to apply encoding techniques to ensure proper handling and interpretation of the data.</a:t>
+            </a:r>
+          </a:p>
+          <a:p>
+            <a:pPr algn="l"/>
+            <a:endParaRPr lang="en-IN" b="0" i="0" u="none" strike="noStrike" dirty="0">
+              <a:solidFill>
+                <a:srgbClr val="1F2328"/>
+              </a:solidFill>
+              <a:effectLst/>
+              <a:latin typeface="-apple-system"/>
+            </a:endParaRPr>
+          </a:p>
+          <a:p>
+            <a:pPr algn="l">
+              <a:buFont typeface="Arial" panose="020B0604020202020204" pitchFamily="34" charset="0"/>
+              <a:buChar char="•"/>
+            </a:pPr>
+            <a:r>
+              <a:rPr lang="en-IN" b="0" i="0" u="none" strike="noStrike" dirty="0">
+                <a:solidFill>
+                  <a:srgbClr val="1F2328"/>
+                </a:solidFill>
+                <a:effectLst/>
+                <a:latin typeface="-apple-system"/>
+              </a:rPr>
+              <a:t> External Factors: While player statistics provide valuable insights, it's important to note that other factors can influence a player's performance on the court. Factors such as injuries, team dynamics, coaching strategies, and external circumstances were not included in our analysis. Considering these external factors could further enhance the accuracy and predictive power of the model.</a:t>
+            </a:r>
+          </a:p>
+          <a:p>
+            <a:pPr algn="l"/>
+            <a:endParaRPr lang="en-IN" b="0" i="0" u="none" strike="noStrike" dirty="0">
+              <a:solidFill>
+                <a:srgbClr val="1F2328"/>
+              </a:solidFill>
+              <a:effectLst/>
+              <a:latin typeface="-apple-system"/>
+            </a:endParaRPr>
+          </a:p>
+          <a:p>
+            <a:pPr algn="l">
+              <a:buFont typeface="Arial" panose="020B0604020202020204" pitchFamily="34" charset="0"/>
+              <a:buChar char="•"/>
+            </a:pPr>
+            <a:r>
+              <a:rPr lang="en-IN" dirty="0">
+                <a:solidFill>
+                  <a:srgbClr val="1F2328"/>
+                </a:solidFill>
+                <a:latin typeface="-apple-system"/>
+              </a:rPr>
+              <a:t>Outliers: </a:t>
+            </a:r>
+            <a:r>
+              <a:rPr lang="en-IN" b="0" i="0" u="none" strike="noStrike" dirty="0">
+                <a:solidFill>
+                  <a:srgbClr val="1F2328"/>
+                </a:solidFill>
+                <a:effectLst/>
+                <a:latin typeface="-apple-system"/>
+              </a:rPr>
+              <a:t>To handle these outliers, we implemented a post-processing step where we replaced any negative predicted values with zeros. This approach allowed us to address the outliers and ensure that the predicted statistics remain within a valid range. By zeroing out the negative values, we mitigated the impact of outliers on the model's performance and ensured that the predicted player statistics align with the expectations of NBA player performance.</a:t>
+            </a:r>
+          </a:p>
+        </p:txBody>
+      </p:sp>
+      <p:sp>
+        <p:nvSpPr>
+          <p:cNvPr id="6" name="TextBox 5">
+            <a:extLst>
+              <a:ext uri="{FF2B5EF4-FFF2-40B4-BE49-F238E27FC236}">
+                <a16:creationId xmlns:a16="http://schemas.microsoft.com/office/drawing/2014/main" id="{FDAA1CAA-271E-B322-F9C9-ED9048310E88}"/>
+              </a:ext>
+            </a:extLst>
+          </p:cNvPr>
+          <p:cNvSpPr txBox="1"/>
+          <p:nvPr/>
+        </p:nvSpPr>
+        <p:spPr>
+          <a:xfrm>
+            <a:off x="581628" y="344562"/>
+            <a:ext cx="5486401" cy="584775"/>
           </a:xfrm>
           <a:prstGeom prst="rect">
             <a:avLst/>
@@ -9439,17 +6305,16 @@
           <a:lstStyle/>
           <a:p>
             <a:r>
-              <a:rPr lang="en-IN" sz="2800" b="0" i="0" dirty="0">
+              <a:rPr lang="en-IN" sz="3200" b="1" dirty="0">
                 <a:solidFill>
                   <a:schemeClr val="bg1"/>
                 </a:solidFill>
-                <a:effectLst/>
                 <a:latin typeface="Calibri" panose="020F0502020204030204" pitchFamily="34" charset="0"/>
                 <a:cs typeface="Calibri" panose="020F0502020204030204" pitchFamily="34" charset="0"/>
               </a:rPr>
-              <a:t>DATA CLEANING</a:t>
-            </a:r>
-            <a:endParaRPr lang="en-IN" sz="2800" dirty="0">
+              <a:t>CHALLENGES</a:t>
+            </a:r>
+            <a:endParaRPr lang="en-IN" sz="3200" b="1" dirty="0">
               <a:solidFill>
                 <a:schemeClr val="bg1"/>
               </a:solidFill>
@@ -9458,156 +6323,10 @@
           </a:p>
         </p:txBody>
       </p:sp>
-      <p:sp>
-        <p:nvSpPr>
-          <p:cNvPr id="4" name="TextBox 3">
-            <a:extLst>
-              <a:ext uri="{FF2B5EF4-FFF2-40B4-BE49-F238E27FC236}">
-                <a16:creationId xmlns:a16="http://schemas.microsoft.com/office/drawing/2014/main" id="{001DDB51-251D-E979-E0C4-1A6695406B42}"/>
-              </a:ext>
-            </a:extLst>
-          </p:cNvPr>
-          <p:cNvSpPr txBox="1"/>
-          <p:nvPr/>
-        </p:nvSpPr>
-        <p:spPr>
-          <a:xfrm>
-            <a:off x="753533" y="5468562"/>
-            <a:ext cx="10378429" cy="369332"/>
-          </a:xfrm>
-          <a:prstGeom prst="rect">
-            <a:avLst/>
-          </a:prstGeom>
-          <a:noFill/>
-          <a:ln>
-            <a:solidFill>
-              <a:schemeClr val="tx1"/>
-            </a:solidFill>
-          </a:ln>
-        </p:spPr>
-        <p:txBody>
-          <a:bodyPr wrap="square" rtlCol="0">
-            <a:spAutoFit/>
-          </a:bodyPr>
-          <a:lstStyle/>
-          <a:p>
-            <a:pPr algn="ctr"/>
-            <a:r>
-              <a:rPr lang="en-US" dirty="0"/>
-              <a:t>Cleaned the data</a:t>
-            </a:r>
-          </a:p>
-        </p:txBody>
-      </p:sp>
-      <p:pic>
-        <p:nvPicPr>
-          <p:cNvPr id="7" name="Picture 6">
-            <a:extLst>
-              <a:ext uri="{FF2B5EF4-FFF2-40B4-BE49-F238E27FC236}">
-                <a16:creationId xmlns:a16="http://schemas.microsoft.com/office/drawing/2014/main" id="{2DF8F91E-BE60-0C0B-4D7F-8D0DD356B020}"/>
-              </a:ext>
-            </a:extLst>
-          </p:cNvPr>
-          <p:cNvPicPr>
-            <a:picLocks noChangeAspect="1"/>
-          </p:cNvPicPr>
-          <p:nvPr/>
-        </p:nvPicPr>
-        <p:blipFill>
-          <a:blip r:embed="rId3"/>
-          <a:stretch>
-            <a:fillRect/>
-          </a:stretch>
-        </p:blipFill>
-        <p:spPr>
-          <a:xfrm>
-            <a:off x="753534" y="1462739"/>
-            <a:ext cx="10404662" cy="871537"/>
-          </a:xfrm>
-          <a:prstGeom prst="rect">
-            <a:avLst/>
-          </a:prstGeom>
-          <a:ln>
-            <a:solidFill>
-              <a:schemeClr val="tx1"/>
-            </a:solidFill>
-          </a:ln>
-        </p:spPr>
-      </p:pic>
-      <p:pic>
-        <p:nvPicPr>
-          <p:cNvPr id="9" name="Picture 8">
-            <a:extLst>
-              <a:ext uri="{FF2B5EF4-FFF2-40B4-BE49-F238E27FC236}">
-                <a16:creationId xmlns:a16="http://schemas.microsoft.com/office/drawing/2014/main" id="{258E5EBF-2CB9-7057-1043-489BB4F7057D}"/>
-              </a:ext>
-            </a:extLst>
-          </p:cNvPr>
-          <p:cNvPicPr>
-            <a:picLocks noChangeAspect="1"/>
-          </p:cNvPicPr>
-          <p:nvPr/>
-        </p:nvPicPr>
-        <p:blipFill>
-          <a:blip r:embed="rId4"/>
-          <a:stretch>
-            <a:fillRect/>
-          </a:stretch>
-        </p:blipFill>
-        <p:spPr>
-          <a:xfrm>
-            <a:off x="753534" y="2762816"/>
-            <a:ext cx="10378430" cy="793184"/>
-          </a:xfrm>
-          <a:prstGeom prst="rect">
-            <a:avLst/>
-          </a:prstGeom>
-          <a:ln>
-            <a:solidFill>
-              <a:schemeClr val="tx1"/>
-            </a:solidFill>
-          </a:ln>
-        </p:spPr>
-      </p:pic>
-      <p:pic>
-        <p:nvPicPr>
-          <p:cNvPr id="11" name="Picture 10">
-            <a:extLst>
-              <a:ext uri="{FF2B5EF4-FFF2-40B4-BE49-F238E27FC236}">
-                <a16:creationId xmlns:a16="http://schemas.microsoft.com/office/drawing/2014/main" id="{4D0E2220-6F64-3AEF-0603-6336FCD6FAB9}"/>
-              </a:ext>
-            </a:extLst>
-          </p:cNvPr>
-          <p:cNvPicPr>
-            <a:picLocks noChangeAspect="1"/>
-          </p:cNvPicPr>
-          <p:nvPr/>
-        </p:nvPicPr>
-        <p:blipFill>
-          <a:blip r:embed="rId5"/>
-          <a:stretch>
-            <a:fillRect/>
-          </a:stretch>
-        </p:blipFill>
-        <p:spPr>
-          <a:xfrm>
-            <a:off x="753534" y="3984539"/>
-            <a:ext cx="10378430" cy="793184"/>
-          </a:xfrm>
-          <a:prstGeom prst="rect">
-            <a:avLst/>
-          </a:prstGeom>
-          <a:ln>
-            <a:solidFill>
-              <a:schemeClr val="tx1"/>
-            </a:solidFill>
-          </a:ln>
-        </p:spPr>
-      </p:pic>
     </p:spTree>
     <p:extLst>
       <p:ext uri="{BB962C8B-B14F-4D97-AF65-F5344CB8AC3E}">
-        <p14:creationId xmlns:p14="http://schemas.microsoft.com/office/powerpoint/2010/main" val="3476927853"/>
+        <p14:creationId xmlns:p14="http://schemas.microsoft.com/office/powerpoint/2010/main" val="2380916451"/>
       </p:ext>
     </p:extLst>
   </p:cSld>
@@ -9620,7 +6339,7 @@
 <file path=ppt/theme/theme1.xml><?xml version="1.0" encoding="utf-8"?>
 <a:theme xmlns:a="http://schemas.openxmlformats.org/drawingml/2006/main" name="Office Theme">
   <a:themeElements>
-    <a:clrScheme name="Office">
+    <a:clrScheme name="Office Theme">
       <a:dk1>
         <a:sysClr val="windowText" lastClr="000000"/>
       </a:dk1>
@@ -9658,7 +6377,7 @@
         <a:srgbClr val="954F72"/>
       </a:folHlink>
     </a:clrScheme>
-    <a:fontScheme name="Office">
+    <a:fontScheme name="Office Theme">
       <a:majorFont>
         <a:latin typeface="Calibri Light" panose="020F0302020204030204"/>
         <a:ea typeface=""/>
@@ -9693,23 +6412,6 @@
         <a:font script="Viet" typeface="Times New Roman"/>
         <a:font script="Uigh" typeface="Microsoft Uighur"/>
         <a:font script="Geor" typeface="Sylfaen"/>
-        <a:font script="Armn" typeface="Arial"/>
-        <a:font script="Bugi" typeface="Leelawadee UI"/>
-        <a:font script="Bopo" typeface="Microsoft JhengHei"/>
-        <a:font script="Java" typeface="Javanese Text"/>
-        <a:font script="Lisu" typeface="Segoe UI"/>
-        <a:font script="Mymr" typeface="Myanmar Text"/>
-        <a:font script="Nkoo" typeface="Ebrima"/>
-        <a:font script="Olck" typeface="Nirmala UI"/>
-        <a:font script="Osma" typeface="Ebrima"/>
-        <a:font script="Phag" typeface="Phagspa"/>
-        <a:font script="Syrn" typeface="Estrangelo Edessa"/>
-        <a:font script="Syrj" typeface="Estrangelo Edessa"/>
-        <a:font script="Syre" typeface="Estrangelo Edessa"/>
-        <a:font script="Sora" typeface="Nirmala UI"/>
-        <a:font script="Tale" typeface="Microsoft Tai Le"/>
-        <a:font script="Talu" typeface="Microsoft New Tai Lue"/>
-        <a:font script="Tfng" typeface="Ebrima"/>
       </a:majorFont>
       <a:minorFont>
         <a:latin typeface="Calibri" panose="020F0502020204030204"/>
@@ -9745,26 +6447,9 @@
         <a:font script="Viet" typeface="Arial"/>
         <a:font script="Uigh" typeface="Microsoft Uighur"/>
         <a:font script="Geor" typeface="Sylfaen"/>
-        <a:font script="Armn" typeface="Arial"/>
-        <a:font script="Bugi" typeface="Leelawadee UI"/>
-        <a:font script="Bopo" typeface="Microsoft JhengHei"/>
-        <a:font script="Java" typeface="Javanese Text"/>
-        <a:font script="Lisu" typeface="Segoe UI"/>
-        <a:font script="Mymr" typeface="Myanmar Text"/>
-        <a:font script="Nkoo" typeface="Ebrima"/>
-        <a:font script="Olck" typeface="Nirmala UI"/>
-        <a:font script="Osma" typeface="Ebrima"/>
-        <a:font script="Phag" typeface="Phagspa"/>
-        <a:font script="Syrn" typeface="Estrangelo Edessa"/>
-        <a:font script="Syrj" typeface="Estrangelo Edessa"/>
-        <a:font script="Syre" typeface="Estrangelo Edessa"/>
-        <a:font script="Sora" typeface="Nirmala UI"/>
-        <a:font script="Tale" typeface="Microsoft Tai Le"/>
-        <a:font script="Talu" typeface="Microsoft New Tai Lue"/>
-        <a:font script="Tfng" typeface="Ebrima"/>
       </a:minorFont>
     </a:fontScheme>
-    <a:fmtScheme name="Office">
+    <a:fmtScheme name="Office Theme">
       <a:fillStyleLst>
         <a:solidFill>
           <a:schemeClr val="phClr"/>
@@ -9906,7 +6591,7 @@
   <a:extraClrSchemeLst/>
   <a:extLst>
     <a:ext uri="{05A4C25C-085E-4340-85A3-A5531E510DB2}">
-      <thm15:themeFamily xmlns:thm15="http://schemas.microsoft.com/office/thememl/2012/main" name="Office Theme" id="{62F939B6-93AF-4DB8-9C6B-D6C7DFDC589F}" vid="{4A3C46E8-61CC-4603-A589-7422A47A8E4A}"/>
+      <thm15:themeFamily xmlns:thm15="http://schemas.microsoft.com/office/thememl/2012/main" name="Office Theme 2013 - 2022" id="{62F939B6-93AF-4DB8-9C6B-D6C7DFDC589F}" vid="{4A3C46E8-61CC-4603-A589-7422A47A8E4A}"/>
     </a:ext>
   </a:extLst>
 </a:theme>

--- a/Resources/NBA Project PPT.pptx
+++ b/Resources/NBA Project PPT.pptx
@@ -4492,53 +4492,6 @@
           </a:p>
         </p:txBody>
       </p:sp>
-      <p:pic>
-        <p:nvPicPr>
-          <p:cNvPr id="13" name="Picture 12" descr="5 Common Errors Made While Defining Learning Objectives">
-            <a:extLst>
-              <a:ext uri="{FF2B5EF4-FFF2-40B4-BE49-F238E27FC236}">
-                <a16:creationId xmlns:a16="http://schemas.microsoft.com/office/drawing/2014/main" id="{1812916B-2DC8-A3C1-48EF-3FB052E28C87}"/>
-              </a:ext>
-            </a:extLst>
-          </p:cNvPr>
-          <p:cNvPicPr>
-            <a:picLocks noChangeAspect="1" noChangeArrowheads="1"/>
-          </p:cNvPicPr>
-          <p:nvPr/>
-        </p:nvPicPr>
-        <p:blipFill>
-          <a:blip r:embed="rId3">
-            <a:extLst>
-              <a:ext uri="{28A0092B-C50C-407E-A947-70E740481C1C}">
-                <a14:useLocalDpi xmlns:a14="http://schemas.microsoft.com/office/drawing/2010/main" val="0"/>
-              </a:ext>
-            </a:extLst>
-          </a:blip>
-          <a:srcRect/>
-          <a:stretch>
-            <a:fillRect/>
-          </a:stretch>
-        </p:blipFill>
-        <p:spPr bwMode="auto">
-          <a:xfrm>
-            <a:off x="1576325" y="4323736"/>
-            <a:ext cx="579926" cy="326923"/>
-          </a:xfrm>
-          <a:prstGeom prst="rect">
-            <a:avLst/>
-          </a:prstGeom>
-          <a:noFill/>
-          <a:extLst>
-            <a:ext uri="{909E8E84-426E-40DD-AFC4-6F175D3DCCD1}">
-              <a14:hiddenFill xmlns:a14="http://schemas.microsoft.com/office/drawing/2010/main">
-                <a:solidFill>
-                  <a:srgbClr val="FFFFFF"/>
-                </a:solidFill>
-              </a14:hiddenFill>
-            </a:ext>
-          </a:extLst>
-        </p:spPr>
-      </p:pic>
     </p:spTree>
     <p:extLst>
       <p:ext uri="{BB962C8B-B14F-4D97-AF65-F5344CB8AC3E}">
@@ -4674,7 +4627,7 @@
         <p:spPr>
           <a:xfrm>
             <a:off x="223700" y="1657810"/>
-            <a:ext cx="11759927" cy="2585323"/>
+            <a:ext cx="11759927" cy="2031325"/>
           </a:xfrm>
           <a:prstGeom prst="rect">
             <a:avLst/>
@@ -4700,15 +4653,6 @@
           </a:bodyPr>
           <a:lstStyle/>
           <a:p>
-            <a:r>
-              <a:rPr lang="en-US" b="1" dirty="0"/>
-              <a:t>Methodology</a:t>
-            </a:r>
-          </a:p>
-          <a:p>
-            <a:endParaRPr lang="en-US" dirty="0"/>
-          </a:p>
-          <a:p>
             <a:pPr marL="342900" indent="-342900">
               <a:buFont typeface="+mj-lt"/>
               <a:buAutoNum type="arabicPeriod"/>
@@ -4779,51 +4723,6 @@
           </a:p>
         </p:txBody>
       </p:sp>
-      <p:pic>
-        <p:nvPicPr>
-          <p:cNvPr id="4" name="Picture 4" descr="Q Methodology – Scientific Study of Human Subjectivity">
-            <a:extLst>
-              <a:ext uri="{FF2B5EF4-FFF2-40B4-BE49-F238E27FC236}">
-                <a16:creationId xmlns:a16="http://schemas.microsoft.com/office/drawing/2014/main" id="{07F5803E-93A0-E6D8-900A-AD03196BC852}"/>
-              </a:ext>
-            </a:extLst>
-          </p:cNvPr>
-          <p:cNvPicPr>
-            <a:picLocks noChangeAspect="1" noChangeArrowheads="1"/>
-          </p:cNvPicPr>
-          <p:nvPr/>
-        </p:nvPicPr>
-        <p:blipFill rotWithShape="1">
-          <a:blip r:embed="rId3">
-            <a:extLst>
-              <a:ext uri="{28A0092B-C50C-407E-A947-70E740481C1C}">
-                <a14:useLocalDpi xmlns:a14="http://schemas.microsoft.com/office/drawing/2010/main" val="0"/>
-              </a:ext>
-            </a:extLst>
-          </a:blip>
-          <a:srcRect l="20867"/>
-          <a:stretch/>
-        </p:blipFill>
-        <p:spPr bwMode="auto">
-          <a:xfrm>
-            <a:off x="1670268" y="1794025"/>
-            <a:ext cx="522325" cy="403020"/>
-          </a:xfrm>
-          <a:prstGeom prst="rect">
-            <a:avLst/>
-          </a:prstGeom>
-          <a:noFill/>
-          <a:extLst>
-            <a:ext uri="{909E8E84-426E-40DD-AFC4-6F175D3DCCD1}">
-              <a14:hiddenFill xmlns:a14="http://schemas.microsoft.com/office/drawing/2010/main">
-                <a:solidFill>
-                  <a:srgbClr val="FFFFFF"/>
-                </a:solidFill>
-              </a14:hiddenFill>
-            </a:ext>
-          </a:extLst>
-        </p:spPr>
-      </p:pic>
       <p:sp>
         <p:nvSpPr>
           <p:cNvPr id="3" name="TextBox 2">

--- a/Resources/NBA Project PPT.pptx
+++ b/Resources/NBA Project PPT.pptx
@@ -5,20 +5,21 @@
     <p:sldMasterId id="2147483684" r:id="rId1"/>
   </p:sldMasterIdLst>
   <p:notesMasterIdLst>
-    <p:notesMasterId r:id="rId13"/>
+    <p:notesMasterId r:id="rId14"/>
   </p:notesMasterIdLst>
   <p:sldIdLst>
     <p:sldId id="256" r:id="rId2"/>
     <p:sldId id="275" r:id="rId3"/>
     <p:sldId id="276" r:id="rId4"/>
-    <p:sldId id="257" r:id="rId5"/>
-    <p:sldId id="259" r:id="rId6"/>
-    <p:sldId id="270" r:id="rId7"/>
-    <p:sldId id="289" r:id="rId8"/>
-    <p:sldId id="290" r:id="rId9"/>
-    <p:sldId id="291" r:id="rId10"/>
+    <p:sldId id="293" r:id="rId5"/>
+    <p:sldId id="294" r:id="rId6"/>
+    <p:sldId id="296" r:id="rId7"/>
+    <p:sldId id="270" r:id="rId8"/>
+    <p:sldId id="289" r:id="rId9"/>
+    <p:sldId id="290" r:id="rId10"/>
     <p:sldId id="292" r:id="rId11"/>
-    <p:sldId id="288" r:id="rId12"/>
+    <p:sldId id="291" r:id="rId12"/>
+    <p:sldId id="288" r:id="rId13"/>
   </p:sldIdLst>
   <p:sldSz cx="12192000" cy="6858000"/>
   <p:notesSz cx="6858000" cy="9144000"/>
@@ -3448,8 +3449,8 @@
         </p:blipFill>
         <p:spPr bwMode="auto">
           <a:xfrm>
-            <a:off x="298584" y="4144121"/>
-            <a:ext cx="6480000" cy="1980000"/>
+            <a:off x="1644072" y="4144120"/>
+            <a:ext cx="3703783" cy="2272445"/>
           </a:xfrm>
           <a:prstGeom prst="roundRect">
             <a:avLst>
@@ -3517,8 +3518,8 @@
         </p:blipFill>
         <p:spPr bwMode="auto">
           <a:xfrm>
-            <a:off x="298584" y="733879"/>
-            <a:ext cx="6480000" cy="1440000"/>
+            <a:off x="298584" y="733878"/>
+            <a:ext cx="6480000" cy="2932957"/>
           </a:xfrm>
           <a:prstGeom prst="roundRect">
             <a:avLst>
@@ -3663,7 +3664,7 @@
         <p:spPr>
           <a:xfrm>
             <a:off x="449826" y="976825"/>
-            <a:ext cx="6177516" cy="954107"/>
+            <a:ext cx="6177516" cy="2123658"/>
           </a:xfrm>
           <a:prstGeom prst="rect">
             <a:avLst/>
@@ -3678,7 +3679,7 @@
           <a:p>
             <a:pPr algn="ctr"/>
             <a:r>
-              <a:rPr lang="en-IN" sz="2800" b="1" i="0" dirty="0">
+              <a:rPr lang="en-IN" sz="4400" b="1" i="0" dirty="0">
                 <a:solidFill>
                   <a:schemeClr val="bg1"/>
                 </a:solidFill>
@@ -3705,8 +3706,8 @@
         </p:nvSpPr>
         <p:spPr>
           <a:xfrm>
-            <a:off x="449826" y="4226180"/>
-            <a:ext cx="2349795" cy="1815882"/>
+            <a:off x="2363686" y="4226180"/>
+            <a:ext cx="2349795" cy="2031325"/>
           </a:xfrm>
           <a:prstGeom prst="rect">
             <a:avLst/>
@@ -3719,8 +3720,9 @@
           </a:bodyPr>
           <a:lstStyle/>
           <a:p>
-            <a:r>
-              <a:rPr lang="en-IN" sz="1600" b="0" u="sng" dirty="0">
+            <a:pPr algn="ctr"/>
+            <a:r>
+              <a:rPr lang="en-IN" b="0" u="sng" dirty="0">
                 <a:solidFill>
                   <a:schemeClr val="bg1"/>
                 </a:solidFill>
@@ -3732,7 +3734,8 @@
             </a:r>
           </a:p>
           <a:p>
-            <a:endParaRPr lang="en-IN" sz="1600" b="0" dirty="0">
+            <a:pPr algn="ctr"/>
+            <a:endParaRPr lang="en-IN" b="0" dirty="0">
               <a:solidFill>
                 <a:schemeClr val="bg1"/>
               </a:solidFill>
@@ -3742,8 +3745,9 @@
             </a:endParaRPr>
           </a:p>
           <a:p>
-            <a:r>
-              <a:rPr lang="en-IN" sz="1600" dirty="0">
+            <a:pPr algn="ctr"/>
+            <a:r>
+              <a:rPr lang="en-IN" dirty="0">
                 <a:solidFill>
                   <a:schemeClr val="bg1"/>
                 </a:solidFill>
@@ -3755,8 +3759,9 @@
             </a:r>
           </a:p>
           <a:p>
-            <a:r>
-              <a:rPr lang="en-IN" sz="1600" dirty="0">
+            <a:pPr algn="ctr"/>
+            <a:r>
+              <a:rPr lang="en-IN" dirty="0">
                 <a:solidFill>
                   <a:schemeClr val="bg1"/>
                 </a:solidFill>
@@ -3768,8 +3773,9 @@
             </a:r>
           </a:p>
           <a:p>
-            <a:r>
-              <a:rPr lang="en-IN" sz="1600" dirty="0">
+            <a:pPr algn="ctr"/>
+            <a:r>
+              <a:rPr lang="en-IN" dirty="0">
                 <a:solidFill>
                   <a:schemeClr val="bg1"/>
                 </a:solidFill>
@@ -3781,8 +3787,9 @@
             </a:r>
           </a:p>
           <a:p>
-            <a:r>
-              <a:rPr lang="en-IN" sz="1600" dirty="0">
+            <a:pPr algn="ctr"/>
+            <a:r>
+              <a:rPr lang="en-IN" dirty="0">
                 <a:solidFill>
                   <a:schemeClr val="bg1"/>
                 </a:solidFill>
@@ -3794,8 +3801,9 @@
             </a:r>
           </a:p>
           <a:p>
-            <a:r>
-              <a:rPr lang="en-IN" sz="1600" dirty="0">
+            <a:pPr algn="ctr"/>
+            <a:r>
+              <a:rPr lang="en-IN" dirty="0">
                 <a:solidFill>
                   <a:schemeClr val="bg1"/>
                 </a:solidFill>
@@ -3805,7 +3813,7 @@
               </a:rPr>
               <a:t>PRIYA MARINGANTI</a:t>
             </a:r>
-            <a:endParaRPr lang="en-IN" sz="1600" dirty="0">
+            <a:endParaRPr lang="en-IN" dirty="0">
               <a:solidFill>
                 <a:schemeClr val="bg1"/>
               </a:solidFill>
@@ -3814,6 +3822,53 @@
           </a:p>
         </p:txBody>
       </p:sp>
+      <p:pic>
+        <p:nvPicPr>
+          <p:cNvPr id="2" name="Picture 2" descr="University of Toronto - Intentional Endowments Network">
+            <a:extLst>
+              <a:ext uri="{FF2B5EF4-FFF2-40B4-BE49-F238E27FC236}">
+                <a16:creationId xmlns:a16="http://schemas.microsoft.com/office/drawing/2014/main" id="{0C7D85C3-ACB7-9D92-69DA-EFDA336479A7}"/>
+              </a:ext>
+            </a:extLst>
+          </p:cNvPr>
+          <p:cNvPicPr>
+            <a:picLocks noChangeAspect="1" noChangeArrowheads="1"/>
+          </p:cNvPicPr>
+          <p:nvPr/>
+        </p:nvPicPr>
+        <p:blipFill>
+          <a:blip r:embed="rId4">
+            <a:extLst>
+              <a:ext uri="{28A0092B-C50C-407E-A947-70E740481C1C}">
+                <a14:useLocalDpi xmlns:a14="http://schemas.microsoft.com/office/drawing/2010/main" val="0"/>
+              </a:ext>
+            </a:extLst>
+          </a:blip>
+          <a:srcRect/>
+          <a:stretch>
+            <a:fillRect/>
+          </a:stretch>
+        </p:blipFill>
+        <p:spPr bwMode="auto">
+          <a:xfrm>
+            <a:off x="24689" y="6362806"/>
+            <a:ext cx="1415428" cy="509554"/>
+          </a:xfrm>
+          <a:prstGeom prst="rect">
+            <a:avLst/>
+          </a:prstGeom>
+          <a:noFill/>
+          <a:extLst>
+            <a:ext uri="{909E8E84-426E-40DD-AFC4-6F175D3DCCD1}">
+              <a14:hiddenFill xmlns:a14="http://schemas.microsoft.com/office/drawing/2010/main">
+                <a:solidFill>
+                  <a:srgbClr val="FFFFFF"/>
+                </a:solidFill>
+              </a14:hiddenFill>
+            </a:ext>
+          </a:extLst>
+        </p:spPr>
+      </p:pic>
     </p:spTree>
     <p:extLst>
       <p:ext uri="{BB962C8B-B14F-4D97-AF65-F5344CB8AC3E}">
@@ -3844,100 +3899,6 @@
           <a:chExt cx="0" cy="0"/>
         </a:xfrm>
       </p:grpSpPr>
-      <p:sp>
-        <p:nvSpPr>
-          <p:cNvPr id="2" name="TextBox 1">
-            <a:extLst>
-              <a:ext uri="{FF2B5EF4-FFF2-40B4-BE49-F238E27FC236}">
-                <a16:creationId xmlns:a16="http://schemas.microsoft.com/office/drawing/2014/main" id="{C337E01E-8910-BDE0-8B9C-836FE5512DB4}"/>
-              </a:ext>
-            </a:extLst>
-          </p:cNvPr>
-          <p:cNvSpPr txBox="1"/>
-          <p:nvPr/>
-        </p:nvSpPr>
-        <p:spPr>
-          <a:xfrm>
-            <a:off x="223700" y="1657810"/>
-            <a:ext cx="11759927" cy="1754326"/>
-          </a:xfrm>
-          <a:prstGeom prst="rect">
-            <a:avLst/>
-          </a:prstGeom>
-        </p:spPr>
-        <p:style>
-          <a:lnRef idx="2">
-            <a:schemeClr val="dk1"/>
-          </a:lnRef>
-          <a:fillRef idx="1">
-            <a:schemeClr val="lt1"/>
-          </a:fillRef>
-          <a:effectRef idx="0">
-            <a:schemeClr val="dk1"/>
-          </a:effectRef>
-          <a:fontRef idx="minor">
-            <a:schemeClr val="dk1"/>
-          </a:fontRef>
-        </p:style>
-        <p:txBody>
-          <a:bodyPr wrap="square" rtlCol="0">
-            <a:spAutoFit/>
-          </a:bodyPr>
-          <a:lstStyle/>
-          <a:p>
-            <a:pPr algn="l"/>
-            <a:r>
-              <a:rPr lang="en-IN" b="0" i="0" u="none" strike="noStrike" dirty="0">
-                <a:solidFill>
-                  <a:srgbClr val="1F2328"/>
-                </a:solidFill>
-                <a:effectLst/>
-              </a:rPr>
-              <a:t>The prediction system achieved </a:t>
-            </a:r>
-            <a:r>
-              <a:rPr lang="en-IN" b="1" i="0" u="none" strike="noStrike" dirty="0">
-                <a:solidFill>
-                  <a:srgbClr val="1F2328"/>
-                </a:solidFill>
-                <a:effectLst/>
-              </a:rPr>
-              <a:t>R-squared value of 0.9998</a:t>
-            </a:r>
-            <a:r>
-              <a:rPr lang="en-IN" b="0" i="0" u="none" strike="noStrike" dirty="0">
-                <a:solidFill>
-                  <a:srgbClr val="1F2328"/>
-                </a:solidFill>
-                <a:effectLst/>
-              </a:rPr>
-              <a:t>, indicating a high level of accuracy in predicting player statistics based on the historical data. </a:t>
-            </a:r>
-          </a:p>
-          <a:p>
-            <a:pPr algn="l"/>
-            <a:endParaRPr lang="en-IN" b="0" i="0" u="none" strike="noStrike" dirty="0">
-              <a:solidFill>
-                <a:srgbClr val="1F2328"/>
-              </a:solidFill>
-              <a:effectLst/>
-            </a:endParaRPr>
-          </a:p>
-          <a:p>
-            <a:pPr algn="l"/>
-            <a:r>
-              <a:rPr lang="en-IN" b="0" i="0" u="none" strike="noStrike" dirty="0">
-                <a:solidFill>
-                  <a:srgbClr val="1F2328"/>
-                </a:solidFill>
-                <a:effectLst/>
-              </a:rPr>
-              <a:t>The NBA Player Statistics Analysis and Prediction System leverages historical player data, applies machine learning techniques, and provides valuable insights and predictions on player performance. The system can assist with team selection, player scouting, and forecasting player statistics for the upcoming season.</a:t>
-            </a:r>
-            <a:endParaRPr lang="en-US" dirty="0"/>
-          </a:p>
-        </p:txBody>
-      </p:sp>
       <p:pic>
         <p:nvPicPr>
           <p:cNvPr id="3" name="Picture 2" descr="The story of the NBA logo | Logo Design Love">
@@ -4070,6 +4031,127 @@
           </a:p>
         </p:txBody>
       </p:sp>
+      <p:sp>
+        <p:nvSpPr>
+          <p:cNvPr id="6" name="Rectangle: Rounded Corners 5">
+            <a:extLst>
+              <a:ext uri="{FF2B5EF4-FFF2-40B4-BE49-F238E27FC236}">
+                <a16:creationId xmlns:a16="http://schemas.microsoft.com/office/drawing/2014/main" id="{AC585891-C3BF-31DF-C075-932C62CDF68E}"/>
+              </a:ext>
+            </a:extLst>
+          </p:cNvPr>
+          <p:cNvSpPr/>
+          <p:nvPr/>
+        </p:nvSpPr>
+        <p:spPr>
+          <a:xfrm>
+            <a:off x="4824248" y="1498495"/>
+            <a:ext cx="6583801" cy="4855628"/>
+          </a:xfrm>
+          <a:prstGeom prst="roundRect">
+            <a:avLst/>
+          </a:prstGeom>
+          <a:solidFill>
+            <a:srgbClr val="0253A4"/>
+          </a:solidFill>
+          <a:ln>
+            <a:solidFill>
+              <a:srgbClr val="0253A4"/>
+            </a:solidFill>
+          </a:ln>
+        </p:spPr>
+        <p:style>
+          <a:lnRef idx="2">
+            <a:schemeClr val="accent1">
+              <a:shade val="15000"/>
+            </a:schemeClr>
+          </a:lnRef>
+          <a:fillRef idx="1">
+            <a:schemeClr val="accent1"/>
+          </a:fillRef>
+          <a:effectRef idx="0">
+            <a:schemeClr val="accent1"/>
+          </a:effectRef>
+          <a:fontRef idx="minor">
+            <a:schemeClr val="lt1"/>
+          </a:fontRef>
+        </p:style>
+        <p:txBody>
+          <a:bodyPr rtlCol="0" anchor="ctr"/>
+          <a:lstStyle/>
+          <a:p>
+            <a:pPr algn="l"/>
+            <a:r>
+              <a:rPr lang="en-IN" sz="3200" dirty="0">
+                <a:latin typeface="-apple-system"/>
+              </a:rPr>
+              <a:t>The prediction system achieved R-squared value of 0.9998, indicating a high level of accuracy in predicting player statistics based on the historical data. </a:t>
+            </a:r>
+          </a:p>
+          <a:p>
+            <a:pPr marL="285750" indent="-285750">
+              <a:buFont typeface="Arial" panose="020B0604020202020204" pitchFamily="34" charset="0"/>
+              <a:buChar char="•"/>
+            </a:pPr>
+            <a:r>
+              <a:rPr lang="en-IN" sz="3200" dirty="0">
+                <a:latin typeface="-apple-system"/>
+              </a:rPr>
+              <a:t>The system can assist with team selection, player scouting, and forecasting player statistics for the upcoming season.</a:t>
+            </a:r>
+            <a:endParaRPr lang="en-US" sz="3200" dirty="0">
+              <a:latin typeface="-apple-system"/>
+            </a:endParaRPr>
+          </a:p>
+        </p:txBody>
+      </p:sp>
+      <p:pic>
+        <p:nvPicPr>
+          <p:cNvPr id="9218" name="Picture 2" descr="Provincial Championship Survey Results – Manitoba Cycling Association">
+            <a:extLst>
+              <a:ext uri="{FF2B5EF4-FFF2-40B4-BE49-F238E27FC236}">
+                <a16:creationId xmlns:a16="http://schemas.microsoft.com/office/drawing/2014/main" id="{C27ABE74-4EDA-AE73-2629-F6450A831C82}"/>
+              </a:ext>
+            </a:extLst>
+          </p:cNvPr>
+          <p:cNvPicPr>
+            <a:picLocks noChangeAspect="1" noChangeArrowheads="1"/>
+          </p:cNvPicPr>
+          <p:nvPr/>
+        </p:nvPicPr>
+        <p:blipFill>
+          <a:blip r:embed="rId3">
+            <a:extLst>
+              <a:ext uri="{28A0092B-C50C-407E-A947-70E740481C1C}">
+                <a14:useLocalDpi xmlns:a14="http://schemas.microsoft.com/office/drawing/2010/main" val="0"/>
+              </a:ext>
+            </a:extLst>
+          </a:blip>
+          <a:srcRect/>
+          <a:stretch>
+            <a:fillRect/>
+          </a:stretch>
+        </p:blipFill>
+        <p:spPr bwMode="auto">
+          <a:xfrm>
+            <a:off x="208373" y="2722136"/>
+            <a:ext cx="3959678" cy="2108400"/>
+          </a:xfrm>
+          <a:prstGeom prst="rect">
+            <a:avLst/>
+          </a:prstGeom>
+          <a:noFill/>
+          <a:extLst>
+            <a:ext uri="{909E8E84-426E-40DD-AFC4-6F175D3DCCD1}">
+              <a14:hiddenFill xmlns:a14="http://schemas.microsoft.com/office/drawing/2010/main">
+                <a:solidFill>
+                  <a:srgbClr val="FFFFFF"/>
+                </a:solidFill>
+              </a14:hiddenFill>
+            </a:ext>
+          </a:extLst>
+        </p:spPr>
+      </p:pic>
     </p:spTree>
     <p:extLst>
       <p:ext uri="{BB962C8B-B14F-4D97-AF65-F5344CB8AC3E}">
@@ -4084,6 +4166,315 @@
 </file>
 
 <file path=ppt/slides/slide11.xml><?xml version="1.0" encoding="utf-8"?>
+<p:sld xmlns:a="http://schemas.openxmlformats.org/drawingml/2006/main" xmlns:r="http://schemas.openxmlformats.org/officeDocument/2006/relationships" xmlns:p="http://schemas.openxmlformats.org/presentationml/2006/main">
+  <p:cSld>
+    <p:spTree>
+      <p:nvGrpSpPr>
+        <p:cNvPr id="1" name=""/>
+        <p:cNvGrpSpPr/>
+        <p:nvPr/>
+      </p:nvGrpSpPr>
+      <p:grpSpPr>
+        <a:xfrm>
+          <a:off x="0" y="0"/>
+          <a:ext cx="0" cy="0"/>
+          <a:chOff x="0" y="0"/>
+          <a:chExt cx="0" cy="0"/>
+        </a:xfrm>
+      </p:grpSpPr>
+      <p:pic>
+        <p:nvPicPr>
+          <p:cNvPr id="5" name="Picture 2" descr="The story of the NBA logo | Logo Design Love">
+            <a:extLst>
+              <a:ext uri="{FF2B5EF4-FFF2-40B4-BE49-F238E27FC236}">
+                <a16:creationId xmlns:a16="http://schemas.microsoft.com/office/drawing/2014/main" id="{E39F5D33-2F4F-3FD2-4DD9-4E630AE7AB53}"/>
+              </a:ext>
+            </a:extLst>
+          </p:cNvPr>
+          <p:cNvPicPr>
+            <a:picLocks noChangeArrowheads="1"/>
+          </p:cNvPicPr>
+          <p:nvPr/>
+        </p:nvPicPr>
+        <p:blipFill rotWithShape="1">
+          <a:blip r:embed="rId2">
+            <a:extLst>
+              <a:ext uri="{28A0092B-C50C-407E-A947-70E740481C1C}">
+                <a14:useLocalDpi xmlns:a14="http://schemas.microsoft.com/office/drawing/2010/main" val="0"/>
+              </a:ext>
+            </a:extLst>
+          </a:blip>
+          <a:srcRect l="25261" r="25207"/>
+          <a:stretch/>
+        </p:blipFill>
+        <p:spPr bwMode="auto">
+          <a:xfrm>
+            <a:off x="11408049" y="186950"/>
+            <a:ext cx="575578" cy="900000"/>
+          </a:xfrm>
+          <a:prstGeom prst="rect">
+            <a:avLst/>
+          </a:prstGeom>
+          <a:noFill/>
+          <a:extLst>
+            <a:ext uri="{909E8E84-426E-40DD-AFC4-6F175D3DCCD1}">
+              <a14:hiddenFill xmlns:a14="http://schemas.microsoft.com/office/drawing/2010/main">
+                <a:solidFill>
+                  <a:srgbClr val="FFFFFF"/>
+                </a:solidFill>
+              </a14:hiddenFill>
+            </a:ext>
+          </a:extLst>
+        </p:spPr>
+      </p:pic>
+      <p:pic>
+        <p:nvPicPr>
+          <p:cNvPr id="8" name="Picture 2" descr="The story of the NBA logo | Logo Design Love">
+            <a:extLst>
+              <a:ext uri="{FF2B5EF4-FFF2-40B4-BE49-F238E27FC236}">
+                <a16:creationId xmlns:a16="http://schemas.microsoft.com/office/drawing/2014/main" id="{5913FDC1-3392-AB03-ACE4-16AC5D3ECBF6}"/>
+              </a:ext>
+            </a:extLst>
+          </p:cNvPr>
+          <p:cNvPicPr>
+            <a:picLocks noChangeArrowheads="1"/>
+          </p:cNvPicPr>
+          <p:nvPr/>
+        </p:nvPicPr>
+        <p:blipFill rotWithShape="1">
+          <a:blip r:embed="rId2">
+            <a:extLst>
+              <a:ext uri="{28A0092B-C50C-407E-A947-70E740481C1C}">
+                <a14:useLocalDpi xmlns:a14="http://schemas.microsoft.com/office/drawing/2010/main" val="0"/>
+              </a:ext>
+            </a:extLst>
+          </a:blip>
+          <a:srcRect l="55102" t="15069" r="41457" b="75764"/>
+          <a:stretch/>
+        </p:blipFill>
+        <p:spPr bwMode="auto">
+          <a:xfrm>
+            <a:off x="208373" y="186950"/>
+            <a:ext cx="10980000" cy="900000"/>
+          </a:xfrm>
+          <a:prstGeom prst="rect">
+            <a:avLst/>
+          </a:prstGeom>
+          <a:noFill/>
+          <a:extLst>
+            <a:ext uri="{909E8E84-426E-40DD-AFC4-6F175D3DCCD1}">
+              <a14:hiddenFill xmlns:a14="http://schemas.microsoft.com/office/drawing/2010/main">
+                <a:solidFill>
+                  <a:srgbClr val="FFFFFF"/>
+                </a:solidFill>
+              </a14:hiddenFill>
+            </a:ext>
+          </a:extLst>
+        </p:spPr>
+      </p:pic>
+      <p:sp>
+        <p:nvSpPr>
+          <p:cNvPr id="6" name="TextBox 5">
+            <a:extLst>
+              <a:ext uri="{FF2B5EF4-FFF2-40B4-BE49-F238E27FC236}">
+                <a16:creationId xmlns:a16="http://schemas.microsoft.com/office/drawing/2014/main" id="{FDAA1CAA-271E-B322-F9C9-ED9048310E88}"/>
+              </a:ext>
+            </a:extLst>
+          </p:cNvPr>
+          <p:cNvSpPr txBox="1"/>
+          <p:nvPr/>
+        </p:nvSpPr>
+        <p:spPr>
+          <a:xfrm>
+            <a:off x="581628" y="344562"/>
+            <a:ext cx="5486401" cy="584775"/>
+          </a:xfrm>
+          <a:prstGeom prst="rect">
+            <a:avLst/>
+          </a:prstGeom>
+          <a:noFill/>
+        </p:spPr>
+        <p:txBody>
+          <a:bodyPr wrap="square" rtlCol="0">
+            <a:spAutoFit/>
+          </a:bodyPr>
+          <a:lstStyle/>
+          <a:p>
+            <a:r>
+              <a:rPr lang="en-IN" sz="3200" b="1" dirty="0">
+                <a:solidFill>
+                  <a:schemeClr val="bg1"/>
+                </a:solidFill>
+                <a:latin typeface="Calibri" panose="020F0502020204030204" pitchFamily="34" charset="0"/>
+                <a:cs typeface="Calibri" panose="020F0502020204030204" pitchFamily="34" charset="0"/>
+              </a:rPr>
+              <a:t>CHALLENGES</a:t>
+            </a:r>
+            <a:endParaRPr lang="en-IN" sz="3200" b="1" dirty="0">
+              <a:solidFill>
+                <a:schemeClr val="bg1"/>
+              </a:solidFill>
+              <a:latin typeface="Tableau Book"/>
+            </a:endParaRPr>
+          </a:p>
+        </p:txBody>
+      </p:sp>
+      <p:sp>
+        <p:nvSpPr>
+          <p:cNvPr id="3" name="Rectangle: Rounded Corners 2">
+            <a:extLst>
+              <a:ext uri="{FF2B5EF4-FFF2-40B4-BE49-F238E27FC236}">
+                <a16:creationId xmlns:a16="http://schemas.microsoft.com/office/drawing/2014/main" id="{7AB05006-302A-7F00-F247-39E98F5EC64B}"/>
+              </a:ext>
+            </a:extLst>
+          </p:cNvPr>
+          <p:cNvSpPr/>
+          <p:nvPr/>
+        </p:nvSpPr>
+        <p:spPr>
+          <a:xfrm>
+            <a:off x="4824248" y="1498495"/>
+            <a:ext cx="6583801" cy="4855628"/>
+          </a:xfrm>
+          <a:prstGeom prst="roundRect">
+            <a:avLst/>
+          </a:prstGeom>
+          <a:solidFill>
+            <a:srgbClr val="CC2B31"/>
+          </a:solidFill>
+          <a:ln>
+            <a:solidFill>
+              <a:srgbClr val="CC2B31"/>
+            </a:solidFill>
+          </a:ln>
+        </p:spPr>
+        <p:style>
+          <a:lnRef idx="2">
+            <a:schemeClr val="accent1">
+              <a:shade val="15000"/>
+            </a:schemeClr>
+          </a:lnRef>
+          <a:fillRef idx="1">
+            <a:schemeClr val="accent1"/>
+          </a:fillRef>
+          <a:effectRef idx="0">
+            <a:schemeClr val="accent1"/>
+          </a:effectRef>
+          <a:fontRef idx="minor">
+            <a:schemeClr val="lt1"/>
+          </a:fontRef>
+        </p:style>
+        <p:txBody>
+          <a:bodyPr rtlCol="0" anchor="ctr"/>
+          <a:lstStyle/>
+          <a:p>
+            <a:pPr marL="285750" indent="-285750">
+              <a:buFont typeface="Arial" panose="020B0604020202020204" pitchFamily="34" charset="0"/>
+              <a:buChar char="•"/>
+            </a:pPr>
+            <a:r>
+              <a:rPr lang="en-IN" sz="3600" dirty="0">
+                <a:latin typeface="-apple-system"/>
+              </a:rPr>
+              <a:t>Bad Encoding</a:t>
+            </a:r>
+          </a:p>
+          <a:p>
+            <a:pPr marL="285750" indent="-285750">
+              <a:buFont typeface="Arial" panose="020B0604020202020204" pitchFamily="34" charset="0"/>
+              <a:buChar char="•"/>
+            </a:pPr>
+            <a:r>
+              <a:rPr lang="en-IN" sz="3600" dirty="0">
+                <a:latin typeface="-apple-system"/>
+              </a:rPr>
+              <a:t>External factors</a:t>
+            </a:r>
+          </a:p>
+          <a:p>
+            <a:pPr marL="285750" indent="-285750">
+              <a:buFont typeface="Arial" panose="020B0604020202020204" pitchFamily="34" charset="0"/>
+              <a:buChar char="•"/>
+            </a:pPr>
+            <a:r>
+              <a:rPr lang="en-IN" sz="3600" dirty="0">
+                <a:latin typeface="-apple-system"/>
+              </a:rPr>
+              <a:t>Outliers</a:t>
+            </a:r>
+          </a:p>
+          <a:p>
+            <a:pPr marL="285750" indent="-285750">
+              <a:buFont typeface="Arial" panose="020B0604020202020204" pitchFamily="34" charset="0"/>
+              <a:buChar char="•"/>
+            </a:pPr>
+            <a:endParaRPr lang="en-IN" sz="3600" dirty="0">
+              <a:latin typeface="-apple-system"/>
+            </a:endParaRPr>
+          </a:p>
+        </p:txBody>
+      </p:sp>
+      <p:pic>
+        <p:nvPicPr>
+          <p:cNvPr id="7170" name="Picture 2" descr="How to Overcome the 3 Biggest Blogging Challenges">
+            <a:extLst>
+              <a:ext uri="{FF2B5EF4-FFF2-40B4-BE49-F238E27FC236}">
+                <a16:creationId xmlns:a16="http://schemas.microsoft.com/office/drawing/2014/main" id="{20CA5B71-2111-D7CB-FB74-752EC448FF40}"/>
+              </a:ext>
+            </a:extLst>
+          </p:cNvPr>
+          <p:cNvPicPr>
+            <a:picLocks noChangeAspect="1" noChangeArrowheads="1"/>
+          </p:cNvPicPr>
+          <p:nvPr/>
+        </p:nvPicPr>
+        <p:blipFill>
+          <a:blip r:embed="rId3">
+            <a:extLst>
+              <a:ext uri="{28A0092B-C50C-407E-A947-70E740481C1C}">
+                <a14:useLocalDpi xmlns:a14="http://schemas.microsoft.com/office/drawing/2010/main" val="0"/>
+              </a:ext>
+            </a:extLst>
+          </a:blip>
+          <a:srcRect/>
+          <a:stretch>
+            <a:fillRect/>
+          </a:stretch>
+        </p:blipFill>
+        <p:spPr bwMode="auto">
+          <a:xfrm>
+            <a:off x="149273" y="2514600"/>
+            <a:ext cx="4674975" cy="2458132"/>
+          </a:xfrm>
+          <a:prstGeom prst="rect">
+            <a:avLst/>
+          </a:prstGeom>
+          <a:noFill/>
+          <a:extLst>
+            <a:ext uri="{909E8E84-426E-40DD-AFC4-6F175D3DCCD1}">
+              <a14:hiddenFill xmlns:a14="http://schemas.microsoft.com/office/drawing/2010/main">
+                <a:solidFill>
+                  <a:srgbClr val="FFFFFF"/>
+                </a:solidFill>
+              </a14:hiddenFill>
+            </a:ext>
+          </a:extLst>
+        </p:spPr>
+      </p:pic>
+    </p:spTree>
+    <p:extLst>
+      <p:ext uri="{BB962C8B-B14F-4D97-AF65-F5344CB8AC3E}">
+        <p14:creationId xmlns:p14="http://schemas.microsoft.com/office/powerpoint/2010/main" val="2380916451"/>
+      </p:ext>
+    </p:extLst>
+  </p:cSld>
+  <p:clrMapOvr>
+    <a:masterClrMapping/>
+  </p:clrMapOvr>
+</p:sld>
+</file>
+
+<file path=ppt/slides/slide12.xml><?xml version="1.0" encoding="utf-8"?>
 <p:sld xmlns:a="http://schemas.openxmlformats.org/drawingml/2006/main" xmlns:r="http://schemas.openxmlformats.org/officeDocument/2006/relationships" xmlns:p="http://schemas.openxmlformats.org/presentationml/2006/main">
   <p:cSld>
     <p:spTree>
@@ -4360,135 +4751,172 @@
           </a:p>
         </p:txBody>
       </p:sp>
-      <p:sp>
-        <p:nvSpPr>
-          <p:cNvPr id="10" name="TextBox 9">
+      <p:pic>
+        <p:nvPicPr>
+          <p:cNvPr id="2050" name="Picture 2" descr="Overview Royalty Free Vector Image - VectorStock">
             <a:extLst>
               <a:ext uri="{FF2B5EF4-FFF2-40B4-BE49-F238E27FC236}">
-                <a16:creationId xmlns:a16="http://schemas.microsoft.com/office/drawing/2014/main" id="{45A38C8D-977B-F8FC-8348-A6E35F73E2C0}"/>
+                <a16:creationId xmlns:a16="http://schemas.microsoft.com/office/drawing/2014/main" id="{9414ACE6-1911-1AB6-DDC0-034AEB651892}"/>
               </a:ext>
             </a:extLst>
           </p:cNvPr>
-          <p:cNvSpPr txBox="1"/>
+          <p:cNvPicPr>
+            <a:picLocks noChangeAspect="1" noChangeArrowheads="1"/>
+          </p:cNvPicPr>
           <p:nvPr/>
-        </p:nvSpPr>
-        <p:spPr>
-          <a:xfrm>
-            <a:off x="223700" y="1657810"/>
-            <a:ext cx="11759927" cy="1200329"/>
+        </p:nvPicPr>
+        <p:blipFill>
+          <a:blip r:embed="rId3">
+            <a:extLst>
+              <a:ext uri="{28A0092B-C50C-407E-A947-70E740481C1C}">
+                <a14:useLocalDpi xmlns:a14="http://schemas.microsoft.com/office/drawing/2010/main" val="0"/>
+              </a:ext>
+            </a:extLst>
+          </a:blip>
+          <a:srcRect/>
+          <a:stretch>
+            <a:fillRect/>
+          </a:stretch>
+        </p:blipFill>
+        <p:spPr bwMode="auto">
+          <a:xfrm>
+            <a:off x="208373" y="1657810"/>
+            <a:ext cx="4205972" cy="4536998"/>
           </a:xfrm>
           <a:prstGeom prst="rect">
             <a:avLst/>
           </a:prstGeom>
           <a:noFill/>
-        </p:spPr>
-        <p:txBody>
-          <a:bodyPr wrap="square" rtlCol="0">
-            <a:spAutoFit/>
-          </a:bodyPr>
-          <a:lstStyle/>
-          <a:p>
-            <a:r>
-              <a:rPr lang="en-IN" b="0" i="0" u="none" strike="noStrike" dirty="0">
-                <a:effectLst/>
-              </a:rPr>
-              <a:t>This project aims to develop a basketball player statistics analysis and prediction system using machine learning techniques with NBA player datasets. The system utilizes historical player data to provide insights into player performance and predict player stats for the upcoming season, by leveraging the power of machine learning algorithms and the comprehensive NBA player statistics dataset. </a:t>
-            </a:r>
-            <a:endParaRPr lang="en-US" dirty="0"/>
-          </a:p>
-        </p:txBody>
-      </p:sp>
-      <p:sp>
-        <p:nvSpPr>
-          <p:cNvPr id="12" name="TextBox 11">
+          <a:extLst>
+            <a:ext uri="{909E8E84-426E-40DD-AFC4-6F175D3DCCD1}">
+              <a14:hiddenFill xmlns:a14="http://schemas.microsoft.com/office/drawing/2010/main">
+                <a:solidFill>
+                  <a:srgbClr val="FFFFFF"/>
+                </a:solidFill>
+              </a14:hiddenFill>
+            </a:ext>
+          </a:extLst>
+        </p:spPr>
+      </p:pic>
+      <p:sp>
+        <p:nvSpPr>
+          <p:cNvPr id="2" name="Rectangle 1">
             <a:extLst>
               <a:ext uri="{FF2B5EF4-FFF2-40B4-BE49-F238E27FC236}">
-                <a16:creationId xmlns:a16="http://schemas.microsoft.com/office/drawing/2014/main" id="{F887B251-2C86-F093-9348-621158797284}"/>
+                <a16:creationId xmlns:a16="http://schemas.microsoft.com/office/drawing/2014/main" id="{27BE93A0-F3F0-9FCD-974E-45AF53CAC630}"/>
               </a:ext>
             </a:extLst>
           </p:cNvPr>
-          <p:cNvSpPr txBox="1"/>
+          <p:cNvSpPr/>
           <p:nvPr/>
         </p:nvSpPr>
         <p:spPr>
           <a:xfrm>
-            <a:off x="223700" y="3999862"/>
-            <a:ext cx="11759927" cy="2339102"/>
+            <a:off x="0" y="5470634"/>
+            <a:ext cx="4950372" cy="1200416"/>
           </a:xfrm>
           <a:prstGeom prst="rect">
             <a:avLst/>
           </a:prstGeom>
-          <a:noFill/>
+          <a:solidFill>
+            <a:schemeClr val="bg1"/>
+          </a:solidFill>
           <a:ln>
             <a:solidFill>
-              <a:schemeClr val="tx1"/>
+              <a:schemeClr val="bg1"/>
             </a:solidFill>
           </a:ln>
         </p:spPr>
-        <p:txBody>
-          <a:bodyPr wrap="square" rtlCol="0">
-            <a:spAutoFit/>
-          </a:bodyPr>
+        <p:style>
+          <a:lnRef idx="2">
+            <a:schemeClr val="accent1">
+              <a:shade val="15000"/>
+            </a:schemeClr>
+          </a:lnRef>
+          <a:fillRef idx="1">
+            <a:schemeClr val="accent1"/>
+          </a:fillRef>
+          <a:effectRef idx="0">
+            <a:schemeClr val="accent1"/>
+          </a:effectRef>
+          <a:fontRef idx="minor">
+            <a:schemeClr val="lt1"/>
+          </a:fontRef>
+        </p:style>
+        <p:txBody>
+          <a:bodyPr rtlCol="0" anchor="ctr"/>
           <a:lstStyle/>
           <a:p>
-            <a:endParaRPr lang="en-US" b="1" dirty="0"/>
-          </a:p>
-          <a:p>
-            <a:r>
-              <a:rPr lang="en-US" sz="2000" b="1" dirty="0"/>
-              <a:t>Objectives</a:t>
-            </a:r>
-          </a:p>
-          <a:p>
-            <a:endParaRPr lang="en-US" dirty="0"/>
-          </a:p>
-          <a:p>
-            <a:pPr algn="l">
-              <a:buFont typeface="Arial" panose="020B0604020202020204" pitchFamily="34" charset="0"/>
-              <a:buChar char="•"/>
-            </a:pPr>
-            <a:r>
-              <a:rPr lang="en-IN" b="0" i="0" u="none" strike="noStrike" dirty="0">
+            <a:pPr algn="ctr"/>
+            <a:endParaRPr lang="en-CA"/>
+          </a:p>
+        </p:txBody>
+      </p:sp>
+      <p:sp>
+        <p:nvSpPr>
+          <p:cNvPr id="4" name="Rectangle: Rounded Corners 3">
+            <a:extLst>
+              <a:ext uri="{FF2B5EF4-FFF2-40B4-BE49-F238E27FC236}">
+                <a16:creationId xmlns:a16="http://schemas.microsoft.com/office/drawing/2014/main" id="{7B76FFA2-1EA2-77CB-92D4-28CD0544EB22}"/>
+              </a:ext>
+            </a:extLst>
+          </p:cNvPr>
+          <p:cNvSpPr/>
+          <p:nvPr/>
+        </p:nvSpPr>
+        <p:spPr>
+          <a:xfrm>
+            <a:off x="4824248" y="1498495"/>
+            <a:ext cx="6583801" cy="4855628"/>
+          </a:xfrm>
+          <a:prstGeom prst="roundRect">
+            <a:avLst/>
+          </a:prstGeom>
+          <a:solidFill>
+            <a:srgbClr val="0253A4"/>
+          </a:solidFill>
+          <a:ln>
+            <a:solidFill>
+              <a:srgbClr val="0253A4"/>
+            </a:solidFill>
+          </a:ln>
+        </p:spPr>
+        <p:style>
+          <a:lnRef idx="2">
+            <a:schemeClr val="accent1">
+              <a:shade val="15000"/>
+            </a:schemeClr>
+          </a:lnRef>
+          <a:fillRef idx="1">
+            <a:schemeClr val="accent1"/>
+          </a:fillRef>
+          <a:effectRef idx="0">
+            <a:schemeClr val="accent1"/>
+          </a:effectRef>
+          <a:fontRef idx="minor">
+            <a:schemeClr val="lt1"/>
+          </a:fontRef>
+        </p:style>
+        <p:txBody>
+          <a:bodyPr rtlCol="0" anchor="ctr"/>
+          <a:lstStyle/>
+          <a:p>
+            <a:pPr algn="ctr"/>
+            <a:r>
+              <a:rPr lang="en-US" sz="3200" b="0" i="0" dirty="0">
+                <a:solidFill>
+                  <a:schemeClr val="bg1"/>
+                </a:solidFill>
                 <a:effectLst/>
+                <a:latin typeface="-apple-system"/>
               </a:rPr>
-              <a:t> Predict basketball player stats for the upcoming season based on historical data</a:t>
-            </a:r>
-          </a:p>
-          <a:p>
-            <a:pPr algn="l">
-              <a:buFont typeface="Arial" panose="020B0604020202020204" pitchFamily="34" charset="0"/>
-              <a:buChar char="•"/>
-            </a:pPr>
-            <a:r>
-              <a:rPr lang="en-IN" b="0" i="0" u="none" strike="noStrike" dirty="0">
-                <a:effectLst/>
-              </a:rPr>
-              <a:t> Leverage player stats from the previous year to forecast player performance</a:t>
-            </a:r>
-          </a:p>
-          <a:p>
-            <a:pPr algn="l">
-              <a:buFont typeface="Arial" panose="020B0604020202020204" pitchFamily="34" charset="0"/>
-              <a:buChar char="•"/>
-            </a:pPr>
-            <a:r>
-              <a:rPr lang="en-IN" b="0" i="0" u="none" strike="noStrike" dirty="0">
-                <a:effectLst/>
-              </a:rPr>
-              <a:t> Identify suitable machine learning algorithms for scalability, accuracy, and interpretability in predicting player performance</a:t>
-            </a:r>
-          </a:p>
-          <a:p>
-            <a:pPr algn="l">
-              <a:buFont typeface="Arial" panose="020B0604020202020204" pitchFamily="34" charset="0"/>
-              <a:buChar char="•"/>
-            </a:pPr>
-            <a:r>
-              <a:rPr lang="en-IN" b="0" i="0" u="none" strike="noStrike" dirty="0">
-                <a:effectLst/>
-              </a:rPr>
-              <a:t> Evaluate the performance of the prediction system and ensure its effectiveness in real-world scenarios, such as team selection  and player scouting</a:t>
-            </a:r>
+              <a:t>Our goal in this project was to attempt to predict the points for basketball player for the upcoming season using machine learning techniques. </a:t>
+            </a:r>
+            <a:endParaRPr lang="en-CA" sz="3200" dirty="0">
+              <a:solidFill>
+                <a:schemeClr val="bg1"/>
+              </a:solidFill>
+            </a:endParaRPr>
           </a:p>
         </p:txBody>
       </p:sp>
@@ -4614,117 +5042,6 @@
       </p:pic>
       <p:sp>
         <p:nvSpPr>
-          <p:cNvPr id="2" name="TextBox 1">
-            <a:extLst>
-              <a:ext uri="{FF2B5EF4-FFF2-40B4-BE49-F238E27FC236}">
-                <a16:creationId xmlns:a16="http://schemas.microsoft.com/office/drawing/2014/main" id="{C337E01E-8910-BDE0-8B9C-836FE5512DB4}"/>
-              </a:ext>
-            </a:extLst>
-          </p:cNvPr>
-          <p:cNvSpPr txBox="1"/>
-          <p:nvPr/>
-        </p:nvSpPr>
-        <p:spPr>
-          <a:xfrm>
-            <a:off x="223700" y="1657810"/>
-            <a:ext cx="11759927" cy="2031325"/>
-          </a:xfrm>
-          <a:prstGeom prst="rect">
-            <a:avLst/>
-          </a:prstGeom>
-        </p:spPr>
-        <p:style>
-          <a:lnRef idx="2">
-            <a:schemeClr val="dk1"/>
-          </a:lnRef>
-          <a:fillRef idx="1">
-            <a:schemeClr val="lt1"/>
-          </a:fillRef>
-          <a:effectRef idx="0">
-            <a:schemeClr val="dk1"/>
-          </a:effectRef>
-          <a:fontRef idx="minor">
-            <a:schemeClr val="dk1"/>
-          </a:fontRef>
-        </p:style>
-        <p:txBody>
-          <a:bodyPr wrap="square" rtlCol="0">
-            <a:spAutoFit/>
-          </a:bodyPr>
-          <a:lstStyle/>
-          <a:p>
-            <a:pPr marL="342900" indent="-342900">
-              <a:buFont typeface="+mj-lt"/>
-              <a:buAutoNum type="arabicPeriod"/>
-            </a:pPr>
-            <a:r>
-              <a:rPr lang="en-IN" dirty="0"/>
-              <a:t>Data Collection: Gather a large dataset of NBA player statistics from the Kaggle dataset</a:t>
-            </a:r>
-          </a:p>
-          <a:p>
-            <a:pPr marL="342900" indent="-342900">
-              <a:buFont typeface="+mj-lt"/>
-              <a:buAutoNum type="arabicPeriod"/>
-            </a:pPr>
-            <a:r>
-              <a:rPr lang="en-IN" dirty="0"/>
-              <a:t>Data Preprocessing: Clean, normalize, encode, and engineer features from the NBA dataset</a:t>
-            </a:r>
-          </a:p>
-          <a:p>
-            <a:pPr marL="342900" indent="-342900">
-              <a:buFont typeface="+mj-lt"/>
-              <a:buAutoNum type="arabicPeriod"/>
-            </a:pPr>
-            <a:r>
-              <a:rPr lang="en-IN" dirty="0"/>
-              <a:t>Exploratory Data Analysis: Gain insights, patterns, and </a:t>
-            </a:r>
-            <a:r>
-              <a:rPr lang="en-IN" dirty="0" err="1"/>
-              <a:t>analyze</a:t>
-            </a:r>
-            <a:r>
-              <a:rPr lang="en-IN" dirty="0"/>
-              <a:t> feature distributions</a:t>
-            </a:r>
-          </a:p>
-          <a:p>
-            <a:pPr marL="342900" indent="-342900">
-              <a:buFont typeface="+mj-lt"/>
-              <a:buAutoNum type="arabicPeriod"/>
-            </a:pPr>
-            <a:r>
-              <a:rPr lang="en-IN" dirty="0"/>
-              <a:t>Model Training and Evaluation: Experiment with various machine learning algorithms, fine-tune models for accurate predictions</a:t>
-            </a:r>
-          </a:p>
-          <a:p>
-            <a:pPr marL="342900" indent="-342900">
-              <a:buFont typeface="+mj-lt"/>
-              <a:buAutoNum type="arabicPeriod"/>
-            </a:pPr>
-            <a:r>
-              <a:rPr lang="en-IN" dirty="0"/>
-              <a:t>User Interface Development: Create an intuitive interface for users to input player data and view predictions</a:t>
-            </a:r>
-          </a:p>
-          <a:p>
-            <a:pPr marL="342900" indent="-342900">
-              <a:buFont typeface="+mj-lt"/>
-              <a:buAutoNum type="arabicPeriod"/>
-            </a:pPr>
-            <a:r>
-              <a:rPr lang="en-IN" dirty="0"/>
-              <a:t>Testing and Validation: Ensure the accuracy, robustness, and scalability of the prediction system</a:t>
-            </a:r>
-            <a:endParaRPr lang="en-US" dirty="0"/>
-          </a:p>
-        </p:txBody>
-      </p:sp>
-      <p:sp>
-        <p:nvSpPr>
           <p:cNvPr id="3" name="TextBox 2">
             <a:extLst>
               <a:ext uri="{FF2B5EF4-FFF2-40B4-BE49-F238E27FC236}">
@@ -4767,6 +5084,205 @@
               </a:solidFill>
               <a:latin typeface="Tableau Book"/>
             </a:endParaRPr>
+          </a:p>
+        </p:txBody>
+      </p:sp>
+      <p:pic>
+        <p:nvPicPr>
+          <p:cNvPr id="3076" name="Picture 4" descr="Training on Research Methodology - Data Management and Analysis | Devimpact  Institute">
+            <a:extLst>
+              <a:ext uri="{FF2B5EF4-FFF2-40B4-BE49-F238E27FC236}">
+                <a16:creationId xmlns:a16="http://schemas.microsoft.com/office/drawing/2014/main" id="{32BCE7CE-ACF9-A8A0-8C23-361FE077C4E9}"/>
+              </a:ext>
+            </a:extLst>
+          </p:cNvPr>
+          <p:cNvPicPr>
+            <a:picLocks noChangeAspect="1" noChangeArrowheads="1"/>
+          </p:cNvPicPr>
+          <p:nvPr/>
+        </p:nvPicPr>
+        <p:blipFill>
+          <a:blip r:embed="rId3">
+            <a:extLst>
+              <a:ext uri="{28A0092B-C50C-407E-A947-70E740481C1C}">
+                <a14:useLocalDpi xmlns:a14="http://schemas.microsoft.com/office/drawing/2010/main" val="0"/>
+              </a:ext>
+            </a:extLst>
+          </a:blip>
+          <a:srcRect/>
+          <a:stretch>
+            <a:fillRect/>
+          </a:stretch>
+        </p:blipFill>
+        <p:spPr bwMode="auto">
+          <a:xfrm>
+            <a:off x="0" y="2181934"/>
+            <a:ext cx="5712541" cy="2973389"/>
+          </a:xfrm>
+          <a:prstGeom prst="rect">
+            <a:avLst/>
+          </a:prstGeom>
+          <a:noFill/>
+          <a:extLst>
+            <a:ext uri="{909E8E84-426E-40DD-AFC4-6F175D3DCCD1}">
+              <a14:hiddenFill xmlns:a14="http://schemas.microsoft.com/office/drawing/2010/main">
+                <a:solidFill>
+                  <a:srgbClr val="FFFFFF"/>
+                </a:solidFill>
+              </a14:hiddenFill>
+            </a:ext>
+          </a:extLst>
+        </p:spPr>
+      </p:pic>
+      <p:sp>
+        <p:nvSpPr>
+          <p:cNvPr id="6" name="Rectangle 5">
+            <a:extLst>
+              <a:ext uri="{FF2B5EF4-FFF2-40B4-BE49-F238E27FC236}">
+                <a16:creationId xmlns:a16="http://schemas.microsoft.com/office/drawing/2014/main" id="{FD9448C2-3938-45F9-CB7A-91290A9DA530}"/>
+              </a:ext>
+            </a:extLst>
+          </p:cNvPr>
+          <p:cNvSpPr/>
+          <p:nvPr/>
+        </p:nvSpPr>
+        <p:spPr>
+          <a:xfrm>
+            <a:off x="0" y="4759297"/>
+            <a:ext cx="4950372" cy="1200416"/>
+          </a:xfrm>
+          <a:prstGeom prst="rect">
+            <a:avLst/>
+          </a:prstGeom>
+          <a:solidFill>
+            <a:schemeClr val="bg1"/>
+          </a:solidFill>
+          <a:ln>
+            <a:solidFill>
+              <a:schemeClr val="bg1"/>
+            </a:solidFill>
+          </a:ln>
+        </p:spPr>
+        <p:style>
+          <a:lnRef idx="2">
+            <a:schemeClr val="accent1">
+              <a:shade val="15000"/>
+            </a:schemeClr>
+          </a:lnRef>
+          <a:fillRef idx="1">
+            <a:schemeClr val="accent1"/>
+          </a:fillRef>
+          <a:effectRef idx="0">
+            <a:schemeClr val="accent1"/>
+          </a:effectRef>
+          <a:fontRef idx="minor">
+            <a:schemeClr val="lt1"/>
+          </a:fontRef>
+        </p:style>
+        <p:txBody>
+          <a:bodyPr rtlCol="0" anchor="ctr"/>
+          <a:lstStyle/>
+          <a:p>
+            <a:pPr algn="ctr"/>
+            <a:endParaRPr lang="en-CA"/>
+          </a:p>
+        </p:txBody>
+      </p:sp>
+      <p:sp>
+        <p:nvSpPr>
+          <p:cNvPr id="4" name="Rectangle: Rounded Corners 3">
+            <a:extLst>
+              <a:ext uri="{FF2B5EF4-FFF2-40B4-BE49-F238E27FC236}">
+                <a16:creationId xmlns:a16="http://schemas.microsoft.com/office/drawing/2014/main" id="{FF16790C-AAE6-AFAD-EBAD-5AC847F769E1}"/>
+              </a:ext>
+            </a:extLst>
+          </p:cNvPr>
+          <p:cNvSpPr/>
+          <p:nvPr/>
+        </p:nvSpPr>
+        <p:spPr>
+          <a:xfrm>
+            <a:off x="4824248" y="1498495"/>
+            <a:ext cx="6583801" cy="4855628"/>
+          </a:xfrm>
+          <a:prstGeom prst="roundRect">
+            <a:avLst/>
+          </a:prstGeom>
+          <a:solidFill>
+            <a:srgbClr val="CC2B31"/>
+          </a:solidFill>
+          <a:ln>
+            <a:solidFill>
+              <a:srgbClr val="CC2B31"/>
+            </a:solidFill>
+          </a:ln>
+        </p:spPr>
+        <p:style>
+          <a:lnRef idx="2">
+            <a:schemeClr val="accent1">
+              <a:shade val="15000"/>
+            </a:schemeClr>
+          </a:lnRef>
+          <a:fillRef idx="1">
+            <a:schemeClr val="accent1"/>
+          </a:fillRef>
+          <a:effectRef idx="0">
+            <a:schemeClr val="accent1"/>
+          </a:effectRef>
+          <a:fontRef idx="minor">
+            <a:schemeClr val="lt1"/>
+          </a:fontRef>
+        </p:style>
+        <p:txBody>
+          <a:bodyPr rtlCol="0" anchor="ctr"/>
+          <a:lstStyle/>
+          <a:p>
+            <a:pPr marL="285750" indent="-285750">
+              <a:buFont typeface="Arial" panose="020B0604020202020204" pitchFamily="34" charset="0"/>
+              <a:buChar char="•"/>
+            </a:pPr>
+            <a:r>
+              <a:rPr lang="en-IN" sz="3600" dirty="0">
+                <a:latin typeface="-apple-system"/>
+              </a:rPr>
+              <a:t>Data Collection</a:t>
+            </a:r>
+          </a:p>
+          <a:p>
+            <a:pPr marL="285750" indent="-285750">
+              <a:buFont typeface="Arial" panose="020B0604020202020204" pitchFamily="34" charset="0"/>
+              <a:buChar char="•"/>
+            </a:pPr>
+            <a:r>
+              <a:rPr lang="en-IN" sz="3600" dirty="0">
+                <a:latin typeface="-apple-system"/>
+              </a:rPr>
+              <a:t>Data Preprocessing</a:t>
+            </a:r>
+          </a:p>
+          <a:p>
+            <a:pPr marL="285750" indent="-285750">
+              <a:buFont typeface="Arial" panose="020B0604020202020204" pitchFamily="34" charset="0"/>
+              <a:buChar char="•"/>
+            </a:pPr>
+            <a:r>
+              <a:rPr lang="en-IN" sz="3600" dirty="0">
+                <a:latin typeface="-apple-system"/>
+              </a:rPr>
+              <a:t>Exploratory Data Analysis</a:t>
+            </a:r>
+          </a:p>
+          <a:p>
+            <a:pPr marL="285750" indent="-285750">
+              <a:buFont typeface="Arial" panose="020B0604020202020204" pitchFamily="34" charset="0"/>
+              <a:buChar char="•"/>
+            </a:pPr>
+            <a:r>
+              <a:rPr lang="en-IN" sz="3600" dirty="0">
+                <a:latin typeface="-apple-system"/>
+              </a:rPr>
+              <a:t>Model Training and Evaluation</a:t>
+            </a:r>
           </a:p>
         </p:txBody>
       </p:sp>
@@ -4800,144 +5316,37 @@
           <a:chExt cx="0" cy="0"/>
         </a:xfrm>
       </p:grpSpPr>
-      <p:sp>
-        <p:nvSpPr>
-          <p:cNvPr id="2" name="TextBox 1">
-            <a:extLst>
-              <a:ext uri="{FF2B5EF4-FFF2-40B4-BE49-F238E27FC236}">
-                <a16:creationId xmlns:a16="http://schemas.microsoft.com/office/drawing/2014/main" id="{E55F98CC-CF86-5443-1E0E-6634F3CBCB70}"/>
-              </a:ext>
-            </a:extLst>
-          </p:cNvPr>
-          <p:cNvSpPr txBox="1"/>
-          <p:nvPr/>
-        </p:nvSpPr>
-        <p:spPr>
-          <a:xfrm>
-            <a:off x="154961" y="5942695"/>
-            <a:ext cx="11872870" cy="369332"/>
-          </a:xfrm>
-          <a:prstGeom prst="rect">
-            <a:avLst/>
-          </a:prstGeom>
-          <a:noFill/>
-          <a:ln>
-            <a:solidFill>
-              <a:schemeClr val="tx1"/>
-            </a:solidFill>
-          </a:ln>
-        </p:spPr>
-        <p:txBody>
-          <a:bodyPr wrap="square" rtlCol="0">
-            <a:spAutoFit/>
-          </a:bodyPr>
-          <a:lstStyle/>
-          <a:p>
-            <a:pPr algn="ctr"/>
-            <a:r>
-              <a:rPr lang="en-US" dirty="0"/>
-              <a:t>Retrieving last two seasons’ data from Kaggle</a:t>
-            </a:r>
-          </a:p>
-        </p:txBody>
-      </p:sp>
       <p:pic>
         <p:nvPicPr>
-          <p:cNvPr id="12" name="Picture 11">
+          <p:cNvPr id="4100" name="Picture 4" descr="Data Analytics Certificate &amp; Training - Grow with Google">
             <a:extLst>
               <a:ext uri="{FF2B5EF4-FFF2-40B4-BE49-F238E27FC236}">
-                <a16:creationId xmlns:a16="http://schemas.microsoft.com/office/drawing/2014/main" id="{0B8CEFE6-85CA-3736-18FF-3D3113E49F94}"/>
+                <a16:creationId xmlns:a16="http://schemas.microsoft.com/office/drawing/2014/main" id="{9D679082-6FF1-9B7B-44EE-633F554A754E}"/>
               </a:ext>
             </a:extLst>
           </p:cNvPr>
           <p:cNvPicPr>
-            <a:picLocks noChangeAspect="1"/>
-          </p:cNvPicPr>
-          <p:nvPr/>
-        </p:nvPicPr>
-        <p:blipFill rotWithShape="1">
-          <a:blip r:embed="rId2"/>
-          <a:srcRect l="11956" r="11855"/>
-          <a:stretch/>
-        </p:blipFill>
-        <p:spPr>
-          <a:xfrm>
-            <a:off x="208374" y="1654321"/>
-            <a:ext cx="5727467" cy="3570916"/>
-          </a:xfrm>
-          <a:prstGeom prst="rect">
-            <a:avLst/>
-          </a:prstGeom>
-          <a:ln>
-            <a:solidFill>
-              <a:schemeClr val="tx1"/>
-            </a:solidFill>
-          </a:ln>
-        </p:spPr>
-      </p:pic>
-      <p:pic>
-        <p:nvPicPr>
-          <p:cNvPr id="14" name="Picture 13">
-            <a:extLst>
-              <a:ext uri="{FF2B5EF4-FFF2-40B4-BE49-F238E27FC236}">
-                <a16:creationId xmlns:a16="http://schemas.microsoft.com/office/drawing/2014/main" id="{2BD67E1D-7FE7-B357-51B9-B75AC1635958}"/>
-              </a:ext>
-            </a:extLst>
-          </p:cNvPr>
-          <p:cNvPicPr>
-            <a:picLocks noChangeAspect="1"/>
+            <a:picLocks noChangeAspect="1" noChangeArrowheads="1"/>
           </p:cNvPicPr>
           <p:nvPr/>
         </p:nvPicPr>
         <p:blipFill>
-          <a:blip r:embed="rId3"/>
-          <a:srcRect l="12058" r="12058"/>
-          <a:stretch/>
-        </p:blipFill>
-        <p:spPr>
-          <a:xfrm>
-            <a:off x="6256160" y="1640288"/>
-            <a:ext cx="5727467" cy="3577423"/>
-          </a:xfrm>
-          <a:prstGeom prst="rect">
-            <a:avLst/>
-          </a:prstGeom>
-          <a:ln>
-            <a:solidFill>
-              <a:schemeClr val="tx1"/>
-            </a:solidFill>
-          </a:ln>
-        </p:spPr>
-      </p:pic>
-      <p:pic>
-        <p:nvPicPr>
-          <p:cNvPr id="15" name="Picture 2" descr="The story of the NBA logo | Logo Design Love">
-            <a:extLst>
-              <a:ext uri="{FF2B5EF4-FFF2-40B4-BE49-F238E27FC236}">
-                <a16:creationId xmlns:a16="http://schemas.microsoft.com/office/drawing/2014/main" id="{E9B7F8F4-FFA0-8D9C-A4C4-3C0590FD858E}"/>
-              </a:ext>
-            </a:extLst>
-          </p:cNvPr>
-          <p:cNvPicPr>
-            <a:picLocks noChangeArrowheads="1"/>
-          </p:cNvPicPr>
-          <p:nvPr/>
-        </p:nvPicPr>
-        <p:blipFill rotWithShape="1">
-          <a:blip r:embed="rId4">
+          <a:blip r:embed="rId2">
             <a:extLst>
               <a:ext uri="{28A0092B-C50C-407E-A947-70E740481C1C}">
                 <a14:useLocalDpi xmlns:a14="http://schemas.microsoft.com/office/drawing/2010/main" val="0"/>
               </a:ext>
             </a:extLst>
           </a:blip>
-          <a:srcRect l="25261" r="25207"/>
-          <a:stretch/>
+          <a:srcRect/>
+          <a:stretch>
+            <a:fillRect/>
+          </a:stretch>
         </p:blipFill>
         <p:spPr bwMode="auto">
           <a:xfrm>
-            <a:off x="11408049" y="186950"/>
-            <a:ext cx="575578" cy="900000"/>
+            <a:off x="0" y="2222943"/>
+            <a:ext cx="5622286" cy="2956234"/>
           </a:xfrm>
           <a:prstGeom prst="rect">
             <a:avLst/>
@@ -4956,10 +5365,10 @@
       </p:pic>
       <p:pic>
         <p:nvPicPr>
-          <p:cNvPr id="16" name="Picture 2" descr="The story of the NBA logo | Logo Design Love">
+          <p:cNvPr id="5" name="Picture 2" descr="The story of the NBA logo | Logo Design Love">
             <a:extLst>
               <a:ext uri="{FF2B5EF4-FFF2-40B4-BE49-F238E27FC236}">
-                <a16:creationId xmlns:a16="http://schemas.microsoft.com/office/drawing/2014/main" id="{9314C0CC-14CE-C6AC-3363-13851601149B}"/>
+                <a16:creationId xmlns:a16="http://schemas.microsoft.com/office/drawing/2014/main" id="{E39F5D33-2F4F-3FD2-4DD9-4E630AE7AB53}"/>
               </a:ext>
             </a:extLst>
           </p:cNvPr>
@@ -4969,20 +5378,20 @@
           <p:nvPr/>
         </p:nvPicPr>
         <p:blipFill rotWithShape="1">
-          <a:blip r:embed="rId4">
+          <a:blip r:embed="rId3">
             <a:extLst>
               <a:ext uri="{28A0092B-C50C-407E-A947-70E740481C1C}">
                 <a14:useLocalDpi xmlns:a14="http://schemas.microsoft.com/office/drawing/2010/main" val="0"/>
               </a:ext>
             </a:extLst>
           </a:blip>
-          <a:srcRect l="25261" r="64238"/>
+          <a:srcRect l="25261" r="25207"/>
           <a:stretch/>
         </p:blipFill>
         <p:spPr bwMode="auto">
           <a:xfrm>
-            <a:off x="208373" y="186950"/>
-            <a:ext cx="10980000" cy="900000"/>
+            <a:off x="11408049" y="186950"/>
+            <a:ext cx="575578" cy="900000"/>
           </a:xfrm>
           <a:prstGeom prst="rect">
             <a:avLst/>
@@ -4999,12 +5408,57 @@
           </a:extLst>
         </p:spPr>
       </p:pic>
-      <p:sp>
-        <p:nvSpPr>
-          <p:cNvPr id="17" name="TextBox 16">
+      <p:pic>
+        <p:nvPicPr>
+          <p:cNvPr id="6" name="Picture 2" descr="The story of the NBA logo | Logo Design Love">
             <a:extLst>
               <a:ext uri="{FF2B5EF4-FFF2-40B4-BE49-F238E27FC236}">
-                <a16:creationId xmlns:a16="http://schemas.microsoft.com/office/drawing/2014/main" id="{BFA506BB-3421-26C8-BB94-2B56B81B6A51}"/>
+                <a16:creationId xmlns:a16="http://schemas.microsoft.com/office/drawing/2014/main" id="{0F17569E-0B61-F9EE-1BA5-6510EB163F49}"/>
+              </a:ext>
+            </a:extLst>
+          </p:cNvPr>
+          <p:cNvPicPr>
+            <a:picLocks noChangeArrowheads="1"/>
+          </p:cNvPicPr>
+          <p:nvPr/>
+        </p:nvPicPr>
+        <p:blipFill rotWithShape="1">
+          <a:blip r:embed="rId3">
+            <a:extLst>
+              <a:ext uri="{28A0092B-C50C-407E-A947-70E740481C1C}">
+                <a14:useLocalDpi xmlns:a14="http://schemas.microsoft.com/office/drawing/2010/main" val="0"/>
+              </a:ext>
+            </a:extLst>
+          </a:blip>
+          <a:srcRect l="25261" r="64238"/>
+          <a:stretch/>
+        </p:blipFill>
+        <p:spPr bwMode="auto">
+          <a:xfrm>
+            <a:off x="208373" y="186950"/>
+            <a:ext cx="10980000" cy="900000"/>
+          </a:xfrm>
+          <a:prstGeom prst="rect">
+            <a:avLst/>
+          </a:prstGeom>
+          <a:noFill/>
+          <a:extLst>
+            <a:ext uri="{909E8E84-426E-40DD-AFC4-6F175D3DCCD1}">
+              <a14:hiddenFill xmlns:a14="http://schemas.microsoft.com/office/drawing/2010/main">
+                <a:solidFill>
+                  <a:srgbClr val="FFFFFF"/>
+                </a:solidFill>
+              </a14:hiddenFill>
+            </a:ext>
+          </a:extLst>
+        </p:spPr>
+      </p:pic>
+      <p:sp>
+        <p:nvSpPr>
+          <p:cNvPr id="9" name="TextBox 8">
+            <a:extLst>
+              <a:ext uri="{FF2B5EF4-FFF2-40B4-BE49-F238E27FC236}">
+                <a16:creationId xmlns:a16="http://schemas.microsoft.com/office/drawing/2014/main" id="{5953D6D8-D348-6572-5FDA-40DDE3C89094}"/>
               </a:ext>
             </a:extLst>
           </p:cNvPr>
@@ -5036,7 +5490,7 @@
                 <a:latin typeface="Calibri" panose="020F0502020204030204" pitchFamily="34" charset="0"/>
                 <a:cs typeface="Calibri" panose="020F0502020204030204" pitchFamily="34" charset="0"/>
               </a:rPr>
-              <a:t>DATA SOURCE - KAGGLE</a:t>
+              <a:t>DATA SOURCES</a:t>
             </a:r>
             <a:endParaRPr lang="en-IN" sz="3200" b="1" dirty="0">
               <a:solidFill>
@@ -5047,10 +5501,254 @@
           </a:p>
         </p:txBody>
       </p:sp>
+      <p:sp>
+        <p:nvSpPr>
+          <p:cNvPr id="2" name="Rectangle 1">
+            <a:extLst>
+              <a:ext uri="{FF2B5EF4-FFF2-40B4-BE49-F238E27FC236}">
+                <a16:creationId xmlns:a16="http://schemas.microsoft.com/office/drawing/2014/main" id="{27BE93A0-F3F0-9FCD-974E-45AF53CAC630}"/>
+              </a:ext>
+            </a:extLst>
+          </p:cNvPr>
+          <p:cNvSpPr/>
+          <p:nvPr/>
+        </p:nvSpPr>
+        <p:spPr>
+          <a:xfrm>
+            <a:off x="0" y="5470634"/>
+            <a:ext cx="4950372" cy="1200416"/>
+          </a:xfrm>
+          <a:prstGeom prst="rect">
+            <a:avLst/>
+          </a:prstGeom>
+          <a:solidFill>
+            <a:schemeClr val="bg1"/>
+          </a:solidFill>
+          <a:ln>
+            <a:solidFill>
+              <a:schemeClr val="bg1"/>
+            </a:solidFill>
+          </a:ln>
+        </p:spPr>
+        <p:style>
+          <a:lnRef idx="2">
+            <a:schemeClr val="accent1">
+              <a:shade val="15000"/>
+            </a:schemeClr>
+          </a:lnRef>
+          <a:fillRef idx="1">
+            <a:schemeClr val="accent1"/>
+          </a:fillRef>
+          <a:effectRef idx="0">
+            <a:schemeClr val="accent1"/>
+          </a:effectRef>
+          <a:fontRef idx="minor">
+            <a:schemeClr val="lt1"/>
+          </a:fontRef>
+        </p:style>
+        <p:txBody>
+          <a:bodyPr rtlCol="0" anchor="ctr"/>
+          <a:lstStyle/>
+          <a:p>
+            <a:pPr algn="ctr"/>
+            <a:endParaRPr lang="en-CA"/>
+          </a:p>
+        </p:txBody>
+      </p:sp>
+      <p:sp>
+        <p:nvSpPr>
+          <p:cNvPr id="4" name="Rectangle: Rounded Corners 3">
+            <a:extLst>
+              <a:ext uri="{FF2B5EF4-FFF2-40B4-BE49-F238E27FC236}">
+                <a16:creationId xmlns:a16="http://schemas.microsoft.com/office/drawing/2014/main" id="{7B76FFA2-1EA2-77CB-92D4-28CD0544EB22}"/>
+              </a:ext>
+            </a:extLst>
+          </p:cNvPr>
+          <p:cNvSpPr/>
+          <p:nvPr/>
+        </p:nvSpPr>
+        <p:spPr>
+          <a:xfrm>
+            <a:off x="4824248" y="1498495"/>
+            <a:ext cx="6583801" cy="4855628"/>
+          </a:xfrm>
+          <a:prstGeom prst="roundRect">
+            <a:avLst/>
+          </a:prstGeom>
+          <a:solidFill>
+            <a:srgbClr val="0253A4"/>
+          </a:solidFill>
+          <a:ln>
+            <a:solidFill>
+              <a:srgbClr val="0253A4"/>
+            </a:solidFill>
+          </a:ln>
+        </p:spPr>
+        <p:style>
+          <a:lnRef idx="2">
+            <a:schemeClr val="accent1">
+              <a:shade val="15000"/>
+            </a:schemeClr>
+          </a:lnRef>
+          <a:fillRef idx="1">
+            <a:schemeClr val="accent1"/>
+          </a:fillRef>
+          <a:effectRef idx="0">
+            <a:schemeClr val="accent1"/>
+          </a:effectRef>
+          <a:fontRef idx="minor">
+            <a:schemeClr val="lt1"/>
+          </a:fontRef>
+        </p:style>
+        <p:txBody>
+          <a:bodyPr rtlCol="0" anchor="ctr"/>
+          <a:lstStyle/>
+          <a:p>
+            <a:r>
+              <a:rPr lang="en-US" sz="3200" b="1" i="0" dirty="0">
+                <a:solidFill>
+                  <a:schemeClr val="bg1"/>
+                </a:solidFill>
+                <a:effectLst/>
+                <a:latin typeface="-apple-system"/>
+              </a:rPr>
+              <a:t>NBA Stats </a:t>
+            </a:r>
+            <a:r>
+              <a:rPr lang="en-US" sz="3200" b="0" i="0" dirty="0">
+                <a:solidFill>
+                  <a:schemeClr val="bg1"/>
+                </a:solidFill>
+                <a:effectLst/>
+                <a:latin typeface="-apple-system"/>
+              </a:rPr>
+              <a:t>: Kaggle (2021/22 &amp; 2022/23)</a:t>
+            </a:r>
+          </a:p>
+          <a:p>
+            <a:endParaRPr lang="en-US" sz="3200" b="0" i="0" dirty="0">
+              <a:solidFill>
+                <a:schemeClr val="bg1"/>
+              </a:solidFill>
+              <a:effectLst/>
+              <a:latin typeface="-apple-system"/>
+            </a:endParaRPr>
+          </a:p>
+          <a:p>
+            <a:r>
+              <a:rPr lang="en-US" sz="3200" b="1" dirty="0">
+                <a:solidFill>
+                  <a:schemeClr val="bg1"/>
+                </a:solidFill>
+                <a:latin typeface="-apple-system"/>
+              </a:rPr>
+              <a:t>Athlete Head Shot</a:t>
+            </a:r>
+            <a:r>
+              <a:rPr lang="en-US" sz="3200" dirty="0">
+                <a:solidFill>
+                  <a:schemeClr val="bg1"/>
+                </a:solidFill>
+                <a:latin typeface="-apple-system"/>
+              </a:rPr>
+              <a:t>: </a:t>
+            </a:r>
+            <a:r>
+              <a:rPr lang="en-US" sz="3200" dirty="0" err="1">
+                <a:solidFill>
+                  <a:schemeClr val="bg1"/>
+                </a:solidFill>
+                <a:latin typeface="-apple-system"/>
+              </a:rPr>
+              <a:t>WebScraping</a:t>
+            </a:r>
+            <a:r>
+              <a:rPr lang="en-US" sz="3200" dirty="0">
+                <a:solidFill>
+                  <a:schemeClr val="bg1"/>
+                </a:solidFill>
+                <a:latin typeface="-apple-system"/>
+              </a:rPr>
+              <a:t> (</a:t>
+            </a:r>
+            <a:r>
+              <a:rPr lang="en-US" sz="3200" i="1" dirty="0">
+                <a:solidFill>
+                  <a:schemeClr val="bg1"/>
+                </a:solidFill>
+                <a:latin typeface="-apple-system"/>
+              </a:rPr>
+              <a:t>NBA Website</a:t>
+            </a:r>
+            <a:r>
+              <a:rPr lang="en-US" sz="3200" dirty="0">
+                <a:solidFill>
+                  <a:schemeClr val="bg1"/>
+                </a:solidFill>
+                <a:latin typeface="-apple-system"/>
+              </a:rPr>
+              <a:t> and </a:t>
+            </a:r>
+            <a:r>
+              <a:rPr lang="en-US" sz="3200" i="1" dirty="0" err="1">
+                <a:solidFill>
+                  <a:schemeClr val="bg1"/>
+                </a:solidFill>
+                <a:latin typeface="-apple-system"/>
+              </a:rPr>
+              <a:t>Loodibees</a:t>
+            </a:r>
+            <a:r>
+              <a:rPr lang="en-US" sz="3200" i="1" dirty="0">
+                <a:solidFill>
+                  <a:schemeClr val="bg1"/>
+                </a:solidFill>
+                <a:latin typeface="-apple-system"/>
+              </a:rPr>
+              <a:t> Logos</a:t>
+            </a:r>
+            <a:r>
+              <a:rPr lang="en-US" sz="3200" dirty="0">
+                <a:solidFill>
+                  <a:schemeClr val="bg1"/>
+                </a:solidFill>
+                <a:latin typeface="-apple-system"/>
+              </a:rPr>
+              <a:t>)</a:t>
+            </a:r>
+            <a:endParaRPr lang="en-US" sz="3200" b="0" i="0" dirty="0">
+              <a:solidFill>
+                <a:schemeClr val="bg1"/>
+              </a:solidFill>
+              <a:effectLst/>
+              <a:latin typeface="-apple-system"/>
+            </a:endParaRPr>
+          </a:p>
+          <a:p>
+            <a:pPr algn="ctr"/>
+            <a:endParaRPr lang="en-US" sz="3200" b="0" i="0" dirty="0">
+              <a:solidFill>
+                <a:schemeClr val="bg1"/>
+              </a:solidFill>
+              <a:effectLst/>
+              <a:latin typeface="-apple-system"/>
+            </a:endParaRPr>
+          </a:p>
+          <a:p>
+            <a:pPr algn="ctr"/>
+            <a:endParaRPr lang="en-US" sz="3200" dirty="0">
+              <a:solidFill>
+                <a:schemeClr val="bg1"/>
+              </a:solidFill>
+              <a:latin typeface="-apple-system"/>
+            </a:endParaRPr>
+          </a:p>
+        </p:txBody>
+      </p:sp>
     </p:spTree>
     <p:extLst>
       <p:ext uri="{BB962C8B-B14F-4D97-AF65-F5344CB8AC3E}">
-        <p14:creationId xmlns:p14="http://schemas.microsoft.com/office/powerpoint/2010/main" val="1461558200"/>
+        <p14:creationId xmlns:p14="http://schemas.microsoft.com/office/powerpoint/2010/main" val="1988727383"/>
       </p:ext>
     </p:extLst>
   </p:cSld>
@@ -5126,81 +5824,6 @@
       </p:sp>
       <p:pic>
         <p:nvPicPr>
-          <p:cNvPr id="5" name="Picture 4">
-            <a:extLst>
-              <a:ext uri="{FF2B5EF4-FFF2-40B4-BE49-F238E27FC236}">
-                <a16:creationId xmlns:a16="http://schemas.microsoft.com/office/drawing/2014/main" id="{E26FB8CE-78FC-83AA-8B2F-E991B093DE30}"/>
-              </a:ext>
-            </a:extLst>
-          </p:cNvPr>
-          <p:cNvPicPr>
-            <a:picLocks noChangeAspect="1"/>
-          </p:cNvPicPr>
-          <p:nvPr/>
-        </p:nvPicPr>
-        <p:blipFill>
-          <a:blip r:embed="rId2"/>
-          <a:srcRect/>
-          <a:stretch/>
-        </p:blipFill>
-        <p:spPr>
-          <a:xfrm>
-            <a:off x="242338" y="1291545"/>
-            <a:ext cx="11489108" cy="4554309"/>
-          </a:xfrm>
-          <a:prstGeom prst="rect">
-            <a:avLst/>
-          </a:prstGeom>
-          <a:ln>
-            <a:solidFill>
-              <a:schemeClr val="tx1"/>
-            </a:solidFill>
-          </a:ln>
-        </p:spPr>
-      </p:pic>
-      <p:sp>
-        <p:nvSpPr>
-          <p:cNvPr id="4" name="TextBox 3">
-            <a:extLst>
-              <a:ext uri="{FF2B5EF4-FFF2-40B4-BE49-F238E27FC236}">
-                <a16:creationId xmlns:a16="http://schemas.microsoft.com/office/drawing/2014/main" id="{4D15C6D7-5400-9A0B-7335-0B61F128BDEF}"/>
-              </a:ext>
-            </a:extLst>
-          </p:cNvPr>
-          <p:cNvSpPr txBox="1"/>
-          <p:nvPr/>
-        </p:nvSpPr>
-        <p:spPr>
-          <a:xfrm>
-            <a:off x="242338" y="5942695"/>
-            <a:ext cx="11489108" cy="369332"/>
-          </a:xfrm>
-          <a:prstGeom prst="rect">
-            <a:avLst/>
-          </a:prstGeom>
-          <a:noFill/>
-          <a:ln>
-            <a:solidFill>
-              <a:schemeClr val="tx1"/>
-            </a:solidFill>
-          </a:ln>
-        </p:spPr>
-        <p:txBody>
-          <a:bodyPr wrap="square" rtlCol="0">
-            <a:spAutoFit/>
-          </a:bodyPr>
-          <a:lstStyle/>
-          <a:p>
-            <a:pPr algn="ctr"/>
-            <a:r>
-              <a:rPr lang="en-US" dirty="0"/>
-              <a:t>Uploading the data sets on AWS for the main code</a:t>
-            </a:r>
-          </a:p>
-        </p:txBody>
-      </p:sp>
-      <p:pic>
-        <p:nvPicPr>
           <p:cNvPr id="6" name="Picture 2" descr="The story of the NBA logo | Logo Design Love">
             <a:extLst>
               <a:ext uri="{FF2B5EF4-FFF2-40B4-BE49-F238E27FC236}">
@@ -5214,7 +5837,7 @@
           <p:nvPr/>
         </p:nvPicPr>
         <p:blipFill rotWithShape="1">
-          <a:blip r:embed="rId3">
+          <a:blip r:embed="rId2">
             <a:extLst>
               <a:ext uri="{28A0092B-C50C-407E-A947-70E740481C1C}">
                 <a14:useLocalDpi xmlns:a14="http://schemas.microsoft.com/office/drawing/2010/main" val="0"/>
@@ -5259,7 +5882,7 @@
           <p:nvPr/>
         </p:nvPicPr>
         <p:blipFill rotWithShape="1">
-          <a:blip r:embed="rId3">
+          <a:blip r:embed="rId2">
             <a:extLst>
               <a:ext uri="{28A0092B-C50C-407E-A947-70E740481C1C}">
                 <a14:useLocalDpi xmlns:a14="http://schemas.microsoft.com/office/drawing/2010/main" val="0"/>
@@ -5318,15 +5941,14 @@
           <a:lstStyle/>
           <a:p>
             <a:r>
-              <a:rPr lang="en-IN" sz="3200" b="1" i="0" dirty="0">
+              <a:rPr lang="en-IN" sz="3200" b="1" dirty="0">
                 <a:solidFill>
                   <a:schemeClr val="bg1"/>
                 </a:solidFill>
-                <a:effectLst/>
                 <a:latin typeface="Calibri" panose="020F0502020204030204" pitchFamily="34" charset="0"/>
                 <a:cs typeface="Calibri" panose="020F0502020204030204" pitchFamily="34" charset="0"/>
               </a:rPr>
-              <a:t>Data on s3 AWS</a:t>
+              <a:t>Exploratory Data Analysis</a:t>
             </a:r>
             <a:endParaRPr lang="en-IN" sz="3200" b="1" dirty="0">
               <a:solidFill>
@@ -5337,10 +5959,210 @@
           </a:p>
         </p:txBody>
       </p:sp>
+      <p:sp>
+        <p:nvSpPr>
+          <p:cNvPr id="10" name="AutoShape 4">
+            <a:extLst>
+              <a:ext uri="{FF2B5EF4-FFF2-40B4-BE49-F238E27FC236}">
+                <a16:creationId xmlns:a16="http://schemas.microsoft.com/office/drawing/2014/main" id="{73ECAC41-AEA5-93BB-95F1-9522EFE6110E}"/>
+              </a:ext>
+            </a:extLst>
+          </p:cNvPr>
+          <p:cNvSpPr>
+            <a:spLocks noChangeAspect="1" noChangeArrowheads="1"/>
+          </p:cNvSpPr>
+          <p:nvPr/>
+        </p:nvSpPr>
+        <p:spPr bwMode="auto">
+          <a:xfrm>
+            <a:off x="5943600" y="3276600"/>
+            <a:ext cx="304800" cy="304800"/>
+          </a:xfrm>
+          <a:prstGeom prst="rect">
+            <a:avLst/>
+          </a:prstGeom>
+          <a:noFill/>
+          <a:extLst>
+            <a:ext uri="{909E8E84-426E-40DD-AFC4-6F175D3DCCD1}">
+              <a14:hiddenFill xmlns:a14="http://schemas.microsoft.com/office/drawing/2010/main">
+                <a:solidFill>
+                  <a:srgbClr val="FFFFFF"/>
+                </a:solidFill>
+              </a14:hiddenFill>
+            </a:ext>
+          </a:extLst>
+        </p:spPr>
+        <p:txBody>
+          <a:bodyPr vert="horz" wrap="square" lIns="91440" tIns="45720" rIns="91440" bIns="45720" numCol="1" anchor="t" anchorCtr="0" compatLnSpc="1">
+            <a:prstTxWarp prst="textNoShape">
+              <a:avLst/>
+            </a:prstTxWarp>
+          </a:bodyPr>
+          <a:lstStyle/>
+          <a:p>
+            <a:endParaRPr lang="en-CA"/>
+          </a:p>
+        </p:txBody>
+      </p:sp>
+      <p:sp>
+        <p:nvSpPr>
+          <p:cNvPr id="13" name="Rectangle: Rounded Corners 12">
+            <a:extLst>
+              <a:ext uri="{FF2B5EF4-FFF2-40B4-BE49-F238E27FC236}">
+                <a16:creationId xmlns:a16="http://schemas.microsoft.com/office/drawing/2014/main" id="{ADCAC4EE-DEF7-578D-869A-1741D343A5CF}"/>
+              </a:ext>
+            </a:extLst>
+          </p:cNvPr>
+          <p:cNvSpPr/>
+          <p:nvPr/>
+        </p:nvSpPr>
+        <p:spPr>
+          <a:xfrm>
+            <a:off x="4824248" y="1498495"/>
+            <a:ext cx="6583801" cy="4855628"/>
+          </a:xfrm>
+          <a:prstGeom prst="roundRect">
+            <a:avLst/>
+          </a:prstGeom>
+          <a:solidFill>
+            <a:srgbClr val="CC2B31"/>
+          </a:solidFill>
+          <a:ln>
+            <a:solidFill>
+              <a:srgbClr val="CC2B31"/>
+            </a:solidFill>
+          </a:ln>
+        </p:spPr>
+        <p:style>
+          <a:lnRef idx="2">
+            <a:schemeClr val="accent1">
+              <a:shade val="15000"/>
+            </a:schemeClr>
+          </a:lnRef>
+          <a:fillRef idx="1">
+            <a:schemeClr val="accent1"/>
+          </a:fillRef>
+          <a:effectRef idx="0">
+            <a:schemeClr val="accent1"/>
+          </a:effectRef>
+          <a:fontRef idx="minor">
+            <a:schemeClr val="lt1"/>
+          </a:fontRef>
+        </p:style>
+        <p:txBody>
+          <a:bodyPr rtlCol="0" anchor="ctr"/>
+          <a:lstStyle/>
+          <a:p>
+            <a:pPr marL="285750" indent="-285750">
+              <a:buFont typeface="Arial" panose="020B0604020202020204" pitchFamily="34" charset="0"/>
+              <a:buChar char="•"/>
+            </a:pPr>
+            <a:r>
+              <a:rPr lang="en-IN" sz="3600" dirty="0" err="1">
+                <a:latin typeface="-apple-system"/>
+              </a:rPr>
+              <a:t>Barplot</a:t>
+            </a:r>
+            <a:r>
+              <a:rPr lang="en-IN" sz="3600" dirty="0">
+                <a:latin typeface="-apple-system"/>
+              </a:rPr>
+              <a:t> of Average Points by Team for 2022/2023</a:t>
+            </a:r>
+          </a:p>
+          <a:p>
+            <a:pPr marL="285750" indent="-285750">
+              <a:buFont typeface="Arial" panose="020B0604020202020204" pitchFamily="34" charset="0"/>
+              <a:buChar char="•"/>
+            </a:pPr>
+            <a:r>
+              <a:rPr lang="en-IN" sz="3600" dirty="0" err="1">
+                <a:latin typeface="-apple-system"/>
+              </a:rPr>
+              <a:t>ScatterPoints</a:t>
+            </a:r>
+            <a:r>
+              <a:rPr lang="en-IN" sz="3600" dirty="0">
+                <a:latin typeface="-apple-system"/>
+              </a:rPr>
+              <a:t> for Minutes Played vs. Points</a:t>
+            </a:r>
+          </a:p>
+          <a:p>
+            <a:pPr marL="285750" indent="-285750">
+              <a:buFont typeface="Arial" panose="020B0604020202020204" pitchFamily="34" charset="0"/>
+              <a:buChar char="•"/>
+            </a:pPr>
+            <a:endParaRPr lang="en-IN" sz="3600" dirty="0">
+              <a:latin typeface="-apple-system"/>
+            </a:endParaRPr>
+          </a:p>
+        </p:txBody>
+      </p:sp>
+      <p:pic>
+        <p:nvPicPr>
+          <p:cNvPr id="4" name="Picture 3">
+            <a:extLst>
+              <a:ext uri="{FF2B5EF4-FFF2-40B4-BE49-F238E27FC236}">
+                <a16:creationId xmlns:a16="http://schemas.microsoft.com/office/drawing/2014/main" id="{985FE41C-F422-EF8D-783B-235DFB6AEC45}"/>
+              </a:ext>
+            </a:extLst>
+          </p:cNvPr>
+          <p:cNvPicPr>
+            <a:picLocks noChangeAspect="1"/>
+          </p:cNvPicPr>
+          <p:nvPr/>
+        </p:nvPicPr>
+        <p:blipFill>
+          <a:blip r:embed="rId3"/>
+          <a:stretch>
+            <a:fillRect/>
+          </a:stretch>
+        </p:blipFill>
+        <p:spPr>
+          <a:xfrm>
+            <a:off x="581628" y="1086948"/>
+            <a:ext cx="3657863" cy="3085101"/>
+          </a:xfrm>
+          <a:prstGeom prst="rect">
+            <a:avLst/>
+          </a:prstGeom>
+        </p:spPr>
+      </p:pic>
+      <p:pic>
+        <p:nvPicPr>
+          <p:cNvPr id="11" name="Picture 10">
+            <a:extLst>
+              <a:ext uri="{FF2B5EF4-FFF2-40B4-BE49-F238E27FC236}">
+                <a16:creationId xmlns:a16="http://schemas.microsoft.com/office/drawing/2014/main" id="{4ECBD3D2-05CA-FB89-F892-61DE62D07730}"/>
+              </a:ext>
+            </a:extLst>
+          </p:cNvPr>
+          <p:cNvPicPr>
+            <a:picLocks noChangeAspect="1"/>
+          </p:cNvPicPr>
+          <p:nvPr/>
+        </p:nvPicPr>
+        <p:blipFill>
+          <a:blip r:embed="rId4"/>
+          <a:stretch>
+            <a:fillRect/>
+          </a:stretch>
+        </p:blipFill>
+        <p:spPr>
+          <a:xfrm>
+            <a:off x="783951" y="4130742"/>
+            <a:ext cx="3288068" cy="2620089"/>
+          </a:xfrm>
+          <a:prstGeom prst="rect">
+            <a:avLst/>
+          </a:prstGeom>
+        </p:spPr>
+      </p:pic>
     </p:spTree>
     <p:extLst>
       <p:ext uri="{BB962C8B-B14F-4D97-AF65-F5344CB8AC3E}">
-        <p14:creationId xmlns:p14="http://schemas.microsoft.com/office/powerpoint/2010/main" val="2506918011"/>
+        <p14:creationId xmlns:p14="http://schemas.microsoft.com/office/powerpoint/2010/main" val="3195875614"/>
       </p:ext>
     </p:extLst>
   </p:cSld>
@@ -5369,44 +6191,10 @@
       </p:grpSpPr>
       <p:pic>
         <p:nvPicPr>
-          <p:cNvPr id="6" name="Picture 5">
+          <p:cNvPr id="5" name="Picture 2" descr="The story of the NBA logo | Logo Design Love">
             <a:extLst>
               <a:ext uri="{FF2B5EF4-FFF2-40B4-BE49-F238E27FC236}">
-                <a16:creationId xmlns:a16="http://schemas.microsoft.com/office/drawing/2014/main" id="{EEAA6E70-1D92-36AE-9BAA-BB5580A197BF}"/>
-              </a:ext>
-            </a:extLst>
-          </p:cNvPr>
-          <p:cNvPicPr>
-            <a:picLocks/>
-          </p:cNvPicPr>
-          <p:nvPr/>
-        </p:nvPicPr>
-        <p:blipFill rotWithShape="1">
-          <a:blip r:embed="rId2"/>
-          <a:srcRect l="11880" t="8143" r="10581" b="8143"/>
-          <a:stretch/>
-        </p:blipFill>
-        <p:spPr>
-          <a:xfrm>
-            <a:off x="1506000" y="1365640"/>
-            <a:ext cx="9180000" cy="5400000"/>
-          </a:xfrm>
-          <a:prstGeom prst="rect">
-            <a:avLst/>
-          </a:prstGeom>
-          <a:ln>
-            <a:solidFill>
-              <a:schemeClr val="tx1"/>
-            </a:solidFill>
-          </a:ln>
-        </p:spPr>
-      </p:pic>
-      <p:pic>
-        <p:nvPicPr>
-          <p:cNvPr id="3" name="Picture 2" descr="The story of the NBA logo | Logo Design Love">
-            <a:extLst>
-              <a:ext uri="{FF2B5EF4-FFF2-40B4-BE49-F238E27FC236}">
-                <a16:creationId xmlns:a16="http://schemas.microsoft.com/office/drawing/2014/main" id="{5D1E4704-C653-D19F-2993-3FD1E91672EE}"/>
+                <a16:creationId xmlns:a16="http://schemas.microsoft.com/office/drawing/2014/main" id="{E39F5D33-2F4F-3FD2-4DD9-4E630AE7AB53}"/>
               </a:ext>
             </a:extLst>
           </p:cNvPr>
@@ -5416,7 +6204,7 @@
           <p:nvPr/>
         </p:nvPicPr>
         <p:blipFill rotWithShape="1">
-          <a:blip r:embed="rId3">
+          <a:blip r:embed="rId2">
             <a:extLst>
               <a:ext uri="{28A0092B-C50C-407E-A947-70E740481C1C}">
                 <a14:useLocalDpi xmlns:a14="http://schemas.microsoft.com/office/drawing/2010/main" val="0"/>
@@ -5448,10 +6236,10 @@
       </p:pic>
       <p:pic>
         <p:nvPicPr>
-          <p:cNvPr id="5" name="Picture 2" descr="The story of the NBA logo | Logo Design Love">
+          <p:cNvPr id="6" name="Picture 2" descr="The story of the NBA logo | Logo Design Love">
             <a:extLst>
               <a:ext uri="{FF2B5EF4-FFF2-40B4-BE49-F238E27FC236}">
-                <a16:creationId xmlns:a16="http://schemas.microsoft.com/office/drawing/2014/main" id="{A2B45074-70E5-414F-5AC3-69650AA7E9AF}"/>
+                <a16:creationId xmlns:a16="http://schemas.microsoft.com/office/drawing/2014/main" id="{0F17569E-0B61-F9EE-1BA5-6510EB163F49}"/>
               </a:ext>
             </a:extLst>
           </p:cNvPr>
@@ -5461,7 +6249,7 @@
           <p:nvPr/>
         </p:nvPicPr>
         <p:blipFill rotWithShape="1">
-          <a:blip r:embed="rId3">
+          <a:blip r:embed="rId2">
             <a:extLst>
               <a:ext uri="{28A0092B-C50C-407E-A947-70E740481C1C}">
                 <a14:useLocalDpi xmlns:a14="http://schemas.microsoft.com/office/drawing/2010/main" val="0"/>
@@ -5493,10 +6281,10 @@
       </p:pic>
       <p:sp>
         <p:nvSpPr>
-          <p:cNvPr id="7" name="TextBox 6">
+          <p:cNvPr id="9" name="TextBox 8">
             <a:extLst>
               <a:ext uri="{FF2B5EF4-FFF2-40B4-BE49-F238E27FC236}">
-                <a16:creationId xmlns:a16="http://schemas.microsoft.com/office/drawing/2014/main" id="{4154EDD1-674D-0132-24C3-66891838765F}"/>
+                <a16:creationId xmlns:a16="http://schemas.microsoft.com/office/drawing/2014/main" id="{5953D6D8-D348-6572-5FDA-40DDE3C89094}"/>
               </a:ext>
             </a:extLst>
           </p:cNvPr>
@@ -5520,15 +6308,14 @@
           <a:lstStyle/>
           <a:p>
             <a:r>
-              <a:rPr lang="en-IN" sz="3200" b="1" i="0" dirty="0">
+              <a:rPr lang="en-IN" sz="3200" b="1" dirty="0">
                 <a:solidFill>
                   <a:schemeClr val="bg1"/>
                 </a:solidFill>
-                <a:effectLst/>
                 <a:latin typeface="Calibri" panose="020F0502020204030204" pitchFamily="34" charset="0"/>
                 <a:cs typeface="Calibri" panose="020F0502020204030204" pitchFamily="34" charset="0"/>
               </a:rPr>
-              <a:t>DASHBOARD 1</a:t>
+              <a:t>Model Training &amp; Evaluation</a:t>
             </a:r>
             <a:endParaRPr lang="en-IN" sz="3200" b="1" dirty="0">
               <a:solidFill>
@@ -5539,10 +6326,427 @@
           </a:p>
         </p:txBody>
       </p:sp>
+      <p:sp>
+        <p:nvSpPr>
+          <p:cNvPr id="4" name="Rectangle: Rounded Corners 3">
+            <a:extLst>
+              <a:ext uri="{FF2B5EF4-FFF2-40B4-BE49-F238E27FC236}">
+                <a16:creationId xmlns:a16="http://schemas.microsoft.com/office/drawing/2014/main" id="{7B76FFA2-1EA2-77CB-92D4-28CD0544EB22}"/>
+              </a:ext>
+            </a:extLst>
+          </p:cNvPr>
+          <p:cNvSpPr/>
+          <p:nvPr/>
+        </p:nvSpPr>
+        <p:spPr>
+          <a:xfrm>
+            <a:off x="4824248" y="1498495"/>
+            <a:ext cx="6583801" cy="4855628"/>
+          </a:xfrm>
+          <a:prstGeom prst="roundRect">
+            <a:avLst/>
+          </a:prstGeom>
+          <a:solidFill>
+            <a:srgbClr val="0253A4"/>
+          </a:solidFill>
+          <a:ln>
+            <a:solidFill>
+              <a:srgbClr val="0253A4"/>
+            </a:solidFill>
+          </a:ln>
+        </p:spPr>
+        <p:style>
+          <a:lnRef idx="2">
+            <a:schemeClr val="accent1">
+              <a:shade val="15000"/>
+            </a:schemeClr>
+          </a:lnRef>
+          <a:fillRef idx="1">
+            <a:schemeClr val="accent1"/>
+          </a:fillRef>
+          <a:effectRef idx="0">
+            <a:schemeClr val="accent1"/>
+          </a:effectRef>
+          <a:fontRef idx="minor">
+            <a:schemeClr val="lt1"/>
+          </a:fontRef>
+        </p:style>
+        <p:txBody>
+          <a:bodyPr rtlCol="0" anchor="ctr"/>
+          <a:lstStyle/>
+          <a:p>
+            <a:pPr marL="285750" indent="-285750">
+              <a:buFont typeface="Arial" panose="020B0604020202020204" pitchFamily="34" charset="0"/>
+              <a:buChar char="•"/>
+            </a:pPr>
+            <a:r>
+              <a:rPr lang="en-US" sz="3200" dirty="0">
+                <a:latin typeface="-apple-system"/>
+              </a:rPr>
+              <a:t>Experimented with various regression: linear regression, decision tree regression, random forest regression, and lasso model.</a:t>
+            </a:r>
+          </a:p>
+          <a:p>
+            <a:pPr marL="285750" indent="-285750">
+              <a:buFont typeface="Arial" panose="020B0604020202020204" pitchFamily="34" charset="0"/>
+              <a:buChar char="•"/>
+            </a:pPr>
+            <a:r>
+              <a:rPr lang="en-US" sz="3200" dirty="0">
+                <a:latin typeface="-apple-system"/>
+              </a:rPr>
+              <a:t>The Linear regression model was our best choice because it showed the least MSE.</a:t>
+            </a:r>
+          </a:p>
+          <a:p>
+            <a:pPr algn="ctr"/>
+            <a:endParaRPr lang="en-US" sz="3200" dirty="0">
+              <a:solidFill>
+                <a:schemeClr val="bg1"/>
+              </a:solidFill>
+              <a:latin typeface="-apple-system"/>
+            </a:endParaRPr>
+          </a:p>
+        </p:txBody>
+      </p:sp>
+      <p:pic>
+        <p:nvPicPr>
+          <p:cNvPr id="3" name="Picture 4" descr="Machine Learning | DoiT International">
+            <a:extLst>
+              <a:ext uri="{FF2B5EF4-FFF2-40B4-BE49-F238E27FC236}">
+                <a16:creationId xmlns:a16="http://schemas.microsoft.com/office/drawing/2014/main" id="{0E758482-44C4-93E6-846F-24B3ECCCDFB1}"/>
+              </a:ext>
+            </a:extLst>
+          </p:cNvPr>
+          <p:cNvPicPr>
+            <a:picLocks noChangeAspect="1" noChangeArrowheads="1"/>
+          </p:cNvPicPr>
+          <p:nvPr/>
+        </p:nvPicPr>
+        <p:blipFill>
+          <a:blip r:embed="rId3">
+            <a:extLst>
+              <a:ext uri="{28A0092B-C50C-407E-A947-70E740481C1C}">
+                <a14:useLocalDpi xmlns:a14="http://schemas.microsoft.com/office/drawing/2010/main" val="0"/>
+              </a:ext>
+            </a:extLst>
+          </a:blip>
+          <a:srcRect/>
+          <a:stretch>
+            <a:fillRect/>
+          </a:stretch>
+        </p:blipFill>
+        <p:spPr bwMode="auto">
+          <a:xfrm>
+            <a:off x="783951" y="1216040"/>
+            <a:ext cx="2057220" cy="2259097"/>
+          </a:xfrm>
+          <a:prstGeom prst="rect">
+            <a:avLst/>
+          </a:prstGeom>
+          <a:noFill/>
+          <a:extLst>
+            <a:ext uri="{909E8E84-426E-40DD-AFC4-6F175D3DCCD1}">
+              <a14:hiddenFill xmlns:a14="http://schemas.microsoft.com/office/drawing/2010/main">
+                <a:solidFill>
+                  <a:srgbClr val="FFFFFF"/>
+                </a:solidFill>
+              </a14:hiddenFill>
+            </a:ext>
+          </a:extLst>
+        </p:spPr>
+      </p:pic>
+      <p:graphicFrame>
+        <p:nvGraphicFramePr>
+          <p:cNvPr id="10" name="Table 10">
+            <a:extLst>
+              <a:ext uri="{FF2B5EF4-FFF2-40B4-BE49-F238E27FC236}">
+                <a16:creationId xmlns:a16="http://schemas.microsoft.com/office/drawing/2014/main" id="{73241C42-E661-231F-E774-2876DF2D60D4}"/>
+              </a:ext>
+            </a:extLst>
+          </p:cNvPr>
+          <p:cNvGraphicFramePr>
+            <a:graphicFrameLocks noGrp="1"/>
+          </p:cNvGraphicFramePr>
+          <p:nvPr>
+            <p:extLst>
+              <p:ext uri="{D42A27DB-BD31-4B8C-83A1-F6EECF244321}">
+                <p14:modId xmlns:p14="http://schemas.microsoft.com/office/powerpoint/2010/main" val="3229196378"/>
+              </p:ext>
+            </p:extLst>
+          </p:nvPr>
+        </p:nvGraphicFramePr>
+        <p:xfrm>
+          <a:off x="0" y="3654166"/>
+          <a:ext cx="4490357" cy="3016884"/>
+        </p:xfrm>
+        <a:graphic>
+          <a:graphicData uri="http://schemas.openxmlformats.org/drawingml/2006/table">
+            <a:tbl>
+              <a:tblPr firstRow="1" bandRow="1">
+                <a:tableStyleId>{5C22544A-7EE6-4342-B048-85BDC9FD1C3A}</a:tableStyleId>
+              </a:tblPr>
+              <a:tblGrid>
+                <a:gridCol w="1906462">
+                  <a:extLst>
+                    <a:ext uri="{9D8B030D-6E8A-4147-A177-3AD203B41FA5}">
+                      <a16:colId xmlns:a16="http://schemas.microsoft.com/office/drawing/2014/main" val="2054562520"/>
+                    </a:ext>
+                  </a:extLst>
+                </a:gridCol>
+                <a:gridCol w="1189619">
+                  <a:extLst>
+                    <a:ext uri="{9D8B030D-6E8A-4147-A177-3AD203B41FA5}">
+                      <a16:colId xmlns:a16="http://schemas.microsoft.com/office/drawing/2014/main" val="3908270910"/>
+                    </a:ext>
+                  </a:extLst>
+                </a:gridCol>
+                <a:gridCol w="1394276">
+                  <a:extLst>
+                    <a:ext uri="{9D8B030D-6E8A-4147-A177-3AD203B41FA5}">
+                      <a16:colId xmlns:a16="http://schemas.microsoft.com/office/drawing/2014/main" val="879756030"/>
+                    </a:ext>
+                  </a:extLst>
+                </a:gridCol>
+              </a:tblGrid>
+              <a:tr h="456564">
+                <a:tc>
+                  <a:txBody>
+                    <a:bodyPr/>
+                    <a:lstStyle/>
+                    <a:p>
+                      <a:r>
+                        <a:rPr lang="en-CA" dirty="0"/>
+                        <a:t>Model</a:t>
+                      </a:r>
+                    </a:p>
+                  </a:txBody>
+                  <a:tcPr/>
+                </a:tc>
+                <a:tc>
+                  <a:txBody>
+                    <a:bodyPr/>
+                    <a:lstStyle/>
+                    <a:p>
+                      <a:r>
+                        <a:rPr lang="en-CA" dirty="0"/>
+                        <a:t>R-Squared</a:t>
+                      </a:r>
+                    </a:p>
+                  </a:txBody>
+                  <a:tcPr/>
+                </a:tc>
+                <a:tc>
+                  <a:txBody>
+                    <a:bodyPr/>
+                    <a:lstStyle/>
+                    <a:p>
+                      <a:r>
+                        <a:rPr lang="en-CA" dirty="0"/>
+                        <a:t>Mean Square Error</a:t>
+                      </a:r>
+                    </a:p>
+                  </a:txBody>
+                  <a:tcPr/>
+                </a:tc>
+                <a:extLst>
+                  <a:ext uri="{0D108BD9-81ED-4DB2-BD59-A6C34878D82A}">
+                    <a16:rowId xmlns:a16="http://schemas.microsoft.com/office/drawing/2014/main" val="1840447073"/>
+                  </a:ext>
+                </a:extLst>
+              </a:tr>
+              <a:tr h="456564">
+                <a:tc>
+                  <a:txBody>
+                    <a:bodyPr/>
+                    <a:lstStyle/>
+                    <a:p>
+                      <a:r>
+                        <a:rPr lang="en-CA" dirty="0"/>
+                        <a:t>Linear Regression</a:t>
+                      </a:r>
+                    </a:p>
+                  </a:txBody>
+                  <a:tcPr/>
+                </a:tc>
+                <a:tc>
+                  <a:txBody>
+                    <a:bodyPr/>
+                    <a:lstStyle/>
+                    <a:p>
+                      <a:r>
+                        <a:rPr lang="en-CA" dirty="0"/>
+                        <a:t>0.9988</a:t>
+                      </a:r>
+                    </a:p>
+                  </a:txBody>
+                  <a:tcPr/>
+                </a:tc>
+                <a:tc>
+                  <a:txBody>
+                    <a:bodyPr/>
+                    <a:lstStyle/>
+                    <a:p>
+                      <a:r>
+                        <a:rPr lang="en-CA" dirty="0"/>
+                        <a:t>0.077</a:t>
+                      </a:r>
+                    </a:p>
+                  </a:txBody>
+                  <a:tcPr/>
+                </a:tc>
+                <a:extLst>
+                  <a:ext uri="{0D108BD9-81ED-4DB2-BD59-A6C34878D82A}">
+                    <a16:rowId xmlns:a16="http://schemas.microsoft.com/office/drawing/2014/main" val="2771983712"/>
+                  </a:ext>
+                </a:extLst>
+              </a:tr>
+              <a:tr h="456564">
+                <a:tc>
+                  <a:txBody>
+                    <a:bodyPr/>
+                    <a:lstStyle/>
+                    <a:p>
+                      <a:r>
+                        <a:rPr lang="en-CA" dirty="0"/>
+                        <a:t>Random Forest Regression</a:t>
+                      </a:r>
+                    </a:p>
+                  </a:txBody>
+                  <a:tcPr/>
+                </a:tc>
+                <a:tc>
+                  <a:txBody>
+                    <a:bodyPr/>
+                    <a:lstStyle/>
+                    <a:p>
+                      <a:r>
+                        <a:rPr lang="en-CA" dirty="0"/>
+                        <a:t>0.9987</a:t>
+                      </a:r>
+                    </a:p>
+                  </a:txBody>
+                  <a:tcPr/>
+                </a:tc>
+                <a:tc>
+                  <a:txBody>
+                    <a:bodyPr/>
+                    <a:lstStyle/>
+                    <a:p>
+                      <a:r>
+                        <a:rPr lang="en-CA" dirty="0"/>
+                        <a:t>0.548</a:t>
+                      </a:r>
+                    </a:p>
+                  </a:txBody>
+                  <a:tcPr/>
+                </a:tc>
+                <a:extLst>
+                  <a:ext uri="{0D108BD9-81ED-4DB2-BD59-A6C34878D82A}">
+                    <a16:rowId xmlns:a16="http://schemas.microsoft.com/office/drawing/2014/main" val="2172045548"/>
+                  </a:ext>
+                </a:extLst>
+              </a:tr>
+              <a:tr h="456564">
+                <a:tc>
+                  <a:txBody>
+                    <a:bodyPr/>
+                    <a:lstStyle/>
+                    <a:p>
+                      <a:r>
+                        <a:rPr lang="en-CA" dirty="0"/>
+                        <a:t>Random Decision Tree</a:t>
+                      </a:r>
+                    </a:p>
+                  </a:txBody>
+                  <a:tcPr/>
+                </a:tc>
+                <a:tc>
+                  <a:txBody>
+                    <a:bodyPr/>
+                    <a:lstStyle/>
+                    <a:p>
+                      <a:r>
+                        <a:rPr lang="en-CA" dirty="0"/>
+                        <a:t>1.0</a:t>
+                      </a:r>
+                    </a:p>
+                  </a:txBody>
+                  <a:tcPr/>
+                </a:tc>
+                <a:tc>
+                  <a:txBody>
+                    <a:bodyPr/>
+                    <a:lstStyle/>
+                    <a:p>
+                      <a:r>
+                        <a:rPr lang="en-CA" dirty="0"/>
+                        <a:t>1.041</a:t>
+                      </a:r>
+                    </a:p>
+                  </a:txBody>
+                  <a:tcPr/>
+                </a:tc>
+                <a:extLst>
+                  <a:ext uri="{0D108BD9-81ED-4DB2-BD59-A6C34878D82A}">
+                    <a16:rowId xmlns:a16="http://schemas.microsoft.com/office/drawing/2014/main" val="940209613"/>
+                  </a:ext>
+                </a:extLst>
+              </a:tr>
+              <a:tr h="456564">
+                <a:tc>
+                  <a:txBody>
+                    <a:bodyPr/>
+                    <a:lstStyle/>
+                    <a:p>
+                      <a:r>
+                        <a:rPr lang="en-CA" dirty="0"/>
+                        <a:t>Lasso Model Regression</a:t>
+                      </a:r>
+                    </a:p>
+                  </a:txBody>
+                  <a:tcPr/>
+                </a:tc>
+                <a:tc>
+                  <a:txBody>
+                    <a:bodyPr/>
+                    <a:lstStyle/>
+                    <a:p>
+                      <a:r>
+                        <a:rPr lang="en-CA" dirty="0"/>
+                        <a:t>0.9982</a:t>
+                      </a:r>
+                    </a:p>
+                  </a:txBody>
+                  <a:tcPr/>
+                </a:tc>
+                <a:tc>
+                  <a:txBody>
+                    <a:bodyPr/>
+                    <a:lstStyle/>
+                    <a:p>
+                      <a:r>
+                        <a:rPr lang="en-CA" dirty="0"/>
+                        <a:t>0.256</a:t>
+                      </a:r>
+                    </a:p>
+                  </a:txBody>
+                  <a:tcPr/>
+                </a:tc>
+                <a:extLst>
+                  <a:ext uri="{0D108BD9-81ED-4DB2-BD59-A6C34878D82A}">
+                    <a16:rowId xmlns:a16="http://schemas.microsoft.com/office/drawing/2014/main" val="351755090"/>
+                  </a:ext>
+                </a:extLst>
+              </a:tr>
+            </a:tbl>
+          </a:graphicData>
+        </a:graphic>
+      </p:graphicFrame>
     </p:spTree>
     <p:extLst>
       <p:ext uri="{BB962C8B-B14F-4D97-AF65-F5344CB8AC3E}">
-        <p14:creationId xmlns:p14="http://schemas.microsoft.com/office/powerpoint/2010/main" val="849832236"/>
+        <p14:creationId xmlns:p14="http://schemas.microsoft.com/office/powerpoint/2010/main" val="2357140122"/>
       </p:ext>
     </p:extLst>
   </p:cSld>
@@ -5585,12 +6789,12 @@
         </p:nvPicPr>
         <p:blipFill rotWithShape="1">
           <a:blip r:embed="rId2"/>
-          <a:srcRect l="12517" t="8665" r="11767" b="8333"/>
+          <a:srcRect l="11880" t="8143" r="10581" b="8143"/>
           <a:stretch/>
         </p:blipFill>
         <p:spPr>
           <a:xfrm>
-            <a:off x="1506000" y="1365640"/>
+            <a:off x="2803627" y="1244562"/>
             <a:ext cx="9180000" cy="5400000"/>
           </a:xfrm>
           <a:prstGeom prst="rect">
@@ -5608,7 +6812,7 @@
           <p:cNvPr id="3" name="Picture 2" descr="The story of the NBA logo | Logo Design Love">
             <a:extLst>
               <a:ext uri="{FF2B5EF4-FFF2-40B4-BE49-F238E27FC236}">
-                <a16:creationId xmlns:a16="http://schemas.microsoft.com/office/drawing/2014/main" id="{EC381BF3-8901-AB11-5103-803A14B729A6}"/>
+                <a16:creationId xmlns:a16="http://schemas.microsoft.com/office/drawing/2014/main" id="{5D1E4704-C653-D19F-2993-3FD1E91672EE}"/>
               </a:ext>
             </a:extLst>
           </p:cNvPr>
@@ -5653,7 +6857,7 @@
           <p:cNvPr id="5" name="Picture 2" descr="The story of the NBA logo | Logo Design Love">
             <a:extLst>
               <a:ext uri="{FF2B5EF4-FFF2-40B4-BE49-F238E27FC236}">
-                <a16:creationId xmlns:a16="http://schemas.microsoft.com/office/drawing/2014/main" id="{95D9AD46-5879-7873-2506-A82119A97384}"/>
+                <a16:creationId xmlns:a16="http://schemas.microsoft.com/office/drawing/2014/main" id="{A2B45074-70E5-414F-5AC3-69650AA7E9AF}"/>
               </a:ext>
             </a:extLst>
           </p:cNvPr>
@@ -5670,7 +6874,7 @@
               </a:ext>
             </a:extLst>
           </a:blip>
-          <a:srcRect l="55102" t="15069" r="41457" b="75764"/>
+          <a:srcRect l="25261" r="64238"/>
           <a:stretch/>
         </p:blipFill>
         <p:spPr bwMode="auto">
@@ -5698,7 +6902,7 @@
           <p:cNvPr id="7" name="TextBox 6">
             <a:extLst>
               <a:ext uri="{FF2B5EF4-FFF2-40B4-BE49-F238E27FC236}">
-                <a16:creationId xmlns:a16="http://schemas.microsoft.com/office/drawing/2014/main" id="{7EB7C63B-5D34-5C2D-4814-A349519BEB82}"/>
+                <a16:creationId xmlns:a16="http://schemas.microsoft.com/office/drawing/2014/main" id="{4154EDD1-674D-0132-24C3-66891838765F}"/>
               </a:ext>
             </a:extLst>
           </p:cNvPr>
@@ -5722,14 +6926,15 @@
           <a:lstStyle/>
           <a:p>
             <a:r>
-              <a:rPr lang="en-IN" sz="3200" b="1" dirty="0">
+              <a:rPr lang="en-IN" sz="3200" b="1" i="0" dirty="0">
                 <a:solidFill>
                   <a:schemeClr val="bg1"/>
                 </a:solidFill>
+                <a:effectLst/>
                 <a:latin typeface="Calibri" panose="020F0502020204030204" pitchFamily="34" charset="0"/>
                 <a:cs typeface="Calibri" panose="020F0502020204030204" pitchFamily="34" charset="0"/>
               </a:rPr>
-              <a:t>DASHBOARD 2</a:t>
+              <a:t>User Interface </a:t>
             </a:r>
             <a:endParaRPr lang="en-IN" sz="3200" b="1" dirty="0">
               <a:solidFill>
@@ -5740,10 +6945,59 @@
           </a:p>
         </p:txBody>
       </p:sp>
+      <p:sp>
+        <p:nvSpPr>
+          <p:cNvPr id="2" name="Rectangle: Rounded Corners 1">
+            <a:extLst>
+              <a:ext uri="{FF2B5EF4-FFF2-40B4-BE49-F238E27FC236}">
+                <a16:creationId xmlns:a16="http://schemas.microsoft.com/office/drawing/2014/main" id="{96A6EED4-E91D-5917-8123-5CF9ACD006BF}"/>
+              </a:ext>
+            </a:extLst>
+          </p:cNvPr>
+          <p:cNvSpPr/>
+          <p:nvPr/>
+        </p:nvSpPr>
+        <p:spPr>
+          <a:xfrm>
+            <a:off x="208373" y="1453243"/>
+            <a:ext cx="2469513" cy="900000"/>
+          </a:xfrm>
+          <a:prstGeom prst="roundRect">
+            <a:avLst/>
+          </a:prstGeom>
+        </p:spPr>
+        <p:style>
+          <a:lnRef idx="2">
+            <a:schemeClr val="accent1">
+              <a:shade val="15000"/>
+            </a:schemeClr>
+          </a:lnRef>
+          <a:fillRef idx="1">
+            <a:schemeClr val="accent1"/>
+          </a:fillRef>
+          <a:effectRef idx="0">
+            <a:schemeClr val="accent1"/>
+          </a:effectRef>
+          <a:fontRef idx="minor">
+            <a:schemeClr val="lt1"/>
+          </a:fontRef>
+        </p:style>
+        <p:txBody>
+          <a:bodyPr rtlCol="0" anchor="ctr"/>
+          <a:lstStyle/>
+          <a:p>
+            <a:pPr algn="ctr"/>
+            <a:r>
+              <a:rPr lang="en-CA" sz="2000" dirty="0"/>
+              <a:t>Player Stats and Prediction</a:t>
+            </a:r>
+          </a:p>
+        </p:txBody>
+      </p:sp>
     </p:spTree>
     <p:extLst>
       <p:ext uri="{BB962C8B-B14F-4D97-AF65-F5344CB8AC3E}">
-        <p14:creationId xmlns:p14="http://schemas.microsoft.com/office/powerpoint/2010/main" val="691602037"/>
+        <p14:creationId xmlns:p14="http://schemas.microsoft.com/office/powerpoint/2010/main" val="849832236"/>
       </p:ext>
     </p:extLst>
   </p:cSld>
@@ -5786,12 +7040,12 @@
         </p:nvPicPr>
         <p:blipFill rotWithShape="1">
           <a:blip r:embed="rId2"/>
-          <a:srcRect l="12423" t="9333" r="11672" b="9001"/>
+          <a:srcRect l="12517" t="8665" r="11767" b="8333"/>
           <a:stretch/>
         </p:blipFill>
         <p:spPr>
           <a:xfrm>
-            <a:off x="1506000" y="1365640"/>
+            <a:off x="2803627" y="1113438"/>
             <a:ext cx="9180000" cy="5400000"/>
           </a:xfrm>
           <a:prstGeom prst="rect">
@@ -5809,7 +7063,7 @@
           <p:cNvPr id="3" name="Picture 2" descr="The story of the NBA logo | Logo Design Love">
             <a:extLst>
               <a:ext uri="{FF2B5EF4-FFF2-40B4-BE49-F238E27FC236}">
-                <a16:creationId xmlns:a16="http://schemas.microsoft.com/office/drawing/2014/main" id="{C81FD6B0-3105-3C86-99C7-B5CA428D95BA}"/>
+                <a16:creationId xmlns:a16="http://schemas.microsoft.com/office/drawing/2014/main" id="{EC381BF3-8901-AB11-5103-803A14B729A6}"/>
               </a:ext>
             </a:extLst>
           </p:cNvPr>
@@ -5854,7 +7108,7 @@
           <p:cNvPr id="5" name="Picture 2" descr="The story of the NBA logo | Logo Design Love">
             <a:extLst>
               <a:ext uri="{FF2B5EF4-FFF2-40B4-BE49-F238E27FC236}">
-                <a16:creationId xmlns:a16="http://schemas.microsoft.com/office/drawing/2014/main" id="{DA3995D7-109A-38AA-0564-DD90A80BAC93}"/>
+                <a16:creationId xmlns:a16="http://schemas.microsoft.com/office/drawing/2014/main" id="{95D9AD46-5879-7873-2506-A82119A97384}"/>
               </a:ext>
             </a:extLst>
           </p:cNvPr>
@@ -5871,7 +7125,7 @@
               </a:ext>
             </a:extLst>
           </a:blip>
-          <a:srcRect l="25261" r="64238"/>
+          <a:srcRect l="55102" t="15069" r="41457" b="75764"/>
           <a:stretch/>
         </p:blipFill>
         <p:spPr bwMode="auto">
@@ -5899,7 +7153,7 @@
           <p:cNvPr id="7" name="TextBox 6">
             <a:extLst>
               <a:ext uri="{FF2B5EF4-FFF2-40B4-BE49-F238E27FC236}">
-                <a16:creationId xmlns:a16="http://schemas.microsoft.com/office/drawing/2014/main" id="{DFB50E7B-FA09-55C9-C349-F84E3E9081E8}"/>
+                <a16:creationId xmlns:a16="http://schemas.microsoft.com/office/drawing/2014/main" id="{7EB7C63B-5D34-5C2D-4814-A349519BEB82}"/>
               </a:ext>
             </a:extLst>
           </p:cNvPr>
@@ -5923,15 +7177,77 @@
           <a:lstStyle/>
           <a:p>
             <a:r>
-              <a:rPr lang="en-IN" sz="3200" b="1" i="0" dirty="0">
+              <a:rPr lang="en-IN" sz="3200" b="1" dirty="0">
                 <a:solidFill>
                   <a:schemeClr val="bg1"/>
                 </a:solidFill>
-                <a:effectLst/>
                 <a:latin typeface="Calibri" panose="020F0502020204030204" pitchFamily="34" charset="0"/>
                 <a:cs typeface="Calibri" panose="020F0502020204030204" pitchFamily="34" charset="0"/>
               </a:rPr>
-              <a:t>DASHBOARD 3</a:t>
+              <a:t>User Interface</a:t>
+            </a:r>
+            <a:endParaRPr lang="en-IN" sz="3200" b="1" dirty="0">
+              <a:solidFill>
+                <a:schemeClr val="bg1"/>
+              </a:solidFill>
+              <a:latin typeface="Tableau Book"/>
+            </a:endParaRPr>
+          </a:p>
+        </p:txBody>
+      </p:sp>
+      <p:sp>
+        <p:nvSpPr>
+          <p:cNvPr id="2" name="Rectangle: Rounded Corners 1">
+            <a:extLst>
+              <a:ext uri="{FF2B5EF4-FFF2-40B4-BE49-F238E27FC236}">
+                <a16:creationId xmlns:a16="http://schemas.microsoft.com/office/drawing/2014/main" id="{E60F3323-4BF5-91CA-3CFA-13720A15C213}"/>
+              </a:ext>
+            </a:extLst>
+          </p:cNvPr>
+          <p:cNvSpPr/>
+          <p:nvPr/>
+        </p:nvSpPr>
+        <p:spPr>
+          <a:xfrm>
+            <a:off x="208373" y="1453243"/>
+            <a:ext cx="2469513" cy="900000"/>
+          </a:xfrm>
+          <a:prstGeom prst="roundRect">
+            <a:avLst/>
+          </a:prstGeom>
+          <a:solidFill>
+            <a:srgbClr val="CC2B31"/>
+          </a:solidFill>
+          <a:ln>
+            <a:solidFill>
+              <a:srgbClr val="CC2B31"/>
+            </a:solidFill>
+          </a:ln>
+        </p:spPr>
+        <p:style>
+          <a:lnRef idx="2">
+            <a:schemeClr val="accent1">
+              <a:shade val="15000"/>
+            </a:schemeClr>
+          </a:lnRef>
+          <a:fillRef idx="1">
+            <a:schemeClr val="accent1"/>
+          </a:fillRef>
+          <a:effectRef idx="0">
+            <a:schemeClr val="accent1"/>
+          </a:effectRef>
+          <a:fontRef idx="minor">
+            <a:schemeClr val="lt1"/>
+          </a:fontRef>
+        </p:style>
+        <p:txBody>
+          <a:bodyPr rtlCol="0" anchor="ctr"/>
+          <a:lstStyle/>
+          <a:p>
+            <a:pPr algn="ctr"/>
+            <a:r>
+              <a:rPr lang="en-CA" sz="2000" dirty="0"/>
+              <a:t>Player Stats and Prediction</a:t>
             </a:r>
           </a:p>
         </p:txBody>
@@ -5939,7 +7255,7 @@
     </p:spTree>
     <p:extLst>
       <p:ext uri="{BB962C8B-B14F-4D97-AF65-F5344CB8AC3E}">
-        <p14:creationId xmlns:p14="http://schemas.microsoft.com/office/powerpoint/2010/main" val="2324107005"/>
+        <p14:creationId xmlns:p14="http://schemas.microsoft.com/office/powerpoint/2010/main" val="691602037"/>
       </p:ext>
     </p:extLst>
   </p:cSld>
@@ -5968,10 +7284,44 @@
       </p:grpSpPr>
       <p:pic>
         <p:nvPicPr>
-          <p:cNvPr id="5" name="Picture 2" descr="The story of the NBA logo | Logo Design Love">
+          <p:cNvPr id="6" name="Picture 5">
             <a:extLst>
               <a:ext uri="{FF2B5EF4-FFF2-40B4-BE49-F238E27FC236}">
-                <a16:creationId xmlns:a16="http://schemas.microsoft.com/office/drawing/2014/main" id="{E39F5D33-2F4F-3FD2-4DD9-4E630AE7AB53}"/>
+                <a16:creationId xmlns:a16="http://schemas.microsoft.com/office/drawing/2014/main" id="{EEAA6E70-1D92-36AE-9BAA-BB5580A197BF}"/>
+              </a:ext>
+            </a:extLst>
+          </p:cNvPr>
+          <p:cNvPicPr>
+            <a:picLocks/>
+          </p:cNvPicPr>
+          <p:nvPr/>
+        </p:nvPicPr>
+        <p:blipFill rotWithShape="1">
+          <a:blip r:embed="rId2"/>
+          <a:srcRect l="12423" t="9333" r="11672" b="9001"/>
+          <a:stretch/>
+        </p:blipFill>
+        <p:spPr>
+          <a:xfrm>
+            <a:off x="2803627" y="1244562"/>
+            <a:ext cx="9180000" cy="5400000"/>
+          </a:xfrm>
+          <a:prstGeom prst="rect">
+            <a:avLst/>
+          </a:prstGeom>
+          <a:ln>
+            <a:solidFill>
+              <a:schemeClr val="tx1"/>
+            </a:solidFill>
+          </a:ln>
+        </p:spPr>
+      </p:pic>
+      <p:pic>
+        <p:nvPicPr>
+          <p:cNvPr id="3" name="Picture 2" descr="The story of the NBA logo | Logo Design Love">
+            <a:extLst>
+              <a:ext uri="{FF2B5EF4-FFF2-40B4-BE49-F238E27FC236}">
+                <a16:creationId xmlns:a16="http://schemas.microsoft.com/office/drawing/2014/main" id="{C81FD6B0-3105-3C86-99C7-B5CA428D95BA}"/>
               </a:ext>
             </a:extLst>
           </p:cNvPr>
@@ -5981,7 +7331,7 @@
           <p:nvPr/>
         </p:nvPicPr>
         <p:blipFill rotWithShape="1">
-          <a:blip r:embed="rId2">
+          <a:blip r:embed="rId3">
             <a:extLst>
               <a:ext uri="{28A0092B-C50C-407E-A947-70E740481C1C}">
                 <a14:useLocalDpi xmlns:a14="http://schemas.microsoft.com/office/drawing/2010/main" val="0"/>
@@ -6013,10 +7363,10 @@
       </p:pic>
       <p:pic>
         <p:nvPicPr>
-          <p:cNvPr id="8" name="Picture 2" descr="The story of the NBA logo | Logo Design Love">
+          <p:cNvPr id="5" name="Picture 2" descr="The story of the NBA logo | Logo Design Love">
             <a:extLst>
               <a:ext uri="{FF2B5EF4-FFF2-40B4-BE49-F238E27FC236}">
-                <a16:creationId xmlns:a16="http://schemas.microsoft.com/office/drawing/2014/main" id="{5913FDC1-3392-AB03-ACE4-16AC5D3ECBF6}"/>
+                <a16:creationId xmlns:a16="http://schemas.microsoft.com/office/drawing/2014/main" id="{DA3995D7-109A-38AA-0564-DD90A80BAC93}"/>
               </a:ext>
             </a:extLst>
           </p:cNvPr>
@@ -6026,14 +7376,14 @@
           <p:nvPr/>
         </p:nvPicPr>
         <p:blipFill rotWithShape="1">
-          <a:blip r:embed="rId2">
+          <a:blip r:embed="rId3">
             <a:extLst>
               <a:ext uri="{28A0092B-C50C-407E-A947-70E740481C1C}">
                 <a14:useLocalDpi xmlns:a14="http://schemas.microsoft.com/office/drawing/2010/main" val="0"/>
               </a:ext>
             </a:extLst>
           </a:blip>
-          <a:srcRect l="55102" t="15069" r="41457" b="75764"/>
+          <a:srcRect l="25261" r="64238"/>
           <a:stretch/>
         </p:blipFill>
         <p:spPr bwMode="auto">
@@ -6058,10 +7408,10 @@
       </p:pic>
       <p:sp>
         <p:nvSpPr>
-          <p:cNvPr id="2" name="TextBox 1">
+          <p:cNvPr id="7" name="TextBox 6">
             <a:extLst>
               <a:ext uri="{FF2B5EF4-FFF2-40B4-BE49-F238E27FC236}">
-                <a16:creationId xmlns:a16="http://schemas.microsoft.com/office/drawing/2014/main" id="{C337E01E-8910-BDE0-8B9C-836FE5512DB4}"/>
+                <a16:creationId xmlns:a16="http://schemas.microsoft.com/office/drawing/2014/main" id="{DFB50E7B-FA09-55C9-C349-F84E3E9081E8}"/>
               </a:ext>
             </a:extLst>
           </p:cNvPr>
@@ -6070,162 +7420,95 @@
         </p:nvSpPr>
         <p:spPr>
           <a:xfrm>
-            <a:off x="223700" y="1657810"/>
-            <a:ext cx="11759927" cy="3416320"/>
+            <a:off x="581628" y="344562"/>
+            <a:ext cx="5486401" cy="584775"/>
           </a:xfrm>
           <a:prstGeom prst="rect">
             <a:avLst/>
           </a:prstGeom>
-        </p:spPr>
-        <p:style>
-          <a:lnRef idx="2">
-            <a:schemeClr val="dk1"/>
-          </a:lnRef>
-          <a:fillRef idx="1">
-            <a:schemeClr val="lt1"/>
-          </a:fillRef>
-          <a:effectRef idx="0">
-            <a:schemeClr val="dk1"/>
-          </a:effectRef>
-          <a:fontRef idx="minor">
-            <a:schemeClr val="dk1"/>
-          </a:fontRef>
-        </p:style>
+          <a:noFill/>
+        </p:spPr>
         <p:txBody>
           <a:bodyPr wrap="square" rtlCol="0">
             <a:spAutoFit/>
           </a:bodyPr>
           <a:lstStyle/>
           <a:p>
-            <a:pPr algn="l">
-              <a:buFont typeface="Arial" panose="020B0604020202020204" pitchFamily="34" charset="0"/>
-              <a:buChar char="•"/>
-            </a:pPr>
-            <a:r>
-              <a:rPr lang="en-IN" b="0" i="0" u="none" strike="noStrike" dirty="0">
-                <a:solidFill>
-                  <a:srgbClr val="1F2328"/>
-                </a:solidFill>
-                <a:effectLst/>
-                <a:latin typeface="-apple-system"/>
-              </a:rPr>
-              <a:t>Bad Encoding: The original data had encoding issues that we struggled to handle. We had to apply encoding techniques to ensure proper handling and interpretation of the data.</a:t>
-            </a:r>
-          </a:p>
-          <a:p>
-            <a:pPr algn="l"/>
-            <a:endParaRPr lang="en-IN" b="0" i="0" u="none" strike="noStrike" dirty="0">
-              <a:solidFill>
-                <a:srgbClr val="1F2328"/>
-              </a:solidFill>
-              <a:effectLst/>
-              <a:latin typeface="-apple-system"/>
-            </a:endParaRPr>
-          </a:p>
-          <a:p>
-            <a:pPr algn="l">
-              <a:buFont typeface="Arial" panose="020B0604020202020204" pitchFamily="34" charset="0"/>
-              <a:buChar char="•"/>
-            </a:pPr>
-            <a:r>
-              <a:rPr lang="en-IN" b="0" i="0" u="none" strike="noStrike" dirty="0">
-                <a:solidFill>
-                  <a:srgbClr val="1F2328"/>
-                </a:solidFill>
-                <a:effectLst/>
-                <a:latin typeface="-apple-system"/>
-              </a:rPr>
-              <a:t> External Factors: While player statistics provide valuable insights, it's important to note that other factors can influence a player's performance on the court. Factors such as injuries, team dynamics, coaching strategies, and external circumstances were not included in our analysis. Considering these external factors could further enhance the accuracy and predictive power of the model.</a:t>
-            </a:r>
-          </a:p>
-          <a:p>
-            <a:pPr algn="l"/>
-            <a:endParaRPr lang="en-IN" b="0" i="0" u="none" strike="noStrike" dirty="0">
-              <a:solidFill>
-                <a:srgbClr val="1F2328"/>
-              </a:solidFill>
-              <a:effectLst/>
-              <a:latin typeface="-apple-system"/>
-            </a:endParaRPr>
-          </a:p>
-          <a:p>
-            <a:pPr algn="l">
-              <a:buFont typeface="Arial" panose="020B0604020202020204" pitchFamily="34" charset="0"/>
-              <a:buChar char="•"/>
-            </a:pPr>
-            <a:r>
-              <a:rPr lang="en-IN" dirty="0">
-                <a:solidFill>
-                  <a:srgbClr val="1F2328"/>
-                </a:solidFill>
-                <a:latin typeface="-apple-system"/>
-              </a:rPr>
-              <a:t>Outliers: </a:t>
-            </a:r>
-            <a:r>
-              <a:rPr lang="en-IN" b="0" i="0" u="none" strike="noStrike" dirty="0">
-                <a:solidFill>
-                  <a:srgbClr val="1F2328"/>
-                </a:solidFill>
-                <a:effectLst/>
-                <a:latin typeface="-apple-system"/>
-              </a:rPr>
-              <a:t>To handle these outliers, we implemented a post-processing step where we replaced any negative predicted values with zeros. This approach allowed us to address the outliers and ensure that the predicted statistics remain within a valid range. By zeroing out the negative values, we mitigated the impact of outliers on the model's performance and ensured that the predicted player statistics align with the expectations of NBA player performance.</a:t>
-            </a:r>
-          </a:p>
-        </p:txBody>
-      </p:sp>
-      <p:sp>
-        <p:nvSpPr>
-          <p:cNvPr id="6" name="TextBox 5">
-            <a:extLst>
-              <a:ext uri="{FF2B5EF4-FFF2-40B4-BE49-F238E27FC236}">
-                <a16:creationId xmlns:a16="http://schemas.microsoft.com/office/drawing/2014/main" id="{FDAA1CAA-271E-B322-F9C9-ED9048310E88}"/>
-              </a:ext>
-            </a:extLst>
-          </p:cNvPr>
-          <p:cNvSpPr txBox="1"/>
-          <p:nvPr/>
-        </p:nvSpPr>
-        <p:spPr>
-          <a:xfrm>
-            <a:off x="581628" y="344562"/>
-            <a:ext cx="5486401" cy="584775"/>
-          </a:xfrm>
-          <a:prstGeom prst="rect">
-            <a:avLst/>
-          </a:prstGeom>
-          <a:noFill/>
-        </p:spPr>
-        <p:txBody>
-          <a:bodyPr wrap="square" rtlCol="0">
-            <a:spAutoFit/>
-          </a:bodyPr>
-          <a:lstStyle/>
-          <a:p>
-            <a:r>
-              <a:rPr lang="en-IN" sz="3200" b="1" dirty="0">
+            <a:r>
+              <a:rPr lang="en-IN" sz="3200" b="1" i="0" dirty="0">
                 <a:solidFill>
                   <a:schemeClr val="bg1"/>
                 </a:solidFill>
+                <a:effectLst/>
                 <a:latin typeface="Calibri" panose="020F0502020204030204" pitchFamily="34" charset="0"/>
                 <a:cs typeface="Calibri" panose="020F0502020204030204" pitchFamily="34" charset="0"/>
               </a:rPr>
-              <a:t>CHALLENGES</a:t>
-            </a:r>
-            <a:endParaRPr lang="en-IN" sz="3200" b="1" dirty="0">
-              <a:solidFill>
-                <a:schemeClr val="bg1"/>
-              </a:solidFill>
-              <a:latin typeface="Tableau Book"/>
-            </a:endParaRPr>
+              <a:t>User Interface</a:t>
+            </a:r>
+          </a:p>
+        </p:txBody>
+      </p:sp>
+      <p:sp>
+        <p:nvSpPr>
+          <p:cNvPr id="2" name="Rectangle: Rounded Corners 1">
+            <a:extLst>
+              <a:ext uri="{FF2B5EF4-FFF2-40B4-BE49-F238E27FC236}">
+                <a16:creationId xmlns:a16="http://schemas.microsoft.com/office/drawing/2014/main" id="{7E6262FB-1B41-27DE-B022-2E3B6DA29D7F}"/>
+              </a:ext>
+            </a:extLst>
+          </p:cNvPr>
+          <p:cNvSpPr/>
+          <p:nvPr/>
+        </p:nvSpPr>
+        <p:spPr>
+          <a:xfrm>
+            <a:off x="208373" y="1453243"/>
+            <a:ext cx="2469513" cy="900000"/>
+          </a:xfrm>
+          <a:prstGeom prst="roundRect">
+            <a:avLst/>
+          </a:prstGeom>
+          <a:solidFill>
+            <a:srgbClr val="0253A4"/>
+          </a:solidFill>
+          <a:ln>
+            <a:solidFill>
+              <a:srgbClr val="0253A4"/>
+            </a:solidFill>
+          </a:ln>
+        </p:spPr>
+        <p:style>
+          <a:lnRef idx="2">
+            <a:schemeClr val="accent1">
+              <a:shade val="15000"/>
+            </a:schemeClr>
+          </a:lnRef>
+          <a:fillRef idx="1">
+            <a:schemeClr val="accent1"/>
+          </a:fillRef>
+          <a:effectRef idx="0">
+            <a:schemeClr val="accent1"/>
+          </a:effectRef>
+          <a:fontRef idx="minor">
+            <a:schemeClr val="lt1"/>
+          </a:fontRef>
+        </p:style>
+        <p:txBody>
+          <a:bodyPr rtlCol="0" anchor="ctr"/>
+          <a:lstStyle/>
+          <a:p>
+            <a:pPr algn="ctr"/>
+            <a:r>
+              <a:rPr lang="en-CA" sz="2000" dirty="0"/>
+              <a:t>Player Comparison</a:t>
+            </a:r>
           </a:p>
         </p:txBody>
       </p:sp>
     </p:spTree>
     <p:extLst>
       <p:ext uri="{BB962C8B-B14F-4D97-AF65-F5344CB8AC3E}">
-        <p14:creationId xmlns:p14="http://schemas.microsoft.com/office/powerpoint/2010/main" val="2380916451"/>
+        <p14:creationId xmlns:p14="http://schemas.microsoft.com/office/powerpoint/2010/main" val="2324107005"/>
       </p:ext>
     </p:extLst>
   </p:cSld>
